--- a/PPT/210421_빛창식과 아이들_사진추가본.pptx
+++ b/PPT/210421_빛창식과 아이들_사진추가본.pptx
@@ -32,20 +32,20 @@
   <p:notesSz cx="6858000" cy="9144000"/>
   <p:embeddedFontLst>
     <p:embeddedFont>
-      <p:font typeface="한수원 한돋움" panose="020B0600000101010101" charset="-127"/>
-      <p:bold r:id="rId20"/>
-    </p:embeddedFont>
-    <p:embeddedFont>
-      <p:font typeface="한수원 한돋움 Bold" panose="020B0600000101010101" charset="-127"/>
+      <p:font typeface="맑은 고딕" pitchFamily="50" charset="-127"/>
+      <p:regular r:id="rId20"/>
       <p:bold r:id="rId21"/>
     </p:embeddedFont>
     <p:embeddedFont>
-      <p:font typeface="Tmon몬소리 Black" panose="020B0600000101010101" charset="-127"/>
+      <p:font typeface="Tmon몬소리 Black" pitchFamily="2" charset="-127"/>
       <p:bold r:id="rId22"/>
     </p:embeddedFont>
     <p:embeddedFont>
-      <p:font typeface="맑은 고딕" panose="020B0503020000020004" pitchFamily="50" charset="-127"/>
-      <p:regular r:id="rId23"/>
+      <p:font typeface="한수원 한돋움" pitchFamily="50" charset="-127"/>
+      <p:bold r:id="rId23"/>
+    </p:embeddedFont>
+    <p:embeddedFont>
+      <p:font typeface="한수원 한돋움 Bold" pitchFamily="50" charset="-127"/>
       <p:bold r:id="rId24"/>
     </p:embeddedFont>
   </p:embeddedFontLst>
@@ -146,7 +146,7 @@
   </p:defaultTextStyle>
   <p:extLst>
     <p:ext uri="{EFAFB233-063F-42B5-8137-9DF3F51BA10A}">
-      <p15:sldGuideLst xmlns:p15="http://schemas.microsoft.com/office/powerpoint/2012/main">
+      <p15:sldGuideLst xmlns:p15="http://schemas.microsoft.com/office/powerpoint/2012/main" xmlns="">
         <p15:guide id="1" orient="horz" pos="1620">
           <p15:clr>
             <a:srgbClr val="A4A3A4"/>
@@ -160,7 +160,7 @@
       </p15:sldGuideLst>
     </p:ext>
     <p:ext uri="{2D200454-40CA-4A62-9FC3-DE9A4176ACB9}">
-      <p15:notesGuideLst xmlns:p15="http://schemas.microsoft.com/office/powerpoint/2012/main">
+      <p15:notesGuideLst xmlns:p15="http://schemas.microsoft.com/office/powerpoint/2012/main" xmlns="">
         <p15:guide id="1" orient="horz" pos="2880">
           <p15:clr>
             <a:srgbClr val="A4A3A4"/>
@@ -966,7 +966,7 @@
           <p:cNvPr id="4" name="날짜 개체 틀 3">
             <a:extLst>
               <a:ext uri="{FF2B5EF4-FFF2-40B4-BE49-F238E27FC236}">
-                <a16:creationId xmlns:a16="http://schemas.microsoft.com/office/drawing/2014/main" id="{3BA2C713-AC81-4EB2-9330-581E0B6AE811}"/>
+                <a16:creationId xmlns:a16="http://schemas.microsoft.com/office/drawing/2014/main" xmlns="" id="{3BA2C713-AC81-4EB2-9330-581E0B6AE811}"/>
               </a:ext>
             </a:extLst>
           </p:cNvPr>
@@ -995,7 +995,7 @@
           <p:cNvPr id="5" name="바닥글 개체 틀 4">
             <a:extLst>
               <a:ext uri="{FF2B5EF4-FFF2-40B4-BE49-F238E27FC236}">
-                <a16:creationId xmlns:a16="http://schemas.microsoft.com/office/drawing/2014/main" id="{1F0F55EC-D62C-46D0-85AA-2079E978B3AC}"/>
+                <a16:creationId xmlns:a16="http://schemas.microsoft.com/office/drawing/2014/main" xmlns="" id="{1F0F55EC-D62C-46D0-85AA-2079E978B3AC}"/>
               </a:ext>
             </a:extLst>
           </p:cNvPr>
@@ -1020,7 +1020,7 @@
           <p:cNvPr id="6" name="슬라이드 번호 개체 틀 5">
             <a:extLst>
               <a:ext uri="{FF2B5EF4-FFF2-40B4-BE49-F238E27FC236}">
-                <a16:creationId xmlns:a16="http://schemas.microsoft.com/office/drawing/2014/main" id="{A786F994-D68F-40EE-B340-2867A153420B}"/>
+                <a16:creationId xmlns:a16="http://schemas.microsoft.com/office/drawing/2014/main" xmlns="" id="{A786F994-D68F-40EE-B340-2867A153420B}"/>
               </a:ext>
             </a:extLst>
           </p:cNvPr>
@@ -1063,7 +1063,7 @@
   </p:timing>
   <p:extLst mod="1">
     <p:ext uri="{DCECCB84-F9BA-43D5-87BE-67443E8EF086}">
-      <p15:sldGuideLst xmlns:p15="http://schemas.microsoft.com/office/powerpoint/2012/main">
+      <p15:sldGuideLst xmlns:p15="http://schemas.microsoft.com/office/powerpoint/2012/main" xmlns="">
         <p15:guide id="1" orient="horz" pos="278" userDrawn="1">
           <p15:clr>
             <a:srgbClr val="FBAE40"/>
@@ -1112,7 +1112,7 @@
           <p:cNvPr id="4" name="날짜 개체 틀 3">
             <a:extLst>
               <a:ext uri="{FF2B5EF4-FFF2-40B4-BE49-F238E27FC236}">
-                <a16:creationId xmlns:a16="http://schemas.microsoft.com/office/drawing/2014/main" id="{46623D75-7690-462B-A0DC-A4F3108DC644}"/>
+                <a16:creationId xmlns:a16="http://schemas.microsoft.com/office/drawing/2014/main" xmlns="" id="{46623D75-7690-462B-A0DC-A4F3108DC644}"/>
               </a:ext>
             </a:extLst>
           </p:cNvPr>
@@ -1141,7 +1141,7 @@
           <p:cNvPr id="5" name="바닥글 개체 틀 4">
             <a:extLst>
               <a:ext uri="{FF2B5EF4-FFF2-40B4-BE49-F238E27FC236}">
-                <a16:creationId xmlns:a16="http://schemas.microsoft.com/office/drawing/2014/main" id="{70F3BCB1-6A24-432F-A778-B735C6861206}"/>
+                <a16:creationId xmlns:a16="http://schemas.microsoft.com/office/drawing/2014/main" xmlns="" id="{70F3BCB1-6A24-432F-A778-B735C6861206}"/>
               </a:ext>
             </a:extLst>
           </p:cNvPr>
@@ -1166,7 +1166,7 @@
           <p:cNvPr id="6" name="슬라이드 번호 개체 틀 5">
             <a:extLst>
               <a:ext uri="{FF2B5EF4-FFF2-40B4-BE49-F238E27FC236}">
-                <a16:creationId xmlns:a16="http://schemas.microsoft.com/office/drawing/2014/main" id="{FB4ED32B-3446-46D1-A849-41F78A9D9060}"/>
+                <a16:creationId xmlns:a16="http://schemas.microsoft.com/office/drawing/2014/main" xmlns="" id="{FB4ED32B-3446-46D1-A849-41F78A9D9060}"/>
               </a:ext>
             </a:extLst>
           </p:cNvPr>
@@ -1195,7 +1195,7 @@
           <p:cNvPr id="7" name="TextBox 6">
             <a:extLst>
               <a:ext uri="{FF2B5EF4-FFF2-40B4-BE49-F238E27FC236}">
-                <a16:creationId xmlns:a16="http://schemas.microsoft.com/office/drawing/2014/main" id="{A1687216-9C76-4F29-934C-F430DF40C5FA}"/>
+                <a16:creationId xmlns:a16="http://schemas.microsoft.com/office/drawing/2014/main" xmlns="" id="{A1687216-9C76-4F29-934C-F430DF40C5FA}"/>
               </a:ext>
             </a:extLst>
           </p:cNvPr>
@@ -1389,7 +1389,7 @@
           <p:cNvPr id="4" name="날짜 개체 틀 3">
             <a:extLst>
               <a:ext uri="{FF2B5EF4-FFF2-40B4-BE49-F238E27FC236}">
-                <a16:creationId xmlns:a16="http://schemas.microsoft.com/office/drawing/2014/main" id="{46623D75-7690-462B-A0DC-A4F3108DC644}"/>
+                <a16:creationId xmlns:a16="http://schemas.microsoft.com/office/drawing/2014/main" xmlns="" id="{46623D75-7690-462B-A0DC-A4F3108DC644}"/>
               </a:ext>
             </a:extLst>
           </p:cNvPr>
@@ -1418,7 +1418,7 @@
           <p:cNvPr id="5" name="바닥글 개체 틀 4">
             <a:extLst>
               <a:ext uri="{FF2B5EF4-FFF2-40B4-BE49-F238E27FC236}">
-                <a16:creationId xmlns:a16="http://schemas.microsoft.com/office/drawing/2014/main" id="{70F3BCB1-6A24-432F-A778-B735C6861206}"/>
+                <a16:creationId xmlns:a16="http://schemas.microsoft.com/office/drawing/2014/main" xmlns="" id="{70F3BCB1-6A24-432F-A778-B735C6861206}"/>
               </a:ext>
             </a:extLst>
           </p:cNvPr>
@@ -1443,7 +1443,7 @@
           <p:cNvPr id="6" name="슬라이드 번호 개체 틀 5">
             <a:extLst>
               <a:ext uri="{FF2B5EF4-FFF2-40B4-BE49-F238E27FC236}">
-                <a16:creationId xmlns:a16="http://schemas.microsoft.com/office/drawing/2014/main" id="{FB4ED32B-3446-46D1-A849-41F78A9D9060}"/>
+                <a16:creationId xmlns:a16="http://schemas.microsoft.com/office/drawing/2014/main" xmlns="" id="{FB4ED32B-3446-46D1-A849-41F78A9D9060}"/>
               </a:ext>
             </a:extLst>
           </p:cNvPr>
@@ -1472,7 +1472,7 @@
           <p:cNvPr id="7" name="TextBox 6">
             <a:extLst>
               <a:ext uri="{FF2B5EF4-FFF2-40B4-BE49-F238E27FC236}">
-                <a16:creationId xmlns:a16="http://schemas.microsoft.com/office/drawing/2014/main" id="{A1687216-9C76-4F29-934C-F430DF40C5FA}"/>
+                <a16:creationId xmlns:a16="http://schemas.microsoft.com/office/drawing/2014/main" xmlns="" id="{A1687216-9C76-4F29-934C-F430DF40C5FA}"/>
               </a:ext>
             </a:extLst>
           </p:cNvPr>
@@ -1645,7 +1645,7 @@
           <p:cNvPr id="4" name="날짜 개체 틀 3">
             <a:extLst>
               <a:ext uri="{FF2B5EF4-FFF2-40B4-BE49-F238E27FC236}">
-                <a16:creationId xmlns:a16="http://schemas.microsoft.com/office/drawing/2014/main" id="{46623D75-7690-462B-A0DC-A4F3108DC644}"/>
+                <a16:creationId xmlns:a16="http://schemas.microsoft.com/office/drawing/2014/main" xmlns="" id="{46623D75-7690-462B-A0DC-A4F3108DC644}"/>
               </a:ext>
             </a:extLst>
           </p:cNvPr>
@@ -1674,7 +1674,7 @@
           <p:cNvPr id="5" name="바닥글 개체 틀 4">
             <a:extLst>
               <a:ext uri="{FF2B5EF4-FFF2-40B4-BE49-F238E27FC236}">
-                <a16:creationId xmlns:a16="http://schemas.microsoft.com/office/drawing/2014/main" id="{70F3BCB1-6A24-432F-A778-B735C6861206}"/>
+                <a16:creationId xmlns:a16="http://schemas.microsoft.com/office/drawing/2014/main" xmlns="" id="{70F3BCB1-6A24-432F-A778-B735C6861206}"/>
               </a:ext>
             </a:extLst>
           </p:cNvPr>
@@ -1699,7 +1699,7 @@
           <p:cNvPr id="6" name="슬라이드 번호 개체 틀 5">
             <a:extLst>
               <a:ext uri="{FF2B5EF4-FFF2-40B4-BE49-F238E27FC236}">
-                <a16:creationId xmlns:a16="http://schemas.microsoft.com/office/drawing/2014/main" id="{FB4ED32B-3446-46D1-A849-41F78A9D9060}"/>
+                <a16:creationId xmlns:a16="http://schemas.microsoft.com/office/drawing/2014/main" xmlns="" id="{FB4ED32B-3446-46D1-A849-41F78A9D9060}"/>
               </a:ext>
             </a:extLst>
           </p:cNvPr>
@@ -1728,7 +1728,7 @@
           <p:cNvPr id="7" name="TextBox 6">
             <a:extLst>
               <a:ext uri="{FF2B5EF4-FFF2-40B4-BE49-F238E27FC236}">
-                <a16:creationId xmlns:a16="http://schemas.microsoft.com/office/drawing/2014/main" id="{A1687216-9C76-4F29-934C-F430DF40C5FA}"/>
+                <a16:creationId xmlns:a16="http://schemas.microsoft.com/office/drawing/2014/main" xmlns="" id="{A1687216-9C76-4F29-934C-F430DF40C5FA}"/>
               </a:ext>
             </a:extLst>
           </p:cNvPr>
@@ -1901,7 +1901,7 @@
           <p:cNvPr id="4" name="날짜 개체 틀 3">
             <a:extLst>
               <a:ext uri="{FF2B5EF4-FFF2-40B4-BE49-F238E27FC236}">
-                <a16:creationId xmlns:a16="http://schemas.microsoft.com/office/drawing/2014/main" id="{46623D75-7690-462B-A0DC-A4F3108DC644}"/>
+                <a16:creationId xmlns:a16="http://schemas.microsoft.com/office/drawing/2014/main" xmlns="" id="{46623D75-7690-462B-A0DC-A4F3108DC644}"/>
               </a:ext>
             </a:extLst>
           </p:cNvPr>
@@ -1930,7 +1930,7 @@
           <p:cNvPr id="5" name="바닥글 개체 틀 4">
             <a:extLst>
               <a:ext uri="{FF2B5EF4-FFF2-40B4-BE49-F238E27FC236}">
-                <a16:creationId xmlns:a16="http://schemas.microsoft.com/office/drawing/2014/main" id="{70F3BCB1-6A24-432F-A778-B735C6861206}"/>
+                <a16:creationId xmlns:a16="http://schemas.microsoft.com/office/drawing/2014/main" xmlns="" id="{70F3BCB1-6A24-432F-A778-B735C6861206}"/>
               </a:ext>
             </a:extLst>
           </p:cNvPr>
@@ -1955,7 +1955,7 @@
           <p:cNvPr id="6" name="슬라이드 번호 개체 틀 5">
             <a:extLst>
               <a:ext uri="{FF2B5EF4-FFF2-40B4-BE49-F238E27FC236}">
-                <a16:creationId xmlns:a16="http://schemas.microsoft.com/office/drawing/2014/main" id="{FB4ED32B-3446-46D1-A849-41F78A9D9060}"/>
+                <a16:creationId xmlns:a16="http://schemas.microsoft.com/office/drawing/2014/main" xmlns="" id="{FB4ED32B-3446-46D1-A849-41F78A9D9060}"/>
               </a:ext>
             </a:extLst>
           </p:cNvPr>
@@ -1984,7 +1984,7 @@
           <p:cNvPr id="7" name="TextBox 6">
             <a:extLst>
               <a:ext uri="{FF2B5EF4-FFF2-40B4-BE49-F238E27FC236}">
-                <a16:creationId xmlns:a16="http://schemas.microsoft.com/office/drawing/2014/main" id="{A1687216-9C76-4F29-934C-F430DF40C5FA}"/>
+                <a16:creationId xmlns:a16="http://schemas.microsoft.com/office/drawing/2014/main" xmlns="" id="{A1687216-9C76-4F29-934C-F430DF40C5FA}"/>
               </a:ext>
             </a:extLst>
           </p:cNvPr>
@@ -2157,7 +2157,7 @@
           <p:cNvPr id="2" name="제목 1">
             <a:extLst>
               <a:ext uri="{FF2B5EF4-FFF2-40B4-BE49-F238E27FC236}">
-                <a16:creationId xmlns:a16="http://schemas.microsoft.com/office/drawing/2014/main" id="{36BFCA8F-81E3-4494-807A-19ED363184C9}"/>
+                <a16:creationId xmlns:a16="http://schemas.microsoft.com/office/drawing/2014/main" xmlns="" id="{36BFCA8F-81E3-4494-807A-19ED363184C9}"/>
               </a:ext>
             </a:extLst>
           </p:cNvPr>
@@ -2197,7 +2197,7 @@
           <p:cNvPr id="3" name="부제목 2">
             <a:extLst>
               <a:ext uri="{FF2B5EF4-FFF2-40B4-BE49-F238E27FC236}">
-                <a16:creationId xmlns:a16="http://schemas.microsoft.com/office/drawing/2014/main" id="{54A30F0C-47F5-4BBB-8D9A-EEA1FF7E8DFB}"/>
+                <a16:creationId xmlns:a16="http://schemas.microsoft.com/office/drawing/2014/main" xmlns="" id="{54A30F0C-47F5-4BBB-8D9A-EEA1FF7E8DFB}"/>
               </a:ext>
             </a:extLst>
           </p:cNvPr>
@@ -2270,7 +2270,7 @@
           <p:cNvPr id="4" name="날짜 개체 틀 3">
             <a:extLst>
               <a:ext uri="{FF2B5EF4-FFF2-40B4-BE49-F238E27FC236}">
-                <a16:creationId xmlns:a16="http://schemas.microsoft.com/office/drawing/2014/main" id="{3BA2C713-AC81-4EB2-9330-581E0B6AE811}"/>
+                <a16:creationId xmlns:a16="http://schemas.microsoft.com/office/drawing/2014/main" xmlns="" id="{3BA2C713-AC81-4EB2-9330-581E0B6AE811}"/>
               </a:ext>
             </a:extLst>
           </p:cNvPr>
@@ -2299,7 +2299,7 @@
           <p:cNvPr id="5" name="바닥글 개체 틀 4">
             <a:extLst>
               <a:ext uri="{FF2B5EF4-FFF2-40B4-BE49-F238E27FC236}">
-                <a16:creationId xmlns:a16="http://schemas.microsoft.com/office/drawing/2014/main" id="{1F0F55EC-D62C-46D0-85AA-2079E978B3AC}"/>
+                <a16:creationId xmlns:a16="http://schemas.microsoft.com/office/drawing/2014/main" xmlns="" id="{1F0F55EC-D62C-46D0-85AA-2079E978B3AC}"/>
               </a:ext>
             </a:extLst>
           </p:cNvPr>
@@ -2324,7 +2324,7 @@
           <p:cNvPr id="6" name="슬라이드 번호 개체 틀 5">
             <a:extLst>
               <a:ext uri="{FF2B5EF4-FFF2-40B4-BE49-F238E27FC236}">
-                <a16:creationId xmlns:a16="http://schemas.microsoft.com/office/drawing/2014/main" id="{A786F994-D68F-40EE-B340-2867A153420B}"/>
+                <a16:creationId xmlns:a16="http://schemas.microsoft.com/office/drawing/2014/main" xmlns="" id="{A786F994-D68F-40EE-B340-2867A153420B}"/>
               </a:ext>
             </a:extLst>
           </p:cNvPr>
@@ -2360,7 +2360,7 @@
   </p:clrMapOvr>
   <p:extLst mod="1">
     <p:ext uri="{DCECCB84-F9BA-43D5-87BE-67443E8EF086}">
-      <p15:sldGuideLst xmlns:p15="http://schemas.microsoft.com/office/powerpoint/2012/main">
+      <p15:sldGuideLst xmlns:p15="http://schemas.microsoft.com/office/powerpoint/2012/main" xmlns="">
         <p15:guide id="1" orient="horz" pos="278" userDrawn="1">
           <p15:clr>
             <a:srgbClr val="FBAE40"/>
@@ -2417,7 +2417,7 @@
           <p:cNvPr id="4" name="날짜 개체 틀 3">
             <a:extLst>
               <a:ext uri="{FF2B5EF4-FFF2-40B4-BE49-F238E27FC236}">
-                <a16:creationId xmlns:a16="http://schemas.microsoft.com/office/drawing/2014/main" id="{42D06877-D131-4080-A9F4-48C0B274C06E}"/>
+                <a16:creationId xmlns:a16="http://schemas.microsoft.com/office/drawing/2014/main" xmlns="" id="{42D06877-D131-4080-A9F4-48C0B274C06E}"/>
               </a:ext>
             </a:extLst>
           </p:cNvPr>
@@ -2464,7 +2464,7 @@
           <p:cNvPr id="5" name="바닥글 개체 틀 4">
             <a:extLst>
               <a:ext uri="{FF2B5EF4-FFF2-40B4-BE49-F238E27FC236}">
-                <a16:creationId xmlns:a16="http://schemas.microsoft.com/office/drawing/2014/main" id="{64076F67-2A68-49D1-BB80-037677E09A3F}"/>
+                <a16:creationId xmlns:a16="http://schemas.microsoft.com/office/drawing/2014/main" xmlns="" id="{64076F67-2A68-49D1-BB80-037677E09A3F}"/>
               </a:ext>
             </a:extLst>
           </p:cNvPr>
@@ -2507,7 +2507,7 @@
           <p:cNvPr id="6" name="슬라이드 번호 개체 틀 5">
             <a:extLst>
               <a:ext uri="{FF2B5EF4-FFF2-40B4-BE49-F238E27FC236}">
-                <a16:creationId xmlns:a16="http://schemas.microsoft.com/office/drawing/2014/main" id="{58782565-736B-44B3-9A33-43CB9E3F7716}"/>
+                <a16:creationId xmlns:a16="http://schemas.microsoft.com/office/drawing/2014/main" xmlns="" id="{58782565-736B-44B3-9A33-43CB9E3F7716}"/>
               </a:ext>
             </a:extLst>
           </p:cNvPr>
@@ -3098,13 +3098,13 @@
               </a:ext>
             </a:extLst>
           </a:blip>
-          <a:srcRect b="15665"/>
+          <a:srcRect t="-1" b="40395"/>
           <a:stretch/>
         </p:blipFill>
         <p:spPr>
           <a:xfrm>
-            <a:off x="693094" y="3214489"/>
-            <a:ext cx="7755582" cy="1327976"/>
+            <a:off x="693094" y="3603891"/>
+            <a:ext cx="7755582" cy="938573"/>
           </a:xfrm>
           <a:prstGeom prst="rect">
             <a:avLst/>
@@ -3335,14 +3335,14 @@
       </p:pic>
       <p:pic>
         <p:nvPicPr>
-          <p:cNvPr id="16" name="그림 15"/>
+          <p:cNvPr id="18" name="그림 17"/>
           <p:cNvPicPr>
             <a:picLocks noChangeAspect="1"/>
           </p:cNvPicPr>
           <p:nvPr/>
         </p:nvPicPr>
         <p:blipFill rotWithShape="1">
-          <a:blip r:embed="rId4">
+          <a:blip r:embed="rId11">
             <a:extLst>
               <a:ext uri="{BEBA8EAE-BF5A-486C-A8C5-ECC9F3942E4B}">
                 <a14:imgProps xmlns:a14="http://schemas.microsoft.com/office/drawing/2010/main">
@@ -3359,6 +3359,9 @@
                         <a14:backgroundMark x1="7609" y1="40000" x2="7609" y2="40000"/>
                       </a14:backgroundRemoval>
                     </a14:imgEffect>
+                    <a14:imgEffect>
+                      <a14:saturation sat="200000"/>
+                    </a14:imgEffect>
                   </a14:imgLayer>
                 </a14:imgProps>
               </a:ext>
@@ -3367,13 +3370,13 @@
               </a:ext>
             </a:extLst>
           </a:blip>
-          <a:srcRect r="63215"/>
+          <a:srcRect l="62232" r="8554" b="10641"/>
           <a:stretch/>
         </p:blipFill>
         <p:spPr>
-          <a:xfrm rot="20691834">
-            <a:off x="-10245" y="2955331"/>
-            <a:ext cx="1142145" cy="2924949"/>
+          <a:xfrm>
+            <a:off x="8375999" y="2930505"/>
+            <a:ext cx="768002" cy="2212995"/>
           </a:xfrm>
           <a:prstGeom prst="rect">
             <a:avLst/>
@@ -3382,14 +3385,14 @@
       </p:pic>
       <p:pic>
         <p:nvPicPr>
-          <p:cNvPr id="18" name="그림 17"/>
+          <p:cNvPr id="19" name="그림 18"/>
           <p:cNvPicPr>
             <a:picLocks noChangeAspect="1"/>
           </p:cNvPicPr>
           <p:nvPr/>
         </p:nvPicPr>
         <p:blipFill rotWithShape="1">
-          <a:blip r:embed="rId4">
+          <a:blip r:embed="rId12">
             <a:extLst>
               <a:ext uri="{BEBA8EAE-BF5A-486C-A8C5-ECC9F3942E4B}">
                 <a14:imgProps xmlns:a14="http://schemas.microsoft.com/office/drawing/2010/main">
@@ -3406,52 +3409,11 @@
                         <a14:backgroundMark x1="7609" y1="40000" x2="7609" y2="40000"/>
                       </a14:backgroundRemoval>
                     </a14:imgEffect>
-                  </a14:imgLayer>
-                </a14:imgProps>
-              </a:ext>
-              <a:ext uri="{28A0092B-C50C-407E-A947-70E740481C1C}">
-                <a14:useLocalDpi xmlns:a14="http://schemas.microsoft.com/office/drawing/2010/main" val="0"/>
-              </a:ext>
-            </a:extLst>
-          </a:blip>
-          <a:srcRect l="62232"/>
-          <a:stretch/>
-        </p:blipFill>
-        <p:spPr>
-          <a:xfrm>
-            <a:off x="8375998" y="2930505"/>
-            <a:ext cx="992889" cy="2476500"/>
-          </a:xfrm>
-          <a:prstGeom prst="rect">
-            <a:avLst/>
-          </a:prstGeom>
-        </p:spPr>
-      </p:pic>
-      <p:pic>
-        <p:nvPicPr>
-          <p:cNvPr id="19" name="그림 18"/>
-          <p:cNvPicPr>
-            <a:picLocks noChangeAspect="1"/>
-          </p:cNvPicPr>
-          <p:nvPr/>
-        </p:nvPicPr>
-        <p:blipFill rotWithShape="1">
-          <a:blip r:embed="rId4">
-            <a:extLst>
-              <a:ext uri="{BEBA8EAE-BF5A-486C-A8C5-ECC9F3942E4B}">
-                <a14:imgProps xmlns:a14="http://schemas.microsoft.com/office/drawing/2010/main">
-                  <a14:imgLayer r:embed="rId5">
                     <a14:imgEffect>
-                      <a14:backgroundRemoval t="7308" b="95385" l="2174" r="100000">
-                        <a14:foregroundMark x1="46739" y1="38077" x2="46739" y2="38077"/>
-                        <a14:foregroundMark x1="48188" y1="71923" x2="48188" y2="71923"/>
-                        <a14:foregroundMark x1="43478" y1="66923" x2="43478" y2="66923"/>
-                        <a14:foregroundMark x1="13406" y1="43846" x2="13406" y2="43846"/>
-                        <a14:foregroundMark x1="48913" y1="86538" x2="48913" y2="86538"/>
-                        <a14:foregroundMark x1="40217" y1="40385" x2="40217" y2="40385"/>
-                        <a14:foregroundMark x1="49638" y1="81923" x2="49638" y2="81923"/>
-                        <a14:backgroundMark x1="7609" y1="40000" x2="7609" y2="40000"/>
-                      </a14:backgroundRemoval>
+                      <a14:colorTemperature colorTemp="5250"/>
+                    </a14:imgEffect>
+                    <a14:imgEffect>
+                      <a14:saturation sat="120000"/>
                     </a14:imgEffect>
                   </a14:imgLayer>
                 </a14:imgProps>
@@ -3461,43 +3423,13 @@
               </a:ext>
             </a:extLst>
           </a:blip>
-          <a:srcRect l="36045" r="36515"/>
+          <a:srcRect l="36045" r="36515" b="20523"/>
           <a:stretch/>
         </p:blipFill>
         <p:spPr>
           <a:xfrm>
-            <a:off x="7959923" y="3214489"/>
-            <a:ext cx="721344" cy="2476500"/>
-          </a:xfrm>
-          <a:prstGeom prst="rect">
-            <a:avLst/>
-          </a:prstGeom>
-        </p:spPr>
-      </p:pic>
-      <p:pic>
-        <p:nvPicPr>
-          <p:cNvPr id="13" name="그림 12"/>
-          <p:cNvPicPr>
-            <a:picLocks noChangeAspect="1"/>
-          </p:cNvPicPr>
-          <p:nvPr/>
-        </p:nvPicPr>
-        <p:blipFill>
-          <a:blip r:embed="rId11" cstate="print">
-            <a:extLst>
-              <a:ext uri="{28A0092B-C50C-407E-A947-70E740481C1C}">
-                <a14:useLocalDpi xmlns:a14="http://schemas.microsoft.com/office/drawing/2010/main" val="0"/>
-              </a:ext>
-            </a:extLst>
-          </a:blip>
-          <a:stretch>
-            <a:fillRect/>
-          </a:stretch>
-        </p:blipFill>
-        <p:spPr>
-          <a:xfrm>
-            <a:off x="5490474" y="2751177"/>
-            <a:ext cx="2882047" cy="2431558"/>
+            <a:off x="8014657" y="3363837"/>
+            <a:ext cx="666609" cy="1818897"/>
           </a:xfrm>
           <a:prstGeom prst="rect">
             <a:avLst/>
@@ -3509,7 +3441,7 @@
           <p:cNvPr id="20" name="TextBox 19">
             <a:extLst>
               <a:ext uri="{FF2B5EF4-FFF2-40B4-BE49-F238E27FC236}">
-                <a16:creationId xmlns:a16="http://schemas.microsoft.com/office/drawing/2014/main" id="{704C1FE0-6BEB-44C5-B4B9-1755F444F838}"/>
+                <a16:creationId xmlns:a16="http://schemas.microsoft.com/office/drawing/2014/main" xmlns="" id="{704C1FE0-6BEB-44C5-B4B9-1755F444F838}"/>
               </a:ext>
             </a:extLst>
           </p:cNvPr>
@@ -3518,7 +3450,7 @@
         </p:nvSpPr>
         <p:spPr>
           <a:xfrm>
-            <a:off x="2687555" y="1701792"/>
+            <a:off x="2746019" y="1632451"/>
             <a:ext cx="3651962" cy="723275"/>
           </a:xfrm>
           <a:prstGeom prst="rect">
@@ -3534,7 +3466,7 @@
           <a:p>
             <a:pPr algn="ctr"/>
             <a:r>
-              <a:rPr lang="ko-KR" altLang="en-US" sz="4100" dirty="0" smtClean="0">
+              <a:rPr lang="ko-KR" altLang="en-US" sz="4300" dirty="0" smtClean="0">
                 <a:ln>
                   <a:solidFill>
                     <a:schemeClr val="accent1">
@@ -3551,7 +3483,7 @@
               </a:rPr>
               <a:t>프로젝트 이름</a:t>
             </a:r>
-            <a:endParaRPr lang="ko-KR" altLang="en-US" sz="4100" dirty="0">
+            <a:endParaRPr lang="ko-KR" altLang="en-US" sz="4300" dirty="0">
               <a:ln>
                 <a:solidFill>
                   <a:schemeClr val="accent1">
@@ -3569,108 +3501,78 @@
           </a:p>
         </p:txBody>
       </p:sp>
-      <p:grpSp>
-        <p:nvGrpSpPr>
-          <p:cNvPr id="21" name="그룹 20"/>
-          <p:cNvGrpSpPr/>
+      <p:cxnSp>
+        <p:nvCxnSpPr>
+          <p:cNvPr id="22" name="직선 연결선 21">
+            <a:extLst>
+              <a:ext uri="{FF2B5EF4-FFF2-40B4-BE49-F238E27FC236}">
+                <a16:creationId xmlns:a16="http://schemas.microsoft.com/office/drawing/2014/main" xmlns="" id="{AA7311F7-BDB2-4871-A52E-85827F6BBA0C}"/>
+              </a:ext>
+            </a:extLst>
+          </p:cNvPr>
+          <p:cNvCxnSpPr/>
           <p:nvPr/>
-        </p:nvGrpSpPr>
-        <p:grpSpPr>
+        </p:nvCxnSpPr>
+        <p:spPr>
           <a:xfrm>
-            <a:off x="3225292" y="2837633"/>
-            <a:ext cx="2517159" cy="376856"/>
-            <a:chOff x="4985407" y="3631662"/>
-            <a:chExt cx="2517159" cy="376856"/>
+            <a:off x="3620148" y="2787774"/>
+            <a:ext cx="1669529" cy="0"/>
           </a:xfrm>
-        </p:grpSpPr>
-        <p:cxnSp>
-          <p:nvCxnSpPr>
-            <p:cNvPr id="22" name="직선 연결선 21">
-              <a:extLst>
-                <a:ext uri="{FF2B5EF4-FFF2-40B4-BE49-F238E27FC236}">
-                  <a16:creationId xmlns:a16="http://schemas.microsoft.com/office/drawing/2014/main" id="{AA7311F7-BDB2-4871-A52E-85827F6BBA0C}"/>
-                </a:ext>
-              </a:extLst>
-            </p:cNvPr>
-            <p:cNvCxnSpPr/>
-            <p:nvPr/>
-          </p:nvCxnSpPr>
-          <p:spPr>
-            <a:xfrm>
-              <a:off x="4985407" y="3631662"/>
-              <a:ext cx="609600" cy="0"/>
-            </a:xfrm>
-            <a:prstGeom prst="line">
-              <a:avLst/>
-            </a:prstGeom>
-            <a:ln w="57150">
-              <a:solidFill>
-                <a:srgbClr val="5E97E1"/>
-              </a:solidFill>
-            </a:ln>
-          </p:spPr>
-          <p:style>
-            <a:lnRef idx="1">
-              <a:schemeClr val="accent1"/>
-            </a:lnRef>
-            <a:fillRef idx="0">
-              <a:schemeClr val="accent1"/>
-            </a:fillRef>
-            <a:effectRef idx="0">
-              <a:schemeClr val="accent1"/>
-            </a:effectRef>
-            <a:fontRef idx="minor">
-              <a:schemeClr val="tx1"/>
-            </a:fontRef>
-          </p:style>
-        </p:cxnSp>
-        <p:sp>
-          <p:nvSpPr>
-            <p:cNvPr id="23" name="직사각형 22">
-              <a:extLst>
-                <a:ext uri="{FF2B5EF4-FFF2-40B4-BE49-F238E27FC236}">
-                  <a16:creationId xmlns:a16="http://schemas.microsoft.com/office/drawing/2014/main" id="{4607419D-DA91-41E9-BA14-DED2C6883059}"/>
-                </a:ext>
-              </a:extLst>
-            </p:cNvPr>
-            <p:cNvSpPr/>
-            <p:nvPr/>
-          </p:nvSpPr>
-          <p:spPr>
-            <a:xfrm>
-              <a:off x="5000438" y="3708435"/>
-              <a:ext cx="2502128" cy="300083"/>
-            </a:xfrm>
-            <a:prstGeom prst="rect">
-              <a:avLst/>
-            </a:prstGeom>
-            <a:noFill/>
-          </p:spPr>
-          <p:txBody>
-            <a:bodyPr wrap="none" lIns="0" tIns="34290" rIns="0" bIns="34290" rtlCol="0">
-              <a:noAutofit/>
-            </a:bodyPr>
-            <a:lstStyle/>
-            <a:p>
-              <a:r>
-                <a:rPr lang="en-US" altLang="ko-KR" sz="1500" dirty="0" smtClean="0">
-                  <a:ln>
-                    <a:solidFill>
-                      <a:schemeClr val="accent1">
-                        <a:shade val="50000"/>
-                        <a:alpha val="0"/>
-                      </a:schemeClr>
-                    </a:solidFill>
-                  </a:ln>
-                  <a:solidFill>
-                    <a:srgbClr val="00004A"/>
-                  </a:solidFill>
-                  <a:latin typeface="한수원 한돋움" pitchFamily="50" charset="-127"/>
-                  <a:ea typeface="한수원 한돋움" pitchFamily="50" charset="-127"/>
-                </a:rPr>
-                <a:t>Team. Jo2eeRum</a:t>
-              </a:r>
-              <a:endParaRPr lang="ko-KR" altLang="en-US" sz="1500" dirty="0">
+          <a:prstGeom prst="line">
+            <a:avLst/>
+          </a:prstGeom>
+          <a:ln w="57150">
+            <a:solidFill>
+              <a:srgbClr val="5E97E1"/>
+            </a:solidFill>
+          </a:ln>
+        </p:spPr>
+        <p:style>
+          <a:lnRef idx="1">
+            <a:schemeClr val="accent1"/>
+          </a:lnRef>
+          <a:fillRef idx="0">
+            <a:schemeClr val="accent1"/>
+          </a:fillRef>
+          <a:effectRef idx="0">
+            <a:schemeClr val="accent1"/>
+          </a:effectRef>
+          <a:fontRef idx="minor">
+            <a:schemeClr val="tx1"/>
+          </a:fontRef>
+        </p:style>
+      </p:cxnSp>
+      <p:sp>
+        <p:nvSpPr>
+          <p:cNvPr id="23" name="직사각형 22">
+            <a:extLst>
+              <a:ext uri="{FF2B5EF4-FFF2-40B4-BE49-F238E27FC236}">
+                <a16:creationId xmlns:a16="http://schemas.microsoft.com/office/drawing/2014/main" xmlns="" id="{4607419D-DA91-41E9-BA14-DED2C6883059}"/>
+              </a:ext>
+            </a:extLst>
+          </p:cNvPr>
+          <p:cNvSpPr/>
+          <p:nvPr/>
+        </p:nvSpPr>
+        <p:spPr>
+          <a:xfrm>
+            <a:off x="3203848" y="2864547"/>
+            <a:ext cx="2502128" cy="300083"/>
+          </a:xfrm>
+          <a:prstGeom prst="rect">
+            <a:avLst/>
+          </a:prstGeom>
+          <a:noFill/>
+        </p:spPr>
+        <p:txBody>
+          <a:bodyPr wrap="none" lIns="0" tIns="34290" rIns="0" bIns="34290" rtlCol="0">
+            <a:noAutofit/>
+          </a:bodyPr>
+          <a:lstStyle/>
+          <a:p>
+            <a:pPr algn="ctr"/>
+            <a:r>
+              <a:rPr lang="en-US" altLang="ko-KR" sz="1500" dirty="0" smtClean="0">
                 <a:ln>
                   <a:solidFill>
                     <a:schemeClr val="accent1">
@@ -3684,11 +3586,95 @@
                 </a:solidFill>
                 <a:latin typeface="한수원 한돋움" pitchFamily="50" charset="-127"/>
                 <a:ea typeface="한수원 한돋움" pitchFamily="50" charset="-127"/>
-              </a:endParaRPr>
-            </a:p>
-          </p:txBody>
-        </p:sp>
-      </p:grpSp>
+              </a:rPr>
+              <a:t>Team. Jo2eeRum</a:t>
+            </a:r>
+            <a:endParaRPr lang="ko-KR" altLang="en-US" sz="1500" dirty="0">
+              <a:ln>
+                <a:solidFill>
+                  <a:schemeClr val="accent1">
+                    <a:shade val="50000"/>
+                    <a:alpha val="0"/>
+                  </a:schemeClr>
+                </a:solidFill>
+              </a:ln>
+              <a:solidFill>
+                <a:srgbClr val="00004A"/>
+              </a:solidFill>
+              <a:latin typeface="한수원 한돋움" pitchFamily="50" charset="-127"/>
+              <a:ea typeface="한수원 한돋움" pitchFamily="50" charset="-127"/>
+            </a:endParaRPr>
+          </a:p>
+        </p:txBody>
+      </p:sp>
+      <p:pic>
+        <p:nvPicPr>
+          <p:cNvPr id="24" name="그림 23"/>
+          <p:cNvPicPr>
+            <a:picLocks noChangeAspect="1"/>
+          </p:cNvPicPr>
+          <p:nvPr/>
+        </p:nvPicPr>
+        <p:blipFill rotWithShape="1">
+          <a:blip r:embed="rId13">
+            <a:extLst>
+              <a:ext uri="{BEBA8EAE-BF5A-486C-A8C5-ECC9F3942E4B}">
+                <a14:imgProps xmlns:a14="http://schemas.microsoft.com/office/drawing/2010/main">
+                  <a14:imgLayer r:embed="rId14">
+                    <a14:imgEffect>
+                      <a14:saturation sat="200000"/>
+                    </a14:imgEffect>
+                  </a14:imgLayer>
+                </a14:imgProps>
+              </a:ext>
+              <a:ext uri="{28A0092B-C50C-407E-A947-70E740481C1C}">
+                <a14:useLocalDpi xmlns:a14="http://schemas.microsoft.com/office/drawing/2010/main" val="0"/>
+              </a:ext>
+            </a:extLst>
+          </a:blip>
+          <a:srcRect l="20128" b="26876"/>
+          <a:stretch/>
+        </p:blipFill>
+        <p:spPr>
+          <a:xfrm>
+            <a:off x="0" y="2848661"/>
+            <a:ext cx="1499533" cy="2294839"/>
+          </a:xfrm>
+          <a:prstGeom prst="rect">
+            <a:avLst/>
+          </a:prstGeom>
+        </p:spPr>
+      </p:pic>
+      <p:pic>
+        <p:nvPicPr>
+          <p:cNvPr id="25" name="그림 24"/>
+          <p:cNvPicPr>
+            <a:picLocks noChangeAspect="1"/>
+          </p:cNvPicPr>
+          <p:nvPr/>
+        </p:nvPicPr>
+        <p:blipFill>
+          <a:blip r:embed="rId15" cstate="print">
+            <a:extLst>
+              <a:ext uri="{28A0092B-C50C-407E-A947-70E740481C1C}">
+                <a14:useLocalDpi xmlns:a14="http://schemas.microsoft.com/office/drawing/2010/main" val="0"/>
+              </a:ext>
+            </a:extLst>
+          </a:blip>
+          <a:stretch>
+            <a:fillRect/>
+          </a:stretch>
+        </p:blipFill>
+        <p:spPr>
+          <a:xfrm>
+            <a:off x="5705976" y="2751177"/>
+            <a:ext cx="2882047" cy="2431558"/>
+          </a:xfrm>
+          <a:prstGeom prst="rect">
+            <a:avLst/>
+          </a:prstGeom>
+        </p:spPr>
+      </p:pic>
     </p:spTree>
     <p:extLst>
       <p:ext uri="{BB962C8B-B14F-4D97-AF65-F5344CB8AC3E}">
@@ -3979,7 +3965,7 @@
           <p:cNvPr id="48" name="TextBox 47">
             <a:extLst>
               <a:ext uri="{FF2B5EF4-FFF2-40B4-BE49-F238E27FC236}">
-                <a16:creationId xmlns:a16="http://schemas.microsoft.com/office/drawing/2014/main" id="{7C6F9878-777C-4CD4-9613-851CABCDFC3E}"/>
+                <a16:creationId xmlns:a16="http://schemas.microsoft.com/office/drawing/2014/main" xmlns="" id="{7C6F9878-777C-4CD4-9613-851CABCDFC3E}"/>
               </a:ext>
             </a:extLst>
           </p:cNvPr>
@@ -4029,7 +4015,7 @@
           <p:cNvPr id="39" name="직사각형 38">
             <a:extLst>
               <a:ext uri="{FF2B5EF4-FFF2-40B4-BE49-F238E27FC236}">
-                <a16:creationId xmlns:a16="http://schemas.microsoft.com/office/drawing/2014/main" id="{5898757E-EC0B-47E5-9EA1-43BA79ABA10A}"/>
+                <a16:creationId xmlns:a16="http://schemas.microsoft.com/office/drawing/2014/main" xmlns="" id="{5898757E-EC0B-47E5-9EA1-43BA79ABA10A}"/>
               </a:ext>
             </a:extLst>
           </p:cNvPr>
@@ -4600,7 +4586,7 @@
           <p:cNvPr id="2" name="TextBox 1">
             <a:extLst>
               <a:ext uri="{FF2B5EF4-FFF2-40B4-BE49-F238E27FC236}">
-                <a16:creationId xmlns:a16="http://schemas.microsoft.com/office/drawing/2014/main" id="{704C1FE0-6BEB-44C5-B4B9-1755F444F838}"/>
+                <a16:creationId xmlns:a16="http://schemas.microsoft.com/office/drawing/2014/main" xmlns="" id="{704C1FE0-6BEB-44C5-B4B9-1755F444F838}"/>
               </a:ext>
             </a:extLst>
           </p:cNvPr>
@@ -5461,7 +5447,7 @@
           <p:cNvPr id="7" name="TextBox 6">
             <a:extLst>
               <a:ext uri="{FF2B5EF4-FFF2-40B4-BE49-F238E27FC236}">
-                <a16:creationId xmlns:a16="http://schemas.microsoft.com/office/drawing/2014/main" id="{704C1FE0-6BEB-44C5-B4B9-1755F444F838}"/>
+                <a16:creationId xmlns:a16="http://schemas.microsoft.com/office/drawing/2014/main" xmlns="" id="{704C1FE0-6BEB-44C5-B4B9-1755F444F838}"/>
               </a:ext>
             </a:extLst>
           </p:cNvPr>
@@ -5525,7 +5511,7 @@
           <p:cNvPr id="17" name="직선 연결선 16">
             <a:extLst>
               <a:ext uri="{FF2B5EF4-FFF2-40B4-BE49-F238E27FC236}">
-                <a16:creationId xmlns:a16="http://schemas.microsoft.com/office/drawing/2014/main" id="{AA7311F7-BDB2-4871-A52E-85827F6BBA0C}"/>
+                <a16:creationId xmlns:a16="http://schemas.microsoft.com/office/drawing/2014/main" xmlns="" id="{AA7311F7-BDB2-4871-A52E-85827F6BBA0C}"/>
               </a:ext>
             </a:extLst>
           </p:cNvPr>
@@ -5568,7 +5554,7 @@
           <p:cNvPr id="65" name="직사각형 64">
             <a:extLst>
               <a:ext uri="{FF2B5EF4-FFF2-40B4-BE49-F238E27FC236}">
-                <a16:creationId xmlns:a16="http://schemas.microsoft.com/office/drawing/2014/main" id="{4607419D-DA91-41E9-BA14-DED2C6883059}"/>
+                <a16:creationId xmlns:a16="http://schemas.microsoft.com/office/drawing/2014/main" xmlns="" id="{4607419D-DA91-41E9-BA14-DED2C6883059}"/>
               </a:ext>
             </a:extLst>
           </p:cNvPr>
@@ -5657,7 +5643,7 @@
             <p:cNvPr id="32" name="직사각형 31">
               <a:extLst>
                 <a:ext uri="{FF2B5EF4-FFF2-40B4-BE49-F238E27FC236}">
-                  <a16:creationId xmlns:a16="http://schemas.microsoft.com/office/drawing/2014/main" id="{79E4D4CF-E815-4434-98D1-D205C55FA41F}"/>
+                  <a16:creationId xmlns:a16="http://schemas.microsoft.com/office/drawing/2014/main" xmlns="" id="{79E4D4CF-E815-4434-98D1-D205C55FA41F}"/>
                 </a:ext>
               </a:extLst>
             </p:cNvPr>
@@ -5681,7 +5667,7 @@
             <a:p>
               <a:pPr algn="r"/>
               <a:r>
-                <a:rPr lang="en-US" altLang="ko-KR" sz="2100" dirty="0" err="1">
+                <a:rPr lang="ko-KR" altLang="en-US" sz="2100" dirty="0">
                   <a:ln>
                     <a:solidFill>
                       <a:schemeClr val="accent1">
@@ -5699,7 +5685,7 @@
                   <a:latin typeface="한수원 한돋움 Bold" pitchFamily="50" charset="-127"/>
                   <a:ea typeface="한수원 한돋움 Bold" pitchFamily="50" charset="-127"/>
                 </a:rPr>
-                <a:t>texttext</a:t>
+                <a:t>제작개요</a:t>
               </a:r>
               <a:endParaRPr lang="ko-KR" altLang="en-US" sz="2100" dirty="0">
                 <a:ln>
@@ -5727,7 +5713,7 @@
             <p:cNvPr id="33" name="직사각형 32">
               <a:extLst>
                 <a:ext uri="{FF2B5EF4-FFF2-40B4-BE49-F238E27FC236}">
-                  <a16:creationId xmlns:a16="http://schemas.microsoft.com/office/drawing/2014/main" id="{00ED8BB9-3121-4110-8B98-9D680221AE12}"/>
+                  <a16:creationId xmlns:a16="http://schemas.microsoft.com/office/drawing/2014/main" xmlns="" id="{00ED8BB9-3121-4110-8B98-9D680221AE12}"/>
                 </a:ext>
               </a:extLst>
             </p:cNvPr>
@@ -5810,7 +5796,7 @@
             <p:cNvPr id="30" name="직사각형 29">
               <a:extLst>
                 <a:ext uri="{FF2B5EF4-FFF2-40B4-BE49-F238E27FC236}">
-                  <a16:creationId xmlns:a16="http://schemas.microsoft.com/office/drawing/2014/main" id="{71E05397-CBA0-4CD3-BDA0-ECCF9AD60C5A}"/>
+                  <a16:creationId xmlns:a16="http://schemas.microsoft.com/office/drawing/2014/main" xmlns="" id="{71E05397-CBA0-4CD3-BDA0-ECCF9AD60C5A}"/>
                 </a:ext>
               </a:extLst>
             </p:cNvPr>
@@ -5834,7 +5820,7 @@
             <a:p>
               <a:pPr algn="r"/>
               <a:r>
-                <a:rPr lang="en-US" altLang="ko-KR" sz="2100" dirty="0" err="1">
+                <a:rPr lang="ko-KR" altLang="en-US" sz="2100" dirty="0" smtClean="0">
                   <a:ln>
                     <a:solidFill>
                       <a:schemeClr val="accent1">
@@ -5852,7 +5838,7 @@
                   <a:latin typeface="한수원 한돋움 Bold" pitchFamily="50" charset="-127"/>
                   <a:ea typeface="한수원 한돋움 Bold" pitchFamily="50" charset="-127"/>
                 </a:rPr>
-                <a:t>texttext</a:t>
+                <a:t>제작과정</a:t>
               </a:r>
               <a:endParaRPr lang="ko-KR" altLang="en-US" sz="2100" dirty="0">
                 <a:ln>
@@ -5880,7 +5866,7 @@
             <p:cNvPr id="31" name="직사각형 30">
               <a:extLst>
                 <a:ext uri="{FF2B5EF4-FFF2-40B4-BE49-F238E27FC236}">
-                  <a16:creationId xmlns:a16="http://schemas.microsoft.com/office/drawing/2014/main" id="{00ED8BB9-3121-4110-8B98-9D680221AE12}"/>
+                  <a16:creationId xmlns:a16="http://schemas.microsoft.com/office/drawing/2014/main" xmlns="" id="{00ED8BB9-3121-4110-8B98-9D680221AE12}"/>
                 </a:ext>
               </a:extLst>
             </p:cNvPr>
@@ -5963,7 +5949,7 @@
             <p:cNvPr id="28" name="직사각형 27">
               <a:extLst>
                 <a:ext uri="{FF2B5EF4-FFF2-40B4-BE49-F238E27FC236}">
-                  <a16:creationId xmlns:a16="http://schemas.microsoft.com/office/drawing/2014/main" id="{137EA967-CEA9-44DE-9294-0D152AA293B8}"/>
+                  <a16:creationId xmlns:a16="http://schemas.microsoft.com/office/drawing/2014/main" xmlns="" id="{137EA967-CEA9-44DE-9294-0D152AA293B8}"/>
                 </a:ext>
               </a:extLst>
             </p:cNvPr>
@@ -5987,7 +5973,7 @@
             <a:p>
               <a:pPr algn="r"/>
               <a:r>
-                <a:rPr lang="en-US" altLang="ko-KR" sz="2100" dirty="0" err="1">
+                <a:rPr lang="ko-KR" altLang="en-US" sz="2100" dirty="0" smtClean="0">
                   <a:ln>
                     <a:solidFill>
                       <a:schemeClr val="accent1">
@@ -6005,7 +5991,7 @@
                   <a:latin typeface="한수원 한돋움 Bold" pitchFamily="50" charset="-127"/>
                   <a:ea typeface="한수원 한돋움 Bold" pitchFamily="50" charset="-127"/>
                 </a:rPr>
-                <a:t>texttext</a:t>
+                <a:t>오류개선</a:t>
               </a:r>
               <a:endParaRPr lang="ko-KR" altLang="en-US" sz="2100" dirty="0">
                 <a:ln>
@@ -6033,7 +6019,7 @@
             <p:cNvPr id="29" name="직사각형 28">
               <a:extLst>
                 <a:ext uri="{FF2B5EF4-FFF2-40B4-BE49-F238E27FC236}">
-                  <a16:creationId xmlns:a16="http://schemas.microsoft.com/office/drawing/2014/main" id="{00ED8BB9-3121-4110-8B98-9D680221AE12}"/>
+                  <a16:creationId xmlns:a16="http://schemas.microsoft.com/office/drawing/2014/main" xmlns="" id="{00ED8BB9-3121-4110-8B98-9D680221AE12}"/>
                 </a:ext>
               </a:extLst>
             </p:cNvPr>
@@ -6105,10 +6091,10 @@
         </p:nvGrpSpPr>
         <p:grpSpPr>
           <a:xfrm>
-            <a:off x="5847182" y="3997822"/>
-            <a:ext cx="2397227" cy="518144"/>
-            <a:chOff x="5847181" y="3295744"/>
-            <a:chExt cx="2397227" cy="518144"/>
+            <a:off x="5220072" y="3997822"/>
+            <a:ext cx="3024337" cy="518144"/>
+            <a:chOff x="5220071" y="3295744"/>
+            <a:chExt cx="3024337" cy="518144"/>
           </a:xfrm>
         </p:grpSpPr>
         <p:sp>
@@ -6116,7 +6102,7 @@
             <p:cNvPr id="26" name="직사각형 25">
               <a:extLst>
                 <a:ext uri="{FF2B5EF4-FFF2-40B4-BE49-F238E27FC236}">
-                  <a16:creationId xmlns:a16="http://schemas.microsoft.com/office/drawing/2014/main" id="{A7B5F3E0-8716-4DBC-9C00-68995BAFCA3B}"/>
+                  <a16:creationId xmlns:a16="http://schemas.microsoft.com/office/drawing/2014/main" xmlns="" id="{A7B5F3E0-8716-4DBC-9C00-68995BAFCA3B}"/>
                 </a:ext>
               </a:extLst>
             </p:cNvPr>
@@ -6125,8 +6111,8 @@
           </p:nvSpPr>
           <p:spPr>
             <a:xfrm>
-              <a:off x="5847181" y="3295744"/>
-              <a:ext cx="1600022" cy="392415"/>
+              <a:off x="5220071" y="3295744"/>
+              <a:ext cx="2227132" cy="392415"/>
             </a:xfrm>
             <a:prstGeom prst="rect">
               <a:avLst/>
@@ -6140,7 +6126,7 @@
             <a:p>
               <a:pPr algn="r"/>
               <a:r>
-                <a:rPr lang="en-US" altLang="ko-KR" sz="2100" dirty="0" err="1">
+                <a:rPr lang="ko-KR" altLang="en-US" sz="2100" smtClean="0">
                   <a:ln>
                     <a:solidFill>
                       <a:schemeClr val="accent1">
@@ -6158,7 +6144,7 @@
                   <a:latin typeface="한수원 한돋움 Bold" pitchFamily="50" charset="-127"/>
                   <a:ea typeface="한수원 한돋움 Bold" pitchFamily="50" charset="-127"/>
                 </a:rPr>
-                <a:t>texttext</a:t>
+                <a:t>영상 및 형상관리</a:t>
               </a:r>
               <a:endParaRPr lang="ko-KR" altLang="en-US" sz="2100" dirty="0">
                 <a:ln>
@@ -6186,7 +6172,7 @@
             <p:cNvPr id="27" name="직사각형 26">
               <a:extLst>
                 <a:ext uri="{FF2B5EF4-FFF2-40B4-BE49-F238E27FC236}">
-                  <a16:creationId xmlns:a16="http://schemas.microsoft.com/office/drawing/2014/main" id="{00ED8BB9-3121-4110-8B98-9D680221AE12}"/>
+                  <a16:creationId xmlns:a16="http://schemas.microsoft.com/office/drawing/2014/main" xmlns="" id="{00ED8BB9-3121-4110-8B98-9D680221AE12}"/>
                 </a:ext>
               </a:extLst>
             </p:cNvPr>
@@ -7254,7 +7240,7 @@
   <a:extraClrSchemeLst/>
   <a:extLst>
     <a:ext uri="{05A4C25C-085E-4340-85A3-A5531E510DB2}">
-      <thm15:themeFamily xmlns:thm15="http://schemas.microsoft.com/office/thememl/2012/main" name="Office Theme" id="{62F939B6-93AF-4DB8-9C6B-D6C7DFDC589F}" vid="{4A3C46E8-61CC-4603-A589-7422A47A8E4A}"/>
+      <thm15:themeFamily xmlns:thm15="http://schemas.microsoft.com/office/thememl/2012/main" xmlns="" name="Office Theme" id="{62F939B6-93AF-4DB8-9C6B-D6C7DFDC589F}" vid="{4A3C46E8-61CC-4603-A589-7422A47A8E4A}"/>
     </a:ext>
   </a:extLst>
 </a:theme>

--- a/PPT/210421_빛창식과 아이들_사진추가본.pptx
+++ b/PPT/210421_빛창식과 아이들_사진추가본.pptx
@@ -5,48 +5,50 @@
     <p:sldMasterId id="2147483660" r:id="rId1"/>
   </p:sldMasterIdLst>
   <p:notesMasterIdLst>
-    <p:notesMasterId r:id="rId18"/>
+    <p:notesMasterId r:id="rId20"/>
   </p:notesMasterIdLst>
   <p:handoutMasterIdLst>
-    <p:handoutMasterId r:id="rId19"/>
+    <p:handoutMasterId r:id="rId21"/>
   </p:handoutMasterIdLst>
   <p:sldIdLst>
     <p:sldId id="306" r:id="rId2"/>
     <p:sldId id="293" r:id="rId3"/>
     <p:sldId id="307" r:id="rId4"/>
-    <p:sldId id="315" r:id="rId5"/>
-    <p:sldId id="316" r:id="rId6"/>
-    <p:sldId id="317" r:id="rId7"/>
-    <p:sldId id="323" r:id="rId8"/>
-    <p:sldId id="324" r:id="rId9"/>
-    <p:sldId id="320" r:id="rId10"/>
-    <p:sldId id="322" r:id="rId11"/>
-    <p:sldId id="321" r:id="rId12"/>
-    <p:sldId id="326" r:id="rId13"/>
-    <p:sldId id="327" r:id="rId14"/>
-    <p:sldId id="303" r:id="rId15"/>
-    <p:sldId id="314" r:id="rId16"/>
-    <p:sldId id="304" r:id="rId17"/>
+    <p:sldId id="335" r:id="rId5"/>
+    <p:sldId id="315" r:id="rId6"/>
+    <p:sldId id="338" r:id="rId7"/>
+    <p:sldId id="336" r:id="rId8"/>
+    <p:sldId id="328" r:id="rId9"/>
+    <p:sldId id="329" r:id="rId10"/>
+    <p:sldId id="330" r:id="rId11"/>
+    <p:sldId id="331" r:id="rId12"/>
+    <p:sldId id="332" r:id="rId13"/>
+    <p:sldId id="333" r:id="rId14"/>
+    <p:sldId id="339" r:id="rId15"/>
+    <p:sldId id="317" r:id="rId16"/>
+    <p:sldId id="303" r:id="rId17"/>
+    <p:sldId id="314" r:id="rId18"/>
+    <p:sldId id="304" r:id="rId19"/>
   </p:sldIdLst>
   <p:sldSz cx="9144000" cy="5143500" type="screen16x9"/>
   <p:notesSz cx="6858000" cy="9144000"/>
   <p:embeddedFontLst>
     <p:embeddedFont>
-      <p:font typeface="맑은 고딕" pitchFamily="50" charset="-127"/>
-      <p:regular r:id="rId20"/>
-      <p:bold r:id="rId21"/>
-    </p:embeddedFont>
-    <p:embeddedFont>
-      <p:font typeface="Tmon몬소리 Black" pitchFamily="2" charset="-127"/>
-      <p:bold r:id="rId22"/>
-    </p:embeddedFont>
-    <p:embeddedFont>
-      <p:font typeface="한수원 한돋움" pitchFamily="50" charset="-127"/>
+      <p:font typeface="맑은 고딕" panose="020B0503020000020004" pitchFamily="50" charset="-127"/>
+      <p:regular r:id="rId22"/>
       <p:bold r:id="rId23"/>
     </p:embeddedFont>
     <p:embeddedFont>
-      <p:font typeface="한수원 한돋움 Bold" pitchFamily="50" charset="-127"/>
+      <p:font typeface="Tmon몬소리 Black" panose="02000A03000000000000" pitchFamily="2" charset="-127"/>
       <p:bold r:id="rId24"/>
+    </p:embeddedFont>
+    <p:embeddedFont>
+      <p:font typeface="한수원 한돋움 Bold" panose="020B0600000101010101" pitchFamily="50" charset="-127"/>
+      <p:bold r:id="rId25"/>
+    </p:embeddedFont>
+    <p:embeddedFont>
+      <p:font typeface="한수원 한돋움" panose="020B0600000101010101" pitchFamily="50" charset="-127"/>
+      <p:bold r:id="rId26"/>
     </p:embeddedFont>
   </p:embeddedFontLst>
   <p:defaultTextStyle>
@@ -146,7 +148,7 @@
   </p:defaultTextStyle>
   <p:extLst>
     <p:ext uri="{EFAFB233-063F-42B5-8137-9DF3F51BA10A}">
-      <p15:sldGuideLst xmlns:p15="http://schemas.microsoft.com/office/powerpoint/2012/main" xmlns="">
+      <p15:sldGuideLst xmlns:p15="http://schemas.microsoft.com/office/powerpoint/2012/main">
         <p15:guide id="1" orient="horz" pos="1620">
           <p15:clr>
             <a:srgbClr val="A4A3A4"/>
@@ -160,7 +162,7 @@
       </p15:sldGuideLst>
     </p:ext>
     <p:ext uri="{2D200454-40CA-4A62-9FC3-DE9A4176ACB9}">
-      <p15:notesGuideLst xmlns:p15="http://schemas.microsoft.com/office/powerpoint/2012/main" xmlns="">
+      <p15:notesGuideLst xmlns:p15="http://schemas.microsoft.com/office/powerpoint/2012/main">
         <p15:guide id="1" orient="horz" pos="2880">
           <p15:clr>
             <a:srgbClr val="A4A3A4"/>
@@ -259,7 +261,7 @@
           <a:p>
             <a:fld id="{3D914578-7EF3-4727-BD42-39B967B9454B}" type="datetimeFigureOut">
               <a:rPr lang="ko-KR" altLang="en-US" smtClean="0"/>
-              <a:t>2021-04-21</a:t>
+              <a:t>2021-04-22</a:t>
             </a:fld>
             <a:endParaRPr lang="ko-KR" altLang="en-US"/>
           </a:p>
@@ -424,7 +426,7 @@
           <a:p>
             <a:fld id="{4E69F32D-416B-41F8-965B-AFE94DF4D917}" type="datetimeFigureOut">
               <a:rPr lang="ko-KR" altLang="en-US" smtClean="0"/>
-              <a:t>2021-04-21</a:t>
+              <a:t>2021-04-22</a:t>
             </a:fld>
             <a:endParaRPr lang="ko-KR" altLang="en-US"/>
           </a:p>
@@ -904,6 +906,90 @@
           <a:bodyPr/>
           <a:lstStyle/>
           <a:p>
+            <a:endParaRPr lang="ko-KR" altLang="en-US"/>
+          </a:p>
+        </p:txBody>
+      </p:sp>
+      <p:sp>
+        <p:nvSpPr>
+          <p:cNvPr id="4" name="슬라이드 번호 개체 틀 3"/>
+          <p:cNvSpPr>
+            <a:spLocks noGrp="1"/>
+          </p:cNvSpPr>
+          <p:nvPr>
+            <p:ph type="sldNum" sz="quarter" idx="10"/>
+          </p:nvPr>
+        </p:nvSpPr>
+        <p:spPr/>
+        <p:txBody>
+          <a:bodyPr/>
+          <a:lstStyle/>
+          <a:p>
+            <a:fld id="{F9C2FE0F-61B8-4DB6-9D27-4EDC46824B6C}" type="slidenum">
+              <a:rPr lang="ko-KR" altLang="en-US" smtClean="0"/>
+              <a:t>4</a:t>
+            </a:fld>
+            <a:endParaRPr lang="ko-KR" altLang="en-US"/>
+          </a:p>
+        </p:txBody>
+      </p:sp>
+    </p:spTree>
+    <p:extLst>
+      <p:ext uri="{BB962C8B-B14F-4D97-AF65-F5344CB8AC3E}">
+        <p14:creationId xmlns:p14="http://schemas.microsoft.com/office/powerpoint/2010/main" val="2012887897"/>
+      </p:ext>
+    </p:extLst>
+  </p:cSld>
+  <p:clrMapOvr>
+    <a:masterClrMapping/>
+  </p:clrMapOvr>
+</p:notes>
+</file>
+
+<file path=ppt/notesSlides/notesSlide4.xml><?xml version="1.0" encoding="utf-8"?>
+<p:notes xmlns:a="http://schemas.openxmlformats.org/drawingml/2006/main" xmlns:r="http://schemas.openxmlformats.org/officeDocument/2006/relationships" xmlns:p="http://schemas.openxmlformats.org/presentationml/2006/main">
+  <p:cSld>
+    <p:spTree>
+      <p:nvGrpSpPr>
+        <p:cNvPr id="1" name=""/>
+        <p:cNvGrpSpPr/>
+        <p:nvPr/>
+      </p:nvGrpSpPr>
+      <p:grpSpPr>
+        <a:xfrm>
+          <a:off x="0" y="0"/>
+          <a:ext cx="0" cy="0"/>
+          <a:chOff x="0" y="0"/>
+          <a:chExt cx="0" cy="0"/>
+        </a:xfrm>
+      </p:grpSpPr>
+      <p:sp>
+        <p:nvSpPr>
+          <p:cNvPr id="2" name="슬라이드 이미지 개체 틀 1"/>
+          <p:cNvSpPr>
+            <a:spLocks noGrp="1" noRot="1" noChangeAspect="1"/>
+          </p:cNvSpPr>
+          <p:nvPr>
+            <p:ph type="sldImg"/>
+          </p:nvPr>
+        </p:nvSpPr>
+        <p:spPr/>
+      </p:sp>
+      <p:sp>
+        <p:nvSpPr>
+          <p:cNvPr id="3" name="슬라이드 노트 개체 틀 2"/>
+          <p:cNvSpPr>
+            <a:spLocks noGrp="1"/>
+          </p:cNvSpPr>
+          <p:nvPr>
+            <p:ph type="body" idx="1"/>
+          </p:nvPr>
+        </p:nvSpPr>
+        <p:spPr/>
+        <p:txBody>
+          <a:bodyPr/>
+          <a:lstStyle/>
+          <a:p>
             <a:endParaRPr lang="ko-KR" altLang="en-US" dirty="0"/>
           </a:p>
         </p:txBody>
@@ -925,7 +1011,7 @@
           <a:p>
             <a:fld id="{72EC76F7-949C-4639-B2C3-5E6FE8A19520}" type="slidenum">
               <a:rPr lang="ko-KR" altLang="en-US" smtClean="0"/>
-              <a:t>14</a:t>
+              <a:t>16</a:t>
             </a:fld>
             <a:endParaRPr lang="ko-KR" altLang="en-US"/>
           </a:p>
@@ -966,7 +1052,7 @@
           <p:cNvPr id="4" name="날짜 개체 틀 3">
             <a:extLst>
               <a:ext uri="{FF2B5EF4-FFF2-40B4-BE49-F238E27FC236}">
-                <a16:creationId xmlns:a16="http://schemas.microsoft.com/office/drawing/2014/main" xmlns="" id="{3BA2C713-AC81-4EB2-9330-581E0B6AE811}"/>
+                <a16:creationId xmlns:a16="http://schemas.microsoft.com/office/drawing/2014/main" id="{3BA2C713-AC81-4EB2-9330-581E0B6AE811}"/>
               </a:ext>
             </a:extLst>
           </p:cNvPr>
@@ -984,7 +1070,7 @@
           <a:p>
             <a:fld id="{CF798D60-6305-4CBF-A4B2-1F42DE11A197}" type="datetimeFigureOut">
               <a:rPr lang="ko-KR" altLang="en-US" smtClean="0"/>
-              <a:t>2021-04-21</a:t>
+              <a:t>2021-04-22</a:t>
             </a:fld>
             <a:endParaRPr lang="ko-KR" altLang="en-US"/>
           </a:p>
@@ -995,7 +1081,7 @@
           <p:cNvPr id="5" name="바닥글 개체 틀 4">
             <a:extLst>
               <a:ext uri="{FF2B5EF4-FFF2-40B4-BE49-F238E27FC236}">
-                <a16:creationId xmlns:a16="http://schemas.microsoft.com/office/drawing/2014/main" xmlns="" id="{1F0F55EC-D62C-46D0-85AA-2079E978B3AC}"/>
+                <a16:creationId xmlns:a16="http://schemas.microsoft.com/office/drawing/2014/main" id="{1F0F55EC-D62C-46D0-85AA-2079E978B3AC}"/>
               </a:ext>
             </a:extLst>
           </p:cNvPr>
@@ -1020,7 +1106,7 @@
           <p:cNvPr id="6" name="슬라이드 번호 개체 틀 5">
             <a:extLst>
               <a:ext uri="{FF2B5EF4-FFF2-40B4-BE49-F238E27FC236}">
-                <a16:creationId xmlns:a16="http://schemas.microsoft.com/office/drawing/2014/main" xmlns="" id="{A786F994-D68F-40EE-B340-2867A153420B}"/>
+                <a16:creationId xmlns:a16="http://schemas.microsoft.com/office/drawing/2014/main" id="{A786F994-D68F-40EE-B340-2867A153420B}"/>
               </a:ext>
             </a:extLst>
           </p:cNvPr>
@@ -1063,7 +1149,7 @@
   </p:timing>
   <p:extLst mod="1">
     <p:ext uri="{DCECCB84-F9BA-43D5-87BE-67443E8EF086}">
-      <p15:sldGuideLst xmlns:p15="http://schemas.microsoft.com/office/powerpoint/2012/main" xmlns="">
+      <p15:sldGuideLst xmlns:p15="http://schemas.microsoft.com/office/powerpoint/2012/main">
         <p15:guide id="1" orient="horz" pos="278" userDrawn="1">
           <p15:clr>
             <a:srgbClr val="FBAE40"/>
@@ -1112,7 +1198,7 @@
           <p:cNvPr id="4" name="날짜 개체 틀 3">
             <a:extLst>
               <a:ext uri="{FF2B5EF4-FFF2-40B4-BE49-F238E27FC236}">
-                <a16:creationId xmlns:a16="http://schemas.microsoft.com/office/drawing/2014/main" xmlns="" id="{46623D75-7690-462B-A0DC-A4F3108DC644}"/>
+                <a16:creationId xmlns:a16="http://schemas.microsoft.com/office/drawing/2014/main" id="{46623D75-7690-462B-A0DC-A4F3108DC644}"/>
               </a:ext>
             </a:extLst>
           </p:cNvPr>
@@ -1130,7 +1216,7 @@
           <a:p>
             <a:fld id="{CF798D60-6305-4CBF-A4B2-1F42DE11A197}" type="datetimeFigureOut">
               <a:rPr lang="ko-KR" altLang="en-US" smtClean="0"/>
-              <a:t>2021-04-21</a:t>
+              <a:t>2021-04-22</a:t>
             </a:fld>
             <a:endParaRPr lang="ko-KR" altLang="en-US"/>
           </a:p>
@@ -1141,7 +1227,7 @@
           <p:cNvPr id="5" name="바닥글 개체 틀 4">
             <a:extLst>
               <a:ext uri="{FF2B5EF4-FFF2-40B4-BE49-F238E27FC236}">
-                <a16:creationId xmlns:a16="http://schemas.microsoft.com/office/drawing/2014/main" xmlns="" id="{70F3BCB1-6A24-432F-A778-B735C6861206}"/>
+                <a16:creationId xmlns:a16="http://schemas.microsoft.com/office/drawing/2014/main" id="{70F3BCB1-6A24-432F-A778-B735C6861206}"/>
               </a:ext>
             </a:extLst>
           </p:cNvPr>
@@ -1166,7 +1252,7 @@
           <p:cNvPr id="6" name="슬라이드 번호 개체 틀 5">
             <a:extLst>
               <a:ext uri="{FF2B5EF4-FFF2-40B4-BE49-F238E27FC236}">
-                <a16:creationId xmlns:a16="http://schemas.microsoft.com/office/drawing/2014/main" xmlns="" id="{FB4ED32B-3446-46D1-A849-41F78A9D9060}"/>
+                <a16:creationId xmlns:a16="http://schemas.microsoft.com/office/drawing/2014/main" id="{FB4ED32B-3446-46D1-A849-41F78A9D9060}"/>
               </a:ext>
             </a:extLst>
           </p:cNvPr>
@@ -1195,7 +1281,7 @@
           <p:cNvPr id="7" name="TextBox 6">
             <a:extLst>
               <a:ext uri="{FF2B5EF4-FFF2-40B4-BE49-F238E27FC236}">
-                <a16:creationId xmlns:a16="http://schemas.microsoft.com/office/drawing/2014/main" xmlns="" id="{A1687216-9C76-4F29-934C-F430DF40C5FA}"/>
+                <a16:creationId xmlns:a16="http://schemas.microsoft.com/office/drawing/2014/main" id="{A1687216-9C76-4F29-934C-F430DF40C5FA}"/>
               </a:ext>
             </a:extLst>
           </p:cNvPr>
@@ -1389,7 +1475,7 @@
           <p:cNvPr id="4" name="날짜 개체 틀 3">
             <a:extLst>
               <a:ext uri="{FF2B5EF4-FFF2-40B4-BE49-F238E27FC236}">
-                <a16:creationId xmlns:a16="http://schemas.microsoft.com/office/drawing/2014/main" xmlns="" id="{46623D75-7690-462B-A0DC-A4F3108DC644}"/>
+                <a16:creationId xmlns:a16="http://schemas.microsoft.com/office/drawing/2014/main" id="{46623D75-7690-462B-A0DC-A4F3108DC644}"/>
               </a:ext>
             </a:extLst>
           </p:cNvPr>
@@ -1407,7 +1493,7 @@
           <a:p>
             <a:fld id="{CF798D60-6305-4CBF-A4B2-1F42DE11A197}" type="datetimeFigureOut">
               <a:rPr lang="ko-KR" altLang="en-US" smtClean="0"/>
-              <a:t>2021-04-21</a:t>
+              <a:t>2021-04-22</a:t>
             </a:fld>
             <a:endParaRPr lang="ko-KR" altLang="en-US"/>
           </a:p>
@@ -1418,7 +1504,7 @@
           <p:cNvPr id="5" name="바닥글 개체 틀 4">
             <a:extLst>
               <a:ext uri="{FF2B5EF4-FFF2-40B4-BE49-F238E27FC236}">
-                <a16:creationId xmlns:a16="http://schemas.microsoft.com/office/drawing/2014/main" xmlns="" id="{70F3BCB1-6A24-432F-A778-B735C6861206}"/>
+                <a16:creationId xmlns:a16="http://schemas.microsoft.com/office/drawing/2014/main" id="{70F3BCB1-6A24-432F-A778-B735C6861206}"/>
               </a:ext>
             </a:extLst>
           </p:cNvPr>
@@ -1443,7 +1529,7 @@
           <p:cNvPr id="6" name="슬라이드 번호 개체 틀 5">
             <a:extLst>
               <a:ext uri="{FF2B5EF4-FFF2-40B4-BE49-F238E27FC236}">
-                <a16:creationId xmlns:a16="http://schemas.microsoft.com/office/drawing/2014/main" xmlns="" id="{FB4ED32B-3446-46D1-A849-41F78A9D9060}"/>
+                <a16:creationId xmlns:a16="http://schemas.microsoft.com/office/drawing/2014/main" id="{FB4ED32B-3446-46D1-A849-41F78A9D9060}"/>
               </a:ext>
             </a:extLst>
           </p:cNvPr>
@@ -1472,7 +1558,7 @@
           <p:cNvPr id="7" name="TextBox 6">
             <a:extLst>
               <a:ext uri="{FF2B5EF4-FFF2-40B4-BE49-F238E27FC236}">
-                <a16:creationId xmlns:a16="http://schemas.microsoft.com/office/drawing/2014/main" xmlns="" id="{A1687216-9C76-4F29-934C-F430DF40C5FA}"/>
+                <a16:creationId xmlns:a16="http://schemas.microsoft.com/office/drawing/2014/main" id="{A1687216-9C76-4F29-934C-F430DF40C5FA}"/>
               </a:ext>
             </a:extLst>
           </p:cNvPr>
@@ -1625,7 +1711,7 @@
 
 <file path=ppt/slideLayouts/slideLayout4.xml><?xml version="1.0" encoding="utf-8"?>
 <p:sldLayout xmlns:a="http://schemas.openxmlformats.org/drawingml/2006/main" xmlns:r="http://schemas.openxmlformats.org/officeDocument/2006/relationships" xmlns:p="http://schemas.openxmlformats.org/presentationml/2006/main" preserve="1" userDrawn="1">
-  <p:cSld name="04. 오류개선">
+  <p:cSld name="1_05. 영상 및 관리">
     <p:spTree>
       <p:nvGrpSpPr>
         <p:cNvPr id="1" name=""/>
@@ -1645,7 +1731,7 @@
           <p:cNvPr id="4" name="날짜 개체 틀 3">
             <a:extLst>
               <a:ext uri="{FF2B5EF4-FFF2-40B4-BE49-F238E27FC236}">
-                <a16:creationId xmlns:a16="http://schemas.microsoft.com/office/drawing/2014/main" xmlns="" id="{46623D75-7690-462B-A0DC-A4F3108DC644}"/>
+                <a16:creationId xmlns:a16="http://schemas.microsoft.com/office/drawing/2014/main" id="{46623D75-7690-462B-A0DC-A4F3108DC644}"/>
               </a:ext>
             </a:extLst>
           </p:cNvPr>
@@ -1663,7 +1749,7 @@
           <a:p>
             <a:fld id="{CF798D60-6305-4CBF-A4B2-1F42DE11A197}" type="datetimeFigureOut">
               <a:rPr lang="ko-KR" altLang="en-US" smtClean="0"/>
-              <a:t>2021-04-21</a:t>
+              <a:t>2021-04-22</a:t>
             </a:fld>
             <a:endParaRPr lang="ko-KR" altLang="en-US"/>
           </a:p>
@@ -1674,7 +1760,7 @@
           <p:cNvPr id="5" name="바닥글 개체 틀 4">
             <a:extLst>
               <a:ext uri="{FF2B5EF4-FFF2-40B4-BE49-F238E27FC236}">
-                <a16:creationId xmlns:a16="http://schemas.microsoft.com/office/drawing/2014/main" xmlns="" id="{70F3BCB1-6A24-432F-A778-B735C6861206}"/>
+                <a16:creationId xmlns:a16="http://schemas.microsoft.com/office/drawing/2014/main" id="{70F3BCB1-6A24-432F-A778-B735C6861206}"/>
               </a:ext>
             </a:extLst>
           </p:cNvPr>
@@ -1699,7 +1785,7 @@
           <p:cNvPr id="6" name="슬라이드 번호 개체 틀 5">
             <a:extLst>
               <a:ext uri="{FF2B5EF4-FFF2-40B4-BE49-F238E27FC236}">
-                <a16:creationId xmlns:a16="http://schemas.microsoft.com/office/drawing/2014/main" xmlns="" id="{FB4ED32B-3446-46D1-A849-41F78A9D9060}"/>
+                <a16:creationId xmlns:a16="http://schemas.microsoft.com/office/drawing/2014/main" id="{FB4ED32B-3446-46D1-A849-41F78A9D9060}"/>
               </a:ext>
             </a:extLst>
           </p:cNvPr>
@@ -1720,96 +1806,6 @@
               <a:t>‹#›</a:t>
             </a:fld>
             <a:endParaRPr lang="ko-KR" altLang="en-US"/>
-          </a:p>
-        </p:txBody>
-      </p:sp>
-      <p:sp>
-        <p:nvSpPr>
-          <p:cNvPr id="7" name="TextBox 6">
-            <a:extLst>
-              <a:ext uri="{FF2B5EF4-FFF2-40B4-BE49-F238E27FC236}">
-                <a16:creationId xmlns:a16="http://schemas.microsoft.com/office/drawing/2014/main" xmlns="" id="{A1687216-9C76-4F29-934C-F430DF40C5FA}"/>
-              </a:ext>
-            </a:extLst>
-          </p:cNvPr>
-          <p:cNvSpPr txBox="1"/>
-          <p:nvPr userDrawn="1"/>
-        </p:nvSpPr>
-        <p:spPr>
-          <a:xfrm>
-            <a:off x="333000" y="411511"/>
-            <a:ext cx="2022990" cy="523220"/>
-          </a:xfrm>
-          <a:prstGeom prst="rect">
-            <a:avLst/>
-          </a:prstGeom>
-          <a:noFill/>
-        </p:spPr>
-        <p:txBody>
-          <a:bodyPr wrap="none" lIns="0" tIns="45719" rIns="0" bIns="45719" rtlCol="0">
-            <a:spAutoFit/>
-          </a:bodyPr>
-          <a:lstStyle/>
-          <a:p>
-            <a:pPr marL="0" marR="0" indent="0" algn="l" defTabSz="914378" rtl="0" eaLnBrk="1" fontAlgn="auto" latinLnBrk="1" hangingPunct="1">
-              <a:lnSpc>
-                <a:spcPct val="100000"/>
-              </a:lnSpc>
-              <a:spcBef>
-                <a:spcPts val="0"/>
-              </a:spcBef>
-              <a:spcAft>
-                <a:spcPts val="0"/>
-              </a:spcAft>
-              <a:buClrTx/>
-              <a:buSzTx/>
-              <a:buFontTx/>
-              <a:buNone/>
-              <a:tabLst/>
-              <a:defRPr/>
-            </a:pPr>
-            <a:r>
-              <a:rPr lang="en-US" altLang="ko-KR" sz="2800" b="1" dirty="0" smtClean="0">
-                <a:ln>
-                  <a:solidFill>
-                    <a:schemeClr val="accent1">
-                      <a:shade val="50000"/>
-                      <a:alpha val="0"/>
-                    </a:schemeClr>
-                  </a:solidFill>
-                </a:ln>
-                <a:solidFill>
-                  <a:schemeClr val="tx1">
-                    <a:lumMod val="75000"/>
-                    <a:lumOff val="25000"/>
-                  </a:schemeClr>
-                </a:solidFill>
-                <a:latin typeface="한수원 한돋움" pitchFamily="50" charset="-127"/>
-                <a:ea typeface="한수원 한돋움" pitchFamily="50" charset="-127"/>
-              </a:rPr>
-              <a:t>03. </a:t>
-            </a:r>
-            <a:r>
-              <a:rPr lang="ko-KR" altLang="en-US" sz="2800" b="1" dirty="0" smtClean="0">
-                <a:ln>
-                  <a:solidFill>
-                    <a:schemeClr val="accent1">
-                      <a:shade val="50000"/>
-                      <a:alpha val="0"/>
-                    </a:schemeClr>
-                  </a:solidFill>
-                </a:ln>
-                <a:solidFill>
-                  <a:schemeClr val="tx1">
-                    <a:lumMod val="75000"/>
-                    <a:lumOff val="25000"/>
-                  </a:schemeClr>
-                </a:solidFill>
-                <a:latin typeface="한수원 한돋움" pitchFamily="50" charset="-127"/>
-                <a:ea typeface="한수원 한돋움" pitchFamily="50" charset="-127"/>
-              </a:rPr>
-              <a:t>오류개선</a:t>
-            </a:r>
           </a:p>
         </p:txBody>
       </p:sp>
@@ -1859,132 +1855,12 @@
           </a:p>
         </p:txBody>
       </p:sp>
-    </p:spTree>
-    <p:extLst>
-      <p:ext uri="{BB962C8B-B14F-4D97-AF65-F5344CB8AC3E}">
-        <p14:creationId xmlns:p14="http://schemas.microsoft.com/office/powerpoint/2010/main" val="2408332000"/>
-      </p:ext>
-    </p:extLst>
-  </p:cSld>
-  <p:clrMapOvr>
-    <a:masterClrMapping/>
-  </p:clrMapOvr>
-  <p:timing>
-    <p:tnLst>
-      <p:par>
-        <p:cTn id="1" dur="indefinite" restart="never" nodeType="tmRoot"/>
-      </p:par>
-    </p:tnLst>
-  </p:timing>
-</p:sldLayout>
-</file>
-
-<file path=ppt/slideLayouts/slideLayout5.xml><?xml version="1.0" encoding="utf-8"?>
-<p:sldLayout xmlns:a="http://schemas.openxmlformats.org/drawingml/2006/main" xmlns:r="http://schemas.openxmlformats.org/officeDocument/2006/relationships" xmlns:p="http://schemas.openxmlformats.org/presentationml/2006/main" preserve="1" userDrawn="1">
-  <p:cSld name="05. 영상 및 관리">
-    <p:spTree>
-      <p:nvGrpSpPr>
-        <p:cNvPr id="1" name=""/>
-        <p:cNvGrpSpPr/>
-        <p:nvPr/>
-      </p:nvGrpSpPr>
-      <p:grpSpPr>
-        <a:xfrm>
-          <a:off x="0" y="0"/>
-          <a:ext cx="0" cy="0"/>
-          <a:chOff x="0" y="0"/>
-          <a:chExt cx="0" cy="0"/>
-        </a:xfrm>
-      </p:grpSpPr>
       <p:sp>
         <p:nvSpPr>
-          <p:cNvPr id="4" name="날짜 개체 틀 3">
+          <p:cNvPr id="8" name="TextBox 7">
             <a:extLst>
               <a:ext uri="{FF2B5EF4-FFF2-40B4-BE49-F238E27FC236}">
-                <a16:creationId xmlns:a16="http://schemas.microsoft.com/office/drawing/2014/main" xmlns="" id="{46623D75-7690-462B-A0DC-A4F3108DC644}"/>
-              </a:ext>
-            </a:extLst>
-          </p:cNvPr>
-          <p:cNvSpPr>
-            <a:spLocks noGrp="1"/>
-          </p:cNvSpPr>
-          <p:nvPr>
-            <p:ph type="dt" sz="half" idx="10"/>
-          </p:nvPr>
-        </p:nvSpPr>
-        <p:spPr/>
-        <p:txBody>
-          <a:bodyPr/>
-          <a:lstStyle/>
-          <a:p>
-            <a:fld id="{CF798D60-6305-4CBF-A4B2-1F42DE11A197}" type="datetimeFigureOut">
-              <a:rPr lang="ko-KR" altLang="en-US" smtClean="0"/>
-              <a:t>2021-04-21</a:t>
-            </a:fld>
-            <a:endParaRPr lang="ko-KR" altLang="en-US"/>
-          </a:p>
-        </p:txBody>
-      </p:sp>
-      <p:sp>
-        <p:nvSpPr>
-          <p:cNvPr id="5" name="바닥글 개체 틀 4">
-            <a:extLst>
-              <a:ext uri="{FF2B5EF4-FFF2-40B4-BE49-F238E27FC236}">
-                <a16:creationId xmlns:a16="http://schemas.microsoft.com/office/drawing/2014/main" xmlns="" id="{70F3BCB1-6A24-432F-A778-B735C6861206}"/>
-              </a:ext>
-            </a:extLst>
-          </p:cNvPr>
-          <p:cNvSpPr>
-            <a:spLocks noGrp="1"/>
-          </p:cNvSpPr>
-          <p:nvPr>
-            <p:ph type="ftr" sz="quarter" idx="11"/>
-          </p:nvPr>
-        </p:nvSpPr>
-        <p:spPr/>
-        <p:txBody>
-          <a:bodyPr/>
-          <a:lstStyle/>
-          <a:p>
-            <a:endParaRPr lang="ko-KR" altLang="en-US"/>
-          </a:p>
-        </p:txBody>
-      </p:sp>
-      <p:sp>
-        <p:nvSpPr>
-          <p:cNvPr id="6" name="슬라이드 번호 개체 틀 5">
-            <a:extLst>
-              <a:ext uri="{FF2B5EF4-FFF2-40B4-BE49-F238E27FC236}">
-                <a16:creationId xmlns:a16="http://schemas.microsoft.com/office/drawing/2014/main" xmlns="" id="{FB4ED32B-3446-46D1-A849-41F78A9D9060}"/>
-              </a:ext>
-            </a:extLst>
-          </p:cNvPr>
-          <p:cNvSpPr>
-            <a:spLocks noGrp="1"/>
-          </p:cNvSpPr>
-          <p:nvPr>
-            <p:ph type="sldNum" sz="quarter" idx="12"/>
-          </p:nvPr>
-        </p:nvSpPr>
-        <p:spPr/>
-        <p:txBody>
-          <a:bodyPr/>
-          <a:lstStyle/>
-          <a:p>
-            <a:fld id="{A10AD074-B7EC-4A86-A6F1-B495F370F4A6}" type="slidenum">
-              <a:rPr lang="ko-KR" altLang="en-US" smtClean="0"/>
-              <a:t>‹#›</a:t>
-            </a:fld>
-            <a:endParaRPr lang="ko-KR" altLang="en-US"/>
-          </a:p>
-        </p:txBody>
-      </p:sp>
-      <p:sp>
-        <p:nvSpPr>
-          <p:cNvPr id="7" name="TextBox 6">
-            <a:extLst>
-              <a:ext uri="{FF2B5EF4-FFF2-40B4-BE49-F238E27FC236}">
-                <a16:creationId xmlns:a16="http://schemas.microsoft.com/office/drawing/2014/main" xmlns="" id="{A1687216-9C76-4F29-934C-F430DF40C5FA}"/>
+                <a16:creationId xmlns:a16="http://schemas.microsoft.com/office/drawing/2014/main" id="{A1687216-9C76-4F29-934C-F430DF40C5FA}"/>
               </a:ext>
             </a:extLst>
           </p:cNvPr>
@@ -1994,7 +1870,7 @@
         <p:spPr>
           <a:xfrm>
             <a:off x="333000" y="411511"/>
-            <a:ext cx="3173946" cy="523220"/>
+            <a:ext cx="2520562" cy="523218"/>
           </a:xfrm>
           <a:prstGeom prst="rect">
             <a:avLst/>
@@ -2043,7 +1919,7 @@
                 <a:latin typeface="한수원 한돋움" pitchFamily="50" charset="-127"/>
                 <a:ea typeface="한수원 한돋움" pitchFamily="50" charset="-127"/>
               </a:rPr>
-              <a:t>04. </a:t>
+              <a:t>02. </a:t>
             </a:r>
             <a:r>
               <a:rPr lang="ko-KR" altLang="en-US" sz="2800" b="1" dirty="0" smtClean="0">
@@ -2064,7 +1940,235 @@
                 <a:latin typeface="한수원 한돋움" pitchFamily="50" charset="-127"/>
                 <a:ea typeface="한수원 한돋움" pitchFamily="50" charset="-127"/>
               </a:rPr>
-              <a:t>영상 및 형상관리</a:t>
+              <a:t>개발 및 구현</a:t>
+            </a:r>
+            <a:endParaRPr lang="ko-KR" altLang="en-US" sz="2800" b="1" dirty="0" smtClean="0">
+              <a:ln>
+                <a:solidFill>
+                  <a:schemeClr val="accent1">
+                    <a:shade val="50000"/>
+                    <a:alpha val="0"/>
+                  </a:schemeClr>
+                </a:solidFill>
+              </a:ln>
+              <a:solidFill>
+                <a:schemeClr val="tx1">
+                  <a:lumMod val="75000"/>
+                  <a:lumOff val="25000"/>
+                </a:schemeClr>
+              </a:solidFill>
+              <a:latin typeface="한수원 한돋움" pitchFamily="50" charset="-127"/>
+              <a:ea typeface="한수원 한돋움" pitchFamily="50" charset="-127"/>
+            </a:endParaRPr>
+          </a:p>
+        </p:txBody>
+      </p:sp>
+    </p:spTree>
+    <p:extLst>
+      <p:ext uri="{BB962C8B-B14F-4D97-AF65-F5344CB8AC3E}">
+        <p14:creationId xmlns:p14="http://schemas.microsoft.com/office/powerpoint/2010/main" val="3494667810"/>
+      </p:ext>
+    </p:extLst>
+  </p:cSld>
+  <p:clrMapOvr>
+    <a:masterClrMapping/>
+  </p:clrMapOvr>
+  <p:timing>
+    <p:tnLst>
+      <p:par>
+        <p:cTn id="1" dur="indefinite" restart="never" nodeType="tmRoot"/>
+      </p:par>
+    </p:tnLst>
+  </p:timing>
+</p:sldLayout>
+</file>
+
+<file path=ppt/slideLayouts/slideLayout5.xml><?xml version="1.0" encoding="utf-8"?>
+<p:sldLayout xmlns:a="http://schemas.openxmlformats.org/drawingml/2006/main" xmlns:r="http://schemas.openxmlformats.org/officeDocument/2006/relationships" xmlns:p="http://schemas.openxmlformats.org/presentationml/2006/main" preserve="1" userDrawn="1">
+  <p:cSld name="04. 오류개선">
+    <p:spTree>
+      <p:nvGrpSpPr>
+        <p:cNvPr id="1" name=""/>
+        <p:cNvGrpSpPr/>
+        <p:nvPr/>
+      </p:nvGrpSpPr>
+      <p:grpSpPr>
+        <a:xfrm>
+          <a:off x="0" y="0"/>
+          <a:ext cx="0" cy="0"/>
+          <a:chOff x="0" y="0"/>
+          <a:chExt cx="0" cy="0"/>
+        </a:xfrm>
+      </p:grpSpPr>
+      <p:sp>
+        <p:nvSpPr>
+          <p:cNvPr id="4" name="날짜 개체 틀 3">
+            <a:extLst>
+              <a:ext uri="{FF2B5EF4-FFF2-40B4-BE49-F238E27FC236}">
+                <a16:creationId xmlns:a16="http://schemas.microsoft.com/office/drawing/2014/main" id="{46623D75-7690-462B-A0DC-A4F3108DC644}"/>
+              </a:ext>
+            </a:extLst>
+          </p:cNvPr>
+          <p:cNvSpPr>
+            <a:spLocks noGrp="1"/>
+          </p:cNvSpPr>
+          <p:nvPr>
+            <p:ph type="dt" sz="half" idx="10"/>
+          </p:nvPr>
+        </p:nvSpPr>
+        <p:spPr/>
+        <p:txBody>
+          <a:bodyPr/>
+          <a:lstStyle/>
+          <a:p>
+            <a:fld id="{CF798D60-6305-4CBF-A4B2-1F42DE11A197}" type="datetimeFigureOut">
+              <a:rPr lang="ko-KR" altLang="en-US" smtClean="0"/>
+              <a:t>2021-04-22</a:t>
+            </a:fld>
+            <a:endParaRPr lang="ko-KR" altLang="en-US"/>
+          </a:p>
+        </p:txBody>
+      </p:sp>
+      <p:sp>
+        <p:nvSpPr>
+          <p:cNvPr id="5" name="바닥글 개체 틀 4">
+            <a:extLst>
+              <a:ext uri="{FF2B5EF4-FFF2-40B4-BE49-F238E27FC236}">
+                <a16:creationId xmlns:a16="http://schemas.microsoft.com/office/drawing/2014/main" id="{70F3BCB1-6A24-432F-A778-B735C6861206}"/>
+              </a:ext>
+            </a:extLst>
+          </p:cNvPr>
+          <p:cNvSpPr>
+            <a:spLocks noGrp="1"/>
+          </p:cNvSpPr>
+          <p:nvPr>
+            <p:ph type="ftr" sz="quarter" idx="11"/>
+          </p:nvPr>
+        </p:nvSpPr>
+        <p:spPr/>
+        <p:txBody>
+          <a:bodyPr/>
+          <a:lstStyle/>
+          <a:p>
+            <a:endParaRPr lang="ko-KR" altLang="en-US"/>
+          </a:p>
+        </p:txBody>
+      </p:sp>
+      <p:sp>
+        <p:nvSpPr>
+          <p:cNvPr id="6" name="슬라이드 번호 개체 틀 5">
+            <a:extLst>
+              <a:ext uri="{FF2B5EF4-FFF2-40B4-BE49-F238E27FC236}">
+                <a16:creationId xmlns:a16="http://schemas.microsoft.com/office/drawing/2014/main" id="{FB4ED32B-3446-46D1-A849-41F78A9D9060}"/>
+              </a:ext>
+            </a:extLst>
+          </p:cNvPr>
+          <p:cNvSpPr>
+            <a:spLocks noGrp="1"/>
+          </p:cNvSpPr>
+          <p:nvPr>
+            <p:ph type="sldNum" sz="quarter" idx="12"/>
+          </p:nvPr>
+        </p:nvSpPr>
+        <p:spPr/>
+        <p:txBody>
+          <a:bodyPr/>
+          <a:lstStyle/>
+          <a:p>
+            <a:fld id="{A10AD074-B7EC-4A86-A6F1-B495F370F4A6}" type="slidenum">
+              <a:rPr lang="ko-KR" altLang="en-US" smtClean="0"/>
+              <a:t>‹#›</a:t>
+            </a:fld>
+            <a:endParaRPr lang="ko-KR" altLang="en-US"/>
+          </a:p>
+        </p:txBody>
+      </p:sp>
+      <p:sp>
+        <p:nvSpPr>
+          <p:cNvPr id="7" name="TextBox 6">
+            <a:extLst>
+              <a:ext uri="{FF2B5EF4-FFF2-40B4-BE49-F238E27FC236}">
+                <a16:creationId xmlns:a16="http://schemas.microsoft.com/office/drawing/2014/main" id="{A1687216-9C76-4F29-934C-F430DF40C5FA}"/>
+              </a:ext>
+            </a:extLst>
+          </p:cNvPr>
+          <p:cNvSpPr txBox="1"/>
+          <p:nvPr userDrawn="1"/>
+        </p:nvSpPr>
+        <p:spPr>
+          <a:xfrm>
+            <a:off x="333000" y="411511"/>
+            <a:ext cx="2022990" cy="523220"/>
+          </a:xfrm>
+          <a:prstGeom prst="rect">
+            <a:avLst/>
+          </a:prstGeom>
+          <a:noFill/>
+        </p:spPr>
+        <p:txBody>
+          <a:bodyPr wrap="none" lIns="0" tIns="45719" rIns="0" bIns="45719" rtlCol="0">
+            <a:spAutoFit/>
+          </a:bodyPr>
+          <a:lstStyle/>
+          <a:p>
+            <a:pPr marL="0" marR="0" indent="0" algn="l" defTabSz="914378" rtl="0" eaLnBrk="1" fontAlgn="auto" latinLnBrk="1" hangingPunct="1">
+              <a:lnSpc>
+                <a:spcPct val="100000"/>
+              </a:lnSpc>
+              <a:spcBef>
+                <a:spcPts val="0"/>
+              </a:spcBef>
+              <a:spcAft>
+                <a:spcPts val="0"/>
+              </a:spcAft>
+              <a:buClrTx/>
+              <a:buSzTx/>
+              <a:buFontTx/>
+              <a:buNone/>
+              <a:tabLst/>
+              <a:defRPr/>
+            </a:pPr>
+            <a:r>
+              <a:rPr lang="en-US" altLang="ko-KR" sz="2800" b="1" dirty="0" smtClean="0">
+                <a:ln>
+                  <a:solidFill>
+                    <a:schemeClr val="accent1">
+                      <a:shade val="50000"/>
+                      <a:alpha val="0"/>
+                    </a:schemeClr>
+                  </a:solidFill>
+                </a:ln>
+                <a:solidFill>
+                  <a:schemeClr val="tx1">
+                    <a:lumMod val="75000"/>
+                    <a:lumOff val="25000"/>
+                  </a:schemeClr>
+                </a:solidFill>
+                <a:latin typeface="한수원 한돋움" pitchFamily="50" charset="-127"/>
+                <a:ea typeface="한수원 한돋움" pitchFamily="50" charset="-127"/>
+              </a:rPr>
+              <a:t>03. </a:t>
+            </a:r>
+            <a:r>
+              <a:rPr lang="ko-KR" altLang="en-US" sz="2800" b="1" dirty="0" smtClean="0">
+                <a:ln>
+                  <a:solidFill>
+                    <a:schemeClr val="accent1">
+                      <a:shade val="50000"/>
+                      <a:alpha val="0"/>
+                    </a:schemeClr>
+                  </a:solidFill>
+                </a:ln>
+                <a:solidFill>
+                  <a:schemeClr val="tx1">
+                    <a:lumMod val="75000"/>
+                    <a:lumOff val="25000"/>
+                  </a:schemeClr>
+                </a:solidFill>
+                <a:latin typeface="한수원 한돋움" pitchFamily="50" charset="-127"/>
+                <a:ea typeface="한수원 한돋움" pitchFamily="50" charset="-127"/>
+              </a:rPr>
+              <a:t>오류개선</a:t>
             </a:r>
           </a:p>
         </p:txBody>
@@ -2136,6 +2240,262 @@
 </file>
 
 <file path=ppt/slideLayouts/slideLayout6.xml><?xml version="1.0" encoding="utf-8"?>
+<p:sldLayout xmlns:a="http://schemas.openxmlformats.org/drawingml/2006/main" xmlns:r="http://schemas.openxmlformats.org/officeDocument/2006/relationships" xmlns:p="http://schemas.openxmlformats.org/presentationml/2006/main" preserve="1" userDrawn="1">
+  <p:cSld name="05. 영상 및 관리">
+    <p:spTree>
+      <p:nvGrpSpPr>
+        <p:cNvPr id="1" name=""/>
+        <p:cNvGrpSpPr/>
+        <p:nvPr/>
+      </p:nvGrpSpPr>
+      <p:grpSpPr>
+        <a:xfrm>
+          <a:off x="0" y="0"/>
+          <a:ext cx="0" cy="0"/>
+          <a:chOff x="0" y="0"/>
+          <a:chExt cx="0" cy="0"/>
+        </a:xfrm>
+      </p:grpSpPr>
+      <p:sp>
+        <p:nvSpPr>
+          <p:cNvPr id="4" name="날짜 개체 틀 3">
+            <a:extLst>
+              <a:ext uri="{FF2B5EF4-FFF2-40B4-BE49-F238E27FC236}">
+                <a16:creationId xmlns:a16="http://schemas.microsoft.com/office/drawing/2014/main" id="{46623D75-7690-462B-A0DC-A4F3108DC644}"/>
+              </a:ext>
+            </a:extLst>
+          </p:cNvPr>
+          <p:cNvSpPr>
+            <a:spLocks noGrp="1"/>
+          </p:cNvSpPr>
+          <p:nvPr>
+            <p:ph type="dt" sz="half" idx="10"/>
+          </p:nvPr>
+        </p:nvSpPr>
+        <p:spPr/>
+        <p:txBody>
+          <a:bodyPr/>
+          <a:lstStyle/>
+          <a:p>
+            <a:fld id="{CF798D60-6305-4CBF-A4B2-1F42DE11A197}" type="datetimeFigureOut">
+              <a:rPr lang="ko-KR" altLang="en-US" smtClean="0"/>
+              <a:t>2021-04-22</a:t>
+            </a:fld>
+            <a:endParaRPr lang="ko-KR" altLang="en-US"/>
+          </a:p>
+        </p:txBody>
+      </p:sp>
+      <p:sp>
+        <p:nvSpPr>
+          <p:cNvPr id="5" name="바닥글 개체 틀 4">
+            <a:extLst>
+              <a:ext uri="{FF2B5EF4-FFF2-40B4-BE49-F238E27FC236}">
+                <a16:creationId xmlns:a16="http://schemas.microsoft.com/office/drawing/2014/main" id="{70F3BCB1-6A24-432F-A778-B735C6861206}"/>
+              </a:ext>
+            </a:extLst>
+          </p:cNvPr>
+          <p:cNvSpPr>
+            <a:spLocks noGrp="1"/>
+          </p:cNvSpPr>
+          <p:nvPr>
+            <p:ph type="ftr" sz="quarter" idx="11"/>
+          </p:nvPr>
+        </p:nvSpPr>
+        <p:spPr/>
+        <p:txBody>
+          <a:bodyPr/>
+          <a:lstStyle/>
+          <a:p>
+            <a:endParaRPr lang="ko-KR" altLang="en-US"/>
+          </a:p>
+        </p:txBody>
+      </p:sp>
+      <p:sp>
+        <p:nvSpPr>
+          <p:cNvPr id="6" name="슬라이드 번호 개체 틀 5">
+            <a:extLst>
+              <a:ext uri="{FF2B5EF4-FFF2-40B4-BE49-F238E27FC236}">
+                <a16:creationId xmlns:a16="http://schemas.microsoft.com/office/drawing/2014/main" id="{FB4ED32B-3446-46D1-A849-41F78A9D9060}"/>
+              </a:ext>
+            </a:extLst>
+          </p:cNvPr>
+          <p:cNvSpPr>
+            <a:spLocks noGrp="1"/>
+          </p:cNvSpPr>
+          <p:nvPr>
+            <p:ph type="sldNum" sz="quarter" idx="12"/>
+          </p:nvPr>
+        </p:nvSpPr>
+        <p:spPr/>
+        <p:txBody>
+          <a:bodyPr/>
+          <a:lstStyle/>
+          <a:p>
+            <a:fld id="{A10AD074-B7EC-4A86-A6F1-B495F370F4A6}" type="slidenum">
+              <a:rPr lang="ko-KR" altLang="en-US" smtClean="0"/>
+              <a:t>‹#›</a:t>
+            </a:fld>
+            <a:endParaRPr lang="ko-KR" altLang="en-US"/>
+          </a:p>
+        </p:txBody>
+      </p:sp>
+      <p:sp>
+        <p:nvSpPr>
+          <p:cNvPr id="7" name="TextBox 6">
+            <a:extLst>
+              <a:ext uri="{FF2B5EF4-FFF2-40B4-BE49-F238E27FC236}">
+                <a16:creationId xmlns:a16="http://schemas.microsoft.com/office/drawing/2014/main" id="{A1687216-9C76-4F29-934C-F430DF40C5FA}"/>
+              </a:ext>
+            </a:extLst>
+          </p:cNvPr>
+          <p:cNvSpPr txBox="1"/>
+          <p:nvPr userDrawn="1"/>
+        </p:nvSpPr>
+        <p:spPr>
+          <a:xfrm>
+            <a:off x="333000" y="411511"/>
+            <a:ext cx="3173946" cy="523220"/>
+          </a:xfrm>
+          <a:prstGeom prst="rect">
+            <a:avLst/>
+          </a:prstGeom>
+          <a:noFill/>
+        </p:spPr>
+        <p:txBody>
+          <a:bodyPr wrap="none" lIns="0" tIns="45719" rIns="0" bIns="45719" rtlCol="0">
+            <a:spAutoFit/>
+          </a:bodyPr>
+          <a:lstStyle/>
+          <a:p>
+            <a:pPr marL="0" marR="0" indent="0" algn="l" defTabSz="914378" rtl="0" eaLnBrk="1" fontAlgn="auto" latinLnBrk="1" hangingPunct="1">
+              <a:lnSpc>
+                <a:spcPct val="100000"/>
+              </a:lnSpc>
+              <a:spcBef>
+                <a:spcPts val="0"/>
+              </a:spcBef>
+              <a:spcAft>
+                <a:spcPts val="0"/>
+              </a:spcAft>
+              <a:buClrTx/>
+              <a:buSzTx/>
+              <a:buFontTx/>
+              <a:buNone/>
+              <a:tabLst/>
+              <a:defRPr/>
+            </a:pPr>
+            <a:r>
+              <a:rPr lang="en-US" altLang="ko-KR" sz="2800" b="1" dirty="0" smtClean="0">
+                <a:ln>
+                  <a:solidFill>
+                    <a:schemeClr val="accent1">
+                      <a:shade val="50000"/>
+                      <a:alpha val="0"/>
+                    </a:schemeClr>
+                  </a:solidFill>
+                </a:ln>
+                <a:solidFill>
+                  <a:schemeClr val="tx1">
+                    <a:lumMod val="75000"/>
+                    <a:lumOff val="25000"/>
+                  </a:schemeClr>
+                </a:solidFill>
+                <a:latin typeface="한수원 한돋움" pitchFamily="50" charset="-127"/>
+                <a:ea typeface="한수원 한돋움" pitchFamily="50" charset="-127"/>
+              </a:rPr>
+              <a:t>04. </a:t>
+            </a:r>
+            <a:r>
+              <a:rPr lang="ko-KR" altLang="en-US" sz="2800" b="1" dirty="0" smtClean="0">
+                <a:ln>
+                  <a:solidFill>
+                    <a:schemeClr val="accent1">
+                      <a:shade val="50000"/>
+                      <a:alpha val="0"/>
+                    </a:schemeClr>
+                  </a:solidFill>
+                </a:ln>
+                <a:solidFill>
+                  <a:schemeClr val="tx1">
+                    <a:lumMod val="75000"/>
+                    <a:lumOff val="25000"/>
+                  </a:schemeClr>
+                </a:solidFill>
+                <a:latin typeface="한수원 한돋움" pitchFamily="50" charset="-127"/>
+                <a:ea typeface="한수원 한돋움" pitchFamily="50" charset="-127"/>
+              </a:rPr>
+              <a:t>영상 및 형상관리</a:t>
+            </a:r>
+          </a:p>
+        </p:txBody>
+      </p:sp>
+      <p:sp>
+        <p:nvSpPr>
+          <p:cNvPr id="9" name="직사각형 8"/>
+          <p:cNvSpPr/>
+          <p:nvPr userDrawn="1"/>
+        </p:nvSpPr>
+        <p:spPr>
+          <a:xfrm>
+            <a:off x="333000" y="959070"/>
+            <a:ext cx="8478000" cy="25200"/>
+          </a:xfrm>
+          <a:prstGeom prst="rect">
+            <a:avLst/>
+          </a:prstGeom>
+          <a:solidFill>
+            <a:srgbClr val="5E97E1"/>
+          </a:solidFill>
+          <a:ln>
+            <a:noFill/>
+          </a:ln>
+        </p:spPr>
+        <p:style>
+          <a:lnRef idx="2">
+            <a:schemeClr val="accent1">
+              <a:shade val="50000"/>
+            </a:schemeClr>
+          </a:lnRef>
+          <a:fillRef idx="1">
+            <a:schemeClr val="accent1"/>
+          </a:fillRef>
+          <a:effectRef idx="0">
+            <a:schemeClr val="accent1"/>
+          </a:effectRef>
+          <a:fontRef idx="minor">
+            <a:schemeClr val="lt1"/>
+          </a:fontRef>
+        </p:style>
+        <p:txBody>
+          <a:bodyPr lIns="91438" tIns="45719" rIns="91438" bIns="45719" rtlCol="0" anchor="ctr"/>
+          <a:lstStyle/>
+          <a:p>
+            <a:pPr algn="ctr"/>
+            <a:endParaRPr lang="ko-KR" altLang="en-US"/>
+          </a:p>
+        </p:txBody>
+      </p:sp>
+    </p:spTree>
+    <p:extLst>
+      <p:ext uri="{BB962C8B-B14F-4D97-AF65-F5344CB8AC3E}">
+        <p14:creationId xmlns:p14="http://schemas.microsoft.com/office/powerpoint/2010/main" val="2408332000"/>
+      </p:ext>
+    </p:extLst>
+  </p:cSld>
+  <p:clrMapOvr>
+    <a:masterClrMapping/>
+  </p:clrMapOvr>
+  <p:timing>
+    <p:tnLst>
+      <p:par>
+        <p:cTn id="1" dur="indefinite" restart="never" nodeType="tmRoot"/>
+      </p:par>
+    </p:tnLst>
+  </p:timing>
+</p:sldLayout>
+</file>
+
+<file path=ppt/slideLayouts/slideLayout7.xml><?xml version="1.0" encoding="utf-8"?>
 <p:sldLayout xmlns:a="http://schemas.openxmlformats.org/drawingml/2006/main" xmlns:r="http://schemas.openxmlformats.org/officeDocument/2006/relationships" xmlns:p="http://schemas.openxmlformats.org/presentationml/2006/main" type="title">
   <p:cSld name="1_제목 슬라이드">
     <p:spTree>
@@ -2157,7 +2517,7 @@
           <p:cNvPr id="2" name="제목 1">
             <a:extLst>
               <a:ext uri="{FF2B5EF4-FFF2-40B4-BE49-F238E27FC236}">
-                <a16:creationId xmlns:a16="http://schemas.microsoft.com/office/drawing/2014/main" xmlns="" id="{36BFCA8F-81E3-4494-807A-19ED363184C9}"/>
+                <a16:creationId xmlns:a16="http://schemas.microsoft.com/office/drawing/2014/main" id="{36BFCA8F-81E3-4494-807A-19ED363184C9}"/>
               </a:ext>
             </a:extLst>
           </p:cNvPr>
@@ -2197,7 +2557,7 @@
           <p:cNvPr id="3" name="부제목 2">
             <a:extLst>
               <a:ext uri="{FF2B5EF4-FFF2-40B4-BE49-F238E27FC236}">
-                <a16:creationId xmlns:a16="http://schemas.microsoft.com/office/drawing/2014/main" xmlns="" id="{54A30F0C-47F5-4BBB-8D9A-EEA1FF7E8DFB}"/>
+                <a16:creationId xmlns:a16="http://schemas.microsoft.com/office/drawing/2014/main" id="{54A30F0C-47F5-4BBB-8D9A-EEA1FF7E8DFB}"/>
               </a:ext>
             </a:extLst>
           </p:cNvPr>
@@ -2270,7 +2630,7 @@
           <p:cNvPr id="4" name="날짜 개체 틀 3">
             <a:extLst>
               <a:ext uri="{FF2B5EF4-FFF2-40B4-BE49-F238E27FC236}">
-                <a16:creationId xmlns:a16="http://schemas.microsoft.com/office/drawing/2014/main" xmlns="" id="{3BA2C713-AC81-4EB2-9330-581E0B6AE811}"/>
+                <a16:creationId xmlns:a16="http://schemas.microsoft.com/office/drawing/2014/main" id="{3BA2C713-AC81-4EB2-9330-581E0B6AE811}"/>
               </a:ext>
             </a:extLst>
           </p:cNvPr>
@@ -2288,7 +2648,7 @@
           <a:p>
             <a:fld id="{25C880E9-F562-4ADC-9C95-311ED8011E61}" type="datetimeFigureOut">
               <a:rPr lang="ko-KR" altLang="en-US" smtClean="0"/>
-              <a:t>2021-04-21</a:t>
+              <a:t>2021-04-22</a:t>
             </a:fld>
             <a:endParaRPr lang="ko-KR" altLang="en-US"/>
           </a:p>
@@ -2299,7 +2659,7 @@
           <p:cNvPr id="5" name="바닥글 개체 틀 4">
             <a:extLst>
               <a:ext uri="{FF2B5EF4-FFF2-40B4-BE49-F238E27FC236}">
-                <a16:creationId xmlns:a16="http://schemas.microsoft.com/office/drawing/2014/main" xmlns="" id="{1F0F55EC-D62C-46D0-85AA-2079E978B3AC}"/>
+                <a16:creationId xmlns:a16="http://schemas.microsoft.com/office/drawing/2014/main" id="{1F0F55EC-D62C-46D0-85AA-2079E978B3AC}"/>
               </a:ext>
             </a:extLst>
           </p:cNvPr>
@@ -2324,7 +2684,7 @@
           <p:cNvPr id="6" name="슬라이드 번호 개체 틀 5">
             <a:extLst>
               <a:ext uri="{FF2B5EF4-FFF2-40B4-BE49-F238E27FC236}">
-                <a16:creationId xmlns:a16="http://schemas.microsoft.com/office/drawing/2014/main" xmlns="" id="{A786F994-D68F-40EE-B340-2867A153420B}"/>
+                <a16:creationId xmlns:a16="http://schemas.microsoft.com/office/drawing/2014/main" id="{A786F994-D68F-40EE-B340-2867A153420B}"/>
               </a:ext>
             </a:extLst>
           </p:cNvPr>
@@ -2360,7 +2720,7 @@
   </p:clrMapOvr>
   <p:extLst mod="1">
     <p:ext uri="{DCECCB84-F9BA-43D5-87BE-67443E8EF086}">
-      <p15:sldGuideLst xmlns:p15="http://schemas.microsoft.com/office/powerpoint/2012/main" xmlns="">
+      <p15:sldGuideLst xmlns:p15="http://schemas.microsoft.com/office/powerpoint/2012/main">
         <p15:guide id="1" orient="horz" pos="278" userDrawn="1">
           <p15:clr>
             <a:srgbClr val="FBAE40"/>
@@ -2417,7 +2777,7 @@
           <p:cNvPr id="4" name="날짜 개체 틀 3">
             <a:extLst>
               <a:ext uri="{FF2B5EF4-FFF2-40B4-BE49-F238E27FC236}">
-                <a16:creationId xmlns:a16="http://schemas.microsoft.com/office/drawing/2014/main" xmlns="" id="{42D06877-D131-4080-A9F4-48C0B274C06E}"/>
+                <a16:creationId xmlns:a16="http://schemas.microsoft.com/office/drawing/2014/main" id="{42D06877-D131-4080-A9F4-48C0B274C06E}"/>
               </a:ext>
             </a:extLst>
           </p:cNvPr>
@@ -2453,7 +2813,7 @@
           <a:p>
             <a:fld id="{CF798D60-6305-4CBF-A4B2-1F42DE11A197}" type="datetimeFigureOut">
               <a:rPr lang="ko-KR" altLang="en-US" smtClean="0"/>
-              <a:t>2021-04-21</a:t>
+              <a:t>2021-04-22</a:t>
             </a:fld>
             <a:endParaRPr lang="ko-KR" altLang="en-US"/>
           </a:p>
@@ -2464,7 +2824,7 @@
           <p:cNvPr id="5" name="바닥글 개체 틀 4">
             <a:extLst>
               <a:ext uri="{FF2B5EF4-FFF2-40B4-BE49-F238E27FC236}">
-                <a16:creationId xmlns:a16="http://schemas.microsoft.com/office/drawing/2014/main" xmlns="" id="{64076F67-2A68-49D1-BB80-037677E09A3F}"/>
+                <a16:creationId xmlns:a16="http://schemas.microsoft.com/office/drawing/2014/main" id="{64076F67-2A68-49D1-BB80-037677E09A3F}"/>
               </a:ext>
             </a:extLst>
           </p:cNvPr>
@@ -2507,7 +2867,7 @@
           <p:cNvPr id="6" name="슬라이드 번호 개체 틀 5">
             <a:extLst>
               <a:ext uri="{FF2B5EF4-FFF2-40B4-BE49-F238E27FC236}">
-                <a16:creationId xmlns:a16="http://schemas.microsoft.com/office/drawing/2014/main" xmlns="" id="{58782565-736B-44B3-9A33-43CB9E3F7716}"/>
+                <a16:creationId xmlns:a16="http://schemas.microsoft.com/office/drawing/2014/main" id="{58782565-736B-44B3-9A33-43CB9E3F7716}"/>
               </a:ext>
             </a:extLst>
           </p:cNvPr>
@@ -2561,9 +2921,10 @@
     <p:sldLayoutId id="2147483661" r:id="rId1"/>
     <p:sldLayoutId id="2147483662" r:id="rId2"/>
     <p:sldLayoutId id="2147483671" r:id="rId3"/>
-    <p:sldLayoutId id="2147483669" r:id="rId4"/>
-    <p:sldLayoutId id="2147483670" r:id="rId5"/>
-    <p:sldLayoutId id="2147483672" r:id="rId6"/>
+    <p:sldLayoutId id="2147483673" r:id="rId4"/>
+    <p:sldLayoutId id="2147483669" r:id="rId5"/>
+    <p:sldLayoutId id="2147483670" r:id="rId6"/>
+    <p:sldLayoutId id="2147483672" r:id="rId7"/>
   </p:sldLayoutIdLst>
   <p:timing>
     <p:tnLst>
@@ -3441,7 +3802,7 @@
           <p:cNvPr id="20" name="TextBox 19">
             <a:extLst>
               <a:ext uri="{FF2B5EF4-FFF2-40B4-BE49-F238E27FC236}">
-                <a16:creationId xmlns:a16="http://schemas.microsoft.com/office/drawing/2014/main" xmlns="" id="{704C1FE0-6BEB-44C5-B4B9-1755F444F838}"/>
+                <a16:creationId xmlns:a16="http://schemas.microsoft.com/office/drawing/2014/main" id="{704C1FE0-6BEB-44C5-B4B9-1755F444F838}"/>
               </a:ext>
             </a:extLst>
           </p:cNvPr>
@@ -3450,7 +3811,7 @@
         </p:nvSpPr>
         <p:spPr>
           <a:xfrm>
-            <a:off x="2746019" y="1632451"/>
+            <a:off x="2628931" y="1623467"/>
             <a:ext cx="3651962" cy="723275"/>
           </a:xfrm>
           <a:prstGeom prst="rect">
@@ -3481,7 +3842,7 @@
                 <a:latin typeface="Tmon몬소리 Black" panose="02000A03000000000000" pitchFamily="2" charset="-127"/>
                 <a:ea typeface="Tmon몬소리 Black" panose="02000A03000000000000" pitchFamily="2" charset="-127"/>
               </a:rPr>
-              <a:t>프로젝트 이름</a:t>
+              <a:t>약국 재고관리 프로그램</a:t>
             </a:r>
             <a:endParaRPr lang="ko-KR" altLang="en-US" sz="4300" dirty="0">
               <a:ln>
@@ -3506,7 +3867,7 @@
           <p:cNvPr id="22" name="직선 연결선 21">
             <a:extLst>
               <a:ext uri="{FF2B5EF4-FFF2-40B4-BE49-F238E27FC236}">
-                <a16:creationId xmlns:a16="http://schemas.microsoft.com/office/drawing/2014/main" xmlns="" id="{AA7311F7-BDB2-4871-A52E-85827F6BBA0C}"/>
+                <a16:creationId xmlns:a16="http://schemas.microsoft.com/office/drawing/2014/main" id="{AA7311F7-BDB2-4871-A52E-85827F6BBA0C}"/>
               </a:ext>
             </a:extLst>
           </p:cNvPr>
@@ -3542,71 +3903,6 @@
           </a:fontRef>
         </p:style>
       </p:cxnSp>
-      <p:sp>
-        <p:nvSpPr>
-          <p:cNvPr id="23" name="직사각형 22">
-            <a:extLst>
-              <a:ext uri="{FF2B5EF4-FFF2-40B4-BE49-F238E27FC236}">
-                <a16:creationId xmlns:a16="http://schemas.microsoft.com/office/drawing/2014/main" xmlns="" id="{4607419D-DA91-41E9-BA14-DED2C6883059}"/>
-              </a:ext>
-            </a:extLst>
-          </p:cNvPr>
-          <p:cNvSpPr/>
-          <p:nvPr/>
-        </p:nvSpPr>
-        <p:spPr>
-          <a:xfrm>
-            <a:off x="3203848" y="2864547"/>
-            <a:ext cx="2502128" cy="300083"/>
-          </a:xfrm>
-          <a:prstGeom prst="rect">
-            <a:avLst/>
-          </a:prstGeom>
-          <a:noFill/>
-        </p:spPr>
-        <p:txBody>
-          <a:bodyPr wrap="none" lIns="0" tIns="34290" rIns="0" bIns="34290" rtlCol="0">
-            <a:noAutofit/>
-          </a:bodyPr>
-          <a:lstStyle/>
-          <a:p>
-            <a:pPr algn="ctr"/>
-            <a:r>
-              <a:rPr lang="en-US" altLang="ko-KR" sz="1500" dirty="0" smtClean="0">
-                <a:ln>
-                  <a:solidFill>
-                    <a:schemeClr val="accent1">
-                      <a:shade val="50000"/>
-                      <a:alpha val="0"/>
-                    </a:schemeClr>
-                  </a:solidFill>
-                </a:ln>
-                <a:solidFill>
-                  <a:srgbClr val="00004A"/>
-                </a:solidFill>
-                <a:latin typeface="한수원 한돋움" pitchFamily="50" charset="-127"/>
-                <a:ea typeface="한수원 한돋움" pitchFamily="50" charset="-127"/>
-              </a:rPr>
-              <a:t>Team. Jo2eeRum</a:t>
-            </a:r>
-            <a:endParaRPr lang="ko-KR" altLang="en-US" sz="1500" dirty="0">
-              <a:ln>
-                <a:solidFill>
-                  <a:schemeClr val="accent1">
-                    <a:shade val="50000"/>
-                    <a:alpha val="0"/>
-                  </a:schemeClr>
-                </a:solidFill>
-              </a:ln>
-              <a:solidFill>
-                <a:srgbClr val="00004A"/>
-              </a:solidFill>
-              <a:latin typeface="한수원 한돋움" pitchFamily="50" charset="-127"/>
-              <a:ea typeface="한수원 한돋움" pitchFamily="50" charset="-127"/>
-            </a:endParaRPr>
-          </a:p>
-        </p:txBody>
-      </p:sp>
       <p:pic>
         <p:nvPicPr>
           <p:cNvPr id="24" name="그림 23"/>
@@ -3698,6 +3994,14 @@
 <file path=ppt/slides/slide10.xml><?xml version="1.0" encoding="utf-8"?>
 <p:sld xmlns:a="http://schemas.openxmlformats.org/drawingml/2006/main" xmlns:r="http://schemas.openxmlformats.org/officeDocument/2006/relationships" xmlns:p="http://schemas.openxmlformats.org/presentationml/2006/main">
   <p:cSld>
+    <p:bg>
+      <p:bgPr>
+        <a:solidFill>
+          <a:srgbClr val="FAFAFA"/>
+        </a:solidFill>
+        <a:effectLst/>
+      </p:bgPr>
+    </p:bg>
     <p:spTree>
       <p:nvGrpSpPr>
         <p:cNvPr id="1" name=""/>
@@ -3712,16 +4016,262 @@
           <a:chExt cx="0" cy="0"/>
         </a:xfrm>
       </p:grpSpPr>
+      <p:sp>
+        <p:nvSpPr>
+          <p:cNvPr id="10" name="TextBox 9"/>
+          <p:cNvSpPr txBox="1"/>
+          <p:nvPr/>
+        </p:nvSpPr>
+        <p:spPr>
+          <a:xfrm>
+            <a:off x="5004048" y="3291830"/>
+            <a:ext cx="3744417" cy="1277273"/>
+          </a:xfrm>
+          <a:prstGeom prst="rect">
+            <a:avLst/>
+          </a:prstGeom>
+          <a:noFill/>
+        </p:spPr>
+        <p:txBody>
+          <a:bodyPr wrap="square" rtlCol="0">
+            <a:spAutoFit/>
+          </a:bodyPr>
+          <a:lstStyle/>
+          <a:p>
+            <a:pPr marL="171450" indent="-171450">
+              <a:buFont typeface="Arial" panose="020B0604020202020204" pitchFamily="34" charset="0"/>
+              <a:buChar char="•"/>
+            </a:pPr>
+            <a:r>
+              <a:rPr lang="en-US" altLang="ko-KR" sz="1100" dirty="0" err="1" smtClean="0">
+                <a:solidFill>
+                  <a:schemeClr val="bg2">
+                    <a:lumMod val="25000"/>
+                  </a:schemeClr>
+                </a:solidFill>
+                <a:latin typeface="한수원 한돋움" panose="020B0600000101010101" pitchFamily="50" charset="-127"/>
+                <a:ea typeface="한수원 한돋움" panose="020B0600000101010101" pitchFamily="50" charset="-127"/>
+              </a:rPr>
+              <a:t>comboBox</a:t>
+            </a:r>
+            <a:r>
+              <a:rPr lang="ko-KR" altLang="en-US" sz="1100" dirty="0" smtClean="0">
+                <a:solidFill>
+                  <a:schemeClr val="bg2">
+                    <a:lumMod val="25000"/>
+                  </a:schemeClr>
+                </a:solidFill>
+                <a:latin typeface="한수원 한돋움" panose="020B0600000101010101" pitchFamily="50" charset="-127"/>
+                <a:ea typeface="한수원 한돋움" panose="020B0600000101010101" pitchFamily="50" charset="-127"/>
+              </a:rPr>
+              <a:t>에 선택된 내용에 따라 조건을 다르게 하여 검색 가능하게 함</a:t>
+            </a:r>
+            <a:endParaRPr lang="en-US" altLang="ko-KR" sz="1100" dirty="0" smtClean="0">
+              <a:solidFill>
+                <a:schemeClr val="bg2">
+                  <a:lumMod val="25000"/>
+                </a:schemeClr>
+              </a:solidFill>
+              <a:latin typeface="한수원 한돋움" panose="020B0600000101010101" pitchFamily="50" charset="-127"/>
+              <a:ea typeface="한수원 한돋움" panose="020B0600000101010101" pitchFamily="50" charset="-127"/>
+            </a:endParaRPr>
+          </a:p>
+          <a:p>
+            <a:endParaRPr lang="en-US" altLang="ko-KR" sz="1100" dirty="0" smtClean="0">
+              <a:solidFill>
+                <a:schemeClr val="bg2">
+                  <a:lumMod val="25000"/>
+                </a:schemeClr>
+              </a:solidFill>
+              <a:latin typeface="한수원 한돋움" panose="020B0600000101010101" pitchFamily="50" charset="-127"/>
+              <a:ea typeface="한수원 한돋움" panose="020B0600000101010101" pitchFamily="50" charset="-127"/>
+            </a:endParaRPr>
+          </a:p>
+          <a:p>
+            <a:pPr marL="171450" indent="-171450">
+              <a:buFont typeface="Arial" panose="020B0604020202020204" pitchFamily="34" charset="0"/>
+              <a:buChar char="•"/>
+            </a:pPr>
+            <a:r>
+              <a:rPr lang="en-US" altLang="ko-KR" sz="1100" dirty="0" err="1" smtClean="0">
+                <a:solidFill>
+                  <a:schemeClr val="bg2">
+                    <a:lumMod val="25000"/>
+                  </a:schemeClr>
+                </a:solidFill>
+                <a:latin typeface="한수원 한돋움" panose="020B0600000101010101" pitchFamily="50" charset="-127"/>
+                <a:ea typeface="한수원 한돋움" panose="020B0600000101010101" pitchFamily="50" charset="-127"/>
+              </a:rPr>
+              <a:t>RadioButton</a:t>
+            </a:r>
+            <a:r>
+              <a:rPr lang="en-US" altLang="ko-KR" sz="1100" dirty="0" smtClean="0">
+                <a:solidFill>
+                  <a:schemeClr val="bg2">
+                    <a:lumMod val="25000"/>
+                  </a:schemeClr>
+                </a:solidFill>
+                <a:latin typeface="한수원 한돋움" panose="020B0600000101010101" pitchFamily="50" charset="-127"/>
+                <a:ea typeface="한수원 한돋움" panose="020B0600000101010101" pitchFamily="50" charset="-127"/>
+              </a:rPr>
+              <a:t> </a:t>
+            </a:r>
+            <a:r>
+              <a:rPr lang="ko-KR" altLang="en-US" sz="1100" dirty="0" smtClean="0">
+                <a:solidFill>
+                  <a:schemeClr val="bg2">
+                    <a:lumMod val="25000"/>
+                  </a:schemeClr>
+                </a:solidFill>
+                <a:latin typeface="한수원 한돋움" panose="020B0600000101010101" pitchFamily="50" charset="-127"/>
+                <a:ea typeface="한수원 한돋움" panose="020B0600000101010101" pitchFamily="50" charset="-127"/>
+              </a:rPr>
+              <a:t>대신 </a:t>
+            </a:r>
+            <a:r>
+              <a:rPr lang="en-US" altLang="ko-KR" sz="1100" dirty="0" err="1" smtClean="0">
+                <a:solidFill>
+                  <a:schemeClr val="bg2">
+                    <a:lumMod val="25000"/>
+                  </a:schemeClr>
+                </a:solidFill>
+                <a:latin typeface="한수원 한돋움" panose="020B0600000101010101" pitchFamily="50" charset="-127"/>
+                <a:ea typeface="한수원 한돋움" panose="020B0600000101010101" pitchFamily="50" charset="-127"/>
+              </a:rPr>
+              <a:t>CheckBox</a:t>
+            </a:r>
+            <a:r>
+              <a:rPr lang="ko-KR" altLang="en-US" sz="1100" dirty="0" smtClean="0">
+                <a:solidFill>
+                  <a:schemeClr val="bg2">
+                    <a:lumMod val="25000"/>
+                  </a:schemeClr>
+                </a:solidFill>
+                <a:latin typeface="한수원 한돋움" panose="020B0600000101010101" pitchFamily="50" charset="-127"/>
+                <a:ea typeface="한수원 한돋움" panose="020B0600000101010101" pitchFamily="50" charset="-127"/>
+              </a:rPr>
+              <a:t>를 사용하였고</a:t>
+            </a:r>
+            <a:r>
+              <a:rPr lang="en-US" altLang="ko-KR" sz="1100" dirty="0" smtClean="0">
+                <a:solidFill>
+                  <a:schemeClr val="bg2">
+                    <a:lumMod val="25000"/>
+                  </a:schemeClr>
+                </a:solidFill>
+                <a:latin typeface="한수원 한돋움" panose="020B0600000101010101" pitchFamily="50" charset="-127"/>
+                <a:ea typeface="한수원 한돋움" panose="020B0600000101010101" pitchFamily="50" charset="-127"/>
+              </a:rPr>
+              <a:t>, </a:t>
+            </a:r>
+            <a:r>
+              <a:rPr lang="ko-KR" altLang="en-US" sz="1100" dirty="0" smtClean="0">
+                <a:solidFill>
+                  <a:schemeClr val="bg2">
+                    <a:lumMod val="25000"/>
+                  </a:schemeClr>
+                </a:solidFill>
+                <a:latin typeface="한수원 한돋움" panose="020B0600000101010101" pitchFamily="50" charset="-127"/>
+                <a:ea typeface="한수원 한돋움" panose="020B0600000101010101" pitchFamily="50" charset="-127"/>
+              </a:rPr>
+              <a:t>이중 선택을 방지하기 위해 예외 처리함</a:t>
+            </a:r>
+            <a:endParaRPr lang="en-US" altLang="ko-KR" sz="1100" dirty="0" smtClean="0">
+              <a:solidFill>
+                <a:schemeClr val="bg2">
+                  <a:lumMod val="25000"/>
+                </a:schemeClr>
+              </a:solidFill>
+              <a:latin typeface="한수원 한돋움" panose="020B0600000101010101" pitchFamily="50" charset="-127"/>
+              <a:ea typeface="한수원 한돋움" panose="020B0600000101010101" pitchFamily="50" charset="-127"/>
+            </a:endParaRPr>
+          </a:p>
+          <a:p>
+            <a:endParaRPr lang="en-US" altLang="ko-KR" sz="1100" dirty="0" smtClean="0">
+              <a:solidFill>
+                <a:schemeClr val="bg2">
+                  <a:lumMod val="25000"/>
+                </a:schemeClr>
+              </a:solidFill>
+              <a:latin typeface="한수원 한돋움" panose="020B0600000101010101" pitchFamily="50" charset="-127"/>
+              <a:ea typeface="한수원 한돋움" panose="020B0600000101010101" pitchFamily="50" charset="-127"/>
+            </a:endParaRPr>
+          </a:p>
+          <a:p>
+            <a:pPr marL="171450" indent="-171450">
+              <a:buFont typeface="Arial" panose="020B0604020202020204" pitchFamily="34" charset="0"/>
+              <a:buChar char="•"/>
+            </a:pPr>
+            <a:r>
+              <a:rPr lang="en-US" altLang="ko-KR" sz="1100" dirty="0" smtClean="0">
+                <a:solidFill>
+                  <a:schemeClr val="bg2">
+                    <a:lumMod val="25000"/>
+                  </a:schemeClr>
+                </a:solidFill>
+                <a:latin typeface="한수원 한돋움" panose="020B0600000101010101" pitchFamily="50" charset="-127"/>
+                <a:ea typeface="한수원 한돋움" panose="020B0600000101010101" pitchFamily="50" charset="-127"/>
+              </a:rPr>
+              <a:t>Stock(</a:t>
+            </a:r>
+            <a:r>
+              <a:rPr lang="ko-KR" altLang="en-US" sz="1100" dirty="0" smtClean="0">
+                <a:solidFill>
+                  <a:schemeClr val="bg2">
+                    <a:lumMod val="25000"/>
+                  </a:schemeClr>
+                </a:solidFill>
+                <a:latin typeface="한수원 한돋움" panose="020B0600000101010101" pitchFamily="50" charset="-127"/>
+                <a:ea typeface="한수원 한돋움" panose="020B0600000101010101" pitchFamily="50" charset="-127"/>
+              </a:rPr>
+              <a:t>수량</a:t>
+            </a:r>
+            <a:r>
+              <a:rPr lang="en-US" altLang="ko-KR" sz="1100" dirty="0" smtClean="0">
+                <a:solidFill>
+                  <a:schemeClr val="bg2">
+                    <a:lumMod val="25000"/>
+                  </a:schemeClr>
+                </a:solidFill>
+                <a:latin typeface="한수원 한돋움" panose="020B0600000101010101" pitchFamily="50" charset="-127"/>
+                <a:ea typeface="한수원 한돋움" panose="020B0600000101010101" pitchFamily="50" charset="-127"/>
+              </a:rPr>
+              <a:t>)</a:t>
+            </a:r>
+            <a:r>
+              <a:rPr lang="ko-KR" altLang="en-US" sz="1100" dirty="0" smtClean="0">
+                <a:solidFill>
+                  <a:schemeClr val="bg2">
+                    <a:lumMod val="25000"/>
+                  </a:schemeClr>
+                </a:solidFill>
+                <a:latin typeface="한수원 한돋움" panose="020B0600000101010101" pitchFamily="50" charset="-127"/>
+                <a:ea typeface="한수원 한돋움" panose="020B0600000101010101" pitchFamily="50" charset="-127"/>
+              </a:rPr>
+              <a:t>에 따른 오름차순 또는 내림차순 정렬 가능</a:t>
+            </a:r>
+            <a:endParaRPr lang="en-US" altLang="ko-KR" sz="1100" dirty="0" smtClean="0">
+              <a:solidFill>
+                <a:schemeClr val="bg2">
+                  <a:lumMod val="25000"/>
+                </a:schemeClr>
+              </a:solidFill>
+              <a:latin typeface="한수원 한돋움" panose="020B0600000101010101" pitchFamily="50" charset="-127"/>
+              <a:ea typeface="한수원 한돋움" panose="020B0600000101010101" pitchFamily="50" charset="-127"/>
+            </a:endParaRPr>
+          </a:p>
+        </p:txBody>
+      </p:sp>
       <p:pic>
         <p:nvPicPr>
-          <p:cNvPr id="2" name="그림 1"/>
+          <p:cNvPr id="7" name="그림 6"/>
           <p:cNvPicPr>
             <a:picLocks noChangeAspect="1"/>
           </p:cNvPicPr>
           <p:nvPr/>
         </p:nvPicPr>
         <p:blipFill>
-          <a:blip r:embed="rId2">
+          <a:blip r:embed="rId3" cstate="print">
             <a:extLst>
               <a:ext uri="{28A0092B-C50C-407E-A947-70E740481C1C}">
                 <a14:useLocalDpi xmlns:a14="http://schemas.microsoft.com/office/drawing/2010/main" val="0"/>
@@ -3734,8 +4284,140 @@
         </p:blipFill>
         <p:spPr>
           <a:xfrm>
-            <a:off x="1403648" y="267494"/>
-            <a:ext cx="5904656" cy="4429955"/>
+            <a:off x="5868144" y="1203597"/>
+            <a:ext cx="2783580" cy="2088375"/>
+          </a:xfrm>
+          <a:prstGeom prst="rect">
+            <a:avLst/>
+          </a:prstGeom>
+        </p:spPr>
+      </p:pic>
+      <p:sp>
+        <p:nvSpPr>
+          <p:cNvPr id="11" name="직사각형 10"/>
+          <p:cNvSpPr/>
+          <p:nvPr/>
+        </p:nvSpPr>
+        <p:spPr>
+          <a:xfrm>
+            <a:off x="5868144" y="1275606"/>
+            <a:ext cx="1800200" cy="350018"/>
+          </a:xfrm>
+          <a:prstGeom prst="rect">
+            <a:avLst/>
+          </a:prstGeom>
+          <a:noFill/>
+          <a:ln>
+            <a:solidFill>
+              <a:srgbClr val="C00000"/>
+            </a:solidFill>
+          </a:ln>
+        </p:spPr>
+        <p:style>
+          <a:lnRef idx="2">
+            <a:schemeClr val="accent1">
+              <a:shade val="50000"/>
+            </a:schemeClr>
+          </a:lnRef>
+          <a:fillRef idx="1">
+            <a:schemeClr val="accent1"/>
+          </a:fillRef>
+          <a:effectRef idx="0">
+            <a:schemeClr val="accent1"/>
+          </a:effectRef>
+          <a:fontRef idx="minor">
+            <a:schemeClr val="lt1"/>
+          </a:fontRef>
+        </p:style>
+        <p:txBody>
+          <a:bodyPr rtlCol="0" anchor="ctr"/>
+          <a:lstStyle/>
+          <a:p>
+            <a:pPr algn="ctr"/>
+            <a:endParaRPr lang="ko-KR" altLang="en-US"/>
+          </a:p>
+        </p:txBody>
+      </p:sp>
+      <p:cxnSp>
+        <p:nvCxnSpPr>
+          <p:cNvPr id="12" name="꺾인 연결선 11"/>
+          <p:cNvCxnSpPr/>
+          <p:nvPr/>
+        </p:nvCxnSpPr>
+        <p:spPr>
+          <a:xfrm rot="10800000" flipV="1">
+            <a:off x="4834014" y="1505855"/>
+            <a:ext cx="1034131" cy="576131"/>
+          </a:xfrm>
+          <a:prstGeom prst="bentConnector3">
+            <a:avLst>
+              <a:gd name="adj1" fmla="val 50000"/>
+            </a:avLst>
+          </a:prstGeom>
+          <a:ln w="12700">
+            <a:solidFill>
+              <a:srgbClr val="C00000"/>
+            </a:solidFill>
+            <a:tailEnd type="triangle"/>
+          </a:ln>
+        </p:spPr>
+        <p:style>
+          <a:lnRef idx="1">
+            <a:schemeClr val="accent1"/>
+          </a:lnRef>
+          <a:fillRef idx="0">
+            <a:schemeClr val="accent1"/>
+          </a:fillRef>
+          <a:effectRef idx="0">
+            <a:schemeClr val="accent1"/>
+          </a:effectRef>
+          <a:fontRef idx="minor">
+            <a:schemeClr val="tx1"/>
+          </a:fontRef>
+        </p:style>
+      </p:cxnSp>
+      <p:pic>
+        <p:nvPicPr>
+          <p:cNvPr id="14" name="그림 13"/>
+          <p:cNvPicPr>
+            <a:picLocks noChangeAspect="1"/>
+          </p:cNvPicPr>
+          <p:nvPr/>
+        </p:nvPicPr>
+        <p:blipFill>
+          <a:blip r:embed="rId4"/>
+          <a:stretch>
+            <a:fillRect/>
+          </a:stretch>
+        </p:blipFill>
+        <p:spPr>
+          <a:xfrm>
+            <a:off x="1891587" y="1059582"/>
+            <a:ext cx="2916408" cy="2121024"/>
+          </a:xfrm>
+          <a:prstGeom prst="rect">
+            <a:avLst/>
+          </a:prstGeom>
+        </p:spPr>
+      </p:pic>
+      <p:pic>
+        <p:nvPicPr>
+          <p:cNvPr id="15" name="그림 14"/>
+          <p:cNvPicPr>
+            <a:picLocks noChangeAspect="1"/>
+          </p:cNvPicPr>
+          <p:nvPr/>
+        </p:nvPicPr>
+        <p:blipFill>
+          <a:blip r:embed="rId5"/>
+          <a:stretch>
+            <a:fillRect/>
+          </a:stretch>
+        </p:blipFill>
+        <p:spPr>
+          <a:xfrm>
+            <a:off x="503464" y="3294085"/>
+            <a:ext cx="4304531" cy="1235260"/>
           </a:xfrm>
           <a:prstGeom prst="rect">
             <a:avLst/>
@@ -3745,17 +4427,1365 @@
     </p:spTree>
     <p:extLst>
       <p:ext uri="{BB962C8B-B14F-4D97-AF65-F5344CB8AC3E}">
-        <p14:creationId xmlns:p14="http://schemas.microsoft.com/office/powerpoint/2010/main" val="2329663944"/>
+        <p14:creationId xmlns:p14="http://schemas.microsoft.com/office/powerpoint/2010/main" val="2999700011"/>
       </p:ext>
     </p:extLst>
   </p:cSld>
   <p:clrMapOvr>
-    <a:masterClrMapping/>
+    <a:overrideClrMapping bg1="lt1" tx1="dk1" bg2="lt2" tx2="dk2" accent1="accent1" accent2="accent2" accent3="accent3" accent4="accent4" accent5="accent5" accent6="accent6" hlink="hlink" folHlink="folHlink"/>
   </p:clrMapOvr>
+  <p:timing>
+    <p:tnLst>
+      <p:par>
+        <p:cTn id="1" dur="indefinite" restart="never" nodeType="tmRoot"/>
+      </p:par>
+    </p:tnLst>
+  </p:timing>
 </p:sld>
 </file>
 
 <file path=ppt/slides/slide11.xml><?xml version="1.0" encoding="utf-8"?>
+<p:sld xmlns:a="http://schemas.openxmlformats.org/drawingml/2006/main" xmlns:r="http://schemas.openxmlformats.org/officeDocument/2006/relationships" xmlns:p="http://schemas.openxmlformats.org/presentationml/2006/main">
+  <p:cSld>
+    <p:bg>
+      <p:bgPr>
+        <a:solidFill>
+          <a:srgbClr val="FAFAFA"/>
+        </a:solidFill>
+        <a:effectLst/>
+      </p:bgPr>
+    </p:bg>
+    <p:spTree>
+      <p:nvGrpSpPr>
+        <p:cNvPr id="1" name=""/>
+        <p:cNvGrpSpPr/>
+        <p:nvPr/>
+      </p:nvGrpSpPr>
+      <p:grpSpPr>
+        <a:xfrm>
+          <a:off x="0" y="0"/>
+          <a:ext cx="0" cy="0"/>
+          <a:chOff x="0" y="0"/>
+          <a:chExt cx="0" cy="0"/>
+        </a:xfrm>
+      </p:grpSpPr>
+      <p:sp>
+        <p:nvSpPr>
+          <p:cNvPr id="10" name="TextBox 9"/>
+          <p:cNvSpPr txBox="1"/>
+          <p:nvPr/>
+        </p:nvSpPr>
+        <p:spPr>
+          <a:xfrm>
+            <a:off x="251519" y="3298800"/>
+            <a:ext cx="3744417" cy="1446550"/>
+          </a:xfrm>
+          <a:prstGeom prst="rect">
+            <a:avLst/>
+          </a:prstGeom>
+          <a:noFill/>
+        </p:spPr>
+        <p:txBody>
+          <a:bodyPr wrap="square" rtlCol="0">
+            <a:spAutoFit/>
+          </a:bodyPr>
+          <a:lstStyle/>
+          <a:p>
+            <a:pPr marL="171450" indent="-171450">
+              <a:buFont typeface="Arial" panose="020B0604020202020204" pitchFamily="34" charset="0"/>
+              <a:buChar char="•"/>
+            </a:pPr>
+            <a:r>
+              <a:rPr lang="en-US" altLang="ko-KR" sz="1100" dirty="0" err="1" smtClean="0">
+                <a:solidFill>
+                  <a:schemeClr val="bg2">
+                    <a:lumMod val="25000"/>
+                  </a:schemeClr>
+                </a:solidFill>
+                <a:latin typeface="한수원 한돋움" panose="020B0600000101010101" pitchFamily="50" charset="-127"/>
+                <a:ea typeface="한수원 한돋움" panose="020B0600000101010101" pitchFamily="50" charset="-127"/>
+              </a:rPr>
+              <a:t>ListView</a:t>
+            </a:r>
+            <a:r>
+              <a:rPr lang="ko-KR" altLang="en-US" sz="1100" dirty="0" smtClean="0">
+                <a:solidFill>
+                  <a:schemeClr val="bg2">
+                    <a:lumMod val="25000"/>
+                  </a:schemeClr>
+                </a:solidFill>
+                <a:latin typeface="한수원 한돋움" panose="020B0600000101010101" pitchFamily="50" charset="-127"/>
+                <a:ea typeface="한수원 한돋움" panose="020B0600000101010101" pitchFamily="50" charset="-127"/>
+              </a:rPr>
+              <a:t>에 있는 품목 선택 시 자동으로 주문 탭에 입력됨</a:t>
+            </a:r>
+            <a:endParaRPr lang="en-US" altLang="ko-KR" sz="1100" dirty="0" smtClean="0">
+              <a:solidFill>
+                <a:schemeClr val="bg2">
+                  <a:lumMod val="25000"/>
+                </a:schemeClr>
+              </a:solidFill>
+              <a:latin typeface="한수원 한돋움" panose="020B0600000101010101" pitchFamily="50" charset="-127"/>
+              <a:ea typeface="한수원 한돋움" panose="020B0600000101010101" pitchFamily="50" charset="-127"/>
+            </a:endParaRPr>
+          </a:p>
+          <a:p>
+            <a:endParaRPr lang="en-US" altLang="ko-KR" sz="1100" dirty="0" smtClean="0">
+              <a:solidFill>
+                <a:schemeClr val="bg2">
+                  <a:lumMod val="25000"/>
+                </a:schemeClr>
+              </a:solidFill>
+              <a:latin typeface="한수원 한돋움" panose="020B0600000101010101" pitchFamily="50" charset="-127"/>
+              <a:ea typeface="한수원 한돋움" panose="020B0600000101010101" pitchFamily="50" charset="-127"/>
+            </a:endParaRPr>
+          </a:p>
+          <a:p>
+            <a:pPr marL="171450" indent="-171450">
+              <a:buFont typeface="Arial" panose="020B0604020202020204" pitchFamily="34" charset="0"/>
+              <a:buChar char="•"/>
+            </a:pPr>
+            <a:r>
+              <a:rPr lang="ko-KR" altLang="en-US" sz="1100" dirty="0" smtClean="0">
+                <a:solidFill>
+                  <a:schemeClr val="bg2">
+                    <a:lumMod val="25000"/>
+                  </a:schemeClr>
+                </a:solidFill>
+                <a:latin typeface="한수원 한돋움" panose="020B0600000101010101" pitchFamily="50" charset="-127"/>
+                <a:ea typeface="한수원 한돋움" panose="020B0600000101010101" pitchFamily="50" charset="-127"/>
+              </a:rPr>
+              <a:t>약품명과 주문 수량을 입력하고 </a:t>
+            </a:r>
+            <a:r>
+              <a:rPr lang="en-US" altLang="ko-KR" sz="1100" dirty="0" smtClean="0">
+                <a:solidFill>
+                  <a:schemeClr val="bg2">
+                    <a:lumMod val="25000"/>
+                  </a:schemeClr>
+                </a:solidFill>
+                <a:latin typeface="한수원 한돋움" panose="020B0600000101010101" pitchFamily="50" charset="-127"/>
+                <a:ea typeface="한수원 한돋움" panose="020B0600000101010101" pitchFamily="50" charset="-127"/>
+              </a:rPr>
+              <a:t>‘</a:t>
+            </a:r>
+            <a:r>
+              <a:rPr lang="ko-KR" altLang="en-US" sz="1100" dirty="0" smtClean="0">
+                <a:solidFill>
+                  <a:schemeClr val="bg2">
+                    <a:lumMod val="25000"/>
+                  </a:schemeClr>
+                </a:solidFill>
+                <a:latin typeface="한수원 한돋움" panose="020B0600000101010101" pitchFamily="50" charset="-127"/>
+                <a:ea typeface="한수원 한돋움" panose="020B0600000101010101" pitchFamily="50" charset="-127"/>
+              </a:rPr>
+              <a:t>담기</a:t>
+            </a:r>
+            <a:r>
+              <a:rPr lang="en-US" altLang="ko-KR" sz="1100" dirty="0" smtClean="0">
+                <a:solidFill>
+                  <a:schemeClr val="bg2">
+                    <a:lumMod val="25000"/>
+                  </a:schemeClr>
+                </a:solidFill>
+                <a:latin typeface="한수원 한돋움" panose="020B0600000101010101" pitchFamily="50" charset="-127"/>
+                <a:ea typeface="한수원 한돋움" panose="020B0600000101010101" pitchFamily="50" charset="-127"/>
+              </a:rPr>
+              <a:t>’</a:t>
+            </a:r>
+            <a:r>
+              <a:rPr lang="ko-KR" altLang="en-US" sz="1100" dirty="0" smtClean="0">
+                <a:solidFill>
+                  <a:schemeClr val="bg2">
+                    <a:lumMod val="25000"/>
+                  </a:schemeClr>
+                </a:solidFill>
+                <a:latin typeface="한수원 한돋움" panose="020B0600000101010101" pitchFamily="50" charset="-127"/>
+                <a:ea typeface="한수원 한돋움" panose="020B0600000101010101" pitchFamily="50" charset="-127"/>
+              </a:rPr>
+              <a:t>를 누르면 </a:t>
+            </a:r>
+            <a:r>
+              <a:rPr lang="en-US" altLang="ko-KR" sz="1100" dirty="0" err="1" smtClean="0">
+                <a:solidFill>
+                  <a:schemeClr val="bg2">
+                    <a:lumMod val="25000"/>
+                  </a:schemeClr>
+                </a:solidFill>
+                <a:latin typeface="한수원 한돋움" panose="020B0600000101010101" pitchFamily="50" charset="-127"/>
+                <a:ea typeface="한수원 한돋움" panose="020B0600000101010101" pitchFamily="50" charset="-127"/>
+              </a:rPr>
+              <a:t>DataManager</a:t>
+            </a:r>
+            <a:r>
+              <a:rPr lang="ko-KR" altLang="en-US" sz="1100" dirty="0" smtClean="0">
+                <a:solidFill>
+                  <a:schemeClr val="bg2">
+                    <a:lumMod val="25000"/>
+                  </a:schemeClr>
+                </a:solidFill>
+                <a:latin typeface="한수원 한돋움" panose="020B0600000101010101" pitchFamily="50" charset="-127"/>
+                <a:ea typeface="한수원 한돋움" panose="020B0600000101010101" pitchFamily="50" charset="-127"/>
+              </a:rPr>
+              <a:t>에 있는 </a:t>
+            </a:r>
+            <a:r>
+              <a:rPr lang="en-US" altLang="ko-KR" sz="1100" dirty="0" smtClean="0">
+                <a:solidFill>
+                  <a:schemeClr val="bg2">
+                    <a:lumMod val="25000"/>
+                  </a:schemeClr>
+                </a:solidFill>
+                <a:latin typeface="한수원 한돋움" panose="020B0600000101010101" pitchFamily="50" charset="-127"/>
+                <a:ea typeface="한수원 한돋움" panose="020B0600000101010101" pitchFamily="50" charset="-127"/>
+              </a:rPr>
+              <a:t>drugs</a:t>
+            </a:r>
+            <a:r>
+              <a:rPr lang="ko-KR" altLang="en-US" sz="1100" dirty="0" smtClean="0">
+                <a:solidFill>
+                  <a:schemeClr val="bg2">
+                    <a:lumMod val="25000"/>
+                  </a:schemeClr>
+                </a:solidFill>
+                <a:latin typeface="한수원 한돋움" panose="020B0600000101010101" pitchFamily="50" charset="-127"/>
+                <a:ea typeface="한수원 한돋움" panose="020B0600000101010101" pitchFamily="50" charset="-127"/>
+              </a:rPr>
+              <a:t>에 있는 원본 데이터와 입력된 약품 이름을 대조하여 주문 폼에 있는 </a:t>
+            </a:r>
+            <a:r>
+              <a:rPr lang="en-US" altLang="ko-KR" sz="1100" dirty="0" smtClean="0">
+                <a:solidFill>
+                  <a:schemeClr val="bg2">
+                    <a:lumMod val="25000"/>
+                  </a:schemeClr>
+                </a:solidFill>
+                <a:latin typeface="한수원 한돋움" panose="020B0600000101010101" pitchFamily="50" charset="-127"/>
+                <a:ea typeface="한수원 한돋움" panose="020B0600000101010101" pitchFamily="50" charset="-127"/>
+              </a:rPr>
+              <a:t>orders List</a:t>
+            </a:r>
+            <a:r>
+              <a:rPr lang="ko-KR" altLang="en-US" sz="1100" dirty="0" smtClean="0">
+                <a:solidFill>
+                  <a:schemeClr val="bg2">
+                    <a:lumMod val="25000"/>
+                  </a:schemeClr>
+                </a:solidFill>
+                <a:latin typeface="한수원 한돋움" panose="020B0600000101010101" pitchFamily="50" charset="-127"/>
+                <a:ea typeface="한수원 한돋움" panose="020B0600000101010101" pitchFamily="50" charset="-127"/>
+              </a:rPr>
+              <a:t>에 추가함</a:t>
+            </a:r>
+            <a:endParaRPr lang="en-US" altLang="ko-KR" sz="1100" dirty="0" smtClean="0">
+              <a:solidFill>
+                <a:schemeClr val="bg2">
+                  <a:lumMod val="25000"/>
+                </a:schemeClr>
+              </a:solidFill>
+              <a:latin typeface="한수원 한돋움" panose="020B0600000101010101" pitchFamily="50" charset="-127"/>
+              <a:ea typeface="한수원 한돋움" panose="020B0600000101010101" pitchFamily="50" charset="-127"/>
+            </a:endParaRPr>
+          </a:p>
+          <a:p>
+            <a:endParaRPr lang="en-US" altLang="ko-KR" sz="1100" dirty="0" smtClean="0">
+              <a:solidFill>
+                <a:schemeClr val="bg2">
+                  <a:lumMod val="25000"/>
+                </a:schemeClr>
+              </a:solidFill>
+              <a:latin typeface="한수원 한돋움" panose="020B0600000101010101" pitchFamily="50" charset="-127"/>
+              <a:ea typeface="한수원 한돋움" panose="020B0600000101010101" pitchFamily="50" charset="-127"/>
+            </a:endParaRPr>
+          </a:p>
+          <a:p>
+            <a:pPr marL="171450" indent="-171450">
+              <a:buFont typeface="Arial" panose="020B0604020202020204" pitchFamily="34" charset="0"/>
+              <a:buChar char="•"/>
+            </a:pPr>
+            <a:r>
+              <a:rPr lang="ko-KR" altLang="en-US" sz="1100" dirty="0" smtClean="0">
+                <a:solidFill>
+                  <a:schemeClr val="bg2">
+                    <a:lumMod val="25000"/>
+                  </a:schemeClr>
+                </a:solidFill>
+                <a:latin typeface="한수원 한돋움" panose="020B0600000101010101" pitchFamily="50" charset="-127"/>
+                <a:ea typeface="한수원 한돋움" panose="020B0600000101010101" pitchFamily="50" charset="-127"/>
+              </a:rPr>
+              <a:t>회사 정보도 동일하게 작동</a:t>
+            </a:r>
+            <a:endParaRPr lang="en-US" altLang="ko-KR" sz="1100" dirty="0" smtClean="0">
+              <a:solidFill>
+                <a:schemeClr val="bg2">
+                  <a:lumMod val="25000"/>
+                </a:schemeClr>
+              </a:solidFill>
+              <a:latin typeface="한수원 한돋움" panose="020B0600000101010101" pitchFamily="50" charset="-127"/>
+              <a:ea typeface="한수원 한돋움" panose="020B0600000101010101" pitchFamily="50" charset="-127"/>
+            </a:endParaRPr>
+          </a:p>
+        </p:txBody>
+      </p:sp>
+      <p:pic>
+        <p:nvPicPr>
+          <p:cNvPr id="3" name="그림 2"/>
+          <p:cNvPicPr>
+            <a:picLocks noChangeAspect="1"/>
+          </p:cNvPicPr>
+          <p:nvPr/>
+        </p:nvPicPr>
+        <p:blipFill>
+          <a:blip r:embed="rId3" cstate="print">
+            <a:extLst>
+              <a:ext uri="{28A0092B-C50C-407E-A947-70E740481C1C}">
+                <a14:useLocalDpi xmlns:a14="http://schemas.microsoft.com/office/drawing/2010/main" val="0"/>
+              </a:ext>
+            </a:extLst>
+          </a:blip>
+          <a:stretch>
+            <a:fillRect/>
+          </a:stretch>
+        </p:blipFill>
+        <p:spPr>
+          <a:xfrm>
+            <a:off x="395536" y="1131590"/>
+            <a:ext cx="2783580" cy="2088375"/>
+          </a:xfrm>
+          <a:prstGeom prst="rect">
+            <a:avLst/>
+          </a:prstGeom>
+        </p:spPr>
+      </p:pic>
+      <p:sp>
+        <p:nvSpPr>
+          <p:cNvPr id="4" name="직사각형 3"/>
+          <p:cNvSpPr/>
+          <p:nvPr/>
+        </p:nvSpPr>
+        <p:spPr>
+          <a:xfrm>
+            <a:off x="2123728" y="1203598"/>
+            <a:ext cx="1055388" cy="350018"/>
+          </a:xfrm>
+          <a:prstGeom prst="rect">
+            <a:avLst/>
+          </a:prstGeom>
+          <a:noFill/>
+          <a:ln>
+            <a:solidFill>
+              <a:srgbClr val="C00000"/>
+            </a:solidFill>
+          </a:ln>
+        </p:spPr>
+        <p:style>
+          <a:lnRef idx="2">
+            <a:schemeClr val="accent1">
+              <a:shade val="50000"/>
+            </a:schemeClr>
+          </a:lnRef>
+          <a:fillRef idx="1">
+            <a:schemeClr val="accent1"/>
+          </a:fillRef>
+          <a:effectRef idx="0">
+            <a:schemeClr val="accent1"/>
+          </a:effectRef>
+          <a:fontRef idx="minor">
+            <a:schemeClr val="lt1"/>
+          </a:fontRef>
+        </p:style>
+        <p:txBody>
+          <a:bodyPr rtlCol="0" anchor="ctr"/>
+          <a:lstStyle/>
+          <a:p>
+            <a:pPr algn="ctr"/>
+            <a:endParaRPr lang="ko-KR" altLang="en-US"/>
+          </a:p>
+        </p:txBody>
+      </p:sp>
+      <p:cxnSp>
+        <p:nvCxnSpPr>
+          <p:cNvPr id="5" name="꺾인 연결선 4"/>
+          <p:cNvCxnSpPr>
+            <a:stCxn id="4" idx="3"/>
+          </p:cNvCxnSpPr>
+          <p:nvPr/>
+        </p:nvCxnSpPr>
+        <p:spPr>
+          <a:xfrm>
+            <a:off x="3179116" y="1378607"/>
+            <a:ext cx="816820" cy="247017"/>
+          </a:xfrm>
+          <a:prstGeom prst="bentConnector3">
+            <a:avLst>
+              <a:gd name="adj1" fmla="val 50000"/>
+            </a:avLst>
+          </a:prstGeom>
+          <a:ln w="12700">
+            <a:solidFill>
+              <a:srgbClr val="C00000"/>
+            </a:solidFill>
+            <a:tailEnd type="triangle"/>
+          </a:ln>
+        </p:spPr>
+        <p:style>
+          <a:lnRef idx="1">
+            <a:schemeClr val="accent1"/>
+          </a:lnRef>
+          <a:fillRef idx="0">
+            <a:schemeClr val="accent1"/>
+          </a:fillRef>
+          <a:effectRef idx="0">
+            <a:schemeClr val="accent1"/>
+          </a:effectRef>
+          <a:fontRef idx="minor">
+            <a:schemeClr val="tx1"/>
+          </a:fontRef>
+        </p:style>
+      </p:cxnSp>
+      <p:pic>
+        <p:nvPicPr>
+          <p:cNvPr id="8" name="그림 7"/>
+          <p:cNvPicPr>
+            <a:picLocks noChangeAspect="1"/>
+          </p:cNvPicPr>
+          <p:nvPr/>
+        </p:nvPicPr>
+        <p:blipFill>
+          <a:blip r:embed="rId4"/>
+          <a:stretch>
+            <a:fillRect/>
+          </a:stretch>
+        </p:blipFill>
+        <p:spPr>
+          <a:xfrm>
+            <a:off x="4355977" y="1059582"/>
+            <a:ext cx="4468197" cy="2744401"/>
+          </a:xfrm>
+          <a:prstGeom prst="rect">
+            <a:avLst/>
+          </a:prstGeom>
+        </p:spPr>
+      </p:pic>
+      <p:pic>
+        <p:nvPicPr>
+          <p:cNvPr id="9" name="그림 8"/>
+          <p:cNvPicPr>
+            <a:picLocks noChangeAspect="1"/>
+          </p:cNvPicPr>
+          <p:nvPr/>
+        </p:nvPicPr>
+        <p:blipFill>
+          <a:blip r:embed="rId5"/>
+          <a:stretch>
+            <a:fillRect/>
+          </a:stretch>
+        </p:blipFill>
+        <p:spPr>
+          <a:xfrm>
+            <a:off x="2433733" y="2427734"/>
+            <a:ext cx="1490766" cy="531324"/>
+          </a:xfrm>
+          <a:prstGeom prst="rect">
+            <a:avLst/>
+          </a:prstGeom>
+        </p:spPr>
+      </p:pic>
+    </p:spTree>
+    <p:extLst>
+      <p:ext uri="{BB962C8B-B14F-4D97-AF65-F5344CB8AC3E}">
+        <p14:creationId xmlns:p14="http://schemas.microsoft.com/office/powerpoint/2010/main" val="4037270111"/>
+      </p:ext>
+    </p:extLst>
+  </p:cSld>
+  <p:clrMapOvr>
+    <a:overrideClrMapping bg1="lt1" tx1="dk1" bg2="lt2" tx2="dk2" accent1="accent1" accent2="accent2" accent3="accent3" accent4="accent4" accent5="accent5" accent6="accent6" hlink="hlink" folHlink="folHlink"/>
+  </p:clrMapOvr>
+  <p:timing>
+    <p:tnLst>
+      <p:par>
+        <p:cTn id="1" dur="indefinite" restart="never" nodeType="tmRoot"/>
+      </p:par>
+    </p:tnLst>
+  </p:timing>
+</p:sld>
+</file>
+
+<file path=ppt/slides/slide12.xml><?xml version="1.0" encoding="utf-8"?>
+<p:sld xmlns:a="http://schemas.openxmlformats.org/drawingml/2006/main" xmlns:r="http://schemas.openxmlformats.org/officeDocument/2006/relationships" xmlns:p="http://schemas.openxmlformats.org/presentationml/2006/main">
+  <p:cSld>
+    <p:bg>
+      <p:bgPr>
+        <a:solidFill>
+          <a:srgbClr val="FAFAFA"/>
+        </a:solidFill>
+        <a:effectLst/>
+      </p:bgPr>
+    </p:bg>
+    <p:spTree>
+      <p:nvGrpSpPr>
+        <p:cNvPr id="1" name=""/>
+        <p:cNvGrpSpPr/>
+        <p:nvPr/>
+      </p:nvGrpSpPr>
+      <p:grpSpPr>
+        <a:xfrm>
+          <a:off x="0" y="0"/>
+          <a:ext cx="0" cy="0"/>
+          <a:chOff x="0" y="0"/>
+          <a:chExt cx="0" cy="0"/>
+        </a:xfrm>
+      </p:grpSpPr>
+      <p:sp>
+        <p:nvSpPr>
+          <p:cNvPr id="10" name="TextBox 9"/>
+          <p:cNvSpPr txBox="1"/>
+          <p:nvPr/>
+        </p:nvSpPr>
+        <p:spPr>
+          <a:xfrm>
+            <a:off x="391615" y="3507854"/>
+            <a:ext cx="3744417" cy="1277273"/>
+          </a:xfrm>
+          <a:prstGeom prst="rect">
+            <a:avLst/>
+          </a:prstGeom>
+          <a:noFill/>
+        </p:spPr>
+        <p:txBody>
+          <a:bodyPr wrap="square" rtlCol="0">
+            <a:spAutoFit/>
+          </a:bodyPr>
+          <a:lstStyle/>
+          <a:p>
+            <a:pPr marL="171450" indent="-171450">
+              <a:buFont typeface="Arial" panose="020B0604020202020204" pitchFamily="34" charset="0"/>
+              <a:buChar char="•"/>
+            </a:pPr>
+            <a:r>
+              <a:rPr lang="ko-KR" altLang="en-US" sz="1100" dirty="0" smtClean="0">
+                <a:solidFill>
+                  <a:schemeClr val="bg2">
+                    <a:lumMod val="25000"/>
+                  </a:schemeClr>
+                </a:solidFill>
+                <a:latin typeface="한수원 한돋움" panose="020B0600000101010101" pitchFamily="50" charset="-127"/>
+                <a:ea typeface="한수원 한돋움" panose="020B0600000101010101" pitchFamily="50" charset="-127"/>
+              </a:rPr>
+              <a:t>사용자가 입력한 정보가 </a:t>
+            </a:r>
+            <a:r>
+              <a:rPr lang="en-US" altLang="ko-KR" sz="1100" dirty="0" smtClean="0">
+                <a:solidFill>
+                  <a:schemeClr val="bg2">
+                    <a:lumMod val="25000"/>
+                  </a:schemeClr>
+                </a:solidFill>
+                <a:latin typeface="한수원 한돋움" panose="020B0600000101010101" pitchFamily="50" charset="-127"/>
+                <a:ea typeface="한수원 한돋움" panose="020B0600000101010101" pitchFamily="50" charset="-127"/>
+              </a:rPr>
+              <a:t>Form Load</a:t>
+            </a:r>
+            <a:r>
+              <a:rPr lang="ko-KR" altLang="en-US" sz="1100" dirty="0" smtClean="0">
+                <a:solidFill>
+                  <a:schemeClr val="bg2">
+                    <a:lumMod val="25000"/>
+                  </a:schemeClr>
+                </a:solidFill>
+                <a:latin typeface="한수원 한돋움" panose="020B0600000101010101" pitchFamily="50" charset="-127"/>
+                <a:ea typeface="한수원 한돋움" panose="020B0600000101010101" pitchFamily="50" charset="-127"/>
+              </a:rPr>
+              <a:t>시 불러지고</a:t>
+            </a:r>
+            <a:r>
+              <a:rPr lang="en-US" altLang="ko-KR" sz="1100" dirty="0" smtClean="0">
+                <a:solidFill>
+                  <a:schemeClr val="bg2">
+                    <a:lumMod val="25000"/>
+                  </a:schemeClr>
+                </a:solidFill>
+                <a:latin typeface="한수원 한돋움" panose="020B0600000101010101" pitchFamily="50" charset="-127"/>
+                <a:ea typeface="한수원 한돋움" panose="020B0600000101010101" pitchFamily="50" charset="-127"/>
+              </a:rPr>
+              <a:t>, </a:t>
+            </a:r>
+            <a:r>
+              <a:rPr lang="en-US" altLang="ko-KR" sz="1100" dirty="0" err="1" smtClean="0">
+                <a:solidFill>
+                  <a:schemeClr val="bg2">
+                    <a:lumMod val="25000"/>
+                  </a:schemeClr>
+                </a:solidFill>
+                <a:latin typeface="한수원 한돋움" panose="020B0600000101010101" pitchFamily="50" charset="-127"/>
+                <a:ea typeface="한수원 한돋움" panose="020B0600000101010101" pitchFamily="50" charset="-127"/>
+              </a:rPr>
+              <a:t>GridView</a:t>
+            </a:r>
+            <a:r>
+              <a:rPr lang="ko-KR" altLang="en-US" sz="1100" dirty="0" smtClean="0">
+                <a:solidFill>
+                  <a:schemeClr val="bg2">
+                    <a:lumMod val="25000"/>
+                  </a:schemeClr>
+                </a:solidFill>
+                <a:latin typeface="한수원 한돋움" panose="020B0600000101010101" pitchFamily="50" charset="-127"/>
+                <a:ea typeface="한수원 한돋움" panose="020B0600000101010101" pitchFamily="50" charset="-127"/>
+              </a:rPr>
+              <a:t>에 출력됨</a:t>
+            </a:r>
+            <a:endParaRPr lang="en-US" altLang="ko-KR" sz="1100" dirty="0" smtClean="0">
+              <a:solidFill>
+                <a:schemeClr val="bg2">
+                  <a:lumMod val="25000"/>
+                </a:schemeClr>
+              </a:solidFill>
+              <a:latin typeface="한수원 한돋움" panose="020B0600000101010101" pitchFamily="50" charset="-127"/>
+              <a:ea typeface="한수원 한돋움" panose="020B0600000101010101" pitchFamily="50" charset="-127"/>
+            </a:endParaRPr>
+          </a:p>
+          <a:p>
+            <a:endParaRPr lang="en-US" altLang="ko-KR" sz="1100" dirty="0" smtClean="0">
+              <a:solidFill>
+                <a:schemeClr val="bg2">
+                  <a:lumMod val="25000"/>
+                </a:schemeClr>
+              </a:solidFill>
+              <a:latin typeface="한수원 한돋움" panose="020B0600000101010101" pitchFamily="50" charset="-127"/>
+              <a:ea typeface="한수원 한돋움" panose="020B0600000101010101" pitchFamily="50" charset="-127"/>
+            </a:endParaRPr>
+          </a:p>
+          <a:p>
+            <a:pPr marL="171450" indent="-171450">
+              <a:buFont typeface="Arial" panose="020B0604020202020204" pitchFamily="34" charset="0"/>
+              <a:buChar char="•"/>
+            </a:pPr>
+            <a:r>
+              <a:rPr lang="ko-KR" altLang="en-US" sz="1100" dirty="0" smtClean="0">
+                <a:solidFill>
+                  <a:schemeClr val="bg2">
+                    <a:lumMod val="25000"/>
+                  </a:schemeClr>
+                </a:solidFill>
+                <a:latin typeface="한수원 한돋움" panose="020B0600000101010101" pitchFamily="50" charset="-127"/>
+                <a:ea typeface="한수원 한돋움" panose="020B0600000101010101" pitchFamily="50" charset="-127"/>
+              </a:rPr>
+              <a:t>수량 수정 시 이전에 있던 데이터를 </a:t>
+            </a:r>
+            <a:r>
+              <a:rPr lang="en-US" altLang="ko-KR" sz="1100" dirty="0" smtClean="0">
+                <a:solidFill>
+                  <a:schemeClr val="bg2">
+                    <a:lumMod val="25000"/>
+                  </a:schemeClr>
+                </a:solidFill>
+                <a:latin typeface="한수원 한돋움" panose="020B0600000101010101" pitchFamily="50" charset="-127"/>
+                <a:ea typeface="한수원 한돋움" panose="020B0600000101010101" pitchFamily="50" charset="-127"/>
+              </a:rPr>
+              <a:t>Clear</a:t>
+            </a:r>
+            <a:r>
+              <a:rPr lang="ko-KR" altLang="en-US" sz="1100" dirty="0" smtClean="0">
+                <a:solidFill>
+                  <a:schemeClr val="bg2">
+                    <a:lumMod val="25000"/>
+                  </a:schemeClr>
+                </a:solidFill>
+                <a:latin typeface="한수원 한돋움" panose="020B0600000101010101" pitchFamily="50" charset="-127"/>
+                <a:ea typeface="한수원 한돋움" panose="020B0600000101010101" pitchFamily="50" charset="-127"/>
+              </a:rPr>
+              <a:t>를 이용해 지우고 </a:t>
+            </a:r>
+            <a:r>
+              <a:rPr lang="en-US" altLang="ko-KR" sz="1100" dirty="0" smtClean="0">
+                <a:solidFill>
+                  <a:schemeClr val="bg2">
+                    <a:lumMod val="25000"/>
+                  </a:schemeClr>
+                </a:solidFill>
+                <a:latin typeface="한수원 한돋움" panose="020B0600000101010101" pitchFamily="50" charset="-127"/>
+                <a:ea typeface="한수원 한돋움" panose="020B0600000101010101" pitchFamily="50" charset="-127"/>
+              </a:rPr>
+              <a:t>,</a:t>
+            </a:r>
+            <a:r>
+              <a:rPr lang="ko-KR" altLang="en-US" sz="1100" dirty="0" smtClean="0">
+                <a:solidFill>
+                  <a:schemeClr val="bg2">
+                    <a:lumMod val="25000"/>
+                  </a:schemeClr>
+                </a:solidFill>
+                <a:latin typeface="한수원 한돋움" panose="020B0600000101010101" pitchFamily="50" charset="-127"/>
+                <a:ea typeface="한수원 한돋움" panose="020B0600000101010101" pitchFamily="50" charset="-127"/>
+              </a:rPr>
+              <a:t>수정 된 입력 값을 다시 설정 후에 </a:t>
+            </a:r>
+            <a:r>
+              <a:rPr lang="en-US" altLang="ko-KR" sz="1100" dirty="0" err="1" smtClean="0">
+                <a:solidFill>
+                  <a:schemeClr val="bg2">
+                    <a:lumMod val="25000"/>
+                  </a:schemeClr>
+                </a:solidFill>
+                <a:latin typeface="한수원 한돋움" panose="020B0600000101010101" pitchFamily="50" charset="-127"/>
+                <a:ea typeface="한수원 한돋움" panose="020B0600000101010101" pitchFamily="50" charset="-127"/>
+              </a:rPr>
+              <a:t>GridView</a:t>
+            </a:r>
+            <a:r>
+              <a:rPr lang="ko-KR" altLang="en-US" sz="1100" dirty="0" smtClean="0">
+                <a:solidFill>
+                  <a:schemeClr val="bg2">
+                    <a:lumMod val="25000"/>
+                  </a:schemeClr>
+                </a:solidFill>
+                <a:latin typeface="한수원 한돋움" panose="020B0600000101010101" pitchFamily="50" charset="-127"/>
+                <a:ea typeface="한수원 한돋움" panose="020B0600000101010101" pitchFamily="50" charset="-127"/>
+              </a:rPr>
+              <a:t>에 출력함</a:t>
+            </a:r>
+            <a:endParaRPr lang="en-US" altLang="ko-KR" sz="1100" dirty="0" smtClean="0">
+              <a:solidFill>
+                <a:schemeClr val="bg2">
+                  <a:lumMod val="25000"/>
+                </a:schemeClr>
+              </a:solidFill>
+              <a:latin typeface="한수원 한돋움" panose="020B0600000101010101" pitchFamily="50" charset="-127"/>
+              <a:ea typeface="한수원 한돋움" panose="020B0600000101010101" pitchFamily="50" charset="-127"/>
+            </a:endParaRPr>
+          </a:p>
+          <a:p>
+            <a:endParaRPr lang="en-US" altLang="ko-KR" sz="1100" dirty="0" smtClean="0">
+              <a:solidFill>
+                <a:schemeClr val="bg2">
+                  <a:lumMod val="25000"/>
+                </a:schemeClr>
+              </a:solidFill>
+              <a:latin typeface="한수원 한돋움" panose="020B0600000101010101" pitchFamily="50" charset="-127"/>
+              <a:ea typeface="한수원 한돋움" panose="020B0600000101010101" pitchFamily="50" charset="-127"/>
+            </a:endParaRPr>
+          </a:p>
+          <a:p>
+            <a:pPr marL="171450" indent="-171450">
+              <a:buFont typeface="Arial" panose="020B0604020202020204" pitchFamily="34" charset="0"/>
+              <a:buChar char="•"/>
+            </a:pPr>
+            <a:r>
+              <a:rPr lang="ko-KR" altLang="en-US" sz="1100" dirty="0" smtClean="0">
+                <a:solidFill>
+                  <a:schemeClr val="bg2">
+                    <a:lumMod val="25000"/>
+                  </a:schemeClr>
+                </a:solidFill>
+                <a:latin typeface="한수원 한돋움" panose="020B0600000101010101" pitchFamily="50" charset="-127"/>
+                <a:ea typeface="한수원 한돋움" panose="020B0600000101010101" pitchFamily="50" charset="-127"/>
+              </a:rPr>
+              <a:t>주문 시 입력한 수량과 원래 있던 재고를 더해서 데이터 저장</a:t>
+            </a:r>
+            <a:endParaRPr lang="en-US" altLang="ko-KR" sz="1100" dirty="0" smtClean="0">
+              <a:solidFill>
+                <a:schemeClr val="bg2">
+                  <a:lumMod val="25000"/>
+                </a:schemeClr>
+              </a:solidFill>
+              <a:latin typeface="한수원 한돋움" panose="020B0600000101010101" pitchFamily="50" charset="-127"/>
+              <a:ea typeface="한수원 한돋움" panose="020B0600000101010101" pitchFamily="50" charset="-127"/>
+            </a:endParaRPr>
+          </a:p>
+        </p:txBody>
+      </p:sp>
+      <p:pic>
+        <p:nvPicPr>
+          <p:cNvPr id="18" name="그림 17"/>
+          <p:cNvPicPr>
+            <a:picLocks noChangeAspect="1"/>
+          </p:cNvPicPr>
+          <p:nvPr/>
+        </p:nvPicPr>
+        <p:blipFill>
+          <a:blip r:embed="rId3"/>
+          <a:stretch>
+            <a:fillRect/>
+          </a:stretch>
+        </p:blipFill>
+        <p:spPr>
+          <a:xfrm>
+            <a:off x="4355976" y="1131590"/>
+            <a:ext cx="4257495" cy="2148458"/>
+          </a:xfrm>
+          <a:prstGeom prst="rect">
+            <a:avLst/>
+          </a:prstGeom>
+        </p:spPr>
+      </p:pic>
+      <p:pic>
+        <p:nvPicPr>
+          <p:cNvPr id="19" name="그림 18"/>
+          <p:cNvPicPr>
+            <a:picLocks noChangeAspect="1"/>
+          </p:cNvPicPr>
+          <p:nvPr/>
+        </p:nvPicPr>
+        <p:blipFill>
+          <a:blip r:embed="rId4"/>
+          <a:stretch>
+            <a:fillRect/>
+          </a:stretch>
+        </p:blipFill>
+        <p:spPr>
+          <a:xfrm>
+            <a:off x="6077870" y="2499742"/>
+            <a:ext cx="2742410" cy="2262488"/>
+          </a:xfrm>
+          <a:prstGeom prst="rect">
+            <a:avLst/>
+          </a:prstGeom>
+        </p:spPr>
+      </p:pic>
+      <p:pic>
+        <p:nvPicPr>
+          <p:cNvPr id="20" name="그림 19"/>
+          <p:cNvPicPr>
+            <a:picLocks noChangeAspect="1"/>
+          </p:cNvPicPr>
+          <p:nvPr/>
+        </p:nvPicPr>
+        <p:blipFill>
+          <a:blip r:embed="rId5" cstate="print">
+            <a:extLst>
+              <a:ext uri="{28A0092B-C50C-407E-A947-70E740481C1C}">
+                <a14:useLocalDpi xmlns:a14="http://schemas.microsoft.com/office/drawing/2010/main" val="0"/>
+              </a:ext>
+            </a:extLst>
+          </a:blip>
+          <a:stretch>
+            <a:fillRect/>
+          </a:stretch>
+        </p:blipFill>
+        <p:spPr>
+          <a:xfrm>
+            <a:off x="395536" y="1132013"/>
+            <a:ext cx="2972399" cy="2232248"/>
+          </a:xfrm>
+          <a:prstGeom prst="rect">
+            <a:avLst/>
+          </a:prstGeom>
+        </p:spPr>
+      </p:pic>
+      <p:sp>
+        <p:nvSpPr>
+          <p:cNvPr id="21" name="직사각형 20"/>
+          <p:cNvSpPr/>
+          <p:nvPr/>
+        </p:nvSpPr>
+        <p:spPr>
+          <a:xfrm>
+            <a:off x="539552" y="2860205"/>
+            <a:ext cx="2736304" cy="432048"/>
+          </a:xfrm>
+          <a:prstGeom prst="rect">
+            <a:avLst/>
+          </a:prstGeom>
+          <a:noFill/>
+          <a:ln>
+            <a:solidFill>
+              <a:srgbClr val="C00000"/>
+            </a:solidFill>
+          </a:ln>
+        </p:spPr>
+        <p:style>
+          <a:lnRef idx="2">
+            <a:schemeClr val="accent1">
+              <a:shade val="50000"/>
+            </a:schemeClr>
+          </a:lnRef>
+          <a:fillRef idx="1">
+            <a:schemeClr val="accent1"/>
+          </a:fillRef>
+          <a:effectRef idx="0">
+            <a:schemeClr val="accent1"/>
+          </a:effectRef>
+          <a:fontRef idx="minor">
+            <a:schemeClr val="lt1"/>
+          </a:fontRef>
+        </p:style>
+        <p:txBody>
+          <a:bodyPr rtlCol="0" anchor="ctr"/>
+          <a:lstStyle/>
+          <a:p>
+            <a:pPr algn="ctr"/>
+            <a:endParaRPr lang="ko-KR" altLang="en-US"/>
+          </a:p>
+        </p:txBody>
+      </p:sp>
+      <p:cxnSp>
+        <p:nvCxnSpPr>
+          <p:cNvPr id="22" name="꺾인 연결선 21"/>
+          <p:cNvCxnSpPr>
+            <a:stCxn id="21" idx="3"/>
+          </p:cNvCxnSpPr>
+          <p:nvPr/>
+        </p:nvCxnSpPr>
+        <p:spPr>
+          <a:xfrm flipV="1">
+            <a:off x="3275856" y="2788197"/>
+            <a:ext cx="514091" cy="288032"/>
+          </a:xfrm>
+          <a:prstGeom prst="bentConnector3">
+            <a:avLst>
+              <a:gd name="adj1" fmla="val 50000"/>
+            </a:avLst>
+          </a:prstGeom>
+          <a:ln w="12700">
+            <a:solidFill>
+              <a:srgbClr val="C00000"/>
+            </a:solidFill>
+            <a:tailEnd type="triangle"/>
+          </a:ln>
+        </p:spPr>
+        <p:style>
+          <a:lnRef idx="1">
+            <a:schemeClr val="accent1"/>
+          </a:lnRef>
+          <a:fillRef idx="0">
+            <a:schemeClr val="accent1"/>
+          </a:fillRef>
+          <a:effectRef idx="0">
+            <a:schemeClr val="accent1"/>
+          </a:effectRef>
+          <a:fontRef idx="minor">
+            <a:schemeClr val="tx1"/>
+          </a:fontRef>
+        </p:style>
+      </p:cxnSp>
+    </p:spTree>
+    <p:extLst>
+      <p:ext uri="{BB962C8B-B14F-4D97-AF65-F5344CB8AC3E}">
+        <p14:creationId xmlns:p14="http://schemas.microsoft.com/office/powerpoint/2010/main" val="1535743208"/>
+      </p:ext>
+    </p:extLst>
+  </p:cSld>
+  <p:clrMapOvr>
+    <a:overrideClrMapping bg1="lt1" tx1="dk1" bg2="lt2" tx2="dk2" accent1="accent1" accent2="accent2" accent3="accent3" accent4="accent4" accent5="accent5" accent6="accent6" hlink="hlink" folHlink="folHlink"/>
+  </p:clrMapOvr>
+  <p:timing>
+    <p:tnLst>
+      <p:par>
+        <p:cTn id="1" dur="indefinite" restart="never" nodeType="tmRoot"/>
+      </p:par>
+    </p:tnLst>
+  </p:timing>
+</p:sld>
+</file>
+
+<file path=ppt/slides/slide13.xml><?xml version="1.0" encoding="utf-8"?>
+<p:sld xmlns:a="http://schemas.openxmlformats.org/drawingml/2006/main" xmlns:r="http://schemas.openxmlformats.org/officeDocument/2006/relationships" xmlns:p="http://schemas.openxmlformats.org/presentationml/2006/main">
+  <p:cSld>
+    <p:bg>
+      <p:bgPr>
+        <a:solidFill>
+          <a:srgbClr val="FAFAFA"/>
+        </a:solidFill>
+        <a:effectLst/>
+      </p:bgPr>
+    </p:bg>
+    <p:spTree>
+      <p:nvGrpSpPr>
+        <p:cNvPr id="1" name=""/>
+        <p:cNvGrpSpPr/>
+        <p:nvPr/>
+      </p:nvGrpSpPr>
+      <p:grpSpPr>
+        <a:xfrm>
+          <a:off x="0" y="0"/>
+          <a:ext cx="0" cy="0"/>
+          <a:chOff x="0" y="0"/>
+          <a:chExt cx="0" cy="0"/>
+        </a:xfrm>
+      </p:grpSpPr>
+      <p:sp>
+        <p:nvSpPr>
+          <p:cNvPr id="10" name="TextBox 9"/>
+          <p:cNvSpPr txBox="1"/>
+          <p:nvPr/>
+        </p:nvSpPr>
+        <p:spPr>
+          <a:xfrm>
+            <a:off x="611560" y="3723878"/>
+            <a:ext cx="3744417" cy="1184940"/>
+          </a:xfrm>
+          <a:prstGeom prst="rect">
+            <a:avLst/>
+          </a:prstGeom>
+          <a:noFill/>
+        </p:spPr>
+        <p:txBody>
+          <a:bodyPr wrap="square" rtlCol="0">
+            <a:spAutoFit/>
+          </a:bodyPr>
+          <a:lstStyle/>
+          <a:p>
+            <a:pPr marL="171450" indent="-171450">
+              <a:buFont typeface="Arial" panose="020B0604020202020204" pitchFamily="34" charset="0"/>
+              <a:buChar char="•"/>
+            </a:pPr>
+            <a:r>
+              <a:rPr lang="ko-KR" altLang="en-US" sz="1200" dirty="0" smtClean="0">
+                <a:solidFill>
+                  <a:schemeClr val="bg2">
+                    <a:lumMod val="25000"/>
+                  </a:schemeClr>
+                </a:solidFill>
+                <a:latin typeface="한수원 한돋움" panose="020B0600000101010101" pitchFamily="50" charset="-127"/>
+                <a:ea typeface="한수원 한돋움" panose="020B0600000101010101" pitchFamily="50" charset="-127"/>
+              </a:rPr>
+              <a:t>여러 항목 주문 시</a:t>
+            </a:r>
+            <a:r>
+              <a:rPr lang="en-US" altLang="ko-KR" sz="1200" dirty="0" smtClean="0">
+                <a:solidFill>
+                  <a:schemeClr val="bg2">
+                    <a:lumMod val="25000"/>
+                  </a:schemeClr>
+                </a:solidFill>
+                <a:latin typeface="한수원 한돋움" panose="020B0600000101010101" pitchFamily="50" charset="-127"/>
+                <a:ea typeface="한수원 한돋움" panose="020B0600000101010101" pitchFamily="50" charset="-127"/>
+              </a:rPr>
+              <a:t>, </a:t>
+            </a:r>
+            <a:r>
+              <a:rPr lang="ko-KR" altLang="en-US" sz="1200" dirty="0" smtClean="0">
+                <a:solidFill>
+                  <a:schemeClr val="bg2">
+                    <a:lumMod val="25000"/>
+                  </a:schemeClr>
+                </a:solidFill>
+                <a:latin typeface="한수원 한돋움" panose="020B0600000101010101" pitchFamily="50" charset="-127"/>
+                <a:ea typeface="한수원 한돋움" panose="020B0600000101010101" pitchFamily="50" charset="-127"/>
+              </a:rPr>
+              <a:t>제조사에 따라 발주하는 곳이 다르기 때문에 제조사 별로 발주 메일을 따로 전송하기 위해 </a:t>
+            </a:r>
+            <a:r>
+              <a:rPr lang="en-US" altLang="ko-KR" sz="1200" dirty="0" err="1" smtClean="0">
+                <a:solidFill>
+                  <a:schemeClr val="bg2">
+                    <a:lumMod val="25000"/>
+                  </a:schemeClr>
+                </a:solidFill>
+                <a:latin typeface="한수원 한돋움" panose="020B0600000101010101" pitchFamily="50" charset="-127"/>
+                <a:ea typeface="한수원 한돋움" panose="020B0600000101010101" pitchFamily="50" charset="-127"/>
+              </a:rPr>
+              <a:t>foreach</a:t>
+            </a:r>
+            <a:r>
+              <a:rPr lang="ko-KR" altLang="en-US" sz="1200" dirty="0" smtClean="0">
+                <a:solidFill>
+                  <a:schemeClr val="bg2">
+                    <a:lumMod val="25000"/>
+                  </a:schemeClr>
+                </a:solidFill>
+                <a:latin typeface="한수원 한돋움" panose="020B0600000101010101" pitchFamily="50" charset="-127"/>
+                <a:ea typeface="한수원 한돋움" panose="020B0600000101010101" pitchFamily="50" charset="-127"/>
+              </a:rPr>
+              <a:t>문 사용</a:t>
+            </a:r>
+            <a:endParaRPr lang="en-US" altLang="ko-KR" sz="1100" dirty="0" smtClean="0">
+              <a:solidFill>
+                <a:schemeClr val="bg2">
+                  <a:lumMod val="25000"/>
+                </a:schemeClr>
+              </a:solidFill>
+              <a:latin typeface="한수원 한돋움" panose="020B0600000101010101" pitchFamily="50" charset="-127"/>
+              <a:ea typeface="한수원 한돋움" panose="020B0600000101010101" pitchFamily="50" charset="-127"/>
+            </a:endParaRPr>
+          </a:p>
+          <a:p>
+            <a:pPr marL="171450" indent="-171450">
+              <a:buFont typeface="Arial" panose="020B0604020202020204" pitchFamily="34" charset="0"/>
+              <a:buChar char="•"/>
+            </a:pPr>
+            <a:endParaRPr lang="en-US" altLang="ko-KR" sz="1100" dirty="0">
+              <a:solidFill>
+                <a:schemeClr val="bg2">
+                  <a:lumMod val="25000"/>
+                </a:schemeClr>
+              </a:solidFill>
+              <a:latin typeface="한수원 한돋움" panose="020B0600000101010101" pitchFamily="50" charset="-127"/>
+              <a:ea typeface="한수원 한돋움" panose="020B0600000101010101" pitchFamily="50" charset="-127"/>
+            </a:endParaRPr>
+          </a:p>
+          <a:p>
+            <a:pPr marL="171450" indent="-171450">
+              <a:buFont typeface="Arial" panose="020B0604020202020204" pitchFamily="34" charset="0"/>
+              <a:buChar char="•"/>
+            </a:pPr>
+            <a:r>
+              <a:rPr lang="ko-KR" altLang="en-US" sz="1200" dirty="0" smtClean="0">
+                <a:solidFill>
+                  <a:schemeClr val="bg2">
+                    <a:lumMod val="25000"/>
+                  </a:schemeClr>
+                </a:solidFill>
+                <a:latin typeface="한수원 한돋움" panose="020B0600000101010101" pitchFamily="50" charset="-127"/>
+                <a:ea typeface="한수원 한돋움" panose="020B0600000101010101" pitchFamily="50" charset="-127"/>
+              </a:rPr>
+              <a:t>주소와 제목 본문을 </a:t>
+            </a:r>
+            <a:r>
+              <a:rPr lang="en-US" altLang="ko-KR" sz="1200" dirty="0" smtClean="0">
+                <a:solidFill>
+                  <a:schemeClr val="bg2">
+                    <a:lumMod val="25000"/>
+                  </a:schemeClr>
+                </a:solidFill>
+                <a:latin typeface="한수원 한돋움" panose="020B0600000101010101" pitchFamily="50" charset="-127"/>
+                <a:ea typeface="한수원 한돋움" panose="020B0600000101010101" pitchFamily="50" charset="-127"/>
+              </a:rPr>
+              <a:t>form</a:t>
+            </a:r>
+            <a:r>
+              <a:rPr lang="ko-KR" altLang="en-US" sz="1200" dirty="0" smtClean="0">
+                <a:solidFill>
+                  <a:schemeClr val="bg2">
+                    <a:lumMod val="25000"/>
+                  </a:schemeClr>
+                </a:solidFill>
+                <a:latin typeface="한수원 한돋움" panose="020B0600000101010101" pitchFamily="50" charset="-127"/>
+                <a:ea typeface="한수원 한돋움" panose="020B0600000101010101" pitchFamily="50" charset="-127"/>
+              </a:rPr>
+              <a:t>에 있는 </a:t>
+            </a:r>
+            <a:r>
+              <a:rPr lang="en-US" altLang="ko-KR" sz="1200" dirty="0" err="1" smtClean="0">
+                <a:solidFill>
+                  <a:schemeClr val="bg2">
+                    <a:lumMod val="25000"/>
+                  </a:schemeClr>
+                </a:solidFill>
+                <a:latin typeface="한수원 한돋움" panose="020B0600000101010101" pitchFamily="50" charset="-127"/>
+                <a:ea typeface="한수원 한돋움" panose="020B0600000101010101" pitchFamily="50" charset="-127"/>
+              </a:rPr>
+              <a:t>TextBox</a:t>
+            </a:r>
+            <a:r>
+              <a:rPr lang="ko-KR" altLang="en-US" sz="1200" dirty="0">
+                <a:solidFill>
+                  <a:schemeClr val="bg2">
+                    <a:lumMod val="25000"/>
+                  </a:schemeClr>
+                </a:solidFill>
+                <a:latin typeface="한수원 한돋움" panose="020B0600000101010101" pitchFamily="50" charset="-127"/>
+                <a:ea typeface="한수원 한돋움" panose="020B0600000101010101" pitchFamily="50" charset="-127"/>
+              </a:rPr>
+              <a:t> </a:t>
+            </a:r>
+            <a:r>
+              <a:rPr lang="ko-KR" altLang="en-US" sz="1200" dirty="0" smtClean="0">
+                <a:solidFill>
+                  <a:schemeClr val="bg2">
+                    <a:lumMod val="25000"/>
+                  </a:schemeClr>
+                </a:solidFill>
+                <a:latin typeface="한수원 한돋움" panose="020B0600000101010101" pitchFamily="50" charset="-127"/>
+                <a:ea typeface="한수원 한돋움" panose="020B0600000101010101" pitchFamily="50" charset="-127"/>
+              </a:rPr>
+              <a:t>값으로 가져와서 해당 주소로 메일 송부</a:t>
+            </a:r>
+            <a:endParaRPr lang="en-US" altLang="ko-KR" sz="1200" dirty="0" smtClean="0">
+              <a:solidFill>
+                <a:schemeClr val="bg2">
+                  <a:lumMod val="25000"/>
+                </a:schemeClr>
+              </a:solidFill>
+              <a:latin typeface="한수원 한돋움" panose="020B0600000101010101" pitchFamily="50" charset="-127"/>
+              <a:ea typeface="한수원 한돋움" panose="020B0600000101010101" pitchFamily="50" charset="-127"/>
+            </a:endParaRPr>
+          </a:p>
+        </p:txBody>
+      </p:sp>
+      <p:pic>
+        <p:nvPicPr>
+          <p:cNvPr id="3" name="그림 2"/>
+          <p:cNvPicPr>
+            <a:picLocks noChangeAspect="1"/>
+          </p:cNvPicPr>
+          <p:nvPr/>
+        </p:nvPicPr>
+        <p:blipFill>
+          <a:blip r:embed="rId3">
+            <a:extLst>
+              <a:ext uri="{28A0092B-C50C-407E-A947-70E740481C1C}">
+                <a14:useLocalDpi xmlns:a14="http://schemas.microsoft.com/office/drawing/2010/main" val="0"/>
+              </a:ext>
+            </a:extLst>
+          </a:blip>
+          <a:stretch>
+            <a:fillRect/>
+          </a:stretch>
+        </p:blipFill>
+        <p:spPr>
+          <a:xfrm>
+            <a:off x="588202" y="1203598"/>
+            <a:ext cx="1895566" cy="2232248"/>
+          </a:xfrm>
+          <a:prstGeom prst="rect">
+            <a:avLst/>
+          </a:prstGeom>
+        </p:spPr>
+      </p:pic>
+      <p:sp>
+        <p:nvSpPr>
+          <p:cNvPr id="4" name="직사각형 3"/>
+          <p:cNvSpPr/>
+          <p:nvPr/>
+        </p:nvSpPr>
+        <p:spPr>
+          <a:xfrm>
+            <a:off x="588202" y="1347614"/>
+            <a:ext cx="1895566" cy="2088232"/>
+          </a:xfrm>
+          <a:prstGeom prst="rect">
+            <a:avLst/>
+          </a:prstGeom>
+          <a:noFill/>
+          <a:ln>
+            <a:solidFill>
+              <a:srgbClr val="C00000"/>
+            </a:solidFill>
+          </a:ln>
+        </p:spPr>
+        <p:style>
+          <a:lnRef idx="2">
+            <a:schemeClr val="accent1">
+              <a:shade val="50000"/>
+            </a:schemeClr>
+          </a:lnRef>
+          <a:fillRef idx="1">
+            <a:schemeClr val="accent1"/>
+          </a:fillRef>
+          <a:effectRef idx="0">
+            <a:schemeClr val="accent1"/>
+          </a:effectRef>
+          <a:fontRef idx="minor">
+            <a:schemeClr val="lt1"/>
+          </a:fontRef>
+        </p:style>
+        <p:txBody>
+          <a:bodyPr rtlCol="0" anchor="ctr"/>
+          <a:lstStyle/>
+          <a:p>
+            <a:pPr algn="ctr"/>
+            <a:endParaRPr lang="ko-KR" altLang="en-US"/>
+          </a:p>
+        </p:txBody>
+      </p:sp>
+      <p:cxnSp>
+        <p:nvCxnSpPr>
+          <p:cNvPr id="5" name="꺾인 연결선 4"/>
+          <p:cNvCxnSpPr/>
+          <p:nvPr/>
+        </p:nvCxnSpPr>
+        <p:spPr>
+          <a:xfrm>
+            <a:off x="2483768" y="2283718"/>
+            <a:ext cx="1054452" cy="144016"/>
+          </a:xfrm>
+          <a:prstGeom prst="bentConnector3">
+            <a:avLst>
+              <a:gd name="adj1" fmla="val 50000"/>
+            </a:avLst>
+          </a:prstGeom>
+          <a:ln w="12700">
+            <a:solidFill>
+              <a:srgbClr val="C00000"/>
+            </a:solidFill>
+            <a:tailEnd type="triangle"/>
+          </a:ln>
+        </p:spPr>
+        <p:style>
+          <a:lnRef idx="1">
+            <a:schemeClr val="accent1"/>
+          </a:lnRef>
+          <a:fillRef idx="0">
+            <a:schemeClr val="accent1"/>
+          </a:fillRef>
+          <a:effectRef idx="0">
+            <a:schemeClr val="accent1"/>
+          </a:effectRef>
+          <a:fontRef idx="minor">
+            <a:schemeClr val="tx1"/>
+          </a:fontRef>
+        </p:style>
+      </p:cxnSp>
+      <p:pic>
+        <p:nvPicPr>
+          <p:cNvPr id="11" name="그림 10"/>
+          <p:cNvPicPr>
+            <a:picLocks noChangeAspect="1"/>
+          </p:cNvPicPr>
+          <p:nvPr/>
+        </p:nvPicPr>
+        <p:blipFill>
+          <a:blip r:embed="rId4"/>
+          <a:stretch>
+            <a:fillRect/>
+          </a:stretch>
+        </p:blipFill>
+        <p:spPr>
+          <a:xfrm>
+            <a:off x="3704852" y="1059582"/>
+            <a:ext cx="2742410" cy="2262488"/>
+          </a:xfrm>
+          <a:prstGeom prst="rect">
+            <a:avLst/>
+          </a:prstGeom>
+        </p:spPr>
+      </p:pic>
+      <p:pic>
+        <p:nvPicPr>
+          <p:cNvPr id="9" name="그림 8"/>
+          <p:cNvPicPr>
+            <a:picLocks noChangeAspect="1"/>
+          </p:cNvPicPr>
+          <p:nvPr/>
+        </p:nvPicPr>
+        <p:blipFill>
+          <a:blip r:embed="rId5"/>
+          <a:stretch>
+            <a:fillRect/>
+          </a:stretch>
+        </p:blipFill>
+        <p:spPr>
+          <a:xfrm>
+            <a:off x="5796136" y="2139702"/>
+            <a:ext cx="3240728" cy="2790627"/>
+          </a:xfrm>
+          <a:prstGeom prst="rect">
+            <a:avLst/>
+          </a:prstGeom>
+        </p:spPr>
+      </p:pic>
+    </p:spTree>
+    <p:extLst>
+      <p:ext uri="{BB962C8B-B14F-4D97-AF65-F5344CB8AC3E}">
+        <p14:creationId xmlns:p14="http://schemas.microsoft.com/office/powerpoint/2010/main" val="4194982927"/>
+      </p:ext>
+    </p:extLst>
+  </p:cSld>
+  <p:clrMapOvr>
+    <a:overrideClrMapping bg1="lt1" tx1="dk1" bg2="lt2" tx2="dk2" accent1="accent1" accent2="accent2" accent3="accent3" accent4="accent4" accent5="accent5" accent6="accent6" hlink="hlink" folHlink="folHlink"/>
+  </p:clrMapOvr>
+  <p:timing>
+    <p:tnLst>
+      <p:par>
+        <p:cTn id="1" dur="indefinite" restart="never" nodeType="tmRoot"/>
+      </p:par>
+    </p:tnLst>
+  </p:timing>
+</p:sld>
+</file>
+
+<file path=ppt/slides/slide14.xml><?xml version="1.0" encoding="utf-8"?>
 <p:sld xmlns:a="http://schemas.openxmlformats.org/drawingml/2006/main" xmlns:r="http://schemas.openxmlformats.org/officeDocument/2006/relationships" xmlns:p="http://schemas.openxmlformats.org/presentationml/2006/main">
   <p:cSld>
     <p:spTree>
@@ -3781,21 +5811,15 @@
           <p:nvPr/>
         </p:nvPicPr>
         <p:blipFill>
-          <a:blip r:embed="rId2">
-            <a:extLst>
-              <a:ext uri="{28A0092B-C50C-407E-A947-70E740481C1C}">
-                <a14:useLocalDpi xmlns:a14="http://schemas.microsoft.com/office/drawing/2010/main" val="0"/>
-              </a:ext>
-            </a:extLst>
-          </a:blip>
+          <a:blip r:embed="rId2"/>
           <a:stretch>
             <a:fillRect/>
           </a:stretch>
         </p:blipFill>
         <p:spPr>
           <a:xfrm>
-            <a:off x="1115616" y="195486"/>
-            <a:ext cx="6408712" cy="4803361"/>
+            <a:off x="-947738" y="1514475"/>
+            <a:ext cx="11039475" cy="2114550"/>
           </a:xfrm>
           <a:prstGeom prst="rect">
             <a:avLst/>
@@ -3805,17 +5829,24 @@
     </p:spTree>
     <p:extLst>
       <p:ext uri="{BB962C8B-B14F-4D97-AF65-F5344CB8AC3E}">
-        <p14:creationId xmlns:p14="http://schemas.microsoft.com/office/powerpoint/2010/main" val="4140328311"/>
+        <p14:creationId xmlns:p14="http://schemas.microsoft.com/office/powerpoint/2010/main" val="2985356421"/>
       </p:ext>
     </p:extLst>
   </p:cSld>
   <p:clrMapOvr>
     <a:masterClrMapping/>
   </p:clrMapOvr>
+  <p:timing>
+    <p:tnLst>
+      <p:par>
+        <p:cTn id="1" dur="indefinite" restart="never" nodeType="tmRoot"/>
+      </p:par>
+    </p:tnLst>
+  </p:timing>
 </p:sld>
 </file>
 
-<file path=ppt/slides/slide12.xml><?xml version="1.0" encoding="utf-8"?>
+<file path=ppt/slides/slide15.xml><?xml version="1.0" encoding="utf-8"?>
 <p:sld xmlns:a="http://schemas.openxmlformats.org/drawingml/2006/main" xmlns:r="http://schemas.openxmlformats.org/officeDocument/2006/relationships" xmlns:p="http://schemas.openxmlformats.org/presentationml/2006/main">
   <p:cSld>
     <p:spTree>
@@ -3832,110 +5863,27 @@
           <a:chExt cx="0" cy="0"/>
         </a:xfrm>
       </p:grpSpPr>
-      <p:pic>
-        <p:nvPicPr>
-          <p:cNvPr id="3" name="그림 2"/>
-          <p:cNvPicPr>
-            <a:picLocks noChangeAspect="1"/>
-          </p:cNvPicPr>
-          <p:nvPr/>
-        </p:nvPicPr>
-        <p:blipFill>
-          <a:blip r:embed="rId2">
-            <a:extLst>
-              <a:ext uri="{28A0092B-C50C-407E-A947-70E740481C1C}">
-                <a14:useLocalDpi xmlns:a14="http://schemas.microsoft.com/office/drawing/2010/main" val="0"/>
-              </a:ext>
-            </a:extLst>
-          </a:blip>
-          <a:stretch>
-            <a:fillRect/>
-          </a:stretch>
-        </p:blipFill>
-        <p:spPr>
-          <a:xfrm>
-            <a:off x="1147529" y="84188"/>
-            <a:ext cx="6736839" cy="5059312"/>
-          </a:xfrm>
-          <a:prstGeom prst="rect">
-            <a:avLst/>
-          </a:prstGeom>
-        </p:spPr>
-      </p:pic>
     </p:spTree>
     <p:extLst>
       <p:ext uri="{BB962C8B-B14F-4D97-AF65-F5344CB8AC3E}">
-        <p14:creationId xmlns:p14="http://schemas.microsoft.com/office/powerpoint/2010/main" val="3420499554"/>
+        <p14:creationId xmlns:p14="http://schemas.microsoft.com/office/powerpoint/2010/main" val="233309289"/>
       </p:ext>
     </p:extLst>
   </p:cSld>
   <p:clrMapOvr>
     <a:masterClrMapping/>
   </p:clrMapOvr>
+  <p:timing>
+    <p:tnLst>
+      <p:par>
+        <p:cTn id="1" dur="indefinite" restart="never" nodeType="tmRoot"/>
+      </p:par>
+    </p:tnLst>
+  </p:timing>
 </p:sld>
 </file>
 
-<file path=ppt/slides/slide13.xml><?xml version="1.0" encoding="utf-8"?>
-<p:sld xmlns:a="http://schemas.openxmlformats.org/drawingml/2006/main" xmlns:r="http://schemas.openxmlformats.org/officeDocument/2006/relationships" xmlns:p="http://schemas.openxmlformats.org/presentationml/2006/main">
-  <p:cSld>
-    <p:spTree>
-      <p:nvGrpSpPr>
-        <p:cNvPr id="1" name=""/>
-        <p:cNvGrpSpPr/>
-        <p:nvPr/>
-      </p:nvGrpSpPr>
-      <p:grpSpPr>
-        <a:xfrm>
-          <a:off x="0" y="0"/>
-          <a:ext cx="0" cy="0"/>
-          <a:chOff x="0" y="0"/>
-          <a:chExt cx="0" cy="0"/>
-        </a:xfrm>
-      </p:grpSpPr>
-      <p:pic>
-        <p:nvPicPr>
-          <p:cNvPr id="2" name="그림 1"/>
-          <p:cNvPicPr>
-            <a:picLocks noChangeAspect="1"/>
-          </p:cNvPicPr>
-          <p:nvPr/>
-        </p:nvPicPr>
-        <p:blipFill>
-          <a:blip r:embed="rId2">
-            <a:extLst>
-              <a:ext uri="{28A0092B-C50C-407E-A947-70E740481C1C}">
-                <a14:useLocalDpi xmlns:a14="http://schemas.microsoft.com/office/drawing/2010/main" val="0"/>
-              </a:ext>
-            </a:extLst>
-          </a:blip>
-          <a:stretch>
-            <a:fillRect/>
-          </a:stretch>
-        </p:blipFill>
-        <p:spPr>
-          <a:xfrm>
-            <a:off x="2411760" y="267494"/>
-            <a:ext cx="3915321" cy="4610743"/>
-          </a:xfrm>
-          <a:prstGeom prst="rect">
-            <a:avLst/>
-          </a:prstGeom>
-        </p:spPr>
-      </p:pic>
-    </p:spTree>
-    <p:extLst>
-      <p:ext uri="{BB962C8B-B14F-4D97-AF65-F5344CB8AC3E}">
-        <p14:creationId xmlns:p14="http://schemas.microsoft.com/office/powerpoint/2010/main" val="3998912418"/>
-      </p:ext>
-    </p:extLst>
-  </p:cSld>
-  <p:clrMapOvr>
-    <a:masterClrMapping/>
-  </p:clrMapOvr>
-</p:sld>
-</file>
-
-<file path=ppt/slides/slide14.xml><?xml version="1.0" encoding="utf-8"?>
+<file path=ppt/slides/slide16.xml><?xml version="1.0" encoding="utf-8"?>
 <p:sld xmlns:a="http://schemas.openxmlformats.org/drawingml/2006/main" xmlns:r="http://schemas.openxmlformats.org/officeDocument/2006/relationships" xmlns:p="http://schemas.openxmlformats.org/presentationml/2006/main">
   <p:cSld>
     <p:bg>
@@ -3965,7 +5913,7 @@
           <p:cNvPr id="48" name="TextBox 47">
             <a:extLst>
               <a:ext uri="{FF2B5EF4-FFF2-40B4-BE49-F238E27FC236}">
-                <a16:creationId xmlns:a16="http://schemas.microsoft.com/office/drawing/2014/main" xmlns="" id="{7C6F9878-777C-4CD4-9613-851CABCDFC3E}"/>
+                <a16:creationId xmlns:a16="http://schemas.microsoft.com/office/drawing/2014/main" id="{7C6F9878-777C-4CD4-9613-851CABCDFC3E}"/>
               </a:ext>
             </a:extLst>
           </p:cNvPr>
@@ -4015,7 +5963,7 @@
           <p:cNvPr id="39" name="직사각형 38">
             <a:extLst>
               <a:ext uri="{FF2B5EF4-FFF2-40B4-BE49-F238E27FC236}">
-                <a16:creationId xmlns:a16="http://schemas.microsoft.com/office/drawing/2014/main" xmlns="" id="{5898757E-EC0B-47E5-9EA1-43BA79ABA10A}"/>
+                <a16:creationId xmlns:a16="http://schemas.microsoft.com/office/drawing/2014/main" id="{5898757E-EC0B-47E5-9EA1-43BA79ABA10A}"/>
               </a:ext>
             </a:extLst>
           </p:cNvPr>
@@ -4556,7 +6504,7 @@
 </p:sld>
 </file>
 
-<file path=ppt/slides/slide15.xml><?xml version="1.0" encoding="utf-8"?>
+<file path=ppt/slides/slide17.xml><?xml version="1.0" encoding="utf-8"?>
 <p:sld xmlns:a="http://schemas.openxmlformats.org/drawingml/2006/main" xmlns:r="http://schemas.openxmlformats.org/officeDocument/2006/relationships" xmlns:p="http://schemas.openxmlformats.org/presentationml/2006/main">
   <p:cSld>
     <p:bg>
@@ -4586,7 +6534,7 @@
           <p:cNvPr id="2" name="TextBox 1">
             <a:extLst>
               <a:ext uri="{FF2B5EF4-FFF2-40B4-BE49-F238E27FC236}">
-                <a16:creationId xmlns:a16="http://schemas.microsoft.com/office/drawing/2014/main" xmlns="" id="{704C1FE0-6BEB-44C5-B4B9-1755F444F838}"/>
+                <a16:creationId xmlns:a16="http://schemas.microsoft.com/office/drawing/2014/main" id="{704C1FE0-6BEB-44C5-B4B9-1755F444F838}"/>
               </a:ext>
             </a:extLst>
           </p:cNvPr>
@@ -4710,10 +6658,17 @@
   <p:clrMapOvr>
     <a:overrideClrMapping bg1="lt1" tx1="dk1" bg2="lt2" tx2="dk2" accent1="accent1" accent2="accent2" accent3="accent3" accent4="accent4" accent5="accent5" accent6="accent6" hlink="hlink" folHlink="folHlink"/>
   </p:clrMapOvr>
+  <p:timing>
+    <p:tnLst>
+      <p:par>
+        <p:cTn id="1" dur="indefinite" restart="never" nodeType="tmRoot"/>
+      </p:par>
+    </p:tnLst>
+  </p:timing>
 </p:sld>
 </file>
 
-<file path=ppt/slides/slide16.xml><?xml version="1.0" encoding="utf-8"?>
+<file path=ppt/slides/slide18.xml><?xml version="1.0" encoding="utf-8"?>
 <p:sld xmlns:a="http://schemas.openxmlformats.org/drawingml/2006/main" xmlns:r="http://schemas.openxmlformats.org/officeDocument/2006/relationships" xmlns:p="http://schemas.openxmlformats.org/presentationml/2006/main">
   <p:cSld>
     <p:spTree>
@@ -5422,6 +7377,13 @@
   <p:clrMapOvr>
     <a:masterClrMapping/>
   </p:clrMapOvr>
+  <p:timing>
+    <p:tnLst>
+      <p:par>
+        <p:cTn id="1" dur="indefinite" restart="never" nodeType="tmRoot"/>
+      </p:par>
+    </p:tnLst>
+  </p:timing>
 </p:sld>
 </file>
 
@@ -5447,7 +7409,7 @@
           <p:cNvPr id="7" name="TextBox 6">
             <a:extLst>
               <a:ext uri="{FF2B5EF4-FFF2-40B4-BE49-F238E27FC236}">
-                <a16:creationId xmlns:a16="http://schemas.microsoft.com/office/drawing/2014/main" xmlns="" id="{704C1FE0-6BEB-44C5-B4B9-1755F444F838}"/>
+                <a16:creationId xmlns:a16="http://schemas.microsoft.com/office/drawing/2014/main" id="{704C1FE0-6BEB-44C5-B4B9-1755F444F838}"/>
               </a:ext>
             </a:extLst>
           </p:cNvPr>
@@ -5511,7 +7473,7 @@
           <p:cNvPr id="17" name="직선 연결선 16">
             <a:extLst>
               <a:ext uri="{FF2B5EF4-FFF2-40B4-BE49-F238E27FC236}">
-                <a16:creationId xmlns:a16="http://schemas.microsoft.com/office/drawing/2014/main" xmlns="" id="{AA7311F7-BDB2-4871-A52E-85827F6BBA0C}"/>
+                <a16:creationId xmlns:a16="http://schemas.microsoft.com/office/drawing/2014/main" id="{AA7311F7-BDB2-4871-A52E-85827F6BBA0C}"/>
               </a:ext>
             </a:extLst>
           </p:cNvPr>
@@ -5549,81 +7511,6 @@
           </a:fontRef>
         </p:style>
       </p:cxnSp>
-      <p:sp>
-        <p:nvSpPr>
-          <p:cNvPr id="65" name="직사각형 64">
-            <a:extLst>
-              <a:ext uri="{FF2B5EF4-FFF2-40B4-BE49-F238E27FC236}">
-                <a16:creationId xmlns:a16="http://schemas.microsoft.com/office/drawing/2014/main" xmlns="" id="{4607419D-DA91-41E9-BA14-DED2C6883059}"/>
-              </a:ext>
-            </a:extLst>
-          </p:cNvPr>
-          <p:cNvSpPr/>
-          <p:nvPr/>
-        </p:nvSpPr>
-        <p:spPr>
-          <a:xfrm>
-            <a:off x="540934" y="1891971"/>
-            <a:ext cx="934723" cy="1084847"/>
-          </a:xfrm>
-          <a:prstGeom prst="rect">
-            <a:avLst/>
-          </a:prstGeom>
-          <a:noFill/>
-        </p:spPr>
-        <p:txBody>
-          <a:bodyPr wrap="square" lIns="0" tIns="45719" rIns="91438" bIns="45719" rtlCol="0">
-            <a:spAutoFit/>
-          </a:bodyPr>
-          <a:lstStyle/>
-          <a:p>
-            <a:pPr>
-              <a:lnSpc>
-                <a:spcPct val="150000"/>
-              </a:lnSpc>
-            </a:pPr>
-            <a:r>
-              <a:rPr lang="en-US" altLang="ko-KR" sz="1100" dirty="0" err="1">
-                <a:ln>
-                  <a:solidFill>
-                    <a:schemeClr val="accent1">
-                      <a:shade val="50000"/>
-                      <a:alpha val="0"/>
-                    </a:schemeClr>
-                  </a:solidFill>
-                </a:ln>
-                <a:solidFill>
-                  <a:schemeClr val="tx1">
-                    <a:lumMod val="75000"/>
-                    <a:lumOff val="25000"/>
-                  </a:schemeClr>
-                </a:solidFill>
-                <a:latin typeface="한수원 한돋움 Bold" pitchFamily="50" charset="-127"/>
-                <a:ea typeface="한수원 한돋움 Bold" pitchFamily="50" charset="-127"/>
-              </a:rPr>
-              <a:t>texttexttexttexttexttexttexttext</a:t>
-            </a:r>
-            <a:endParaRPr lang="ko-KR" altLang="en-US" sz="1100" dirty="0">
-              <a:ln>
-                <a:solidFill>
-                  <a:schemeClr val="accent1">
-                    <a:shade val="50000"/>
-                    <a:alpha val="0"/>
-                  </a:schemeClr>
-                </a:solidFill>
-              </a:ln>
-              <a:solidFill>
-                <a:schemeClr val="tx1">
-                  <a:lumMod val="75000"/>
-                  <a:lumOff val="25000"/>
-                </a:schemeClr>
-              </a:solidFill>
-              <a:latin typeface="한수원 한돋움 Bold" pitchFamily="50" charset="-127"/>
-              <a:ea typeface="한수원 한돋움 Bold" pitchFamily="50" charset="-127"/>
-            </a:endParaRPr>
-          </a:p>
-        </p:txBody>
-      </p:sp>
       <p:grpSp>
         <p:nvGrpSpPr>
           <p:cNvPr id="22" name="그룹 21"/>
@@ -5643,7 +7530,7 @@
             <p:cNvPr id="32" name="직사각형 31">
               <a:extLst>
                 <a:ext uri="{FF2B5EF4-FFF2-40B4-BE49-F238E27FC236}">
-                  <a16:creationId xmlns:a16="http://schemas.microsoft.com/office/drawing/2014/main" xmlns="" id="{79E4D4CF-E815-4434-98D1-D205C55FA41F}"/>
+                  <a16:creationId xmlns:a16="http://schemas.microsoft.com/office/drawing/2014/main" id="{79E4D4CF-E815-4434-98D1-D205C55FA41F}"/>
                 </a:ext>
               </a:extLst>
             </p:cNvPr>
@@ -5687,24 +7574,6 @@
                 </a:rPr>
                 <a:t>제작개요</a:t>
               </a:r>
-              <a:endParaRPr lang="ko-KR" altLang="en-US" sz="2100" dirty="0">
-                <a:ln>
-                  <a:solidFill>
-                    <a:schemeClr val="accent1">
-                      <a:shade val="50000"/>
-                      <a:alpha val="0"/>
-                    </a:schemeClr>
-                  </a:solidFill>
-                </a:ln>
-                <a:solidFill>
-                  <a:schemeClr val="tx1">
-                    <a:lumMod val="75000"/>
-                    <a:lumOff val="25000"/>
-                  </a:schemeClr>
-                </a:solidFill>
-                <a:latin typeface="한수원 한돋움 Bold" pitchFamily="50" charset="-127"/>
-                <a:ea typeface="한수원 한돋움 Bold" pitchFamily="50" charset="-127"/>
-              </a:endParaRPr>
             </a:p>
           </p:txBody>
         </p:sp>
@@ -5713,7 +7582,7 @@
             <p:cNvPr id="33" name="직사각형 32">
               <a:extLst>
                 <a:ext uri="{FF2B5EF4-FFF2-40B4-BE49-F238E27FC236}">
-                  <a16:creationId xmlns:a16="http://schemas.microsoft.com/office/drawing/2014/main" xmlns="" id="{00ED8BB9-3121-4110-8B98-9D680221AE12}"/>
+                  <a16:creationId xmlns:a16="http://schemas.microsoft.com/office/drawing/2014/main" id="{00ED8BB9-3121-4110-8B98-9D680221AE12}"/>
                 </a:ext>
               </a:extLst>
             </p:cNvPr>
@@ -5796,7 +7665,7 @@
             <p:cNvPr id="30" name="직사각형 29">
               <a:extLst>
                 <a:ext uri="{FF2B5EF4-FFF2-40B4-BE49-F238E27FC236}">
-                  <a16:creationId xmlns:a16="http://schemas.microsoft.com/office/drawing/2014/main" xmlns="" id="{71E05397-CBA0-4CD3-BDA0-ECCF9AD60C5A}"/>
+                  <a16:creationId xmlns:a16="http://schemas.microsoft.com/office/drawing/2014/main" id="{71E05397-CBA0-4CD3-BDA0-ECCF9AD60C5A}"/>
                 </a:ext>
               </a:extLst>
             </p:cNvPr>
@@ -5866,7 +7735,7 @@
             <p:cNvPr id="31" name="직사각형 30">
               <a:extLst>
                 <a:ext uri="{FF2B5EF4-FFF2-40B4-BE49-F238E27FC236}">
-                  <a16:creationId xmlns:a16="http://schemas.microsoft.com/office/drawing/2014/main" xmlns="" id="{00ED8BB9-3121-4110-8B98-9D680221AE12}"/>
+                  <a16:creationId xmlns:a16="http://schemas.microsoft.com/office/drawing/2014/main" id="{00ED8BB9-3121-4110-8B98-9D680221AE12}"/>
                 </a:ext>
               </a:extLst>
             </p:cNvPr>
@@ -5949,7 +7818,7 @@
             <p:cNvPr id="28" name="직사각형 27">
               <a:extLst>
                 <a:ext uri="{FF2B5EF4-FFF2-40B4-BE49-F238E27FC236}">
-                  <a16:creationId xmlns:a16="http://schemas.microsoft.com/office/drawing/2014/main" xmlns="" id="{137EA967-CEA9-44DE-9294-0D152AA293B8}"/>
+                  <a16:creationId xmlns:a16="http://schemas.microsoft.com/office/drawing/2014/main" id="{137EA967-CEA9-44DE-9294-0D152AA293B8}"/>
                 </a:ext>
               </a:extLst>
             </p:cNvPr>
@@ -6019,7 +7888,7 @@
             <p:cNvPr id="29" name="직사각형 28">
               <a:extLst>
                 <a:ext uri="{FF2B5EF4-FFF2-40B4-BE49-F238E27FC236}">
-                  <a16:creationId xmlns:a16="http://schemas.microsoft.com/office/drawing/2014/main" xmlns="" id="{00ED8BB9-3121-4110-8B98-9D680221AE12}"/>
+                  <a16:creationId xmlns:a16="http://schemas.microsoft.com/office/drawing/2014/main" id="{00ED8BB9-3121-4110-8B98-9D680221AE12}"/>
                 </a:ext>
               </a:extLst>
             </p:cNvPr>
@@ -6102,7 +7971,7 @@
             <p:cNvPr id="26" name="직사각형 25">
               <a:extLst>
                 <a:ext uri="{FF2B5EF4-FFF2-40B4-BE49-F238E27FC236}">
-                  <a16:creationId xmlns:a16="http://schemas.microsoft.com/office/drawing/2014/main" xmlns="" id="{A7B5F3E0-8716-4DBC-9C00-68995BAFCA3B}"/>
+                  <a16:creationId xmlns:a16="http://schemas.microsoft.com/office/drawing/2014/main" id="{A7B5F3E0-8716-4DBC-9C00-68995BAFCA3B}"/>
                 </a:ext>
               </a:extLst>
             </p:cNvPr>
@@ -6172,7 +8041,7 @@
             <p:cNvPr id="27" name="직사각형 26">
               <a:extLst>
                 <a:ext uri="{FF2B5EF4-FFF2-40B4-BE49-F238E27FC236}">
-                  <a16:creationId xmlns:a16="http://schemas.microsoft.com/office/drawing/2014/main" xmlns="" id="{00ED8BB9-3121-4110-8B98-9D680221AE12}"/>
+                  <a16:creationId xmlns:a16="http://schemas.microsoft.com/office/drawing/2014/main" id="{00ED8BB9-3121-4110-8B98-9D680221AE12}"/>
                 </a:ext>
               </a:extLst>
             </p:cNvPr>
@@ -6668,6 +8537,591 @@
           <a:chExt cx="0" cy="0"/>
         </a:xfrm>
       </p:grpSpPr>
+      <p:pic>
+        <p:nvPicPr>
+          <p:cNvPr id="16" name="그림 15"/>
+          <p:cNvPicPr>
+            <a:picLocks noChangeAspect="1"/>
+          </p:cNvPicPr>
+          <p:nvPr/>
+        </p:nvPicPr>
+        <p:blipFill>
+          <a:blip r:embed="rId2" cstate="print">
+            <a:extLst>
+              <a:ext uri="{28A0092B-C50C-407E-A947-70E740481C1C}">
+                <a14:useLocalDpi xmlns:a14="http://schemas.microsoft.com/office/drawing/2010/main" val="0"/>
+              </a:ext>
+            </a:extLst>
+          </a:blip>
+          <a:stretch>
+            <a:fillRect/>
+          </a:stretch>
+        </p:blipFill>
+        <p:spPr>
+          <a:xfrm>
+            <a:off x="539552" y="1275606"/>
+            <a:ext cx="936104" cy="936104"/>
+          </a:xfrm>
+          <a:prstGeom prst="rect">
+            <a:avLst/>
+          </a:prstGeom>
+        </p:spPr>
+      </p:pic>
+      <p:sp>
+        <p:nvSpPr>
+          <p:cNvPr id="34" name="왼쪽 대괄호 33"/>
+          <p:cNvSpPr/>
+          <p:nvPr/>
+        </p:nvSpPr>
+        <p:spPr>
+          <a:xfrm>
+            <a:off x="1691680" y="1491630"/>
+            <a:ext cx="144016" cy="648072"/>
+          </a:xfrm>
+          <a:prstGeom prst="leftBracket">
+            <a:avLst/>
+          </a:prstGeom>
+          <a:ln w="38100">
+            <a:solidFill>
+              <a:srgbClr val="C7DAFF"/>
+            </a:solidFill>
+          </a:ln>
+        </p:spPr>
+        <p:style>
+          <a:lnRef idx="1">
+            <a:schemeClr val="accent1"/>
+          </a:lnRef>
+          <a:fillRef idx="0">
+            <a:schemeClr val="accent1"/>
+          </a:fillRef>
+          <a:effectRef idx="0">
+            <a:schemeClr val="accent1"/>
+          </a:effectRef>
+          <a:fontRef idx="minor">
+            <a:schemeClr val="tx1"/>
+          </a:fontRef>
+        </p:style>
+        <p:txBody>
+          <a:bodyPr rtlCol="0" anchor="ctr"/>
+          <a:lstStyle/>
+          <a:p>
+            <a:pPr algn="ctr"/>
+            <a:endParaRPr lang="ko-KR" altLang="en-US"/>
+          </a:p>
+        </p:txBody>
+      </p:sp>
+      <p:sp>
+        <p:nvSpPr>
+          <p:cNvPr id="35" name="왼쪽 대괄호 34"/>
+          <p:cNvSpPr/>
+          <p:nvPr/>
+        </p:nvSpPr>
+        <p:spPr>
+          <a:xfrm flipH="1">
+            <a:off x="5292080" y="1491630"/>
+            <a:ext cx="207098" cy="648072"/>
+          </a:xfrm>
+          <a:prstGeom prst="leftBracket">
+            <a:avLst/>
+          </a:prstGeom>
+          <a:ln w="38100">
+            <a:solidFill>
+              <a:srgbClr val="C7DAFF"/>
+            </a:solidFill>
+          </a:ln>
+        </p:spPr>
+        <p:style>
+          <a:lnRef idx="1">
+            <a:schemeClr val="accent1"/>
+          </a:lnRef>
+          <a:fillRef idx="0">
+            <a:schemeClr val="accent1"/>
+          </a:fillRef>
+          <a:effectRef idx="0">
+            <a:schemeClr val="accent1"/>
+          </a:effectRef>
+          <a:fontRef idx="minor">
+            <a:schemeClr val="tx1"/>
+          </a:fontRef>
+        </p:style>
+        <p:txBody>
+          <a:bodyPr rtlCol="0" anchor="ctr"/>
+          <a:lstStyle/>
+          <a:p>
+            <a:pPr algn="ctr"/>
+            <a:endParaRPr lang="ko-KR" altLang="en-US"/>
+          </a:p>
+        </p:txBody>
+      </p:sp>
+      <p:sp>
+        <p:nvSpPr>
+          <p:cNvPr id="36" name="TextBox 35"/>
+          <p:cNvSpPr txBox="1"/>
+          <p:nvPr/>
+        </p:nvSpPr>
+        <p:spPr>
+          <a:xfrm>
+            <a:off x="1831233" y="1521886"/>
+            <a:ext cx="3528392" cy="584775"/>
+          </a:xfrm>
+          <a:prstGeom prst="rect">
+            <a:avLst/>
+          </a:prstGeom>
+          <a:noFill/>
+        </p:spPr>
+        <p:txBody>
+          <a:bodyPr wrap="square" rtlCol="0">
+            <a:spAutoFit/>
+          </a:bodyPr>
+          <a:lstStyle/>
+          <a:p>
+            <a:pPr algn="ctr"/>
+            <a:r>
+              <a:rPr lang="ko-KR" altLang="en-US" sz="1600" dirty="0" smtClean="0">
+                <a:solidFill>
+                  <a:schemeClr val="bg2">
+                    <a:lumMod val="25000"/>
+                  </a:schemeClr>
+                </a:solidFill>
+                <a:latin typeface="한수원 한돋움" panose="020B0600000101010101" pitchFamily="50" charset="-127"/>
+                <a:ea typeface="한수원 한돋움" panose="020B0600000101010101" pitchFamily="50" charset="-127"/>
+              </a:rPr>
+              <a:t>일일이 약품 정보를 입력할 필요 없는 재고 관리 프로그램 구상</a:t>
+            </a:r>
+            <a:endParaRPr lang="ko-KR" altLang="en-US" sz="1600" dirty="0">
+              <a:solidFill>
+                <a:schemeClr val="bg2">
+                  <a:lumMod val="25000"/>
+                </a:schemeClr>
+              </a:solidFill>
+              <a:latin typeface="한수원 한돋움" panose="020B0600000101010101" pitchFamily="50" charset="-127"/>
+              <a:ea typeface="한수원 한돋움" panose="020B0600000101010101" pitchFamily="50" charset="-127"/>
+            </a:endParaRPr>
+          </a:p>
+        </p:txBody>
+      </p:sp>
+      <p:pic>
+        <p:nvPicPr>
+          <p:cNvPr id="37" name="그림 36"/>
+          <p:cNvPicPr>
+            <a:picLocks noChangeAspect="1"/>
+          </p:cNvPicPr>
+          <p:nvPr/>
+        </p:nvPicPr>
+        <p:blipFill>
+          <a:blip r:embed="rId3" cstate="print">
+            <a:extLst>
+              <a:ext uri="{28A0092B-C50C-407E-A947-70E740481C1C}">
+                <a14:useLocalDpi xmlns:a14="http://schemas.microsoft.com/office/drawing/2010/main" val="0"/>
+              </a:ext>
+            </a:extLst>
+          </a:blip>
+          <a:stretch>
+            <a:fillRect/>
+          </a:stretch>
+        </p:blipFill>
+        <p:spPr>
+          <a:xfrm>
+            <a:off x="7596336" y="2427734"/>
+            <a:ext cx="936104" cy="936104"/>
+          </a:xfrm>
+          <a:prstGeom prst="rect">
+            <a:avLst/>
+          </a:prstGeom>
+        </p:spPr>
+      </p:pic>
+      <p:sp>
+        <p:nvSpPr>
+          <p:cNvPr id="38" name="왼쪽 대괄호 37"/>
+          <p:cNvSpPr/>
+          <p:nvPr/>
+        </p:nvSpPr>
+        <p:spPr>
+          <a:xfrm>
+            <a:off x="3572814" y="2613502"/>
+            <a:ext cx="144016" cy="648072"/>
+          </a:xfrm>
+          <a:prstGeom prst="leftBracket">
+            <a:avLst/>
+          </a:prstGeom>
+          <a:ln w="38100">
+            <a:solidFill>
+              <a:srgbClr val="FFC729"/>
+            </a:solidFill>
+          </a:ln>
+        </p:spPr>
+        <p:style>
+          <a:lnRef idx="1">
+            <a:schemeClr val="accent1"/>
+          </a:lnRef>
+          <a:fillRef idx="0">
+            <a:schemeClr val="accent1"/>
+          </a:fillRef>
+          <a:effectRef idx="0">
+            <a:schemeClr val="accent1"/>
+          </a:effectRef>
+          <a:fontRef idx="minor">
+            <a:schemeClr val="tx1"/>
+          </a:fontRef>
+        </p:style>
+        <p:txBody>
+          <a:bodyPr rtlCol="0" anchor="ctr"/>
+          <a:lstStyle/>
+          <a:p>
+            <a:pPr algn="ctr"/>
+            <a:endParaRPr lang="ko-KR" altLang="en-US"/>
+          </a:p>
+        </p:txBody>
+      </p:sp>
+      <p:sp>
+        <p:nvSpPr>
+          <p:cNvPr id="39" name="왼쪽 대괄호 38"/>
+          <p:cNvSpPr/>
+          <p:nvPr/>
+        </p:nvSpPr>
+        <p:spPr>
+          <a:xfrm flipH="1">
+            <a:off x="7173214" y="2613502"/>
+            <a:ext cx="207098" cy="648072"/>
+          </a:xfrm>
+          <a:prstGeom prst="leftBracket">
+            <a:avLst/>
+          </a:prstGeom>
+          <a:ln w="38100">
+            <a:solidFill>
+              <a:srgbClr val="FFC729"/>
+            </a:solidFill>
+          </a:ln>
+        </p:spPr>
+        <p:style>
+          <a:lnRef idx="1">
+            <a:schemeClr val="accent1"/>
+          </a:lnRef>
+          <a:fillRef idx="0">
+            <a:schemeClr val="accent1"/>
+          </a:fillRef>
+          <a:effectRef idx="0">
+            <a:schemeClr val="accent1"/>
+          </a:effectRef>
+          <a:fontRef idx="minor">
+            <a:schemeClr val="tx1"/>
+          </a:fontRef>
+        </p:style>
+        <p:txBody>
+          <a:bodyPr rtlCol="0" anchor="ctr"/>
+          <a:lstStyle/>
+          <a:p>
+            <a:pPr algn="ctr"/>
+            <a:endParaRPr lang="ko-KR" altLang="en-US"/>
+          </a:p>
+        </p:txBody>
+      </p:sp>
+      <p:sp>
+        <p:nvSpPr>
+          <p:cNvPr id="40" name="TextBox 39"/>
+          <p:cNvSpPr txBox="1"/>
+          <p:nvPr/>
+        </p:nvSpPr>
+        <p:spPr>
+          <a:xfrm>
+            <a:off x="3712367" y="2532841"/>
+            <a:ext cx="3460847" cy="830997"/>
+          </a:xfrm>
+          <a:prstGeom prst="rect">
+            <a:avLst/>
+          </a:prstGeom>
+          <a:noFill/>
+        </p:spPr>
+        <p:txBody>
+          <a:bodyPr wrap="square" rtlCol="0">
+            <a:spAutoFit/>
+          </a:bodyPr>
+          <a:lstStyle/>
+          <a:p>
+            <a:pPr algn="ctr"/>
+            <a:r>
+              <a:rPr lang="ko-KR" altLang="en-US" sz="1600" dirty="0" smtClean="0">
+                <a:solidFill>
+                  <a:schemeClr val="bg2">
+                    <a:lumMod val="25000"/>
+                  </a:schemeClr>
+                </a:solidFill>
+                <a:latin typeface="한수원 한돋움" panose="020B0600000101010101" pitchFamily="50" charset="-127"/>
+                <a:ea typeface="한수원 한돋움" panose="020B0600000101010101" pitchFamily="50" charset="-127"/>
+              </a:rPr>
+              <a:t>사용자가 </a:t>
+            </a:r>
+            <a:r>
+              <a:rPr lang="en-US" altLang="ko-KR" sz="1600" dirty="0" smtClean="0">
+                <a:solidFill>
+                  <a:schemeClr val="bg2">
+                    <a:lumMod val="25000"/>
+                  </a:schemeClr>
+                </a:solidFill>
+                <a:latin typeface="한수원 한돋움" panose="020B0600000101010101" pitchFamily="50" charset="-127"/>
+                <a:ea typeface="한수원 한돋움" panose="020B0600000101010101" pitchFamily="50" charset="-127"/>
+              </a:rPr>
+              <a:t>DBMS </a:t>
+            </a:r>
+            <a:r>
+              <a:rPr lang="ko-KR" altLang="en-US" sz="1600" dirty="0" smtClean="0">
+                <a:solidFill>
+                  <a:schemeClr val="bg2">
+                    <a:lumMod val="25000"/>
+                  </a:schemeClr>
+                </a:solidFill>
+                <a:latin typeface="한수원 한돋움" panose="020B0600000101010101" pitchFamily="50" charset="-127"/>
+                <a:ea typeface="한수원 한돋움" panose="020B0600000101010101" pitchFamily="50" charset="-127"/>
+              </a:rPr>
+              <a:t>을 따로 사용할 필요 없이 신뢰성 있는 정보 조회 및 손쉬운 관리가</a:t>
+            </a:r>
+            <a:r>
+              <a:rPr lang="en-US" altLang="ko-KR" sz="1600" dirty="0">
+                <a:solidFill>
+                  <a:schemeClr val="bg2">
+                    <a:lumMod val="25000"/>
+                  </a:schemeClr>
+                </a:solidFill>
+                <a:latin typeface="한수원 한돋움" panose="020B0600000101010101" pitchFamily="50" charset="-127"/>
+                <a:ea typeface="한수원 한돋움" panose="020B0600000101010101" pitchFamily="50" charset="-127"/>
+              </a:rPr>
+              <a:t> </a:t>
+            </a:r>
+            <a:r>
+              <a:rPr lang="ko-KR" altLang="en-US" sz="1600" dirty="0" smtClean="0">
+                <a:solidFill>
+                  <a:schemeClr val="bg2">
+                    <a:lumMod val="25000"/>
+                  </a:schemeClr>
+                </a:solidFill>
+                <a:latin typeface="한수원 한돋움" panose="020B0600000101010101" pitchFamily="50" charset="-127"/>
+                <a:ea typeface="한수원 한돋움" panose="020B0600000101010101" pitchFamily="50" charset="-127"/>
+              </a:rPr>
+              <a:t>가능한 프로그램 설계</a:t>
+            </a:r>
+            <a:endParaRPr lang="ko-KR" altLang="en-US" sz="1600" dirty="0">
+              <a:solidFill>
+                <a:schemeClr val="bg2">
+                  <a:lumMod val="25000"/>
+                </a:schemeClr>
+              </a:solidFill>
+              <a:latin typeface="한수원 한돋움" panose="020B0600000101010101" pitchFamily="50" charset="-127"/>
+              <a:ea typeface="한수원 한돋움" panose="020B0600000101010101" pitchFamily="50" charset="-127"/>
+            </a:endParaRPr>
+          </a:p>
+        </p:txBody>
+      </p:sp>
+      <p:pic>
+        <p:nvPicPr>
+          <p:cNvPr id="41" name="그림 40"/>
+          <p:cNvPicPr>
+            <a:picLocks noChangeAspect="1"/>
+          </p:cNvPicPr>
+          <p:nvPr/>
+        </p:nvPicPr>
+        <p:blipFill>
+          <a:blip r:embed="rId4" cstate="print">
+            <a:extLst>
+              <a:ext uri="{28A0092B-C50C-407E-A947-70E740481C1C}">
+                <a14:useLocalDpi xmlns:a14="http://schemas.microsoft.com/office/drawing/2010/main" val="0"/>
+              </a:ext>
+            </a:extLst>
+          </a:blip>
+          <a:stretch>
+            <a:fillRect/>
+          </a:stretch>
+        </p:blipFill>
+        <p:spPr>
+          <a:xfrm>
+            <a:off x="535089" y="3723878"/>
+            <a:ext cx="936104" cy="936104"/>
+          </a:xfrm>
+          <a:prstGeom prst="rect">
+            <a:avLst/>
+          </a:prstGeom>
+        </p:spPr>
+      </p:pic>
+      <p:sp>
+        <p:nvSpPr>
+          <p:cNvPr id="42" name="왼쪽 대괄호 41"/>
+          <p:cNvSpPr/>
+          <p:nvPr/>
+        </p:nvSpPr>
+        <p:spPr>
+          <a:xfrm>
+            <a:off x="1691680" y="3876547"/>
+            <a:ext cx="144016" cy="648072"/>
+          </a:xfrm>
+          <a:prstGeom prst="leftBracket">
+            <a:avLst/>
+          </a:prstGeom>
+          <a:ln w="38100">
+            <a:solidFill>
+              <a:srgbClr val="43809F"/>
+            </a:solidFill>
+          </a:ln>
+        </p:spPr>
+        <p:style>
+          <a:lnRef idx="1">
+            <a:schemeClr val="accent1"/>
+          </a:lnRef>
+          <a:fillRef idx="0">
+            <a:schemeClr val="accent1"/>
+          </a:fillRef>
+          <a:effectRef idx="0">
+            <a:schemeClr val="accent1"/>
+          </a:effectRef>
+          <a:fontRef idx="minor">
+            <a:schemeClr val="tx1"/>
+          </a:fontRef>
+        </p:style>
+        <p:txBody>
+          <a:bodyPr rtlCol="0" anchor="ctr"/>
+          <a:lstStyle/>
+          <a:p>
+            <a:pPr algn="ctr"/>
+            <a:endParaRPr lang="ko-KR" altLang="en-US"/>
+          </a:p>
+        </p:txBody>
+      </p:sp>
+      <p:sp>
+        <p:nvSpPr>
+          <p:cNvPr id="43" name="왼쪽 대괄호 42"/>
+          <p:cNvSpPr/>
+          <p:nvPr/>
+        </p:nvSpPr>
+        <p:spPr>
+          <a:xfrm flipH="1">
+            <a:off x="5292080" y="3876547"/>
+            <a:ext cx="207098" cy="648072"/>
+          </a:xfrm>
+          <a:prstGeom prst="leftBracket">
+            <a:avLst/>
+          </a:prstGeom>
+          <a:ln w="38100">
+            <a:solidFill>
+              <a:srgbClr val="43809F"/>
+            </a:solidFill>
+          </a:ln>
+        </p:spPr>
+        <p:style>
+          <a:lnRef idx="1">
+            <a:schemeClr val="accent1"/>
+          </a:lnRef>
+          <a:fillRef idx="0">
+            <a:schemeClr val="accent1"/>
+          </a:fillRef>
+          <a:effectRef idx="0">
+            <a:schemeClr val="accent1"/>
+          </a:effectRef>
+          <a:fontRef idx="minor">
+            <a:schemeClr val="tx1"/>
+          </a:fontRef>
+        </p:style>
+        <p:txBody>
+          <a:bodyPr rtlCol="0" anchor="ctr"/>
+          <a:lstStyle/>
+          <a:p>
+            <a:pPr algn="ctr"/>
+            <a:endParaRPr lang="ko-KR" altLang="en-US"/>
+          </a:p>
+        </p:txBody>
+      </p:sp>
+      <p:sp>
+        <p:nvSpPr>
+          <p:cNvPr id="44" name="TextBox 43"/>
+          <p:cNvSpPr txBox="1"/>
+          <p:nvPr/>
+        </p:nvSpPr>
+        <p:spPr>
+          <a:xfrm>
+            <a:off x="1831233" y="3899542"/>
+            <a:ext cx="3460847" cy="584775"/>
+          </a:xfrm>
+          <a:prstGeom prst="rect">
+            <a:avLst/>
+          </a:prstGeom>
+          <a:noFill/>
+        </p:spPr>
+        <p:txBody>
+          <a:bodyPr wrap="square" rtlCol="0">
+            <a:spAutoFit/>
+          </a:bodyPr>
+          <a:lstStyle/>
+          <a:p>
+            <a:pPr algn="ctr"/>
+            <a:r>
+              <a:rPr lang="en-US" altLang="ko-KR" sz="1600" dirty="0" smtClean="0">
+                <a:solidFill>
+                  <a:schemeClr val="bg2">
+                    <a:lumMod val="25000"/>
+                  </a:schemeClr>
+                </a:solidFill>
+                <a:latin typeface="한수원 한돋움" panose="020B0600000101010101" pitchFamily="50" charset="-127"/>
+                <a:ea typeface="한수원 한돋움" panose="020B0600000101010101" pitchFamily="50" charset="-127"/>
+              </a:rPr>
+              <a:t>API</a:t>
+            </a:r>
+            <a:r>
+              <a:rPr lang="ko-KR" altLang="en-US" sz="1600" dirty="0">
+                <a:solidFill>
+                  <a:schemeClr val="bg2">
+                    <a:lumMod val="25000"/>
+                  </a:schemeClr>
+                </a:solidFill>
+                <a:latin typeface="한수원 한돋움" panose="020B0600000101010101" pitchFamily="50" charset="-127"/>
+                <a:ea typeface="한수원 한돋움" panose="020B0600000101010101" pitchFamily="50" charset="-127"/>
+              </a:rPr>
+              <a:t>를 통한 데이터 확보 </a:t>
+            </a:r>
+            <a:r>
+              <a:rPr lang="ko-KR" altLang="en-US" sz="1600" dirty="0" smtClean="0">
+                <a:solidFill>
+                  <a:schemeClr val="bg2">
+                    <a:lumMod val="25000"/>
+                  </a:schemeClr>
+                </a:solidFill>
+                <a:latin typeface="한수원 한돋움" panose="020B0600000101010101" pitchFamily="50" charset="-127"/>
+                <a:ea typeface="한수원 한돋움" panose="020B0600000101010101" pitchFamily="50" charset="-127"/>
+              </a:rPr>
+              <a:t>및 가용성 높은 </a:t>
+            </a:r>
+            <a:r>
+              <a:rPr lang="en-US" altLang="ko-KR" sz="1600" dirty="0" smtClean="0">
+                <a:solidFill>
+                  <a:schemeClr val="bg2">
+                    <a:lumMod val="25000"/>
+                  </a:schemeClr>
+                </a:solidFill>
+                <a:latin typeface="한수원 한돋움" panose="020B0600000101010101" pitchFamily="50" charset="-127"/>
+                <a:ea typeface="한수원 한돋움" panose="020B0600000101010101" pitchFamily="50" charset="-127"/>
+              </a:rPr>
+              <a:t>UI&amp;UX</a:t>
+            </a:r>
+            <a:r>
+              <a:rPr lang="ko-KR" altLang="en-US" sz="1600" dirty="0" smtClean="0">
+                <a:solidFill>
+                  <a:schemeClr val="bg2">
+                    <a:lumMod val="25000"/>
+                  </a:schemeClr>
+                </a:solidFill>
+                <a:latin typeface="한수원 한돋움" panose="020B0600000101010101" pitchFamily="50" charset="-127"/>
+                <a:ea typeface="한수원 한돋움" panose="020B0600000101010101" pitchFamily="50" charset="-127"/>
+              </a:rPr>
+              <a:t>를 적용한 프로그램 제작</a:t>
+            </a:r>
+            <a:endParaRPr lang="ko-KR" altLang="en-US" sz="1600" dirty="0">
+              <a:solidFill>
+                <a:schemeClr val="bg2">
+                  <a:lumMod val="25000"/>
+                </a:schemeClr>
+              </a:solidFill>
+              <a:latin typeface="한수원 한돋움" panose="020B0600000101010101" pitchFamily="50" charset="-127"/>
+              <a:ea typeface="한수원 한돋움" panose="020B0600000101010101" pitchFamily="50" charset="-127"/>
+            </a:endParaRPr>
+          </a:p>
+        </p:txBody>
+      </p:sp>
     </p:spTree>
     <p:extLst>
       <p:ext uri="{BB962C8B-B14F-4D97-AF65-F5344CB8AC3E}">
@@ -6678,6 +9132,977 @@
   <p:clrMapOvr>
     <a:masterClrMapping/>
   </p:clrMapOvr>
+  <p:timing>
+    <p:tnLst>
+      <p:par>
+        <p:cTn id="1" dur="indefinite" restart="never" nodeType="tmRoot">
+          <p:childTnLst>
+            <p:seq concurrent="1" nextAc="seek">
+              <p:cTn id="2" dur="indefinite" nodeType="mainSeq">
+                <p:childTnLst>
+                  <p:par>
+                    <p:cTn id="3" fill="hold">
+                      <p:stCondLst>
+                        <p:cond delay="indefinite"/>
+                      </p:stCondLst>
+                      <p:childTnLst>
+                        <p:par>
+                          <p:cTn id="4" fill="hold">
+                            <p:stCondLst>
+                              <p:cond delay="0"/>
+                            </p:stCondLst>
+                            <p:childTnLst>
+                              <p:par>
+                                <p:cTn id="5" presetID="2" presetClass="entr" presetSubtype="4" fill="hold" nodeType="clickEffect">
+                                  <p:stCondLst>
+                                    <p:cond delay="0"/>
+                                  </p:stCondLst>
+                                  <p:childTnLst>
+                                    <p:set>
+                                      <p:cBhvr>
+                                        <p:cTn id="6" dur="1" fill="hold">
+                                          <p:stCondLst>
+                                            <p:cond delay="0"/>
+                                          </p:stCondLst>
+                                        </p:cTn>
+                                        <p:tgtEl>
+                                          <p:spTgt spid="16"/>
+                                        </p:tgtEl>
+                                        <p:attrNameLst>
+                                          <p:attrName>style.visibility</p:attrName>
+                                        </p:attrNameLst>
+                                      </p:cBhvr>
+                                      <p:to>
+                                        <p:strVal val="visible"/>
+                                      </p:to>
+                                    </p:set>
+                                    <p:anim calcmode="lin" valueType="num">
+                                      <p:cBhvr additive="base">
+                                        <p:cTn id="7" dur="500" fill="hold"/>
+                                        <p:tgtEl>
+                                          <p:spTgt spid="16"/>
+                                        </p:tgtEl>
+                                        <p:attrNameLst>
+                                          <p:attrName>ppt_x</p:attrName>
+                                        </p:attrNameLst>
+                                      </p:cBhvr>
+                                      <p:tavLst>
+                                        <p:tav tm="0">
+                                          <p:val>
+                                            <p:strVal val="#ppt_x"/>
+                                          </p:val>
+                                        </p:tav>
+                                        <p:tav tm="100000">
+                                          <p:val>
+                                            <p:strVal val="#ppt_x"/>
+                                          </p:val>
+                                        </p:tav>
+                                      </p:tavLst>
+                                    </p:anim>
+                                    <p:anim calcmode="lin" valueType="num">
+                                      <p:cBhvr additive="base">
+                                        <p:cTn id="8" dur="500" fill="hold"/>
+                                        <p:tgtEl>
+                                          <p:spTgt spid="16"/>
+                                        </p:tgtEl>
+                                        <p:attrNameLst>
+                                          <p:attrName>ppt_y</p:attrName>
+                                        </p:attrNameLst>
+                                      </p:cBhvr>
+                                      <p:tavLst>
+                                        <p:tav tm="0">
+                                          <p:val>
+                                            <p:strVal val="1+#ppt_h/2"/>
+                                          </p:val>
+                                        </p:tav>
+                                        <p:tav tm="100000">
+                                          <p:val>
+                                            <p:strVal val="#ppt_y"/>
+                                          </p:val>
+                                        </p:tav>
+                                      </p:tavLst>
+                                    </p:anim>
+                                  </p:childTnLst>
+                                </p:cTn>
+                              </p:par>
+                              <p:par>
+                                <p:cTn id="9" presetID="2" presetClass="entr" presetSubtype="4" fill="hold" grpId="0" nodeType="withEffect">
+                                  <p:stCondLst>
+                                    <p:cond delay="0"/>
+                                  </p:stCondLst>
+                                  <p:childTnLst>
+                                    <p:set>
+                                      <p:cBhvr>
+                                        <p:cTn id="10" dur="1" fill="hold">
+                                          <p:stCondLst>
+                                            <p:cond delay="0"/>
+                                          </p:stCondLst>
+                                        </p:cTn>
+                                        <p:tgtEl>
+                                          <p:spTgt spid="34"/>
+                                        </p:tgtEl>
+                                        <p:attrNameLst>
+                                          <p:attrName>style.visibility</p:attrName>
+                                        </p:attrNameLst>
+                                      </p:cBhvr>
+                                      <p:to>
+                                        <p:strVal val="visible"/>
+                                      </p:to>
+                                    </p:set>
+                                    <p:anim calcmode="lin" valueType="num">
+                                      <p:cBhvr additive="base">
+                                        <p:cTn id="11" dur="500" fill="hold"/>
+                                        <p:tgtEl>
+                                          <p:spTgt spid="34"/>
+                                        </p:tgtEl>
+                                        <p:attrNameLst>
+                                          <p:attrName>ppt_x</p:attrName>
+                                        </p:attrNameLst>
+                                      </p:cBhvr>
+                                      <p:tavLst>
+                                        <p:tav tm="0">
+                                          <p:val>
+                                            <p:strVal val="#ppt_x"/>
+                                          </p:val>
+                                        </p:tav>
+                                        <p:tav tm="100000">
+                                          <p:val>
+                                            <p:strVal val="#ppt_x"/>
+                                          </p:val>
+                                        </p:tav>
+                                      </p:tavLst>
+                                    </p:anim>
+                                    <p:anim calcmode="lin" valueType="num">
+                                      <p:cBhvr additive="base">
+                                        <p:cTn id="12" dur="500" fill="hold"/>
+                                        <p:tgtEl>
+                                          <p:spTgt spid="34"/>
+                                        </p:tgtEl>
+                                        <p:attrNameLst>
+                                          <p:attrName>ppt_y</p:attrName>
+                                        </p:attrNameLst>
+                                      </p:cBhvr>
+                                      <p:tavLst>
+                                        <p:tav tm="0">
+                                          <p:val>
+                                            <p:strVal val="1+#ppt_h/2"/>
+                                          </p:val>
+                                        </p:tav>
+                                        <p:tav tm="100000">
+                                          <p:val>
+                                            <p:strVal val="#ppt_y"/>
+                                          </p:val>
+                                        </p:tav>
+                                      </p:tavLst>
+                                    </p:anim>
+                                  </p:childTnLst>
+                                </p:cTn>
+                              </p:par>
+                              <p:par>
+                                <p:cTn id="13" presetID="2" presetClass="entr" presetSubtype="4" fill="hold" grpId="0" nodeType="withEffect">
+                                  <p:stCondLst>
+                                    <p:cond delay="0"/>
+                                  </p:stCondLst>
+                                  <p:childTnLst>
+                                    <p:set>
+                                      <p:cBhvr>
+                                        <p:cTn id="14" dur="1" fill="hold">
+                                          <p:stCondLst>
+                                            <p:cond delay="0"/>
+                                          </p:stCondLst>
+                                        </p:cTn>
+                                        <p:tgtEl>
+                                          <p:spTgt spid="35"/>
+                                        </p:tgtEl>
+                                        <p:attrNameLst>
+                                          <p:attrName>style.visibility</p:attrName>
+                                        </p:attrNameLst>
+                                      </p:cBhvr>
+                                      <p:to>
+                                        <p:strVal val="visible"/>
+                                      </p:to>
+                                    </p:set>
+                                    <p:anim calcmode="lin" valueType="num">
+                                      <p:cBhvr additive="base">
+                                        <p:cTn id="15" dur="500" fill="hold"/>
+                                        <p:tgtEl>
+                                          <p:spTgt spid="35"/>
+                                        </p:tgtEl>
+                                        <p:attrNameLst>
+                                          <p:attrName>ppt_x</p:attrName>
+                                        </p:attrNameLst>
+                                      </p:cBhvr>
+                                      <p:tavLst>
+                                        <p:tav tm="0">
+                                          <p:val>
+                                            <p:strVal val="#ppt_x"/>
+                                          </p:val>
+                                        </p:tav>
+                                        <p:tav tm="100000">
+                                          <p:val>
+                                            <p:strVal val="#ppt_x"/>
+                                          </p:val>
+                                        </p:tav>
+                                      </p:tavLst>
+                                    </p:anim>
+                                    <p:anim calcmode="lin" valueType="num">
+                                      <p:cBhvr additive="base">
+                                        <p:cTn id="16" dur="500" fill="hold"/>
+                                        <p:tgtEl>
+                                          <p:spTgt spid="35"/>
+                                        </p:tgtEl>
+                                        <p:attrNameLst>
+                                          <p:attrName>ppt_y</p:attrName>
+                                        </p:attrNameLst>
+                                      </p:cBhvr>
+                                      <p:tavLst>
+                                        <p:tav tm="0">
+                                          <p:val>
+                                            <p:strVal val="1+#ppt_h/2"/>
+                                          </p:val>
+                                        </p:tav>
+                                        <p:tav tm="100000">
+                                          <p:val>
+                                            <p:strVal val="#ppt_y"/>
+                                          </p:val>
+                                        </p:tav>
+                                      </p:tavLst>
+                                    </p:anim>
+                                  </p:childTnLst>
+                                </p:cTn>
+                              </p:par>
+                              <p:par>
+                                <p:cTn id="17" presetID="2" presetClass="entr" presetSubtype="4" fill="hold" grpId="0" nodeType="withEffect">
+                                  <p:stCondLst>
+                                    <p:cond delay="0"/>
+                                  </p:stCondLst>
+                                  <p:childTnLst>
+                                    <p:set>
+                                      <p:cBhvr>
+                                        <p:cTn id="18" dur="1" fill="hold">
+                                          <p:stCondLst>
+                                            <p:cond delay="0"/>
+                                          </p:stCondLst>
+                                        </p:cTn>
+                                        <p:tgtEl>
+                                          <p:spTgt spid="36"/>
+                                        </p:tgtEl>
+                                        <p:attrNameLst>
+                                          <p:attrName>style.visibility</p:attrName>
+                                        </p:attrNameLst>
+                                      </p:cBhvr>
+                                      <p:to>
+                                        <p:strVal val="visible"/>
+                                      </p:to>
+                                    </p:set>
+                                    <p:anim calcmode="lin" valueType="num">
+                                      <p:cBhvr additive="base">
+                                        <p:cTn id="19" dur="500" fill="hold"/>
+                                        <p:tgtEl>
+                                          <p:spTgt spid="36"/>
+                                        </p:tgtEl>
+                                        <p:attrNameLst>
+                                          <p:attrName>ppt_x</p:attrName>
+                                        </p:attrNameLst>
+                                      </p:cBhvr>
+                                      <p:tavLst>
+                                        <p:tav tm="0">
+                                          <p:val>
+                                            <p:strVal val="#ppt_x"/>
+                                          </p:val>
+                                        </p:tav>
+                                        <p:tav tm="100000">
+                                          <p:val>
+                                            <p:strVal val="#ppt_x"/>
+                                          </p:val>
+                                        </p:tav>
+                                      </p:tavLst>
+                                    </p:anim>
+                                    <p:anim calcmode="lin" valueType="num">
+                                      <p:cBhvr additive="base">
+                                        <p:cTn id="20" dur="500" fill="hold"/>
+                                        <p:tgtEl>
+                                          <p:spTgt spid="36"/>
+                                        </p:tgtEl>
+                                        <p:attrNameLst>
+                                          <p:attrName>ppt_y</p:attrName>
+                                        </p:attrNameLst>
+                                      </p:cBhvr>
+                                      <p:tavLst>
+                                        <p:tav tm="0">
+                                          <p:val>
+                                            <p:strVal val="1+#ppt_h/2"/>
+                                          </p:val>
+                                        </p:tav>
+                                        <p:tav tm="100000">
+                                          <p:val>
+                                            <p:strVal val="#ppt_y"/>
+                                          </p:val>
+                                        </p:tav>
+                                      </p:tavLst>
+                                    </p:anim>
+                                  </p:childTnLst>
+                                </p:cTn>
+                              </p:par>
+                            </p:childTnLst>
+                          </p:cTn>
+                        </p:par>
+                      </p:childTnLst>
+                    </p:cTn>
+                  </p:par>
+                  <p:par>
+                    <p:cTn id="21" fill="hold">
+                      <p:stCondLst>
+                        <p:cond delay="indefinite"/>
+                      </p:stCondLst>
+                      <p:childTnLst>
+                        <p:par>
+                          <p:cTn id="22" fill="hold">
+                            <p:stCondLst>
+                              <p:cond delay="0"/>
+                            </p:stCondLst>
+                            <p:childTnLst>
+                              <p:par>
+                                <p:cTn id="23" presetID="2" presetClass="entr" presetSubtype="4" fill="hold" nodeType="clickEffect">
+                                  <p:stCondLst>
+                                    <p:cond delay="0"/>
+                                  </p:stCondLst>
+                                  <p:childTnLst>
+                                    <p:set>
+                                      <p:cBhvr>
+                                        <p:cTn id="24" dur="1" fill="hold">
+                                          <p:stCondLst>
+                                            <p:cond delay="0"/>
+                                          </p:stCondLst>
+                                        </p:cTn>
+                                        <p:tgtEl>
+                                          <p:spTgt spid="37"/>
+                                        </p:tgtEl>
+                                        <p:attrNameLst>
+                                          <p:attrName>style.visibility</p:attrName>
+                                        </p:attrNameLst>
+                                      </p:cBhvr>
+                                      <p:to>
+                                        <p:strVal val="visible"/>
+                                      </p:to>
+                                    </p:set>
+                                    <p:anim calcmode="lin" valueType="num">
+                                      <p:cBhvr additive="base">
+                                        <p:cTn id="25" dur="500" fill="hold"/>
+                                        <p:tgtEl>
+                                          <p:spTgt spid="37"/>
+                                        </p:tgtEl>
+                                        <p:attrNameLst>
+                                          <p:attrName>ppt_x</p:attrName>
+                                        </p:attrNameLst>
+                                      </p:cBhvr>
+                                      <p:tavLst>
+                                        <p:tav tm="0">
+                                          <p:val>
+                                            <p:strVal val="#ppt_x"/>
+                                          </p:val>
+                                        </p:tav>
+                                        <p:tav tm="100000">
+                                          <p:val>
+                                            <p:strVal val="#ppt_x"/>
+                                          </p:val>
+                                        </p:tav>
+                                      </p:tavLst>
+                                    </p:anim>
+                                    <p:anim calcmode="lin" valueType="num">
+                                      <p:cBhvr additive="base">
+                                        <p:cTn id="26" dur="500" fill="hold"/>
+                                        <p:tgtEl>
+                                          <p:spTgt spid="37"/>
+                                        </p:tgtEl>
+                                        <p:attrNameLst>
+                                          <p:attrName>ppt_y</p:attrName>
+                                        </p:attrNameLst>
+                                      </p:cBhvr>
+                                      <p:tavLst>
+                                        <p:tav tm="0">
+                                          <p:val>
+                                            <p:strVal val="1+#ppt_h/2"/>
+                                          </p:val>
+                                        </p:tav>
+                                        <p:tav tm="100000">
+                                          <p:val>
+                                            <p:strVal val="#ppt_y"/>
+                                          </p:val>
+                                        </p:tav>
+                                      </p:tavLst>
+                                    </p:anim>
+                                  </p:childTnLst>
+                                </p:cTn>
+                              </p:par>
+                              <p:par>
+                                <p:cTn id="27" presetID="2" presetClass="entr" presetSubtype="4" fill="hold" grpId="0" nodeType="withEffect">
+                                  <p:stCondLst>
+                                    <p:cond delay="0"/>
+                                  </p:stCondLst>
+                                  <p:childTnLst>
+                                    <p:set>
+                                      <p:cBhvr>
+                                        <p:cTn id="28" dur="1" fill="hold">
+                                          <p:stCondLst>
+                                            <p:cond delay="0"/>
+                                          </p:stCondLst>
+                                        </p:cTn>
+                                        <p:tgtEl>
+                                          <p:spTgt spid="38"/>
+                                        </p:tgtEl>
+                                        <p:attrNameLst>
+                                          <p:attrName>style.visibility</p:attrName>
+                                        </p:attrNameLst>
+                                      </p:cBhvr>
+                                      <p:to>
+                                        <p:strVal val="visible"/>
+                                      </p:to>
+                                    </p:set>
+                                    <p:anim calcmode="lin" valueType="num">
+                                      <p:cBhvr additive="base">
+                                        <p:cTn id="29" dur="500" fill="hold"/>
+                                        <p:tgtEl>
+                                          <p:spTgt spid="38"/>
+                                        </p:tgtEl>
+                                        <p:attrNameLst>
+                                          <p:attrName>ppt_x</p:attrName>
+                                        </p:attrNameLst>
+                                      </p:cBhvr>
+                                      <p:tavLst>
+                                        <p:tav tm="0">
+                                          <p:val>
+                                            <p:strVal val="#ppt_x"/>
+                                          </p:val>
+                                        </p:tav>
+                                        <p:tav tm="100000">
+                                          <p:val>
+                                            <p:strVal val="#ppt_x"/>
+                                          </p:val>
+                                        </p:tav>
+                                      </p:tavLst>
+                                    </p:anim>
+                                    <p:anim calcmode="lin" valueType="num">
+                                      <p:cBhvr additive="base">
+                                        <p:cTn id="30" dur="500" fill="hold"/>
+                                        <p:tgtEl>
+                                          <p:spTgt spid="38"/>
+                                        </p:tgtEl>
+                                        <p:attrNameLst>
+                                          <p:attrName>ppt_y</p:attrName>
+                                        </p:attrNameLst>
+                                      </p:cBhvr>
+                                      <p:tavLst>
+                                        <p:tav tm="0">
+                                          <p:val>
+                                            <p:strVal val="1+#ppt_h/2"/>
+                                          </p:val>
+                                        </p:tav>
+                                        <p:tav tm="100000">
+                                          <p:val>
+                                            <p:strVal val="#ppt_y"/>
+                                          </p:val>
+                                        </p:tav>
+                                      </p:tavLst>
+                                    </p:anim>
+                                  </p:childTnLst>
+                                </p:cTn>
+                              </p:par>
+                              <p:par>
+                                <p:cTn id="31" presetID="2" presetClass="entr" presetSubtype="4" fill="hold" grpId="0" nodeType="withEffect">
+                                  <p:stCondLst>
+                                    <p:cond delay="0"/>
+                                  </p:stCondLst>
+                                  <p:childTnLst>
+                                    <p:set>
+                                      <p:cBhvr>
+                                        <p:cTn id="32" dur="1" fill="hold">
+                                          <p:stCondLst>
+                                            <p:cond delay="0"/>
+                                          </p:stCondLst>
+                                        </p:cTn>
+                                        <p:tgtEl>
+                                          <p:spTgt spid="39"/>
+                                        </p:tgtEl>
+                                        <p:attrNameLst>
+                                          <p:attrName>style.visibility</p:attrName>
+                                        </p:attrNameLst>
+                                      </p:cBhvr>
+                                      <p:to>
+                                        <p:strVal val="visible"/>
+                                      </p:to>
+                                    </p:set>
+                                    <p:anim calcmode="lin" valueType="num">
+                                      <p:cBhvr additive="base">
+                                        <p:cTn id="33" dur="500" fill="hold"/>
+                                        <p:tgtEl>
+                                          <p:spTgt spid="39"/>
+                                        </p:tgtEl>
+                                        <p:attrNameLst>
+                                          <p:attrName>ppt_x</p:attrName>
+                                        </p:attrNameLst>
+                                      </p:cBhvr>
+                                      <p:tavLst>
+                                        <p:tav tm="0">
+                                          <p:val>
+                                            <p:strVal val="#ppt_x"/>
+                                          </p:val>
+                                        </p:tav>
+                                        <p:tav tm="100000">
+                                          <p:val>
+                                            <p:strVal val="#ppt_x"/>
+                                          </p:val>
+                                        </p:tav>
+                                      </p:tavLst>
+                                    </p:anim>
+                                    <p:anim calcmode="lin" valueType="num">
+                                      <p:cBhvr additive="base">
+                                        <p:cTn id="34" dur="500" fill="hold"/>
+                                        <p:tgtEl>
+                                          <p:spTgt spid="39"/>
+                                        </p:tgtEl>
+                                        <p:attrNameLst>
+                                          <p:attrName>ppt_y</p:attrName>
+                                        </p:attrNameLst>
+                                      </p:cBhvr>
+                                      <p:tavLst>
+                                        <p:tav tm="0">
+                                          <p:val>
+                                            <p:strVal val="1+#ppt_h/2"/>
+                                          </p:val>
+                                        </p:tav>
+                                        <p:tav tm="100000">
+                                          <p:val>
+                                            <p:strVal val="#ppt_y"/>
+                                          </p:val>
+                                        </p:tav>
+                                      </p:tavLst>
+                                    </p:anim>
+                                  </p:childTnLst>
+                                </p:cTn>
+                              </p:par>
+                              <p:par>
+                                <p:cTn id="35" presetID="2" presetClass="entr" presetSubtype="4" fill="hold" grpId="0" nodeType="withEffect">
+                                  <p:stCondLst>
+                                    <p:cond delay="0"/>
+                                  </p:stCondLst>
+                                  <p:childTnLst>
+                                    <p:set>
+                                      <p:cBhvr>
+                                        <p:cTn id="36" dur="1" fill="hold">
+                                          <p:stCondLst>
+                                            <p:cond delay="0"/>
+                                          </p:stCondLst>
+                                        </p:cTn>
+                                        <p:tgtEl>
+                                          <p:spTgt spid="40"/>
+                                        </p:tgtEl>
+                                        <p:attrNameLst>
+                                          <p:attrName>style.visibility</p:attrName>
+                                        </p:attrNameLst>
+                                      </p:cBhvr>
+                                      <p:to>
+                                        <p:strVal val="visible"/>
+                                      </p:to>
+                                    </p:set>
+                                    <p:anim calcmode="lin" valueType="num">
+                                      <p:cBhvr additive="base">
+                                        <p:cTn id="37" dur="500" fill="hold"/>
+                                        <p:tgtEl>
+                                          <p:spTgt spid="40"/>
+                                        </p:tgtEl>
+                                        <p:attrNameLst>
+                                          <p:attrName>ppt_x</p:attrName>
+                                        </p:attrNameLst>
+                                      </p:cBhvr>
+                                      <p:tavLst>
+                                        <p:tav tm="0">
+                                          <p:val>
+                                            <p:strVal val="#ppt_x"/>
+                                          </p:val>
+                                        </p:tav>
+                                        <p:tav tm="100000">
+                                          <p:val>
+                                            <p:strVal val="#ppt_x"/>
+                                          </p:val>
+                                        </p:tav>
+                                      </p:tavLst>
+                                    </p:anim>
+                                    <p:anim calcmode="lin" valueType="num">
+                                      <p:cBhvr additive="base">
+                                        <p:cTn id="38" dur="500" fill="hold"/>
+                                        <p:tgtEl>
+                                          <p:spTgt spid="40"/>
+                                        </p:tgtEl>
+                                        <p:attrNameLst>
+                                          <p:attrName>ppt_y</p:attrName>
+                                        </p:attrNameLst>
+                                      </p:cBhvr>
+                                      <p:tavLst>
+                                        <p:tav tm="0">
+                                          <p:val>
+                                            <p:strVal val="1+#ppt_h/2"/>
+                                          </p:val>
+                                        </p:tav>
+                                        <p:tav tm="100000">
+                                          <p:val>
+                                            <p:strVal val="#ppt_y"/>
+                                          </p:val>
+                                        </p:tav>
+                                      </p:tavLst>
+                                    </p:anim>
+                                  </p:childTnLst>
+                                </p:cTn>
+                              </p:par>
+                            </p:childTnLst>
+                          </p:cTn>
+                        </p:par>
+                      </p:childTnLst>
+                    </p:cTn>
+                  </p:par>
+                  <p:par>
+                    <p:cTn id="39" fill="hold">
+                      <p:stCondLst>
+                        <p:cond delay="indefinite"/>
+                      </p:stCondLst>
+                      <p:childTnLst>
+                        <p:par>
+                          <p:cTn id="40" fill="hold">
+                            <p:stCondLst>
+                              <p:cond delay="0"/>
+                            </p:stCondLst>
+                            <p:childTnLst>
+                              <p:par>
+                                <p:cTn id="41" presetID="2" presetClass="entr" presetSubtype="4" fill="hold" nodeType="clickEffect">
+                                  <p:stCondLst>
+                                    <p:cond delay="0"/>
+                                  </p:stCondLst>
+                                  <p:childTnLst>
+                                    <p:set>
+                                      <p:cBhvr>
+                                        <p:cTn id="42" dur="1" fill="hold">
+                                          <p:stCondLst>
+                                            <p:cond delay="0"/>
+                                          </p:stCondLst>
+                                        </p:cTn>
+                                        <p:tgtEl>
+                                          <p:spTgt spid="41"/>
+                                        </p:tgtEl>
+                                        <p:attrNameLst>
+                                          <p:attrName>style.visibility</p:attrName>
+                                        </p:attrNameLst>
+                                      </p:cBhvr>
+                                      <p:to>
+                                        <p:strVal val="visible"/>
+                                      </p:to>
+                                    </p:set>
+                                    <p:anim calcmode="lin" valueType="num">
+                                      <p:cBhvr additive="base">
+                                        <p:cTn id="43" dur="500" fill="hold"/>
+                                        <p:tgtEl>
+                                          <p:spTgt spid="41"/>
+                                        </p:tgtEl>
+                                        <p:attrNameLst>
+                                          <p:attrName>ppt_x</p:attrName>
+                                        </p:attrNameLst>
+                                      </p:cBhvr>
+                                      <p:tavLst>
+                                        <p:tav tm="0">
+                                          <p:val>
+                                            <p:strVal val="#ppt_x"/>
+                                          </p:val>
+                                        </p:tav>
+                                        <p:tav tm="100000">
+                                          <p:val>
+                                            <p:strVal val="#ppt_x"/>
+                                          </p:val>
+                                        </p:tav>
+                                      </p:tavLst>
+                                    </p:anim>
+                                    <p:anim calcmode="lin" valueType="num">
+                                      <p:cBhvr additive="base">
+                                        <p:cTn id="44" dur="500" fill="hold"/>
+                                        <p:tgtEl>
+                                          <p:spTgt spid="41"/>
+                                        </p:tgtEl>
+                                        <p:attrNameLst>
+                                          <p:attrName>ppt_y</p:attrName>
+                                        </p:attrNameLst>
+                                      </p:cBhvr>
+                                      <p:tavLst>
+                                        <p:tav tm="0">
+                                          <p:val>
+                                            <p:strVal val="1+#ppt_h/2"/>
+                                          </p:val>
+                                        </p:tav>
+                                        <p:tav tm="100000">
+                                          <p:val>
+                                            <p:strVal val="#ppt_y"/>
+                                          </p:val>
+                                        </p:tav>
+                                      </p:tavLst>
+                                    </p:anim>
+                                  </p:childTnLst>
+                                </p:cTn>
+                              </p:par>
+                              <p:par>
+                                <p:cTn id="45" presetID="2" presetClass="entr" presetSubtype="4" fill="hold" grpId="0" nodeType="withEffect">
+                                  <p:stCondLst>
+                                    <p:cond delay="0"/>
+                                  </p:stCondLst>
+                                  <p:childTnLst>
+                                    <p:set>
+                                      <p:cBhvr>
+                                        <p:cTn id="46" dur="1" fill="hold">
+                                          <p:stCondLst>
+                                            <p:cond delay="0"/>
+                                          </p:stCondLst>
+                                        </p:cTn>
+                                        <p:tgtEl>
+                                          <p:spTgt spid="42"/>
+                                        </p:tgtEl>
+                                        <p:attrNameLst>
+                                          <p:attrName>style.visibility</p:attrName>
+                                        </p:attrNameLst>
+                                      </p:cBhvr>
+                                      <p:to>
+                                        <p:strVal val="visible"/>
+                                      </p:to>
+                                    </p:set>
+                                    <p:anim calcmode="lin" valueType="num">
+                                      <p:cBhvr additive="base">
+                                        <p:cTn id="47" dur="500" fill="hold"/>
+                                        <p:tgtEl>
+                                          <p:spTgt spid="42"/>
+                                        </p:tgtEl>
+                                        <p:attrNameLst>
+                                          <p:attrName>ppt_x</p:attrName>
+                                        </p:attrNameLst>
+                                      </p:cBhvr>
+                                      <p:tavLst>
+                                        <p:tav tm="0">
+                                          <p:val>
+                                            <p:strVal val="#ppt_x"/>
+                                          </p:val>
+                                        </p:tav>
+                                        <p:tav tm="100000">
+                                          <p:val>
+                                            <p:strVal val="#ppt_x"/>
+                                          </p:val>
+                                        </p:tav>
+                                      </p:tavLst>
+                                    </p:anim>
+                                    <p:anim calcmode="lin" valueType="num">
+                                      <p:cBhvr additive="base">
+                                        <p:cTn id="48" dur="500" fill="hold"/>
+                                        <p:tgtEl>
+                                          <p:spTgt spid="42"/>
+                                        </p:tgtEl>
+                                        <p:attrNameLst>
+                                          <p:attrName>ppt_y</p:attrName>
+                                        </p:attrNameLst>
+                                      </p:cBhvr>
+                                      <p:tavLst>
+                                        <p:tav tm="0">
+                                          <p:val>
+                                            <p:strVal val="1+#ppt_h/2"/>
+                                          </p:val>
+                                        </p:tav>
+                                        <p:tav tm="100000">
+                                          <p:val>
+                                            <p:strVal val="#ppt_y"/>
+                                          </p:val>
+                                        </p:tav>
+                                      </p:tavLst>
+                                    </p:anim>
+                                  </p:childTnLst>
+                                </p:cTn>
+                              </p:par>
+                              <p:par>
+                                <p:cTn id="49" presetID="2" presetClass="entr" presetSubtype="4" fill="hold" grpId="0" nodeType="withEffect">
+                                  <p:stCondLst>
+                                    <p:cond delay="0"/>
+                                  </p:stCondLst>
+                                  <p:childTnLst>
+                                    <p:set>
+                                      <p:cBhvr>
+                                        <p:cTn id="50" dur="1" fill="hold">
+                                          <p:stCondLst>
+                                            <p:cond delay="0"/>
+                                          </p:stCondLst>
+                                        </p:cTn>
+                                        <p:tgtEl>
+                                          <p:spTgt spid="43"/>
+                                        </p:tgtEl>
+                                        <p:attrNameLst>
+                                          <p:attrName>style.visibility</p:attrName>
+                                        </p:attrNameLst>
+                                      </p:cBhvr>
+                                      <p:to>
+                                        <p:strVal val="visible"/>
+                                      </p:to>
+                                    </p:set>
+                                    <p:anim calcmode="lin" valueType="num">
+                                      <p:cBhvr additive="base">
+                                        <p:cTn id="51" dur="500" fill="hold"/>
+                                        <p:tgtEl>
+                                          <p:spTgt spid="43"/>
+                                        </p:tgtEl>
+                                        <p:attrNameLst>
+                                          <p:attrName>ppt_x</p:attrName>
+                                        </p:attrNameLst>
+                                      </p:cBhvr>
+                                      <p:tavLst>
+                                        <p:tav tm="0">
+                                          <p:val>
+                                            <p:strVal val="#ppt_x"/>
+                                          </p:val>
+                                        </p:tav>
+                                        <p:tav tm="100000">
+                                          <p:val>
+                                            <p:strVal val="#ppt_x"/>
+                                          </p:val>
+                                        </p:tav>
+                                      </p:tavLst>
+                                    </p:anim>
+                                    <p:anim calcmode="lin" valueType="num">
+                                      <p:cBhvr additive="base">
+                                        <p:cTn id="52" dur="500" fill="hold"/>
+                                        <p:tgtEl>
+                                          <p:spTgt spid="43"/>
+                                        </p:tgtEl>
+                                        <p:attrNameLst>
+                                          <p:attrName>ppt_y</p:attrName>
+                                        </p:attrNameLst>
+                                      </p:cBhvr>
+                                      <p:tavLst>
+                                        <p:tav tm="0">
+                                          <p:val>
+                                            <p:strVal val="1+#ppt_h/2"/>
+                                          </p:val>
+                                        </p:tav>
+                                        <p:tav tm="100000">
+                                          <p:val>
+                                            <p:strVal val="#ppt_y"/>
+                                          </p:val>
+                                        </p:tav>
+                                      </p:tavLst>
+                                    </p:anim>
+                                  </p:childTnLst>
+                                </p:cTn>
+                              </p:par>
+                              <p:par>
+                                <p:cTn id="53" presetID="2" presetClass="entr" presetSubtype="4" fill="hold" grpId="0" nodeType="withEffect">
+                                  <p:stCondLst>
+                                    <p:cond delay="0"/>
+                                  </p:stCondLst>
+                                  <p:childTnLst>
+                                    <p:set>
+                                      <p:cBhvr>
+                                        <p:cTn id="54" dur="1" fill="hold">
+                                          <p:stCondLst>
+                                            <p:cond delay="0"/>
+                                          </p:stCondLst>
+                                        </p:cTn>
+                                        <p:tgtEl>
+                                          <p:spTgt spid="44"/>
+                                        </p:tgtEl>
+                                        <p:attrNameLst>
+                                          <p:attrName>style.visibility</p:attrName>
+                                        </p:attrNameLst>
+                                      </p:cBhvr>
+                                      <p:to>
+                                        <p:strVal val="visible"/>
+                                      </p:to>
+                                    </p:set>
+                                    <p:anim calcmode="lin" valueType="num">
+                                      <p:cBhvr additive="base">
+                                        <p:cTn id="55" dur="500" fill="hold"/>
+                                        <p:tgtEl>
+                                          <p:spTgt spid="44"/>
+                                        </p:tgtEl>
+                                        <p:attrNameLst>
+                                          <p:attrName>ppt_x</p:attrName>
+                                        </p:attrNameLst>
+                                      </p:cBhvr>
+                                      <p:tavLst>
+                                        <p:tav tm="0">
+                                          <p:val>
+                                            <p:strVal val="#ppt_x"/>
+                                          </p:val>
+                                        </p:tav>
+                                        <p:tav tm="100000">
+                                          <p:val>
+                                            <p:strVal val="#ppt_x"/>
+                                          </p:val>
+                                        </p:tav>
+                                      </p:tavLst>
+                                    </p:anim>
+                                    <p:anim calcmode="lin" valueType="num">
+                                      <p:cBhvr additive="base">
+                                        <p:cTn id="56" dur="500" fill="hold"/>
+                                        <p:tgtEl>
+                                          <p:spTgt spid="44"/>
+                                        </p:tgtEl>
+                                        <p:attrNameLst>
+                                          <p:attrName>ppt_y</p:attrName>
+                                        </p:attrNameLst>
+                                      </p:cBhvr>
+                                      <p:tavLst>
+                                        <p:tav tm="0">
+                                          <p:val>
+                                            <p:strVal val="1+#ppt_h/2"/>
+                                          </p:val>
+                                        </p:tav>
+                                        <p:tav tm="100000">
+                                          <p:val>
+                                            <p:strVal val="#ppt_y"/>
+                                          </p:val>
+                                        </p:tav>
+                                      </p:tavLst>
+                                    </p:anim>
+                                  </p:childTnLst>
+                                </p:cTn>
+                              </p:par>
+                            </p:childTnLst>
+                          </p:cTn>
+                        </p:par>
+                      </p:childTnLst>
+                    </p:cTn>
+                  </p:par>
+                </p:childTnLst>
+              </p:cTn>
+              <p:prevCondLst>
+                <p:cond evt="onPrev" delay="0">
+                  <p:tgtEl>
+                    <p:sldTgt/>
+                  </p:tgtEl>
+                </p:cond>
+              </p:prevCondLst>
+              <p:nextCondLst>
+                <p:cond evt="onNext" delay="0">
+                  <p:tgtEl>
+                    <p:sldTgt/>
+                  </p:tgtEl>
+                </p:cond>
+              </p:nextCondLst>
+            </p:seq>
+          </p:childTnLst>
+        </p:cTn>
+      </p:par>
+    </p:tnLst>
+    <p:bldLst>
+      <p:bldP spid="34" grpId="0" animBg="1"/>
+      <p:bldP spid="35" grpId="0" animBg="1"/>
+      <p:bldP spid="36" grpId="0"/>
+      <p:bldP spid="38" grpId="0" animBg="1"/>
+      <p:bldP spid="39" grpId="0" animBg="1"/>
+      <p:bldP spid="40" grpId="0"/>
+      <p:bldP spid="42" grpId="0" animBg="1"/>
+      <p:bldP spid="43" grpId="0" animBg="1"/>
+      <p:bldP spid="44" grpId="0"/>
+    </p:bldLst>
+  </p:timing>
 </p:sld>
 </file>
 
@@ -6698,22 +10123,785 @@
           <a:chExt cx="0" cy="0"/>
         </a:xfrm>
       </p:grpSpPr>
+      <p:sp>
+        <p:nvSpPr>
+          <p:cNvPr id="10" name="TextBox 9"/>
+          <p:cNvSpPr txBox="1"/>
+          <p:nvPr/>
+        </p:nvSpPr>
+        <p:spPr>
+          <a:xfrm>
+            <a:off x="977304" y="2625043"/>
+            <a:ext cx="1904054" cy="261610"/>
+          </a:xfrm>
+          <a:prstGeom prst="rect">
+            <a:avLst/>
+          </a:prstGeom>
+          <a:noFill/>
+        </p:spPr>
+        <p:txBody>
+          <a:bodyPr wrap="square" rtlCol="0">
+            <a:spAutoFit/>
+          </a:bodyPr>
+          <a:lstStyle/>
+          <a:p>
+            <a:r>
+              <a:rPr lang="ko-KR" altLang="en-US" sz="1100" dirty="0" smtClean="0">
+                <a:solidFill>
+                  <a:schemeClr val="bg2">
+                    <a:lumMod val="25000"/>
+                  </a:schemeClr>
+                </a:solidFill>
+                <a:latin typeface="한수원 한돋움" panose="020B0600000101010101" pitchFamily="50" charset="-127"/>
+                <a:ea typeface="한수원 한돋움" panose="020B0600000101010101" pitchFamily="50" charset="-127"/>
+              </a:rPr>
+              <a:t>제약사 정보 조회 및 추가 수정 </a:t>
+            </a:r>
+            <a:endParaRPr lang="en-US" altLang="ko-KR" sz="1100" dirty="0" smtClean="0">
+              <a:solidFill>
+                <a:schemeClr val="bg2">
+                  <a:lumMod val="25000"/>
+                </a:schemeClr>
+              </a:solidFill>
+              <a:latin typeface="한수원 한돋움" panose="020B0600000101010101" pitchFamily="50" charset="-127"/>
+              <a:ea typeface="한수원 한돋움" panose="020B0600000101010101" pitchFamily="50" charset="-127"/>
+            </a:endParaRPr>
+          </a:p>
+        </p:txBody>
+      </p:sp>
+      <p:pic>
+        <p:nvPicPr>
+          <p:cNvPr id="3" name="그림 2"/>
+          <p:cNvPicPr>
+            <a:picLocks noChangeAspect="1"/>
+          </p:cNvPicPr>
+          <p:nvPr/>
+        </p:nvPicPr>
+        <p:blipFill>
+          <a:blip r:embed="rId3" cstate="print">
+            <a:extLst>
+              <a:ext uri="{28A0092B-C50C-407E-A947-70E740481C1C}">
+                <a14:useLocalDpi xmlns:a14="http://schemas.microsoft.com/office/drawing/2010/main" val="0"/>
+              </a:ext>
+            </a:extLst>
+          </a:blip>
+          <a:stretch>
+            <a:fillRect/>
+          </a:stretch>
+        </p:blipFill>
+        <p:spPr>
+          <a:xfrm>
+            <a:off x="2997180" y="1383618"/>
+            <a:ext cx="3149641" cy="2376264"/>
+          </a:xfrm>
+          <a:prstGeom prst="rect">
+            <a:avLst/>
+          </a:prstGeom>
+        </p:spPr>
+      </p:pic>
+      <p:sp>
+        <p:nvSpPr>
+          <p:cNvPr id="4" name="직사각형 3"/>
+          <p:cNvSpPr/>
+          <p:nvPr/>
+        </p:nvSpPr>
+        <p:spPr>
+          <a:xfrm>
+            <a:off x="3995939" y="2859782"/>
+            <a:ext cx="360038" cy="360040"/>
+          </a:xfrm>
+          <a:prstGeom prst="rect">
+            <a:avLst/>
+          </a:prstGeom>
+          <a:noFill/>
+          <a:ln>
+            <a:solidFill>
+              <a:srgbClr val="C00000"/>
+            </a:solidFill>
+          </a:ln>
+        </p:spPr>
+        <p:style>
+          <a:lnRef idx="2">
+            <a:schemeClr val="accent1">
+              <a:shade val="50000"/>
+            </a:schemeClr>
+          </a:lnRef>
+          <a:fillRef idx="1">
+            <a:schemeClr val="accent1"/>
+          </a:fillRef>
+          <a:effectRef idx="0">
+            <a:schemeClr val="accent1"/>
+          </a:effectRef>
+          <a:fontRef idx="minor">
+            <a:schemeClr val="lt1"/>
+          </a:fontRef>
+        </p:style>
+        <p:txBody>
+          <a:bodyPr rtlCol="0" anchor="ctr"/>
+          <a:lstStyle/>
+          <a:p>
+            <a:pPr algn="ctr"/>
+            <a:endParaRPr lang="ko-KR" altLang="en-US"/>
+          </a:p>
+        </p:txBody>
+      </p:sp>
+      <p:cxnSp>
+        <p:nvCxnSpPr>
+          <p:cNvPr id="5" name="꺾인 연결선 4"/>
+          <p:cNvCxnSpPr/>
+          <p:nvPr/>
+        </p:nvCxnSpPr>
+        <p:spPr>
+          <a:xfrm rot="10800000">
+            <a:off x="2808174" y="2755848"/>
+            <a:ext cx="1196826" cy="283954"/>
+          </a:xfrm>
+          <a:prstGeom prst="bentConnector3">
+            <a:avLst>
+              <a:gd name="adj1" fmla="val 50000"/>
+            </a:avLst>
+          </a:prstGeom>
+          <a:ln w="12700">
+            <a:solidFill>
+              <a:srgbClr val="C00000"/>
+            </a:solidFill>
+            <a:tailEnd type="triangle"/>
+          </a:ln>
+        </p:spPr>
+        <p:style>
+          <a:lnRef idx="1">
+            <a:schemeClr val="accent1"/>
+          </a:lnRef>
+          <a:fillRef idx="0">
+            <a:schemeClr val="accent1"/>
+          </a:fillRef>
+          <a:effectRef idx="0">
+            <a:schemeClr val="accent1"/>
+          </a:effectRef>
+          <a:fontRef idx="minor">
+            <a:schemeClr val="tx1"/>
+          </a:fontRef>
+        </p:style>
+      </p:cxnSp>
+      <p:sp>
+        <p:nvSpPr>
+          <p:cNvPr id="11" name="직사각형 10"/>
+          <p:cNvSpPr/>
+          <p:nvPr/>
+        </p:nvSpPr>
+        <p:spPr>
+          <a:xfrm>
+            <a:off x="4823740" y="2859782"/>
+            <a:ext cx="360038" cy="360040"/>
+          </a:xfrm>
+          <a:prstGeom prst="rect">
+            <a:avLst/>
+          </a:prstGeom>
+          <a:noFill/>
+          <a:ln>
+            <a:solidFill>
+              <a:srgbClr val="C00000"/>
+            </a:solidFill>
+          </a:ln>
+        </p:spPr>
+        <p:style>
+          <a:lnRef idx="2">
+            <a:schemeClr val="accent1">
+              <a:shade val="50000"/>
+            </a:schemeClr>
+          </a:lnRef>
+          <a:fillRef idx="1">
+            <a:schemeClr val="accent1"/>
+          </a:fillRef>
+          <a:effectRef idx="0">
+            <a:schemeClr val="accent1"/>
+          </a:effectRef>
+          <a:fontRef idx="minor">
+            <a:schemeClr val="lt1"/>
+          </a:fontRef>
+        </p:style>
+        <p:txBody>
+          <a:bodyPr rtlCol="0" anchor="ctr"/>
+          <a:lstStyle/>
+          <a:p>
+            <a:pPr algn="ctr"/>
+            <a:endParaRPr lang="ko-KR" altLang="en-US"/>
+          </a:p>
+        </p:txBody>
+      </p:sp>
+      <p:cxnSp>
+        <p:nvCxnSpPr>
+          <p:cNvPr id="12" name="꺾인 연결선 11"/>
+          <p:cNvCxnSpPr/>
+          <p:nvPr/>
+        </p:nvCxnSpPr>
+        <p:spPr>
+          <a:xfrm flipV="1">
+            <a:off x="5183780" y="2938038"/>
+            <a:ext cx="1224136" cy="144016"/>
+          </a:xfrm>
+          <a:prstGeom prst="bentConnector3">
+            <a:avLst>
+              <a:gd name="adj1" fmla="val 50000"/>
+            </a:avLst>
+          </a:prstGeom>
+          <a:ln w="12700">
+            <a:solidFill>
+              <a:srgbClr val="C00000"/>
+            </a:solidFill>
+            <a:tailEnd type="triangle"/>
+          </a:ln>
+        </p:spPr>
+        <p:style>
+          <a:lnRef idx="1">
+            <a:schemeClr val="accent1"/>
+          </a:lnRef>
+          <a:fillRef idx="0">
+            <a:schemeClr val="accent1"/>
+          </a:fillRef>
+          <a:effectRef idx="0">
+            <a:schemeClr val="accent1"/>
+          </a:effectRef>
+          <a:fontRef idx="minor">
+            <a:schemeClr val="tx1"/>
+          </a:fontRef>
+        </p:style>
+      </p:cxnSp>
+      <p:sp>
+        <p:nvSpPr>
+          <p:cNvPr id="14" name="직사각형 13"/>
+          <p:cNvSpPr/>
+          <p:nvPr/>
+        </p:nvSpPr>
+        <p:spPr>
+          <a:xfrm>
+            <a:off x="4409839" y="2859782"/>
+            <a:ext cx="360038" cy="360040"/>
+          </a:xfrm>
+          <a:prstGeom prst="rect">
+            <a:avLst/>
+          </a:prstGeom>
+          <a:noFill/>
+          <a:ln>
+            <a:solidFill>
+              <a:srgbClr val="C00000"/>
+            </a:solidFill>
+          </a:ln>
+        </p:spPr>
+        <p:style>
+          <a:lnRef idx="2">
+            <a:schemeClr val="accent1">
+              <a:shade val="50000"/>
+            </a:schemeClr>
+          </a:lnRef>
+          <a:fillRef idx="1">
+            <a:schemeClr val="accent1"/>
+          </a:fillRef>
+          <a:effectRef idx="0">
+            <a:schemeClr val="accent1"/>
+          </a:effectRef>
+          <a:fontRef idx="minor">
+            <a:schemeClr val="lt1"/>
+          </a:fontRef>
+        </p:style>
+        <p:txBody>
+          <a:bodyPr rtlCol="0" anchor="ctr"/>
+          <a:lstStyle/>
+          <a:p>
+            <a:pPr algn="ctr"/>
+            <a:endParaRPr lang="ko-KR" altLang="en-US"/>
+          </a:p>
+        </p:txBody>
+      </p:sp>
+      <p:cxnSp>
+        <p:nvCxnSpPr>
+          <p:cNvPr id="15" name="꺾인 연결선 14"/>
+          <p:cNvCxnSpPr/>
+          <p:nvPr/>
+        </p:nvCxnSpPr>
+        <p:spPr>
+          <a:xfrm rot="16200000" flipH="1">
+            <a:off x="4272396" y="3537285"/>
+            <a:ext cx="716002" cy="81078"/>
+          </a:xfrm>
+          <a:prstGeom prst="bentConnector3">
+            <a:avLst>
+              <a:gd name="adj1" fmla="val 50000"/>
+            </a:avLst>
+          </a:prstGeom>
+          <a:ln w="12700">
+            <a:solidFill>
+              <a:srgbClr val="C00000"/>
+            </a:solidFill>
+            <a:tailEnd type="triangle"/>
+          </a:ln>
+        </p:spPr>
+        <p:style>
+          <a:lnRef idx="1">
+            <a:schemeClr val="accent1"/>
+          </a:lnRef>
+          <a:fillRef idx="0">
+            <a:schemeClr val="accent1"/>
+          </a:fillRef>
+          <a:effectRef idx="0">
+            <a:schemeClr val="accent1"/>
+          </a:effectRef>
+          <a:fontRef idx="minor">
+            <a:schemeClr val="tx1"/>
+          </a:fontRef>
+        </p:style>
+      </p:cxnSp>
+      <p:sp>
+        <p:nvSpPr>
+          <p:cNvPr id="18" name="TextBox 17"/>
+          <p:cNvSpPr txBox="1"/>
+          <p:nvPr/>
+        </p:nvSpPr>
+        <p:spPr>
+          <a:xfrm>
+            <a:off x="3406586" y="3989116"/>
+            <a:ext cx="2745380" cy="261610"/>
+          </a:xfrm>
+          <a:prstGeom prst="rect">
+            <a:avLst/>
+          </a:prstGeom>
+          <a:noFill/>
+        </p:spPr>
+        <p:txBody>
+          <a:bodyPr wrap="square" rtlCol="0">
+            <a:spAutoFit/>
+          </a:bodyPr>
+          <a:lstStyle/>
+          <a:p>
+            <a:r>
+              <a:rPr lang="ko-KR" altLang="en-US" sz="1100" dirty="0" smtClean="0">
+                <a:solidFill>
+                  <a:schemeClr val="bg2">
+                    <a:lumMod val="25000"/>
+                  </a:schemeClr>
+                </a:solidFill>
+                <a:latin typeface="한수원 한돋움" panose="020B0600000101010101" pitchFamily="50" charset="-127"/>
+                <a:ea typeface="한수원 한돋움" panose="020B0600000101010101" pitchFamily="50" charset="-127"/>
+              </a:rPr>
+              <a:t>원하는 조건으로 약품 정보 검색 및 주문</a:t>
+            </a:r>
+            <a:endParaRPr lang="en-US" altLang="ko-KR" sz="1100" dirty="0" smtClean="0">
+              <a:solidFill>
+                <a:schemeClr val="bg2">
+                  <a:lumMod val="25000"/>
+                </a:schemeClr>
+              </a:solidFill>
+              <a:latin typeface="한수원 한돋움" panose="020B0600000101010101" pitchFamily="50" charset="-127"/>
+              <a:ea typeface="한수원 한돋움" panose="020B0600000101010101" pitchFamily="50" charset="-127"/>
+            </a:endParaRPr>
+          </a:p>
+        </p:txBody>
+      </p:sp>
+      <p:sp>
+        <p:nvSpPr>
+          <p:cNvPr id="19" name="TextBox 18"/>
+          <p:cNvSpPr txBox="1"/>
+          <p:nvPr/>
+        </p:nvSpPr>
+        <p:spPr>
+          <a:xfrm>
+            <a:off x="6444208" y="2800830"/>
+            <a:ext cx="1728192" cy="261610"/>
+          </a:xfrm>
+          <a:prstGeom prst="rect">
+            <a:avLst/>
+          </a:prstGeom>
+          <a:noFill/>
+        </p:spPr>
+        <p:txBody>
+          <a:bodyPr wrap="square" rtlCol="0">
+            <a:spAutoFit/>
+          </a:bodyPr>
+          <a:lstStyle/>
+          <a:p>
+            <a:r>
+              <a:rPr lang="ko-KR" altLang="en-US" sz="1100" dirty="0" smtClean="0">
+                <a:solidFill>
+                  <a:schemeClr val="bg2">
+                    <a:lumMod val="25000"/>
+                  </a:schemeClr>
+                </a:solidFill>
+                <a:latin typeface="한수원 한돋움" panose="020B0600000101010101" pitchFamily="50" charset="-127"/>
+                <a:ea typeface="한수원 한돋움" panose="020B0600000101010101" pitchFamily="50" charset="-127"/>
+              </a:rPr>
+              <a:t>주문한 약품 수정 및 발주</a:t>
+            </a:r>
+            <a:endParaRPr lang="en-US" altLang="ko-KR" sz="1100" dirty="0" smtClean="0">
+              <a:solidFill>
+                <a:schemeClr val="bg2">
+                  <a:lumMod val="25000"/>
+                </a:schemeClr>
+              </a:solidFill>
+              <a:latin typeface="한수원 한돋움" panose="020B0600000101010101" pitchFamily="50" charset="-127"/>
+              <a:ea typeface="한수원 한돋움" panose="020B0600000101010101" pitchFamily="50" charset="-127"/>
+            </a:endParaRPr>
+          </a:p>
+        </p:txBody>
+      </p:sp>
     </p:spTree>
     <p:extLst>
       <p:ext uri="{BB962C8B-B14F-4D97-AF65-F5344CB8AC3E}">
-        <p14:creationId xmlns:p14="http://schemas.microsoft.com/office/powerpoint/2010/main" val="349472095"/>
+        <p14:creationId xmlns:p14="http://schemas.microsoft.com/office/powerpoint/2010/main" val="566292537"/>
       </p:ext>
     </p:extLst>
   </p:cSld>
   <p:clrMapOvr>
     <a:masterClrMapping/>
   </p:clrMapOvr>
+  <p:timing>
+    <p:tnLst>
+      <p:par>
+        <p:cTn id="1" dur="indefinite" restart="never" nodeType="tmRoot">
+          <p:childTnLst>
+            <p:seq concurrent="1" nextAc="seek">
+              <p:cTn id="2" dur="indefinite" nodeType="mainSeq">
+                <p:childTnLst>
+                  <p:par>
+                    <p:cTn id="3" fill="hold">
+                      <p:stCondLst>
+                        <p:cond delay="indefinite"/>
+                      </p:stCondLst>
+                      <p:childTnLst>
+                        <p:par>
+                          <p:cTn id="4" fill="hold">
+                            <p:stCondLst>
+                              <p:cond delay="0"/>
+                            </p:stCondLst>
+                            <p:childTnLst>
+                              <p:par>
+                                <p:cTn id="5" presetID="1" presetClass="entr" presetSubtype="0" fill="hold" grpId="0" nodeType="clickEffect">
+                                  <p:stCondLst>
+                                    <p:cond delay="0"/>
+                                  </p:stCondLst>
+                                  <p:childTnLst>
+                                    <p:set>
+                                      <p:cBhvr>
+                                        <p:cTn id="6" dur="1" fill="hold">
+                                          <p:stCondLst>
+                                            <p:cond delay="0"/>
+                                          </p:stCondLst>
+                                        </p:cTn>
+                                        <p:tgtEl>
+                                          <p:spTgt spid="10"/>
+                                        </p:tgtEl>
+                                        <p:attrNameLst>
+                                          <p:attrName>style.visibility</p:attrName>
+                                        </p:attrNameLst>
+                                      </p:cBhvr>
+                                      <p:to>
+                                        <p:strVal val="visible"/>
+                                      </p:to>
+                                    </p:set>
+                                  </p:childTnLst>
+                                </p:cTn>
+                              </p:par>
+                              <p:par>
+                                <p:cTn id="7" presetID="1" presetClass="entr" presetSubtype="0" fill="hold" grpId="0" nodeType="withEffect">
+                                  <p:stCondLst>
+                                    <p:cond delay="0"/>
+                                  </p:stCondLst>
+                                  <p:childTnLst>
+                                    <p:set>
+                                      <p:cBhvr>
+                                        <p:cTn id="8" dur="1" fill="hold">
+                                          <p:stCondLst>
+                                            <p:cond delay="0"/>
+                                          </p:stCondLst>
+                                        </p:cTn>
+                                        <p:tgtEl>
+                                          <p:spTgt spid="4"/>
+                                        </p:tgtEl>
+                                        <p:attrNameLst>
+                                          <p:attrName>style.visibility</p:attrName>
+                                        </p:attrNameLst>
+                                      </p:cBhvr>
+                                      <p:to>
+                                        <p:strVal val="visible"/>
+                                      </p:to>
+                                    </p:set>
+                                  </p:childTnLst>
+                                </p:cTn>
+                              </p:par>
+                              <p:par>
+                                <p:cTn id="9" presetID="1" presetClass="entr" presetSubtype="0" fill="hold" nodeType="withEffect">
+                                  <p:stCondLst>
+                                    <p:cond delay="0"/>
+                                  </p:stCondLst>
+                                  <p:childTnLst>
+                                    <p:set>
+                                      <p:cBhvr>
+                                        <p:cTn id="10" dur="1" fill="hold">
+                                          <p:stCondLst>
+                                            <p:cond delay="0"/>
+                                          </p:stCondLst>
+                                        </p:cTn>
+                                        <p:tgtEl>
+                                          <p:spTgt spid="5"/>
+                                        </p:tgtEl>
+                                        <p:attrNameLst>
+                                          <p:attrName>style.visibility</p:attrName>
+                                        </p:attrNameLst>
+                                      </p:cBhvr>
+                                      <p:to>
+                                        <p:strVal val="visible"/>
+                                      </p:to>
+                                    </p:set>
+                                  </p:childTnLst>
+                                </p:cTn>
+                              </p:par>
+                            </p:childTnLst>
+                          </p:cTn>
+                        </p:par>
+                      </p:childTnLst>
+                    </p:cTn>
+                  </p:par>
+                  <p:par>
+                    <p:cTn id="11" fill="hold">
+                      <p:stCondLst>
+                        <p:cond delay="indefinite"/>
+                      </p:stCondLst>
+                      <p:childTnLst>
+                        <p:par>
+                          <p:cTn id="12" fill="hold">
+                            <p:stCondLst>
+                              <p:cond delay="0"/>
+                            </p:stCondLst>
+                            <p:childTnLst>
+                              <p:par>
+                                <p:cTn id="13" presetID="1" presetClass="entr" presetSubtype="0" fill="hold" grpId="0" nodeType="clickEffect">
+                                  <p:stCondLst>
+                                    <p:cond delay="0"/>
+                                  </p:stCondLst>
+                                  <p:childTnLst>
+                                    <p:set>
+                                      <p:cBhvr>
+                                        <p:cTn id="14" dur="1" fill="hold">
+                                          <p:stCondLst>
+                                            <p:cond delay="0"/>
+                                          </p:stCondLst>
+                                        </p:cTn>
+                                        <p:tgtEl>
+                                          <p:spTgt spid="18"/>
+                                        </p:tgtEl>
+                                        <p:attrNameLst>
+                                          <p:attrName>style.visibility</p:attrName>
+                                        </p:attrNameLst>
+                                      </p:cBhvr>
+                                      <p:to>
+                                        <p:strVal val="visible"/>
+                                      </p:to>
+                                    </p:set>
+                                  </p:childTnLst>
+                                </p:cTn>
+                              </p:par>
+                              <p:par>
+                                <p:cTn id="15" presetID="1" presetClass="entr" presetSubtype="0" fill="hold" grpId="0" nodeType="withEffect">
+                                  <p:stCondLst>
+                                    <p:cond delay="0"/>
+                                  </p:stCondLst>
+                                  <p:childTnLst>
+                                    <p:set>
+                                      <p:cBhvr>
+                                        <p:cTn id="16" dur="1" fill="hold">
+                                          <p:stCondLst>
+                                            <p:cond delay="0"/>
+                                          </p:stCondLst>
+                                        </p:cTn>
+                                        <p:tgtEl>
+                                          <p:spTgt spid="14"/>
+                                        </p:tgtEl>
+                                        <p:attrNameLst>
+                                          <p:attrName>style.visibility</p:attrName>
+                                        </p:attrNameLst>
+                                      </p:cBhvr>
+                                      <p:to>
+                                        <p:strVal val="visible"/>
+                                      </p:to>
+                                    </p:set>
+                                  </p:childTnLst>
+                                </p:cTn>
+                              </p:par>
+                              <p:par>
+                                <p:cTn id="17" presetID="1" presetClass="entr" presetSubtype="0" fill="hold" nodeType="withEffect">
+                                  <p:stCondLst>
+                                    <p:cond delay="0"/>
+                                  </p:stCondLst>
+                                  <p:childTnLst>
+                                    <p:set>
+                                      <p:cBhvr>
+                                        <p:cTn id="18" dur="1" fill="hold">
+                                          <p:stCondLst>
+                                            <p:cond delay="0"/>
+                                          </p:stCondLst>
+                                        </p:cTn>
+                                        <p:tgtEl>
+                                          <p:spTgt spid="15"/>
+                                        </p:tgtEl>
+                                        <p:attrNameLst>
+                                          <p:attrName>style.visibility</p:attrName>
+                                        </p:attrNameLst>
+                                      </p:cBhvr>
+                                      <p:to>
+                                        <p:strVal val="visible"/>
+                                      </p:to>
+                                    </p:set>
+                                  </p:childTnLst>
+                                </p:cTn>
+                              </p:par>
+                            </p:childTnLst>
+                          </p:cTn>
+                        </p:par>
+                      </p:childTnLst>
+                    </p:cTn>
+                  </p:par>
+                  <p:par>
+                    <p:cTn id="19" fill="hold">
+                      <p:stCondLst>
+                        <p:cond delay="indefinite"/>
+                      </p:stCondLst>
+                      <p:childTnLst>
+                        <p:par>
+                          <p:cTn id="20" fill="hold">
+                            <p:stCondLst>
+                              <p:cond delay="0"/>
+                            </p:stCondLst>
+                            <p:childTnLst>
+                              <p:par>
+                                <p:cTn id="21" presetID="1" presetClass="entr" presetSubtype="0" fill="hold" grpId="0" nodeType="clickEffect">
+                                  <p:stCondLst>
+                                    <p:cond delay="0"/>
+                                  </p:stCondLst>
+                                  <p:childTnLst>
+                                    <p:set>
+                                      <p:cBhvr>
+                                        <p:cTn id="22" dur="1" fill="hold">
+                                          <p:stCondLst>
+                                            <p:cond delay="0"/>
+                                          </p:stCondLst>
+                                        </p:cTn>
+                                        <p:tgtEl>
+                                          <p:spTgt spid="19"/>
+                                        </p:tgtEl>
+                                        <p:attrNameLst>
+                                          <p:attrName>style.visibility</p:attrName>
+                                        </p:attrNameLst>
+                                      </p:cBhvr>
+                                      <p:to>
+                                        <p:strVal val="visible"/>
+                                      </p:to>
+                                    </p:set>
+                                  </p:childTnLst>
+                                </p:cTn>
+                              </p:par>
+                              <p:par>
+                                <p:cTn id="23" presetID="1" presetClass="entr" presetSubtype="0" fill="hold" nodeType="withEffect">
+                                  <p:stCondLst>
+                                    <p:cond delay="0"/>
+                                  </p:stCondLst>
+                                  <p:childTnLst>
+                                    <p:set>
+                                      <p:cBhvr>
+                                        <p:cTn id="24" dur="1" fill="hold">
+                                          <p:stCondLst>
+                                            <p:cond delay="0"/>
+                                          </p:stCondLst>
+                                        </p:cTn>
+                                        <p:tgtEl>
+                                          <p:spTgt spid="12"/>
+                                        </p:tgtEl>
+                                        <p:attrNameLst>
+                                          <p:attrName>style.visibility</p:attrName>
+                                        </p:attrNameLst>
+                                      </p:cBhvr>
+                                      <p:to>
+                                        <p:strVal val="visible"/>
+                                      </p:to>
+                                    </p:set>
+                                  </p:childTnLst>
+                                </p:cTn>
+                              </p:par>
+                              <p:par>
+                                <p:cTn id="25" presetID="1" presetClass="entr" presetSubtype="0" fill="hold" grpId="0" nodeType="withEffect">
+                                  <p:stCondLst>
+                                    <p:cond delay="0"/>
+                                  </p:stCondLst>
+                                  <p:childTnLst>
+                                    <p:set>
+                                      <p:cBhvr>
+                                        <p:cTn id="26" dur="1" fill="hold">
+                                          <p:stCondLst>
+                                            <p:cond delay="0"/>
+                                          </p:stCondLst>
+                                        </p:cTn>
+                                        <p:tgtEl>
+                                          <p:spTgt spid="11"/>
+                                        </p:tgtEl>
+                                        <p:attrNameLst>
+                                          <p:attrName>style.visibility</p:attrName>
+                                        </p:attrNameLst>
+                                      </p:cBhvr>
+                                      <p:to>
+                                        <p:strVal val="visible"/>
+                                      </p:to>
+                                    </p:set>
+                                  </p:childTnLst>
+                                </p:cTn>
+                              </p:par>
+                            </p:childTnLst>
+                          </p:cTn>
+                        </p:par>
+                      </p:childTnLst>
+                    </p:cTn>
+                  </p:par>
+                </p:childTnLst>
+              </p:cTn>
+              <p:prevCondLst>
+                <p:cond evt="onPrev" delay="0">
+                  <p:tgtEl>
+                    <p:sldTgt/>
+                  </p:tgtEl>
+                </p:cond>
+              </p:prevCondLst>
+              <p:nextCondLst>
+                <p:cond evt="onNext" delay="0">
+                  <p:tgtEl>
+                    <p:sldTgt/>
+                  </p:tgtEl>
+                </p:cond>
+              </p:nextCondLst>
+            </p:seq>
+          </p:childTnLst>
+        </p:cTn>
+      </p:par>
+    </p:tnLst>
+    <p:bldLst>
+      <p:bldP spid="10" grpId="0"/>
+      <p:bldP spid="4" grpId="0" animBg="1"/>
+      <p:bldP spid="11" grpId="0" animBg="1"/>
+      <p:bldP spid="14" grpId="0" animBg="1"/>
+      <p:bldP spid="18" grpId="0"/>
+      <p:bldP spid="19" grpId="0"/>
+    </p:bldLst>
+  </p:timing>
 </p:sld>
 </file>
 
 <file path=ppt/slides/slide5.xml><?xml version="1.0" encoding="utf-8"?>
 <p:sld xmlns:a="http://schemas.openxmlformats.org/drawingml/2006/main" xmlns:r="http://schemas.openxmlformats.org/officeDocument/2006/relationships" xmlns:p="http://schemas.openxmlformats.org/presentationml/2006/main">
   <p:cSld>
+    <p:bg>
+      <p:bgPr>
+        <a:solidFill>
+          <a:srgbClr val="FAFAFA"/>
+        </a:solidFill>
+        <a:effectLst/>
+      </p:bgPr>
+    </p:bg>
     <p:spTree>
       <p:nvGrpSpPr>
         <p:cNvPr id="1" name=""/>
@@ -6728,16 +10916,482 @@
           <a:chExt cx="0" cy="0"/>
         </a:xfrm>
       </p:grpSpPr>
+      <p:pic>
+        <p:nvPicPr>
+          <p:cNvPr id="39" name="그림 38"/>
+          <p:cNvPicPr>
+            <a:picLocks noChangeAspect="1"/>
+          </p:cNvPicPr>
+          <p:nvPr/>
+        </p:nvPicPr>
+        <p:blipFill>
+          <a:blip r:embed="rId3"/>
+          <a:stretch>
+            <a:fillRect/>
+          </a:stretch>
+        </p:blipFill>
+        <p:spPr>
+          <a:xfrm>
+            <a:off x="289435" y="1390275"/>
+            <a:ext cx="3008816" cy="3528392"/>
+          </a:xfrm>
+          <a:prstGeom prst="rect">
+            <a:avLst/>
+          </a:prstGeom>
+        </p:spPr>
+      </p:pic>
+      <p:grpSp>
+        <p:nvGrpSpPr>
+          <p:cNvPr id="41" name="그룹 40"/>
+          <p:cNvGrpSpPr/>
+          <p:nvPr/>
+        </p:nvGrpSpPr>
+        <p:grpSpPr>
+          <a:xfrm>
+            <a:off x="4405376" y="1107435"/>
+            <a:ext cx="3245159" cy="1872208"/>
+            <a:chOff x="3462228" y="1059582"/>
+            <a:chExt cx="3809946" cy="2170690"/>
+          </a:xfrm>
+        </p:grpSpPr>
+        <p:pic>
+          <p:nvPicPr>
+            <p:cNvPr id="3" name="그림 2"/>
+            <p:cNvPicPr>
+              <a:picLocks noChangeAspect="1"/>
+            </p:cNvPicPr>
+            <p:nvPr/>
+          </p:nvPicPr>
+          <p:blipFill>
+            <a:blip r:embed="rId4" cstate="print">
+              <a:extLst>
+                <a:ext uri="{28A0092B-C50C-407E-A947-70E740481C1C}">
+                  <a14:useLocalDpi xmlns:a14="http://schemas.microsoft.com/office/drawing/2010/main" val="0"/>
+                </a:ext>
+              </a:extLst>
+            </a:blip>
+            <a:stretch>
+              <a:fillRect/>
+            </a:stretch>
+          </p:blipFill>
+          <p:spPr>
+            <a:xfrm>
+              <a:off x="4395080" y="1059582"/>
+              <a:ext cx="2877094" cy="2170690"/>
+            </a:xfrm>
+            <a:prstGeom prst="rect">
+              <a:avLst/>
+            </a:prstGeom>
+          </p:spPr>
+        </p:pic>
+        <p:sp>
+          <p:nvSpPr>
+            <p:cNvPr id="34" name="직사각형 33"/>
+            <p:cNvSpPr/>
+            <p:nvPr/>
+          </p:nvSpPr>
+          <p:spPr>
+            <a:xfrm>
+              <a:off x="4427984" y="1275606"/>
+              <a:ext cx="2808311" cy="1296144"/>
+            </a:xfrm>
+            <a:prstGeom prst="rect">
+              <a:avLst/>
+            </a:prstGeom>
+            <a:noFill/>
+            <a:ln>
+              <a:solidFill>
+                <a:srgbClr val="C00000"/>
+              </a:solidFill>
+            </a:ln>
+          </p:spPr>
+          <p:style>
+            <a:lnRef idx="2">
+              <a:schemeClr val="accent1">
+                <a:shade val="50000"/>
+              </a:schemeClr>
+            </a:lnRef>
+            <a:fillRef idx="1">
+              <a:schemeClr val="accent1"/>
+            </a:fillRef>
+            <a:effectRef idx="0">
+              <a:schemeClr val="accent1"/>
+            </a:effectRef>
+            <a:fontRef idx="minor">
+              <a:schemeClr val="lt1"/>
+            </a:fontRef>
+          </p:style>
+          <p:txBody>
+            <a:bodyPr rtlCol="0" anchor="ctr"/>
+            <a:lstStyle/>
+            <a:p>
+              <a:pPr algn="ctr"/>
+              <a:endParaRPr lang="ko-KR" altLang="en-US"/>
+            </a:p>
+          </p:txBody>
+        </p:sp>
+        <p:cxnSp>
+          <p:nvCxnSpPr>
+            <p:cNvPr id="33" name="꺾인 연결선 32"/>
+            <p:cNvCxnSpPr>
+              <a:endCxn id="44" idx="3"/>
+            </p:cNvCxnSpPr>
+            <p:nvPr/>
+          </p:nvCxnSpPr>
+          <p:spPr>
+            <a:xfrm rot="10800000">
+              <a:off x="3462228" y="1400900"/>
+              <a:ext cx="955836" cy="522777"/>
+            </a:xfrm>
+            <a:prstGeom prst="bentConnector3">
+              <a:avLst>
+                <a:gd name="adj1" fmla="val 50000"/>
+              </a:avLst>
+            </a:prstGeom>
+            <a:ln w="12700">
+              <a:solidFill>
+                <a:srgbClr val="C00000"/>
+              </a:solidFill>
+              <a:tailEnd type="triangle"/>
+            </a:ln>
+          </p:spPr>
+          <p:style>
+            <a:lnRef idx="1">
+              <a:schemeClr val="accent1"/>
+            </a:lnRef>
+            <a:fillRef idx="0">
+              <a:schemeClr val="accent1"/>
+            </a:fillRef>
+            <a:effectRef idx="0">
+              <a:schemeClr val="accent1"/>
+            </a:effectRef>
+            <a:fontRef idx="minor">
+              <a:schemeClr val="tx1"/>
+            </a:fontRef>
+          </p:style>
+        </p:cxnSp>
+      </p:grpSp>
+      <p:pic>
+        <p:nvPicPr>
+          <p:cNvPr id="44" name="그림 43"/>
+          <p:cNvPicPr>
+            <a:picLocks noChangeAspect="1"/>
+          </p:cNvPicPr>
+          <p:nvPr/>
+        </p:nvPicPr>
+        <p:blipFill>
+          <a:blip r:embed="rId5"/>
+          <a:stretch>
+            <a:fillRect/>
+          </a:stretch>
+        </p:blipFill>
+        <p:spPr>
+          <a:xfrm>
+            <a:off x="1475656" y="1107435"/>
+            <a:ext cx="2929719" cy="588770"/>
+          </a:xfrm>
+          <a:prstGeom prst="rect">
+            <a:avLst/>
+          </a:prstGeom>
+        </p:spPr>
+      </p:pic>
+      <p:sp>
+        <p:nvSpPr>
+          <p:cNvPr id="43" name="TextBox 42"/>
+          <p:cNvSpPr txBox="1"/>
+          <p:nvPr/>
+        </p:nvSpPr>
+        <p:spPr>
+          <a:xfrm>
+            <a:off x="3419872" y="3579862"/>
+            <a:ext cx="5040560" cy="1046440"/>
+          </a:xfrm>
+          <a:prstGeom prst="rect">
+            <a:avLst/>
+          </a:prstGeom>
+          <a:noFill/>
+        </p:spPr>
+        <p:txBody>
+          <a:bodyPr wrap="square" rtlCol="0">
+            <a:spAutoFit/>
+          </a:bodyPr>
+          <a:lstStyle/>
+          <a:p>
+            <a:pPr marL="285750" indent="-285750">
+              <a:buFont typeface="Arial" panose="020B0604020202020204" pitchFamily="34" charset="0"/>
+              <a:buChar char="•"/>
+            </a:pPr>
+            <a:r>
+              <a:rPr lang="en-US" altLang="ko-KR" sz="1200" dirty="0" err="1">
+                <a:solidFill>
+                  <a:schemeClr val="bg2">
+                    <a:lumMod val="25000"/>
+                  </a:schemeClr>
+                </a:solidFill>
+                <a:latin typeface="한수원 한돋움" panose="020B0600000101010101" pitchFamily="50" charset="-127"/>
+                <a:ea typeface="한수원 한돋움" panose="020B0600000101010101" pitchFamily="50" charset="-127"/>
+              </a:rPr>
+              <a:t>XElement</a:t>
+            </a:r>
+            <a:r>
+              <a:rPr lang="ko-KR" altLang="en-US" sz="1200" dirty="0">
+                <a:solidFill>
+                  <a:schemeClr val="bg2">
+                    <a:lumMod val="25000"/>
+                  </a:schemeClr>
+                </a:solidFill>
+                <a:latin typeface="한수원 한돋움" panose="020B0600000101010101" pitchFamily="50" charset="-127"/>
+                <a:ea typeface="한수원 한돋움" panose="020B0600000101010101" pitchFamily="50" charset="-127"/>
+              </a:rPr>
+              <a:t>를 이용해 </a:t>
+            </a:r>
+            <a:r>
+              <a:rPr lang="en-US" altLang="ko-KR" sz="1200" dirty="0" smtClean="0">
+                <a:solidFill>
+                  <a:schemeClr val="bg2">
+                    <a:lumMod val="25000"/>
+                  </a:schemeClr>
+                </a:solidFill>
+                <a:latin typeface="한수원 한돋움" panose="020B0600000101010101" pitchFamily="50" charset="-127"/>
+                <a:ea typeface="한수원 한돋움" panose="020B0600000101010101" pitchFamily="50" charset="-127"/>
+              </a:rPr>
+              <a:t>XML</a:t>
+            </a:r>
+            <a:r>
+              <a:rPr lang="ko-KR" altLang="en-US" sz="1200" dirty="0" smtClean="0">
+                <a:solidFill>
+                  <a:schemeClr val="bg2">
+                    <a:lumMod val="25000"/>
+                  </a:schemeClr>
+                </a:solidFill>
+                <a:latin typeface="한수원 한돋움" panose="020B0600000101010101" pitchFamily="50" charset="-127"/>
+                <a:ea typeface="한수원 한돋움" panose="020B0600000101010101" pitchFamily="50" charset="-127"/>
+              </a:rPr>
+              <a:t>파일에 저장된 정보</a:t>
+            </a:r>
+            <a:r>
+              <a:rPr lang="en-US" altLang="ko-KR" sz="1200" dirty="0" smtClean="0">
+                <a:solidFill>
+                  <a:schemeClr val="bg2">
+                    <a:lumMod val="25000"/>
+                  </a:schemeClr>
+                </a:solidFill>
+                <a:latin typeface="한수원 한돋움" panose="020B0600000101010101" pitchFamily="50" charset="-127"/>
+                <a:ea typeface="한수원 한돋움" panose="020B0600000101010101" pitchFamily="50" charset="-127"/>
+              </a:rPr>
+              <a:t>(Comps List)</a:t>
+            </a:r>
+            <a:r>
+              <a:rPr lang="ko-KR" altLang="en-US" sz="1200" dirty="0" smtClean="0">
+                <a:solidFill>
+                  <a:schemeClr val="bg2">
+                    <a:lumMod val="25000"/>
+                  </a:schemeClr>
+                </a:solidFill>
+                <a:latin typeface="한수원 한돋움" panose="020B0600000101010101" pitchFamily="50" charset="-127"/>
+                <a:ea typeface="한수원 한돋움" panose="020B0600000101010101" pitchFamily="50" charset="-127"/>
+              </a:rPr>
+              <a:t>를 </a:t>
+            </a:r>
+            <a:r>
+              <a:rPr lang="en-US" altLang="ko-KR" sz="1200" dirty="0" err="1" smtClean="0">
+                <a:solidFill>
+                  <a:schemeClr val="bg2">
+                    <a:lumMod val="25000"/>
+                  </a:schemeClr>
+                </a:solidFill>
+                <a:latin typeface="한수원 한돋움" panose="020B0600000101010101" pitchFamily="50" charset="-127"/>
+                <a:ea typeface="한수원 한돋움" panose="020B0600000101010101" pitchFamily="50" charset="-127"/>
+              </a:rPr>
+              <a:t>GridView</a:t>
+            </a:r>
+            <a:r>
+              <a:rPr lang="ko-KR" altLang="en-US" sz="1200" dirty="0" smtClean="0">
+                <a:solidFill>
+                  <a:schemeClr val="bg2">
+                    <a:lumMod val="25000"/>
+                  </a:schemeClr>
+                </a:solidFill>
+                <a:latin typeface="한수원 한돋움" panose="020B0600000101010101" pitchFamily="50" charset="-127"/>
+                <a:ea typeface="한수원 한돋움" panose="020B0600000101010101" pitchFamily="50" charset="-127"/>
+              </a:rPr>
+              <a:t>에 출력</a:t>
+            </a:r>
+            <a:endParaRPr lang="en-US" altLang="ko-KR" sz="1200" dirty="0" smtClean="0">
+              <a:solidFill>
+                <a:schemeClr val="bg2">
+                  <a:lumMod val="25000"/>
+                </a:schemeClr>
+              </a:solidFill>
+              <a:latin typeface="한수원 한돋움" panose="020B0600000101010101" pitchFamily="50" charset="-127"/>
+              <a:ea typeface="한수원 한돋움" panose="020B0600000101010101" pitchFamily="50" charset="-127"/>
+            </a:endParaRPr>
+          </a:p>
+          <a:p>
+            <a:endParaRPr lang="en-US" altLang="ko-KR" sz="1400" dirty="0" smtClean="0">
+              <a:solidFill>
+                <a:schemeClr val="bg2">
+                  <a:lumMod val="25000"/>
+                </a:schemeClr>
+              </a:solidFill>
+              <a:latin typeface="한수원 한돋움" panose="020B0600000101010101" pitchFamily="50" charset="-127"/>
+              <a:ea typeface="한수원 한돋움" panose="020B0600000101010101" pitchFamily="50" charset="-127"/>
+            </a:endParaRPr>
+          </a:p>
+          <a:p>
+            <a:pPr marL="285750" indent="-285750">
+              <a:buFont typeface="Arial" panose="020B0604020202020204" pitchFamily="34" charset="0"/>
+              <a:buChar char="•"/>
+            </a:pPr>
+            <a:r>
+              <a:rPr lang="ko-KR" altLang="en-US" sz="1200" dirty="0">
+                <a:solidFill>
+                  <a:schemeClr val="bg2">
+                    <a:lumMod val="25000"/>
+                  </a:schemeClr>
+                </a:solidFill>
+                <a:latin typeface="한수원 한돋움" panose="020B0600000101010101" pitchFamily="50" charset="-127"/>
+                <a:ea typeface="한수원 한돋움" panose="020B0600000101010101" pitchFamily="50" charset="-127"/>
+              </a:rPr>
+              <a:t>만약 불러올 정보가 </a:t>
+            </a:r>
+            <a:r>
+              <a:rPr lang="ko-KR" altLang="en-US" sz="1200" dirty="0" smtClean="0">
+                <a:solidFill>
+                  <a:schemeClr val="bg2">
+                    <a:lumMod val="25000"/>
+                  </a:schemeClr>
+                </a:solidFill>
+                <a:latin typeface="한수원 한돋움" panose="020B0600000101010101" pitchFamily="50" charset="-127"/>
+                <a:ea typeface="한수원 한돋움" panose="020B0600000101010101" pitchFamily="50" charset="-127"/>
+              </a:rPr>
+              <a:t>없다면</a:t>
+            </a:r>
+            <a:r>
+              <a:rPr lang="en-US" altLang="ko-KR" sz="1200" dirty="0" smtClean="0">
+                <a:solidFill>
+                  <a:schemeClr val="bg2">
+                    <a:lumMod val="25000"/>
+                  </a:schemeClr>
+                </a:solidFill>
+                <a:latin typeface="한수원 한돋움" panose="020B0600000101010101" pitchFamily="50" charset="-127"/>
+                <a:ea typeface="한수원 한돋움" panose="020B0600000101010101" pitchFamily="50" charset="-127"/>
+              </a:rPr>
+              <a:t> </a:t>
+            </a:r>
+            <a:r>
+              <a:rPr lang="ko-KR" altLang="en-US" sz="1200" dirty="0" smtClean="0">
+                <a:solidFill>
+                  <a:schemeClr val="bg2">
+                    <a:lumMod val="25000"/>
+                  </a:schemeClr>
+                </a:solidFill>
+                <a:latin typeface="한수원 한돋움" panose="020B0600000101010101" pitchFamily="50" charset="-127"/>
+                <a:ea typeface="한수원 한돋움" panose="020B0600000101010101" pitchFamily="50" charset="-127"/>
+              </a:rPr>
+              <a:t>오류 </a:t>
+            </a:r>
+            <a:r>
+              <a:rPr lang="ko-KR" altLang="en-US" sz="1200" dirty="0" err="1" smtClean="0">
+                <a:solidFill>
+                  <a:schemeClr val="bg2">
+                    <a:lumMod val="25000"/>
+                  </a:schemeClr>
+                </a:solidFill>
+                <a:latin typeface="한수원 한돋움" panose="020B0600000101010101" pitchFamily="50" charset="-127"/>
+                <a:ea typeface="한수원 한돋움" panose="020B0600000101010101" pitchFamily="50" charset="-127"/>
+              </a:rPr>
+              <a:t>메세지</a:t>
+            </a:r>
+            <a:r>
+              <a:rPr lang="ko-KR" altLang="en-US" sz="1200" dirty="0" smtClean="0">
+                <a:solidFill>
+                  <a:schemeClr val="bg2">
+                    <a:lumMod val="25000"/>
+                  </a:schemeClr>
+                </a:solidFill>
+                <a:latin typeface="한수원 한돋움" panose="020B0600000101010101" pitchFamily="50" charset="-127"/>
+                <a:ea typeface="한수원 한돋움" panose="020B0600000101010101" pitchFamily="50" charset="-127"/>
+              </a:rPr>
+              <a:t> 출력 후</a:t>
+            </a:r>
+            <a:r>
+              <a:rPr lang="en-US" altLang="ko-KR" sz="1200" dirty="0" smtClean="0">
+                <a:solidFill>
+                  <a:schemeClr val="bg2">
+                    <a:lumMod val="25000"/>
+                  </a:schemeClr>
+                </a:solidFill>
+                <a:latin typeface="한수원 한돋움" panose="020B0600000101010101" pitchFamily="50" charset="-127"/>
+                <a:ea typeface="한수원 한돋움" panose="020B0600000101010101" pitchFamily="50" charset="-127"/>
+              </a:rPr>
+              <a:t>, </a:t>
+            </a:r>
+            <a:r>
+              <a:rPr lang="ko-KR" altLang="en-US" sz="1200" dirty="0" smtClean="0">
+                <a:solidFill>
+                  <a:schemeClr val="bg2">
+                    <a:lumMod val="25000"/>
+                  </a:schemeClr>
+                </a:solidFill>
+                <a:latin typeface="한수원 한돋움" panose="020B0600000101010101" pitchFamily="50" charset="-127"/>
+                <a:ea typeface="한수원 한돋움" panose="020B0600000101010101" pitchFamily="50" charset="-127"/>
+              </a:rPr>
+              <a:t>새롭게 </a:t>
+            </a:r>
+            <a:r>
+              <a:rPr lang="en-US" altLang="ko-KR" sz="1200" dirty="0">
+                <a:solidFill>
+                  <a:schemeClr val="bg2">
+                    <a:lumMod val="25000"/>
+                  </a:schemeClr>
+                </a:solidFill>
+                <a:latin typeface="한수원 한돋움" panose="020B0600000101010101" pitchFamily="50" charset="-127"/>
+                <a:ea typeface="한수원 한돋움" panose="020B0600000101010101" pitchFamily="50" charset="-127"/>
+              </a:rPr>
+              <a:t>XML</a:t>
+            </a:r>
+            <a:r>
+              <a:rPr lang="ko-KR" altLang="en-US" sz="1200" dirty="0">
+                <a:solidFill>
+                  <a:schemeClr val="bg2">
+                    <a:lumMod val="25000"/>
+                  </a:schemeClr>
+                </a:solidFill>
+                <a:latin typeface="한수원 한돋움" panose="020B0600000101010101" pitchFamily="50" charset="-127"/>
+                <a:ea typeface="한수원 한돋움" panose="020B0600000101010101" pitchFamily="50" charset="-127"/>
+              </a:rPr>
+              <a:t>파일을 생성해서 불러옴</a:t>
+            </a:r>
+            <a:endParaRPr lang="en-US" altLang="ko-KR" sz="1200" dirty="0">
+              <a:solidFill>
+                <a:schemeClr val="bg2">
+                  <a:lumMod val="25000"/>
+                </a:schemeClr>
+              </a:solidFill>
+              <a:latin typeface="한수원 한돋움" panose="020B0600000101010101" pitchFamily="50" charset="-127"/>
+              <a:ea typeface="한수원 한돋움" panose="020B0600000101010101" pitchFamily="50" charset="-127"/>
+            </a:endParaRPr>
+          </a:p>
+        </p:txBody>
+      </p:sp>
     </p:spTree>
     <p:extLst>
       <p:ext uri="{BB962C8B-B14F-4D97-AF65-F5344CB8AC3E}">
-        <p14:creationId xmlns:p14="http://schemas.microsoft.com/office/powerpoint/2010/main" val="3618188776"/>
+        <p14:creationId xmlns:p14="http://schemas.microsoft.com/office/powerpoint/2010/main" val="349472095"/>
       </p:ext>
     </p:extLst>
   </p:cSld>
   <p:clrMapOvr>
-    <a:masterClrMapping/>
+    <a:overrideClrMapping bg1="lt1" tx1="dk1" bg2="lt2" tx2="dk2" accent1="accent1" accent2="accent2" accent3="accent3" accent4="accent4" accent5="accent5" accent6="accent6" hlink="hlink" folHlink="folHlink"/>
   </p:clrMapOvr>
+  <p:timing>
+    <p:tnLst>
+      <p:par>
+        <p:cTn id="1" dur="indefinite" restart="never" nodeType="tmRoot"/>
+      </p:par>
+    </p:tnLst>
+  </p:timing>
 </p:sld>
 </file>
 
@@ -6758,22 +11412,432 @@
           <a:chExt cx="0" cy="0"/>
         </a:xfrm>
       </p:grpSpPr>
+      <p:pic>
+        <p:nvPicPr>
+          <p:cNvPr id="4" name="그림 3"/>
+          <p:cNvPicPr>
+            <a:picLocks noChangeAspect="1"/>
+          </p:cNvPicPr>
+          <p:nvPr/>
+        </p:nvPicPr>
+        <p:blipFill>
+          <a:blip r:embed="rId2"/>
+          <a:stretch>
+            <a:fillRect/>
+          </a:stretch>
+        </p:blipFill>
+        <p:spPr>
+          <a:xfrm>
+            <a:off x="539552" y="1563638"/>
+            <a:ext cx="3600400" cy="2510805"/>
+          </a:xfrm>
+          <a:prstGeom prst="rect">
+            <a:avLst/>
+          </a:prstGeom>
+        </p:spPr>
+      </p:pic>
+      <p:sp>
+        <p:nvSpPr>
+          <p:cNvPr id="5" name="TextBox 4"/>
+          <p:cNvSpPr txBox="1"/>
+          <p:nvPr/>
+        </p:nvSpPr>
+        <p:spPr>
+          <a:xfrm>
+            <a:off x="4211960" y="2588207"/>
+            <a:ext cx="4651136" cy="461665"/>
+          </a:xfrm>
+          <a:prstGeom prst="rect">
+            <a:avLst/>
+          </a:prstGeom>
+          <a:noFill/>
+        </p:spPr>
+        <p:txBody>
+          <a:bodyPr wrap="square" rtlCol="0">
+            <a:spAutoFit/>
+          </a:bodyPr>
+          <a:lstStyle/>
+          <a:p>
+            <a:pPr marL="285750" indent="-285750">
+              <a:buFont typeface="Arial" panose="020B0604020202020204" pitchFamily="34" charset="0"/>
+              <a:buChar char="•"/>
+            </a:pPr>
+            <a:r>
+              <a:rPr lang="en-US" altLang="ko-KR" sz="1200" dirty="0" smtClean="0">
+                <a:solidFill>
+                  <a:schemeClr val="bg2">
+                    <a:lumMod val="25000"/>
+                  </a:schemeClr>
+                </a:solidFill>
+                <a:latin typeface="한수원 한돋움" panose="020B0600000101010101" pitchFamily="50" charset="-127"/>
+                <a:ea typeface="한수원 한돋움" panose="020B0600000101010101" pitchFamily="50" charset="-127"/>
+              </a:rPr>
+              <a:t>Xml</a:t>
+            </a:r>
+            <a:r>
+              <a:rPr lang="ko-KR" altLang="en-US" sz="1200" dirty="0" smtClean="0">
+                <a:solidFill>
+                  <a:schemeClr val="bg2">
+                    <a:lumMod val="25000"/>
+                  </a:schemeClr>
+                </a:solidFill>
+                <a:latin typeface="한수원 한돋움" panose="020B0600000101010101" pitchFamily="50" charset="-127"/>
+                <a:ea typeface="한수원 한돋움" panose="020B0600000101010101" pitchFamily="50" charset="-127"/>
+              </a:rPr>
+              <a:t>파일이 디렉터리 내에 있는 경우</a:t>
+            </a:r>
+            <a:r>
+              <a:rPr lang="en-US" altLang="ko-KR" sz="1200" dirty="0" smtClean="0">
+                <a:solidFill>
+                  <a:schemeClr val="bg2">
+                    <a:lumMod val="25000"/>
+                  </a:schemeClr>
+                </a:solidFill>
+                <a:latin typeface="한수원 한돋움" panose="020B0600000101010101" pitchFamily="50" charset="-127"/>
+                <a:ea typeface="한수원 한돋움" panose="020B0600000101010101" pitchFamily="50" charset="-127"/>
+              </a:rPr>
+              <a:t>, </a:t>
+            </a:r>
+            <a:r>
+              <a:rPr lang="ko-KR" altLang="en-US" sz="1200" dirty="0" smtClean="0">
+                <a:solidFill>
+                  <a:schemeClr val="bg2">
+                    <a:lumMod val="25000"/>
+                  </a:schemeClr>
+                </a:solidFill>
+                <a:latin typeface="한수원 한돋움" panose="020B0600000101010101" pitchFamily="50" charset="-127"/>
+                <a:ea typeface="한수원 한돋움" panose="020B0600000101010101" pitchFamily="50" charset="-127"/>
+              </a:rPr>
+              <a:t>내용 수정 및 삭제 시 변경된 정보를 </a:t>
+            </a:r>
+            <a:r>
+              <a:rPr lang="en-US" altLang="ko-KR" sz="1200" dirty="0" smtClean="0">
+                <a:solidFill>
+                  <a:schemeClr val="bg2">
+                    <a:lumMod val="25000"/>
+                  </a:schemeClr>
+                </a:solidFill>
+                <a:latin typeface="한수원 한돋움" panose="020B0600000101010101" pitchFamily="50" charset="-127"/>
+                <a:ea typeface="한수원 한돋움" panose="020B0600000101010101" pitchFamily="50" charset="-127"/>
+              </a:rPr>
+              <a:t>xml </a:t>
+            </a:r>
+            <a:r>
+              <a:rPr lang="ko-KR" altLang="en-US" sz="1200" dirty="0" smtClean="0">
+                <a:solidFill>
+                  <a:schemeClr val="bg2">
+                    <a:lumMod val="25000"/>
+                  </a:schemeClr>
+                </a:solidFill>
+                <a:latin typeface="한수원 한돋움" panose="020B0600000101010101" pitchFamily="50" charset="-127"/>
+                <a:ea typeface="한수원 한돋움" panose="020B0600000101010101" pitchFamily="50" charset="-127"/>
+              </a:rPr>
+              <a:t>파일에 덮어 쓰기 함</a:t>
+            </a:r>
+            <a:endParaRPr lang="en-US" altLang="ko-KR" sz="1200" dirty="0">
+              <a:solidFill>
+                <a:schemeClr val="bg2">
+                  <a:lumMod val="25000"/>
+                </a:schemeClr>
+              </a:solidFill>
+              <a:latin typeface="한수원 한돋움" panose="020B0600000101010101" pitchFamily="50" charset="-127"/>
+              <a:ea typeface="한수원 한돋움" panose="020B0600000101010101" pitchFamily="50" charset="-127"/>
+            </a:endParaRPr>
+          </a:p>
+        </p:txBody>
+      </p:sp>
+      <p:pic>
+        <p:nvPicPr>
+          <p:cNvPr id="10" name="그림 9"/>
+          <p:cNvPicPr>
+            <a:picLocks noChangeAspect="1"/>
+          </p:cNvPicPr>
+          <p:nvPr/>
+        </p:nvPicPr>
+        <p:blipFill>
+          <a:blip r:embed="rId3" cstate="print">
+            <a:extLst>
+              <a:ext uri="{28A0092B-C50C-407E-A947-70E740481C1C}">
+                <a14:useLocalDpi xmlns:a14="http://schemas.microsoft.com/office/drawing/2010/main" val="0"/>
+              </a:ext>
+            </a:extLst>
+          </a:blip>
+          <a:stretch>
+            <a:fillRect/>
+          </a:stretch>
+        </p:blipFill>
+        <p:spPr>
+          <a:xfrm>
+            <a:off x="8172400" y="3867894"/>
+            <a:ext cx="571961" cy="963543"/>
+          </a:xfrm>
+          <a:prstGeom prst="rect">
+            <a:avLst/>
+          </a:prstGeom>
+        </p:spPr>
+      </p:pic>
     </p:spTree>
     <p:extLst>
       <p:ext uri="{BB962C8B-B14F-4D97-AF65-F5344CB8AC3E}">
-        <p14:creationId xmlns:p14="http://schemas.microsoft.com/office/powerpoint/2010/main" val="233309289"/>
+        <p14:creationId xmlns:p14="http://schemas.microsoft.com/office/powerpoint/2010/main" val="4168861847"/>
       </p:ext>
     </p:extLst>
   </p:cSld>
   <p:clrMapOvr>
     <a:masterClrMapping/>
   </p:clrMapOvr>
+  <p:timing>
+    <p:tnLst>
+      <p:par>
+        <p:cTn id="1" dur="indefinite" restart="never" nodeType="tmRoot"/>
+      </p:par>
+    </p:tnLst>
+  </p:timing>
 </p:sld>
 </file>
 
 <file path=ppt/slides/slide7.xml><?xml version="1.0" encoding="utf-8"?>
 <p:sld xmlns:a="http://schemas.openxmlformats.org/drawingml/2006/main" xmlns:r="http://schemas.openxmlformats.org/officeDocument/2006/relationships" xmlns:p="http://schemas.openxmlformats.org/presentationml/2006/main">
   <p:cSld>
+    <p:spTree>
+      <p:nvGrpSpPr>
+        <p:cNvPr id="1" name=""/>
+        <p:cNvGrpSpPr/>
+        <p:nvPr/>
+      </p:nvGrpSpPr>
+      <p:grpSpPr>
+        <a:xfrm>
+          <a:off x="0" y="0"/>
+          <a:ext cx="0" cy="0"/>
+          <a:chOff x="0" y="0"/>
+          <a:chExt cx="0" cy="0"/>
+        </a:xfrm>
+      </p:grpSpPr>
+      <p:pic>
+        <p:nvPicPr>
+          <p:cNvPr id="8" name="그림 7"/>
+          <p:cNvPicPr>
+            <a:picLocks noChangeAspect="1"/>
+          </p:cNvPicPr>
+          <p:nvPr/>
+        </p:nvPicPr>
+        <p:blipFill>
+          <a:blip r:embed="rId2"/>
+          <a:stretch>
+            <a:fillRect/>
+          </a:stretch>
+        </p:blipFill>
+        <p:spPr>
+          <a:xfrm>
+            <a:off x="482784" y="2211710"/>
+            <a:ext cx="4474461" cy="2510805"/>
+          </a:xfrm>
+          <a:prstGeom prst="rect">
+            <a:avLst/>
+          </a:prstGeom>
+        </p:spPr>
+      </p:pic>
+      <p:pic>
+        <p:nvPicPr>
+          <p:cNvPr id="15" name="그림 14"/>
+          <p:cNvPicPr>
+            <a:picLocks noChangeAspect="1"/>
+          </p:cNvPicPr>
+          <p:nvPr/>
+        </p:nvPicPr>
+        <p:blipFill>
+          <a:blip r:embed="rId3"/>
+          <a:stretch>
+            <a:fillRect/>
+          </a:stretch>
+        </p:blipFill>
+        <p:spPr>
+          <a:xfrm>
+            <a:off x="467544" y="1275606"/>
+            <a:ext cx="7009405" cy="864096"/>
+          </a:xfrm>
+          <a:prstGeom prst="rect">
+            <a:avLst/>
+          </a:prstGeom>
+        </p:spPr>
+      </p:pic>
+      <p:sp>
+        <p:nvSpPr>
+          <p:cNvPr id="16" name="TextBox 15"/>
+          <p:cNvSpPr txBox="1"/>
+          <p:nvPr/>
+        </p:nvSpPr>
+        <p:spPr>
+          <a:xfrm>
+            <a:off x="4957969" y="3236279"/>
+            <a:ext cx="4104456" cy="461665"/>
+          </a:xfrm>
+          <a:prstGeom prst="rect">
+            <a:avLst/>
+          </a:prstGeom>
+          <a:noFill/>
+        </p:spPr>
+        <p:txBody>
+          <a:bodyPr wrap="square" rtlCol="0">
+            <a:spAutoFit/>
+          </a:bodyPr>
+          <a:lstStyle/>
+          <a:p>
+            <a:pPr marL="285750" indent="-285750">
+              <a:buFont typeface="Arial" panose="020B0604020202020204" pitchFamily="34" charset="0"/>
+              <a:buChar char="•"/>
+            </a:pPr>
+            <a:r>
+              <a:rPr lang="en-US" altLang="ko-KR" sz="1200" dirty="0" smtClean="0">
+                <a:solidFill>
+                  <a:schemeClr val="bg2">
+                    <a:lumMod val="25000"/>
+                  </a:schemeClr>
+                </a:solidFill>
+                <a:latin typeface="한수원 한돋움" panose="020B0600000101010101" pitchFamily="50" charset="-127"/>
+                <a:ea typeface="한수원 한돋움" panose="020B0600000101010101" pitchFamily="50" charset="-127"/>
+              </a:rPr>
+              <a:t>Xml </a:t>
+            </a:r>
+            <a:r>
+              <a:rPr lang="ko-KR" altLang="en-US" sz="1200" dirty="0" smtClean="0">
+                <a:solidFill>
+                  <a:schemeClr val="bg2">
+                    <a:lumMod val="25000"/>
+                  </a:schemeClr>
+                </a:solidFill>
+                <a:latin typeface="한수원 한돋움" panose="020B0600000101010101" pitchFamily="50" charset="-127"/>
+                <a:ea typeface="한수원 한돋움" panose="020B0600000101010101" pitchFamily="50" charset="-127"/>
+              </a:rPr>
+              <a:t>파일이 없는 경우 </a:t>
+            </a:r>
+            <a:r>
+              <a:rPr lang="en-US" altLang="ko-KR" sz="1200" dirty="0" err="1" smtClean="0">
+                <a:solidFill>
+                  <a:schemeClr val="bg2">
+                    <a:lumMod val="25000"/>
+                  </a:schemeClr>
+                </a:solidFill>
+                <a:latin typeface="한수원 한돋움" panose="020B0600000101010101" pitchFamily="50" charset="-127"/>
+                <a:ea typeface="한수원 한돋움" panose="020B0600000101010101" pitchFamily="50" charset="-127"/>
+              </a:rPr>
+              <a:t>getElement</a:t>
+            </a:r>
+            <a:r>
+              <a:rPr lang="en-US" altLang="ko-KR" sz="1200" dirty="0" smtClean="0">
+                <a:solidFill>
+                  <a:schemeClr val="bg2">
+                    <a:lumMod val="25000"/>
+                  </a:schemeClr>
+                </a:solidFill>
+                <a:latin typeface="한수원 한돋움" panose="020B0600000101010101" pitchFamily="50" charset="-127"/>
+                <a:ea typeface="한수원 한돋움" panose="020B0600000101010101" pitchFamily="50" charset="-127"/>
+              </a:rPr>
+              <a:t>() </a:t>
+            </a:r>
+            <a:r>
+              <a:rPr lang="ko-KR" altLang="en-US" sz="1200" dirty="0" smtClean="0">
+                <a:solidFill>
+                  <a:schemeClr val="bg2">
+                    <a:lumMod val="25000"/>
+                  </a:schemeClr>
+                </a:solidFill>
+                <a:latin typeface="한수원 한돋움" panose="020B0600000101010101" pitchFamily="50" charset="-127"/>
+                <a:ea typeface="한수원 한돋움" panose="020B0600000101010101" pitchFamily="50" charset="-127"/>
+              </a:rPr>
+              <a:t>메서드를 통해 </a:t>
+            </a:r>
+            <a:r>
+              <a:rPr lang="en-US" altLang="ko-KR" sz="1200" dirty="0" smtClean="0">
+                <a:solidFill>
+                  <a:schemeClr val="bg2">
+                    <a:lumMod val="25000"/>
+                  </a:schemeClr>
+                </a:solidFill>
+                <a:latin typeface="한수원 한돋움" panose="020B0600000101010101" pitchFamily="50" charset="-127"/>
+                <a:ea typeface="한수원 한돋움" panose="020B0600000101010101" pitchFamily="50" charset="-127"/>
+              </a:rPr>
+              <a:t>API </a:t>
+            </a:r>
+            <a:r>
+              <a:rPr lang="ko-KR" altLang="en-US" sz="1200" dirty="0" smtClean="0">
+                <a:solidFill>
+                  <a:schemeClr val="bg2">
+                    <a:lumMod val="25000"/>
+                  </a:schemeClr>
+                </a:solidFill>
+                <a:latin typeface="한수원 한돋움" panose="020B0600000101010101" pitchFamily="50" charset="-127"/>
+                <a:ea typeface="한수원 한돋움" panose="020B0600000101010101" pitchFamily="50" charset="-127"/>
+              </a:rPr>
+              <a:t>정보를 받아와서 신규 </a:t>
+            </a:r>
+            <a:r>
+              <a:rPr lang="en-US" altLang="ko-KR" sz="1200" dirty="0" smtClean="0">
+                <a:solidFill>
+                  <a:schemeClr val="bg2">
+                    <a:lumMod val="25000"/>
+                  </a:schemeClr>
+                </a:solidFill>
+                <a:latin typeface="한수원 한돋움" panose="020B0600000101010101" pitchFamily="50" charset="-127"/>
+                <a:ea typeface="한수원 한돋움" panose="020B0600000101010101" pitchFamily="50" charset="-127"/>
+              </a:rPr>
+              <a:t>xml</a:t>
+            </a:r>
+            <a:r>
+              <a:rPr lang="ko-KR" altLang="en-US" sz="1200" dirty="0" smtClean="0">
+                <a:solidFill>
+                  <a:schemeClr val="bg2">
+                    <a:lumMod val="25000"/>
+                  </a:schemeClr>
+                </a:solidFill>
+                <a:latin typeface="한수원 한돋움" panose="020B0600000101010101" pitchFamily="50" charset="-127"/>
+                <a:ea typeface="한수원 한돋움" panose="020B0600000101010101" pitchFamily="50" charset="-127"/>
+              </a:rPr>
+              <a:t>파일 생성</a:t>
+            </a:r>
+            <a:endParaRPr lang="en-US" altLang="ko-KR" sz="1200" dirty="0">
+              <a:solidFill>
+                <a:schemeClr val="bg2">
+                  <a:lumMod val="25000"/>
+                </a:schemeClr>
+              </a:solidFill>
+              <a:latin typeface="한수원 한돋움" panose="020B0600000101010101" pitchFamily="50" charset="-127"/>
+              <a:ea typeface="한수원 한돋움" panose="020B0600000101010101" pitchFamily="50" charset="-127"/>
+            </a:endParaRPr>
+          </a:p>
+        </p:txBody>
+      </p:sp>
+    </p:spTree>
+    <p:extLst>
+      <p:ext uri="{BB962C8B-B14F-4D97-AF65-F5344CB8AC3E}">
+        <p14:creationId xmlns:p14="http://schemas.microsoft.com/office/powerpoint/2010/main" val="3733069419"/>
+      </p:ext>
+    </p:extLst>
+  </p:cSld>
+  <p:clrMapOvr>
+    <a:masterClrMapping/>
+  </p:clrMapOvr>
+  <p:timing>
+    <p:tnLst>
+      <p:par>
+        <p:cTn id="1" dur="indefinite" restart="never" nodeType="tmRoot"/>
+      </p:par>
+    </p:tnLst>
+  </p:timing>
+</p:sld>
+</file>
+
+<file path=ppt/slides/slide8.xml><?xml version="1.0" encoding="utf-8"?>
+<p:sld xmlns:a="http://schemas.openxmlformats.org/drawingml/2006/main" xmlns:r="http://schemas.openxmlformats.org/officeDocument/2006/relationships" xmlns:p="http://schemas.openxmlformats.org/presentationml/2006/main">
+  <p:cSld>
+    <p:bg>
+      <p:bgPr>
+        <a:solidFill>
+          <a:srgbClr val="FAFAFA"/>
+        </a:solidFill>
+        <a:effectLst/>
+      </p:bgPr>
+    </p:bg>
     <p:spTree>
       <p:nvGrpSpPr>
         <p:cNvPr id="1" name=""/>
@@ -6797,7 +11861,7 @@
           <p:nvPr/>
         </p:nvPicPr>
         <p:blipFill>
-          <a:blip r:embed="rId2">
+          <a:blip r:embed="rId3" cstate="print">
             <a:extLst>
               <a:ext uri="{28A0092B-C50C-407E-A947-70E740481C1C}">
                 <a14:useLocalDpi xmlns:a14="http://schemas.microsoft.com/office/drawing/2010/main" val="0"/>
@@ -6810,8 +11874,407 @@
         </p:blipFill>
         <p:spPr>
           <a:xfrm>
-            <a:off x="1475656" y="411510"/>
-            <a:ext cx="6048672" cy="4563454"/>
+            <a:off x="395536" y="1203598"/>
+            <a:ext cx="2450593" cy="1872208"/>
+          </a:xfrm>
+          <a:prstGeom prst="rect">
+            <a:avLst/>
+          </a:prstGeom>
+        </p:spPr>
+      </p:pic>
+      <p:sp>
+        <p:nvSpPr>
+          <p:cNvPr id="3" name="직사각형 2"/>
+          <p:cNvSpPr/>
+          <p:nvPr/>
+        </p:nvSpPr>
+        <p:spPr>
+          <a:xfrm flipH="1">
+            <a:off x="409261" y="2427734"/>
+            <a:ext cx="2381839" cy="648072"/>
+          </a:xfrm>
+          <a:prstGeom prst="rect">
+            <a:avLst/>
+          </a:prstGeom>
+          <a:noFill/>
+          <a:ln>
+            <a:solidFill>
+              <a:srgbClr val="C00000"/>
+            </a:solidFill>
+          </a:ln>
+        </p:spPr>
+        <p:style>
+          <a:lnRef idx="2">
+            <a:schemeClr val="accent1">
+              <a:shade val="50000"/>
+            </a:schemeClr>
+          </a:lnRef>
+          <a:fillRef idx="1">
+            <a:schemeClr val="accent1"/>
+          </a:fillRef>
+          <a:effectRef idx="0">
+            <a:schemeClr val="accent1"/>
+          </a:effectRef>
+          <a:fontRef idx="minor">
+            <a:schemeClr val="lt1"/>
+          </a:fontRef>
+        </p:style>
+        <p:txBody>
+          <a:bodyPr rtlCol="0" anchor="ctr"/>
+          <a:lstStyle/>
+          <a:p>
+            <a:pPr algn="ctr"/>
+            <a:endParaRPr lang="ko-KR" altLang="en-US"/>
+          </a:p>
+        </p:txBody>
+      </p:sp>
+      <p:cxnSp>
+        <p:nvCxnSpPr>
+          <p:cNvPr id="4" name="꺾인 연결선 3"/>
+          <p:cNvCxnSpPr/>
+          <p:nvPr/>
+        </p:nvCxnSpPr>
+        <p:spPr>
+          <a:xfrm flipV="1">
+            <a:off x="2796306" y="2182279"/>
+            <a:ext cx="593043" cy="576066"/>
+          </a:xfrm>
+          <a:prstGeom prst="bentConnector3">
+            <a:avLst>
+              <a:gd name="adj1" fmla="val 50000"/>
+            </a:avLst>
+          </a:prstGeom>
+          <a:ln w="12700">
+            <a:solidFill>
+              <a:srgbClr val="C00000"/>
+            </a:solidFill>
+            <a:tailEnd type="triangle"/>
+          </a:ln>
+        </p:spPr>
+        <p:style>
+          <a:lnRef idx="1">
+            <a:schemeClr val="accent1"/>
+          </a:lnRef>
+          <a:fillRef idx="0">
+            <a:schemeClr val="accent1"/>
+          </a:fillRef>
+          <a:effectRef idx="0">
+            <a:schemeClr val="accent1"/>
+          </a:effectRef>
+          <a:fontRef idx="minor">
+            <a:schemeClr val="tx1"/>
+          </a:fontRef>
+        </p:style>
+      </p:cxnSp>
+      <p:pic>
+        <p:nvPicPr>
+          <p:cNvPr id="10" name="그림 9"/>
+          <p:cNvPicPr>
+            <a:picLocks noChangeAspect="1"/>
+          </p:cNvPicPr>
+          <p:nvPr/>
+        </p:nvPicPr>
+        <p:blipFill>
+          <a:blip r:embed="rId4"/>
+          <a:stretch>
+            <a:fillRect/>
+          </a:stretch>
+        </p:blipFill>
+        <p:spPr>
+          <a:xfrm>
+            <a:off x="3892657" y="1131590"/>
+            <a:ext cx="2974316" cy="1216348"/>
+          </a:xfrm>
+          <a:prstGeom prst="rect">
+            <a:avLst/>
+          </a:prstGeom>
+        </p:spPr>
+      </p:pic>
+      <p:pic>
+        <p:nvPicPr>
+          <p:cNvPr id="13" name="그림 12"/>
+          <p:cNvPicPr>
+            <a:picLocks noChangeAspect="1"/>
+          </p:cNvPicPr>
+          <p:nvPr/>
+        </p:nvPicPr>
+        <p:blipFill>
+          <a:blip r:embed="rId5"/>
+          <a:stretch>
+            <a:fillRect/>
+          </a:stretch>
+        </p:blipFill>
+        <p:spPr>
+          <a:xfrm>
+            <a:off x="5652120" y="1583750"/>
+            <a:ext cx="3168352" cy="1123530"/>
+          </a:xfrm>
+          <a:prstGeom prst="rect">
+            <a:avLst/>
+          </a:prstGeom>
+        </p:spPr>
+      </p:pic>
+      <p:pic>
+        <p:nvPicPr>
+          <p:cNvPr id="15" name="그림 14"/>
+          <p:cNvPicPr>
+            <a:picLocks noChangeAspect="1"/>
+          </p:cNvPicPr>
+          <p:nvPr/>
+        </p:nvPicPr>
+        <p:blipFill>
+          <a:blip r:embed="rId6"/>
+          <a:stretch>
+            <a:fillRect/>
+          </a:stretch>
+        </p:blipFill>
+        <p:spPr>
+          <a:xfrm>
+            <a:off x="3892657" y="3792411"/>
+            <a:ext cx="3098938" cy="727030"/>
+          </a:xfrm>
+          <a:prstGeom prst="rect">
+            <a:avLst/>
+          </a:prstGeom>
+        </p:spPr>
+      </p:pic>
+      <p:sp>
+        <p:nvSpPr>
+          <p:cNvPr id="16" name="TextBox 15"/>
+          <p:cNvSpPr txBox="1"/>
+          <p:nvPr/>
+        </p:nvSpPr>
+        <p:spPr>
+          <a:xfrm>
+            <a:off x="148240" y="3363838"/>
+            <a:ext cx="3744417" cy="1184940"/>
+          </a:xfrm>
+          <a:prstGeom prst="rect">
+            <a:avLst/>
+          </a:prstGeom>
+          <a:noFill/>
+        </p:spPr>
+        <p:txBody>
+          <a:bodyPr wrap="square" rtlCol="0">
+            <a:spAutoFit/>
+          </a:bodyPr>
+          <a:lstStyle/>
+          <a:p>
+            <a:pPr marL="285750" indent="-285750">
+              <a:buFont typeface="Arial" panose="020B0604020202020204" pitchFamily="34" charset="0"/>
+              <a:buChar char="•"/>
+            </a:pPr>
+            <a:r>
+              <a:rPr lang="en-US" altLang="ko-KR" sz="1200" dirty="0" err="1" smtClean="0">
+                <a:solidFill>
+                  <a:schemeClr val="bg2">
+                    <a:lumMod val="25000"/>
+                  </a:schemeClr>
+                </a:solidFill>
+                <a:latin typeface="한수원 한돋움" panose="020B0600000101010101" pitchFamily="50" charset="-127"/>
+                <a:ea typeface="한수원 한돋움" panose="020B0600000101010101" pitchFamily="50" charset="-127"/>
+              </a:rPr>
+              <a:t>DataBoundItem</a:t>
+            </a:r>
+            <a:r>
+              <a:rPr lang="ko-KR" altLang="en-US" sz="1200" dirty="0" smtClean="0">
+                <a:solidFill>
+                  <a:schemeClr val="bg2">
+                    <a:lumMod val="25000"/>
+                  </a:schemeClr>
+                </a:solidFill>
+                <a:latin typeface="한수원 한돋움" panose="020B0600000101010101" pitchFamily="50" charset="-127"/>
+                <a:ea typeface="한수원 한돋움" panose="020B0600000101010101" pitchFamily="50" charset="-127"/>
+              </a:rPr>
+              <a:t>을 사용해서 원하는 정보를 클릭하면</a:t>
+            </a:r>
+            <a:r>
+              <a:rPr lang="en-US" altLang="ko-KR" sz="1200" dirty="0">
+                <a:solidFill>
+                  <a:schemeClr val="bg2">
+                    <a:lumMod val="25000"/>
+                  </a:schemeClr>
+                </a:solidFill>
+                <a:latin typeface="한수원 한돋움" panose="020B0600000101010101" pitchFamily="50" charset="-127"/>
+                <a:ea typeface="한수원 한돋움" panose="020B0600000101010101" pitchFamily="50" charset="-127"/>
+              </a:rPr>
+              <a:t> </a:t>
+            </a:r>
+            <a:r>
+              <a:rPr lang="ko-KR" altLang="en-US" sz="1200" dirty="0" smtClean="0">
+                <a:solidFill>
+                  <a:schemeClr val="bg2">
+                    <a:lumMod val="25000"/>
+                  </a:schemeClr>
+                </a:solidFill>
+                <a:latin typeface="한수원 한돋움" panose="020B0600000101010101" pitchFamily="50" charset="-127"/>
+                <a:ea typeface="한수원 한돋움" panose="020B0600000101010101" pitchFamily="50" charset="-127"/>
+              </a:rPr>
+              <a:t>자동으로 해당 탭에 저장된 정보를 불러옴</a:t>
+            </a:r>
+            <a:endParaRPr lang="en-US" altLang="ko-KR" sz="1200" dirty="0" smtClean="0">
+              <a:solidFill>
+                <a:schemeClr val="bg2">
+                  <a:lumMod val="25000"/>
+                </a:schemeClr>
+              </a:solidFill>
+              <a:latin typeface="한수원 한돋움" panose="020B0600000101010101" pitchFamily="50" charset="-127"/>
+              <a:ea typeface="한수원 한돋움" panose="020B0600000101010101" pitchFamily="50" charset="-127"/>
+            </a:endParaRPr>
+          </a:p>
+          <a:p>
+            <a:endParaRPr lang="en-US" altLang="ko-KR" sz="1200" dirty="0" smtClean="0">
+              <a:solidFill>
+                <a:schemeClr val="bg2">
+                  <a:lumMod val="25000"/>
+                </a:schemeClr>
+              </a:solidFill>
+              <a:latin typeface="한수원 한돋움" panose="020B0600000101010101" pitchFamily="50" charset="-127"/>
+              <a:ea typeface="한수원 한돋움" panose="020B0600000101010101" pitchFamily="50" charset="-127"/>
+            </a:endParaRPr>
+          </a:p>
+          <a:p>
+            <a:pPr marL="285750" indent="-285750">
+              <a:buFont typeface="Arial" panose="020B0604020202020204" pitchFamily="34" charset="0"/>
+              <a:buChar char="•"/>
+            </a:pPr>
+            <a:r>
+              <a:rPr lang="ko-KR" altLang="en-US" sz="1200" dirty="0" smtClean="0">
+                <a:solidFill>
+                  <a:schemeClr val="bg2">
+                    <a:lumMod val="25000"/>
+                  </a:schemeClr>
+                </a:solidFill>
+                <a:latin typeface="한수원 한돋움" panose="020B0600000101010101" pitchFamily="50" charset="-127"/>
+                <a:ea typeface="한수원 한돋움" panose="020B0600000101010101" pitchFamily="50" charset="-127"/>
+              </a:rPr>
+              <a:t>각 각의 버튼을 클릭 시 해당 기능을 수행하고</a:t>
+            </a:r>
+            <a:r>
+              <a:rPr lang="en-US" altLang="ko-KR" sz="1200" dirty="0" smtClean="0">
+                <a:solidFill>
+                  <a:schemeClr val="bg2">
+                    <a:lumMod val="25000"/>
+                  </a:schemeClr>
+                </a:solidFill>
+                <a:latin typeface="한수원 한돋움" panose="020B0600000101010101" pitchFamily="50" charset="-127"/>
+                <a:ea typeface="한수원 한돋움" panose="020B0600000101010101" pitchFamily="50" charset="-127"/>
+              </a:rPr>
+              <a:t>, </a:t>
+            </a:r>
+            <a:r>
+              <a:rPr lang="ko-KR" altLang="en-US" sz="1200" dirty="0" smtClean="0">
+                <a:solidFill>
+                  <a:schemeClr val="bg2">
+                    <a:lumMod val="25000"/>
+                  </a:schemeClr>
+                </a:solidFill>
+                <a:latin typeface="한수원 한돋움" panose="020B0600000101010101" pitchFamily="50" charset="-127"/>
+                <a:ea typeface="한수원 한돋움" panose="020B0600000101010101" pitchFamily="50" charset="-127"/>
+              </a:rPr>
+              <a:t>중복 방지를 위해 </a:t>
+            </a:r>
+            <a:r>
+              <a:rPr lang="en-US" altLang="ko-KR" sz="1200" dirty="0" smtClean="0">
+                <a:solidFill>
+                  <a:schemeClr val="bg2">
+                    <a:lumMod val="25000"/>
+                  </a:schemeClr>
+                </a:solidFill>
+                <a:latin typeface="한수원 한돋움" panose="020B0600000101010101" pitchFamily="50" charset="-127"/>
+                <a:ea typeface="한수원 한돋움" panose="020B0600000101010101" pitchFamily="50" charset="-127"/>
+              </a:rPr>
+              <a:t>Reset</a:t>
+            </a:r>
+            <a:r>
+              <a:rPr lang="ko-KR" altLang="en-US" sz="1200" dirty="0">
+                <a:solidFill>
+                  <a:schemeClr val="bg2">
+                    <a:lumMod val="25000"/>
+                  </a:schemeClr>
+                </a:solidFill>
+                <a:latin typeface="한수원 한돋움" panose="020B0600000101010101" pitchFamily="50" charset="-127"/>
+                <a:ea typeface="한수원 한돋움" panose="020B0600000101010101" pitchFamily="50" charset="-127"/>
+              </a:rPr>
+              <a:t> </a:t>
+            </a:r>
+            <a:r>
+              <a:rPr lang="ko-KR" altLang="en-US" sz="1200" dirty="0" smtClean="0">
+                <a:solidFill>
+                  <a:schemeClr val="bg2">
+                    <a:lumMod val="25000"/>
+                  </a:schemeClr>
+                </a:solidFill>
+                <a:latin typeface="한수원 한돋움" panose="020B0600000101010101" pitchFamily="50" charset="-127"/>
+                <a:ea typeface="한수원 한돋움" panose="020B0600000101010101" pitchFamily="50" charset="-127"/>
+              </a:rPr>
+              <a:t>후 다시 불러옴</a:t>
+            </a:r>
+            <a:endParaRPr lang="en-US" altLang="ko-KR" sz="1200" dirty="0" smtClean="0">
+              <a:solidFill>
+                <a:schemeClr val="bg2">
+                  <a:lumMod val="25000"/>
+                </a:schemeClr>
+              </a:solidFill>
+              <a:latin typeface="한수원 한돋움" panose="020B0600000101010101" pitchFamily="50" charset="-127"/>
+              <a:ea typeface="한수원 한돋움" panose="020B0600000101010101" pitchFamily="50" charset="-127"/>
+            </a:endParaRPr>
+          </a:p>
+          <a:p>
+            <a:endParaRPr lang="ko-KR" altLang="en-US" sz="1100" dirty="0">
+              <a:solidFill>
+                <a:schemeClr val="bg2">
+                  <a:lumMod val="25000"/>
+                </a:schemeClr>
+              </a:solidFill>
+              <a:latin typeface="한수원 한돋움" panose="020B0600000101010101" pitchFamily="50" charset="-127"/>
+              <a:ea typeface="한수원 한돋움" panose="020B0600000101010101" pitchFamily="50" charset="-127"/>
+            </a:endParaRPr>
+          </a:p>
+        </p:txBody>
+      </p:sp>
+      <p:pic>
+        <p:nvPicPr>
+          <p:cNvPr id="18" name="그림 17"/>
+          <p:cNvPicPr>
+            <a:picLocks noChangeAspect="1"/>
+          </p:cNvPicPr>
+          <p:nvPr/>
+        </p:nvPicPr>
+        <p:blipFill>
+          <a:blip r:embed="rId7"/>
+          <a:stretch>
+            <a:fillRect/>
+          </a:stretch>
+        </p:blipFill>
+        <p:spPr>
+          <a:xfrm>
+            <a:off x="3892657" y="2645449"/>
+            <a:ext cx="3658683" cy="1027982"/>
+          </a:xfrm>
+          <a:prstGeom prst="rect">
+            <a:avLst/>
+          </a:prstGeom>
+        </p:spPr>
+      </p:pic>
+      <p:pic>
+        <p:nvPicPr>
+          <p:cNvPr id="19" name="그림 18"/>
+          <p:cNvPicPr>
+            <a:picLocks noChangeAspect="1"/>
+          </p:cNvPicPr>
+          <p:nvPr/>
+        </p:nvPicPr>
+        <p:blipFill>
+          <a:blip r:embed="rId8"/>
+          <a:stretch>
+            <a:fillRect/>
+          </a:stretch>
+        </p:blipFill>
+        <p:spPr>
+          <a:xfrm>
+            <a:off x="5453105" y="3189775"/>
+            <a:ext cx="3179440" cy="725041"/>
           </a:xfrm>
           <a:prstGeom prst="rect">
             <a:avLst/>
@@ -6821,19 +12284,34 @@
     </p:spTree>
     <p:extLst>
       <p:ext uri="{BB962C8B-B14F-4D97-AF65-F5344CB8AC3E}">
-        <p14:creationId xmlns:p14="http://schemas.microsoft.com/office/powerpoint/2010/main" val="3963585582"/>
+        <p14:creationId xmlns:p14="http://schemas.microsoft.com/office/powerpoint/2010/main" val="999079724"/>
       </p:ext>
     </p:extLst>
   </p:cSld>
   <p:clrMapOvr>
-    <a:masterClrMapping/>
+    <a:overrideClrMapping bg1="lt1" tx1="dk1" bg2="lt2" tx2="dk2" accent1="accent1" accent2="accent2" accent3="accent3" accent4="accent4" accent5="accent5" accent6="accent6" hlink="hlink" folHlink="folHlink"/>
   </p:clrMapOvr>
+  <p:timing>
+    <p:tnLst>
+      <p:par>
+        <p:cTn id="1" dur="indefinite" restart="never" nodeType="tmRoot"/>
+      </p:par>
+    </p:tnLst>
+  </p:timing>
 </p:sld>
 </file>
 
-<file path=ppt/slides/slide8.xml><?xml version="1.0" encoding="utf-8"?>
+<file path=ppt/slides/slide9.xml><?xml version="1.0" encoding="utf-8"?>
 <p:sld xmlns:a="http://schemas.openxmlformats.org/drawingml/2006/main" xmlns:r="http://schemas.openxmlformats.org/officeDocument/2006/relationships" xmlns:p="http://schemas.openxmlformats.org/presentationml/2006/main">
   <p:cSld>
+    <p:bg>
+      <p:bgPr>
+        <a:solidFill>
+          <a:srgbClr val="FAFAFA"/>
+        </a:solidFill>
+        <a:effectLst/>
+      </p:bgPr>
+    </p:bg>
     <p:spTree>
       <p:nvGrpSpPr>
         <p:cNvPr id="1" name=""/>
@@ -6850,14 +12328,14 @@
       </p:grpSpPr>
       <p:pic>
         <p:nvPicPr>
-          <p:cNvPr id="2" name="그림 1"/>
+          <p:cNvPr id="3" name="그림 2"/>
           <p:cNvPicPr>
             <a:picLocks noChangeAspect="1"/>
           </p:cNvPicPr>
           <p:nvPr/>
         </p:nvPicPr>
         <p:blipFill>
-          <a:blip r:embed="rId2">
+          <a:blip r:embed="rId3" cstate="print">
             <a:extLst>
               <a:ext uri="{28A0092B-C50C-407E-A947-70E740481C1C}">
                 <a14:useLocalDpi xmlns:a14="http://schemas.microsoft.com/office/drawing/2010/main" val="0"/>
@@ -6870,84 +12348,274 @@
         </p:blipFill>
         <p:spPr>
           <a:xfrm>
-            <a:off x="1187624" y="195486"/>
-            <a:ext cx="6433006" cy="4853530"/>
+            <a:off x="827584" y="1203598"/>
+            <a:ext cx="2880320" cy="2173827"/>
           </a:xfrm>
           <a:prstGeom prst="rect">
             <a:avLst/>
           </a:prstGeom>
         </p:spPr>
       </p:pic>
-    </p:spTree>
-    <p:extLst>
-      <p:ext uri="{BB962C8B-B14F-4D97-AF65-F5344CB8AC3E}">
-        <p14:creationId xmlns:p14="http://schemas.microsoft.com/office/powerpoint/2010/main" val="2978721517"/>
-      </p:ext>
-    </p:extLst>
-  </p:cSld>
-  <p:clrMapOvr>
-    <a:masterClrMapping/>
-  </p:clrMapOvr>
-</p:sld>
-</file>
-
-<file path=ppt/slides/slide9.xml><?xml version="1.0" encoding="utf-8"?>
-<p:sld xmlns:a="http://schemas.openxmlformats.org/drawingml/2006/main" xmlns:r="http://schemas.openxmlformats.org/officeDocument/2006/relationships" xmlns:p="http://schemas.openxmlformats.org/presentationml/2006/main">
-  <p:cSld>
-    <p:spTree>
-      <p:nvGrpSpPr>
-        <p:cNvPr id="1" name=""/>
-        <p:cNvGrpSpPr/>
-        <p:nvPr/>
-      </p:nvGrpSpPr>
-      <p:grpSpPr>
-        <a:xfrm>
-          <a:off x="0" y="0"/>
-          <a:ext cx="0" cy="0"/>
-          <a:chOff x="0" y="0"/>
-          <a:chExt cx="0" cy="0"/>
-        </a:xfrm>
-      </p:grpSpPr>
+      <p:sp>
+        <p:nvSpPr>
+          <p:cNvPr id="4" name="직사각형 3"/>
+          <p:cNvSpPr/>
+          <p:nvPr/>
+        </p:nvSpPr>
+        <p:spPr>
+          <a:xfrm>
+            <a:off x="2411760" y="1213622"/>
+            <a:ext cx="1296144" cy="350018"/>
+          </a:xfrm>
+          <a:prstGeom prst="rect">
+            <a:avLst/>
+          </a:prstGeom>
+          <a:noFill/>
+          <a:ln>
+            <a:solidFill>
+              <a:srgbClr val="C00000"/>
+            </a:solidFill>
+          </a:ln>
+        </p:spPr>
+        <p:style>
+          <a:lnRef idx="2">
+            <a:schemeClr val="accent1">
+              <a:shade val="50000"/>
+            </a:schemeClr>
+          </a:lnRef>
+          <a:fillRef idx="1">
+            <a:schemeClr val="accent1"/>
+          </a:fillRef>
+          <a:effectRef idx="0">
+            <a:schemeClr val="accent1"/>
+          </a:effectRef>
+          <a:fontRef idx="minor">
+            <a:schemeClr val="lt1"/>
+          </a:fontRef>
+        </p:style>
+        <p:txBody>
+          <a:bodyPr rtlCol="0" anchor="ctr"/>
+          <a:lstStyle/>
+          <a:p>
+            <a:pPr algn="ctr"/>
+            <a:endParaRPr lang="ko-KR" altLang="en-US"/>
+          </a:p>
+        </p:txBody>
+      </p:sp>
+      <p:cxnSp>
+        <p:nvCxnSpPr>
+          <p:cNvPr id="5" name="꺾인 연결선 4"/>
+          <p:cNvCxnSpPr>
+            <a:stCxn id="4" idx="3"/>
+          </p:cNvCxnSpPr>
+          <p:nvPr/>
+        </p:nvCxnSpPr>
+        <p:spPr>
+          <a:xfrm>
+            <a:off x="3707904" y="1388631"/>
+            <a:ext cx="792088" cy="175009"/>
+          </a:xfrm>
+          <a:prstGeom prst="bentConnector3">
+            <a:avLst>
+              <a:gd name="adj1" fmla="val 50000"/>
+            </a:avLst>
+          </a:prstGeom>
+          <a:ln w="12700">
+            <a:solidFill>
+              <a:srgbClr val="C00000"/>
+            </a:solidFill>
+            <a:tailEnd type="triangle"/>
+          </a:ln>
+        </p:spPr>
+        <p:style>
+          <a:lnRef idx="1">
+            <a:schemeClr val="accent1"/>
+          </a:lnRef>
+          <a:fillRef idx="0">
+            <a:schemeClr val="accent1"/>
+          </a:fillRef>
+          <a:effectRef idx="0">
+            <a:schemeClr val="accent1"/>
+          </a:effectRef>
+          <a:fontRef idx="minor">
+            <a:schemeClr val="tx1"/>
+          </a:fontRef>
+        </p:style>
+      </p:cxnSp>
       <p:pic>
         <p:nvPicPr>
-          <p:cNvPr id="2" name="그림 1"/>
+          <p:cNvPr id="9" name="그림 8"/>
           <p:cNvPicPr>
             <a:picLocks noChangeAspect="1"/>
           </p:cNvPicPr>
           <p:nvPr/>
         </p:nvPicPr>
         <p:blipFill>
-          <a:blip r:embed="rId2">
-            <a:extLst>
-              <a:ext uri="{28A0092B-C50C-407E-A947-70E740481C1C}">
-                <a14:useLocalDpi xmlns:a14="http://schemas.microsoft.com/office/drawing/2010/main" val="0"/>
-              </a:ext>
-            </a:extLst>
-          </a:blip>
+          <a:blip r:embed="rId4"/>
           <a:stretch>
             <a:fillRect/>
           </a:stretch>
         </p:blipFill>
         <p:spPr>
           <a:xfrm>
-            <a:off x="1043608" y="123478"/>
-            <a:ext cx="6480720" cy="4891109"/>
+            <a:off x="4658748" y="1059582"/>
+            <a:ext cx="3955702" cy="3384376"/>
           </a:xfrm>
           <a:prstGeom prst="rect">
             <a:avLst/>
           </a:prstGeom>
         </p:spPr>
       </p:pic>
+      <p:sp>
+        <p:nvSpPr>
+          <p:cNvPr id="10" name="TextBox 9"/>
+          <p:cNvSpPr txBox="1"/>
+          <p:nvPr/>
+        </p:nvSpPr>
+        <p:spPr>
+          <a:xfrm>
+            <a:off x="611560" y="3723878"/>
+            <a:ext cx="3744417" cy="815608"/>
+          </a:xfrm>
+          <a:prstGeom prst="rect">
+            <a:avLst/>
+          </a:prstGeom>
+          <a:noFill/>
+        </p:spPr>
+        <p:txBody>
+          <a:bodyPr wrap="square" rtlCol="0">
+            <a:spAutoFit/>
+          </a:bodyPr>
+          <a:lstStyle/>
+          <a:p>
+            <a:pPr marL="171450" indent="-171450">
+              <a:buFont typeface="Arial" panose="020B0604020202020204" pitchFamily="34" charset="0"/>
+              <a:buChar char="•"/>
+            </a:pPr>
+            <a:r>
+              <a:rPr lang="ko-KR" altLang="en-US" sz="1200" dirty="0" smtClean="0">
+                <a:solidFill>
+                  <a:schemeClr val="bg2">
+                    <a:lumMod val="25000"/>
+                  </a:schemeClr>
+                </a:solidFill>
+                <a:latin typeface="한수원 한돋움" panose="020B0600000101010101" pitchFamily="50" charset="-127"/>
+                <a:ea typeface="한수원 한돋움" panose="020B0600000101010101" pitchFamily="50" charset="-127"/>
+              </a:rPr>
+              <a:t>부분 검색이 가능하도록 </a:t>
+            </a:r>
+            <a:r>
+              <a:rPr lang="en-US" altLang="ko-KR" sz="1200" dirty="0" smtClean="0">
+                <a:solidFill>
+                  <a:schemeClr val="bg2">
+                    <a:lumMod val="25000"/>
+                  </a:schemeClr>
+                </a:solidFill>
+                <a:latin typeface="한수원 한돋움" panose="020B0600000101010101" pitchFamily="50" charset="-127"/>
+                <a:ea typeface="한수원 한돋움" panose="020B0600000101010101" pitchFamily="50" charset="-127"/>
+              </a:rPr>
+              <a:t>Contains</a:t>
+            </a:r>
+            <a:r>
+              <a:rPr lang="ko-KR" altLang="en-US" sz="1200" dirty="0" smtClean="0">
+                <a:solidFill>
+                  <a:schemeClr val="bg2">
+                    <a:lumMod val="25000"/>
+                  </a:schemeClr>
+                </a:solidFill>
+                <a:latin typeface="한수원 한돋움" panose="020B0600000101010101" pitchFamily="50" charset="-127"/>
+                <a:ea typeface="한수원 한돋움" panose="020B0600000101010101" pitchFamily="50" charset="-127"/>
+              </a:rPr>
+              <a:t>를 사용해서 작성한 </a:t>
+            </a:r>
+            <a:r>
+              <a:rPr lang="en-US" altLang="ko-KR" sz="1200" dirty="0" smtClean="0">
+                <a:solidFill>
+                  <a:schemeClr val="bg2">
+                    <a:lumMod val="25000"/>
+                  </a:schemeClr>
+                </a:solidFill>
+                <a:latin typeface="한수원 한돋움" panose="020B0600000101010101" pitchFamily="50" charset="-127"/>
+                <a:ea typeface="한수원 한돋움" panose="020B0600000101010101" pitchFamily="50" charset="-127"/>
+              </a:rPr>
+              <a:t>Text</a:t>
+            </a:r>
+            <a:r>
+              <a:rPr lang="ko-KR" altLang="en-US" sz="1200" dirty="0" smtClean="0">
+                <a:solidFill>
+                  <a:schemeClr val="bg2">
+                    <a:lumMod val="25000"/>
+                  </a:schemeClr>
+                </a:solidFill>
+                <a:latin typeface="한수원 한돋움" panose="020B0600000101010101" pitchFamily="50" charset="-127"/>
+                <a:ea typeface="한수원 한돋움" panose="020B0600000101010101" pitchFamily="50" charset="-127"/>
+              </a:rPr>
+              <a:t>를 포함한 정보만을 따로 임시 리스트에 저장해서 </a:t>
+            </a:r>
+            <a:r>
+              <a:rPr lang="en-US" altLang="ko-KR" sz="1200" dirty="0" err="1" smtClean="0">
+                <a:solidFill>
+                  <a:schemeClr val="bg2">
+                    <a:lumMod val="25000"/>
+                  </a:schemeClr>
+                </a:solidFill>
+                <a:latin typeface="한수원 한돋움" panose="020B0600000101010101" pitchFamily="50" charset="-127"/>
+                <a:ea typeface="한수원 한돋움" panose="020B0600000101010101" pitchFamily="50" charset="-127"/>
+              </a:rPr>
+              <a:t>GridView</a:t>
+            </a:r>
+            <a:r>
+              <a:rPr lang="ko-KR" altLang="en-US" sz="1200" dirty="0" smtClean="0">
+                <a:solidFill>
+                  <a:schemeClr val="bg2">
+                    <a:lumMod val="25000"/>
+                  </a:schemeClr>
+                </a:solidFill>
+                <a:latin typeface="한수원 한돋움" panose="020B0600000101010101" pitchFamily="50" charset="-127"/>
+                <a:ea typeface="한수원 한돋움" panose="020B0600000101010101" pitchFamily="50" charset="-127"/>
+              </a:rPr>
+              <a:t>에 출력</a:t>
+            </a:r>
+            <a:endParaRPr lang="en-US" altLang="ko-KR" sz="1200" dirty="0" smtClean="0">
+              <a:solidFill>
+                <a:schemeClr val="bg2">
+                  <a:lumMod val="25000"/>
+                </a:schemeClr>
+              </a:solidFill>
+              <a:latin typeface="한수원 한돋움" panose="020B0600000101010101" pitchFamily="50" charset="-127"/>
+              <a:ea typeface="한수원 한돋움" panose="020B0600000101010101" pitchFamily="50" charset="-127"/>
+            </a:endParaRPr>
+          </a:p>
+          <a:p>
+            <a:endParaRPr lang="en-US" altLang="ko-KR" sz="1100" dirty="0" smtClean="0">
+              <a:solidFill>
+                <a:schemeClr val="bg2">
+                  <a:lumMod val="25000"/>
+                </a:schemeClr>
+              </a:solidFill>
+              <a:latin typeface="한수원 한돋움" panose="020B0600000101010101" pitchFamily="50" charset="-127"/>
+              <a:ea typeface="한수원 한돋움" panose="020B0600000101010101" pitchFamily="50" charset="-127"/>
+            </a:endParaRPr>
+          </a:p>
+        </p:txBody>
+      </p:sp>
     </p:spTree>
     <p:extLst>
       <p:ext uri="{BB962C8B-B14F-4D97-AF65-F5344CB8AC3E}">
-        <p14:creationId xmlns:p14="http://schemas.microsoft.com/office/powerpoint/2010/main" val="1873796069"/>
+        <p14:creationId xmlns:p14="http://schemas.microsoft.com/office/powerpoint/2010/main" val="3791095404"/>
       </p:ext>
     </p:extLst>
   </p:cSld>
   <p:clrMapOvr>
-    <a:masterClrMapping/>
+    <a:overrideClrMapping bg1="lt1" tx1="dk1" bg2="lt2" tx2="dk2" accent1="accent1" accent2="accent2" accent3="accent3" accent4="accent4" accent5="accent5" accent6="accent6" hlink="hlink" folHlink="folHlink"/>
   </p:clrMapOvr>
+  <p:timing>
+    <p:tnLst>
+      <p:par>
+        <p:cTn id="1" dur="indefinite" restart="never" nodeType="tmRoot"/>
+      </p:par>
+    </p:tnLst>
+  </p:timing>
 </p:sld>
 </file>
 
@@ -7240,7 +12908,7 @@
   <a:extraClrSchemeLst/>
   <a:extLst>
     <a:ext uri="{05A4C25C-085E-4340-85A3-A5531E510DB2}">
-      <thm15:themeFamily xmlns:thm15="http://schemas.microsoft.com/office/thememl/2012/main" xmlns="" name="Office Theme" id="{62F939B6-93AF-4DB8-9C6B-D6C7DFDC589F}" vid="{4A3C46E8-61CC-4603-A589-7422A47A8E4A}"/>
+      <thm15:themeFamily xmlns:thm15="http://schemas.microsoft.com/office/thememl/2012/main" name="Office Theme" id="{62F939B6-93AF-4DB8-9C6B-D6C7DFDC589F}" vid="{4A3C46E8-61CC-4603-A589-7422A47A8E4A}"/>
     </a:ext>
   </a:extLst>
 </a:theme>
@@ -7859,6 +13527,49 @@
 </a:themeOverride>
 </file>
 
+<file path=ppt/theme/themeOverride10.xml><?xml version="1.0" encoding="utf-8"?>
+<a:themeOverride xmlns:a="http://schemas.openxmlformats.org/drawingml/2006/main">
+  <a:clrScheme name="Office">
+    <a:dk1>
+      <a:sysClr val="windowText" lastClr="000000"/>
+    </a:dk1>
+    <a:lt1>
+      <a:sysClr val="window" lastClr="FFFFFF"/>
+    </a:lt1>
+    <a:dk2>
+      <a:srgbClr val="44546A"/>
+    </a:dk2>
+    <a:lt2>
+      <a:srgbClr val="E7E6E6"/>
+    </a:lt2>
+    <a:accent1>
+      <a:srgbClr val="4472C4"/>
+    </a:accent1>
+    <a:accent2>
+      <a:srgbClr val="ED7D31"/>
+    </a:accent2>
+    <a:accent3>
+      <a:srgbClr val="A5A5A5"/>
+    </a:accent3>
+    <a:accent4>
+      <a:srgbClr val="FFC000"/>
+    </a:accent4>
+    <a:accent5>
+      <a:srgbClr val="5B9BD5"/>
+    </a:accent5>
+    <a:accent6>
+      <a:srgbClr val="70AD47"/>
+    </a:accent6>
+    <a:hlink>
+      <a:srgbClr val="0563C1"/>
+    </a:hlink>
+    <a:folHlink>
+      <a:srgbClr val="954F72"/>
+    </a:folHlink>
+  </a:clrScheme>
+</a:themeOverride>
+</file>
+
 <file path=ppt/theme/themeOverride2.xml><?xml version="1.0" encoding="utf-8"?>
 <a:themeOverride xmlns:a="http://schemas.openxmlformats.org/drawingml/2006/main">
   <a:clrScheme name="Office">
@@ -7943,4 +13654,262 @@
     </a:folHlink>
   </a:clrScheme>
 </a:themeOverride>
+</file>
+
+<file path=ppt/theme/themeOverride4.xml><?xml version="1.0" encoding="utf-8"?>
+<a:themeOverride xmlns:a="http://schemas.openxmlformats.org/drawingml/2006/main">
+  <a:clrScheme name="Office">
+    <a:dk1>
+      <a:sysClr val="windowText" lastClr="000000"/>
+    </a:dk1>
+    <a:lt1>
+      <a:sysClr val="window" lastClr="FFFFFF"/>
+    </a:lt1>
+    <a:dk2>
+      <a:srgbClr val="44546A"/>
+    </a:dk2>
+    <a:lt2>
+      <a:srgbClr val="E7E6E6"/>
+    </a:lt2>
+    <a:accent1>
+      <a:srgbClr val="4472C4"/>
+    </a:accent1>
+    <a:accent2>
+      <a:srgbClr val="ED7D31"/>
+    </a:accent2>
+    <a:accent3>
+      <a:srgbClr val="A5A5A5"/>
+    </a:accent3>
+    <a:accent4>
+      <a:srgbClr val="FFC000"/>
+    </a:accent4>
+    <a:accent5>
+      <a:srgbClr val="5B9BD5"/>
+    </a:accent5>
+    <a:accent6>
+      <a:srgbClr val="70AD47"/>
+    </a:accent6>
+    <a:hlink>
+      <a:srgbClr val="0563C1"/>
+    </a:hlink>
+    <a:folHlink>
+      <a:srgbClr val="954F72"/>
+    </a:folHlink>
+  </a:clrScheme>
+</a:themeOverride>
+</file>
+
+<file path=ppt/theme/themeOverride5.xml><?xml version="1.0" encoding="utf-8"?>
+<a:themeOverride xmlns:a="http://schemas.openxmlformats.org/drawingml/2006/main">
+  <a:clrScheme name="Office">
+    <a:dk1>
+      <a:sysClr val="windowText" lastClr="000000"/>
+    </a:dk1>
+    <a:lt1>
+      <a:sysClr val="window" lastClr="FFFFFF"/>
+    </a:lt1>
+    <a:dk2>
+      <a:srgbClr val="44546A"/>
+    </a:dk2>
+    <a:lt2>
+      <a:srgbClr val="E7E6E6"/>
+    </a:lt2>
+    <a:accent1>
+      <a:srgbClr val="4472C4"/>
+    </a:accent1>
+    <a:accent2>
+      <a:srgbClr val="ED7D31"/>
+    </a:accent2>
+    <a:accent3>
+      <a:srgbClr val="A5A5A5"/>
+    </a:accent3>
+    <a:accent4>
+      <a:srgbClr val="FFC000"/>
+    </a:accent4>
+    <a:accent5>
+      <a:srgbClr val="5B9BD5"/>
+    </a:accent5>
+    <a:accent6>
+      <a:srgbClr val="70AD47"/>
+    </a:accent6>
+    <a:hlink>
+      <a:srgbClr val="0563C1"/>
+    </a:hlink>
+    <a:folHlink>
+      <a:srgbClr val="954F72"/>
+    </a:folHlink>
+  </a:clrScheme>
+</a:themeOverride>
+</file>
+
+<file path=ppt/theme/themeOverride6.xml><?xml version="1.0" encoding="utf-8"?>
+<a:themeOverride xmlns:a="http://schemas.openxmlformats.org/drawingml/2006/main">
+  <a:clrScheme name="Office">
+    <a:dk1>
+      <a:sysClr val="windowText" lastClr="000000"/>
+    </a:dk1>
+    <a:lt1>
+      <a:sysClr val="window" lastClr="FFFFFF"/>
+    </a:lt1>
+    <a:dk2>
+      <a:srgbClr val="44546A"/>
+    </a:dk2>
+    <a:lt2>
+      <a:srgbClr val="E7E6E6"/>
+    </a:lt2>
+    <a:accent1>
+      <a:srgbClr val="4472C4"/>
+    </a:accent1>
+    <a:accent2>
+      <a:srgbClr val="ED7D31"/>
+    </a:accent2>
+    <a:accent3>
+      <a:srgbClr val="A5A5A5"/>
+    </a:accent3>
+    <a:accent4>
+      <a:srgbClr val="FFC000"/>
+    </a:accent4>
+    <a:accent5>
+      <a:srgbClr val="5B9BD5"/>
+    </a:accent5>
+    <a:accent6>
+      <a:srgbClr val="70AD47"/>
+    </a:accent6>
+    <a:hlink>
+      <a:srgbClr val="0563C1"/>
+    </a:hlink>
+    <a:folHlink>
+      <a:srgbClr val="954F72"/>
+    </a:folHlink>
+  </a:clrScheme>
+</a:themeOverride>
+</file>
+
+<file path=ppt/theme/themeOverride7.xml><?xml version="1.0" encoding="utf-8"?>
+<a:themeOverride xmlns:a="http://schemas.openxmlformats.org/drawingml/2006/main">
+  <a:clrScheme name="Office">
+    <a:dk1>
+      <a:sysClr val="windowText" lastClr="000000"/>
+    </a:dk1>
+    <a:lt1>
+      <a:sysClr val="window" lastClr="FFFFFF"/>
+    </a:lt1>
+    <a:dk2>
+      <a:srgbClr val="44546A"/>
+    </a:dk2>
+    <a:lt2>
+      <a:srgbClr val="E7E6E6"/>
+    </a:lt2>
+    <a:accent1>
+      <a:srgbClr val="4472C4"/>
+    </a:accent1>
+    <a:accent2>
+      <a:srgbClr val="ED7D31"/>
+    </a:accent2>
+    <a:accent3>
+      <a:srgbClr val="A5A5A5"/>
+    </a:accent3>
+    <a:accent4>
+      <a:srgbClr val="FFC000"/>
+    </a:accent4>
+    <a:accent5>
+      <a:srgbClr val="5B9BD5"/>
+    </a:accent5>
+    <a:accent6>
+      <a:srgbClr val="70AD47"/>
+    </a:accent6>
+    <a:hlink>
+      <a:srgbClr val="0563C1"/>
+    </a:hlink>
+    <a:folHlink>
+      <a:srgbClr val="954F72"/>
+    </a:folHlink>
+  </a:clrScheme>
+</a:themeOverride>
+</file>
+
+<file path=ppt/theme/themeOverride8.xml><?xml version="1.0" encoding="utf-8"?>
+<a:themeOverride xmlns:a="http://schemas.openxmlformats.org/drawingml/2006/main">
+  <a:clrScheme name="Office">
+    <a:dk1>
+      <a:sysClr val="windowText" lastClr="000000"/>
+    </a:dk1>
+    <a:lt1>
+      <a:sysClr val="window" lastClr="FFFFFF"/>
+    </a:lt1>
+    <a:dk2>
+      <a:srgbClr val="44546A"/>
+    </a:dk2>
+    <a:lt2>
+      <a:srgbClr val="E7E6E6"/>
+    </a:lt2>
+    <a:accent1>
+      <a:srgbClr val="4472C4"/>
+    </a:accent1>
+    <a:accent2>
+      <a:srgbClr val="ED7D31"/>
+    </a:accent2>
+    <a:accent3>
+      <a:srgbClr val="A5A5A5"/>
+    </a:accent3>
+    <a:accent4>
+      <a:srgbClr val="FFC000"/>
+    </a:accent4>
+    <a:accent5>
+      <a:srgbClr val="5B9BD5"/>
+    </a:accent5>
+    <a:accent6>
+      <a:srgbClr val="70AD47"/>
+    </a:accent6>
+    <a:hlink>
+      <a:srgbClr val="0563C1"/>
+    </a:hlink>
+    <a:folHlink>
+      <a:srgbClr val="954F72"/>
+    </a:folHlink>
+  </a:clrScheme>
+</a:themeOverride>
+</file>
+
+<file path=ppt/theme/themeOverride9.xml><?xml version="1.0" encoding="utf-8"?>
+<a:themeOverride xmlns:a="http://schemas.openxmlformats.org/drawingml/2006/main">
+  <a:clrScheme name="Office">
+    <a:dk1>
+      <a:sysClr val="windowText" lastClr="000000"/>
+    </a:dk1>
+    <a:lt1>
+      <a:sysClr val="window" lastClr="FFFFFF"/>
+    </a:lt1>
+    <a:dk2>
+      <a:srgbClr val="44546A"/>
+    </a:dk2>
+    <a:lt2>
+      <a:srgbClr val="E7E6E6"/>
+    </a:lt2>
+    <a:accent1>
+      <a:srgbClr val="4472C4"/>
+    </a:accent1>
+    <a:accent2>
+      <a:srgbClr val="ED7D31"/>
+    </a:accent2>
+    <a:accent3>
+      <a:srgbClr val="A5A5A5"/>
+    </a:accent3>
+    <a:accent4>
+      <a:srgbClr val="FFC000"/>
+    </a:accent4>
+    <a:accent5>
+      <a:srgbClr val="5B9BD5"/>
+    </a:accent5>
+    <a:accent6>
+      <a:srgbClr val="70AD47"/>
+    </a:accent6>
+    <a:hlink>
+      <a:srgbClr val="0563C1"/>
+    </a:hlink>
+    <a:folHlink>
+      <a:srgbClr val="954F72"/>
+    </a:folHlink>
+  </a:clrScheme>
+</a:themeOverride>
 </file>